--- a/JavaLecture/LectureFile/java 10강 패키지와 접근제어자.pptx
+++ b/JavaLecture/LectureFile/java 10강 패키지와 접근제어자.pptx
@@ -278,7 +278,7 @@
           <a:p>
             <a:fld id="{D79F2C30-10E1-4C46-91DC-BBDB9629E720}" type="datetimeFigureOut">
               <a:rPr lang="ko-KR" altLang="en-US" smtClean="0"/>
-              <a:t>2023-10-29</a:t>
+              <a:t>2023-11-03 Friday</a:t>
             </a:fld>
             <a:endParaRPr lang="ko-KR" altLang="en-US"/>
           </a:p>
@@ -738,7 +738,7 @@
           <a:p>
             <a:fld id="{F8166F1F-CE9B-4651-A6AA-CD717754106B}" type="datetimeFigureOut">
               <a:rPr lang="en-US" smtClean="0"/>
-              <a:t>10/29/2023</a:t>
+              <a:t>11/3/2023</a:t>
             </a:fld>
             <a:endParaRPr lang="en-US"/>
           </a:p>
@@ -941,7 +941,7 @@
           <a:p>
             <a:fld id="{A76116CE-C4A3-4A05-B2D7-7C2E9A889C0F}" type="datetimeFigureOut">
               <a:rPr lang="en-US" smtClean="0"/>
-              <a:t>10/29/2023</a:t>
+              <a:t>11/3/2023</a:t>
             </a:fld>
             <a:endParaRPr lang="en-US"/>
           </a:p>
@@ -1144,7 +1144,7 @@
           <a:p>
             <a:fld id="{A76116CE-C4A3-4A05-B2D7-7C2E9A889C0F}" type="datetimeFigureOut">
               <a:rPr lang="en-US" smtClean="0"/>
-              <a:t>10/29/2023</a:t>
+              <a:t>11/3/2023</a:t>
             </a:fld>
             <a:endParaRPr lang="en-US"/>
           </a:p>
@@ -1349,7 +1349,7 @@
           <a:p>
             <a:fld id="{A76116CE-C4A3-4A05-B2D7-7C2E9A889C0F}" type="datetimeFigureOut">
               <a:rPr lang="en-US" smtClean="0"/>
-              <a:t>10/29/2023</a:t>
+              <a:t>11/3/2023</a:t>
             </a:fld>
             <a:endParaRPr lang="en-US"/>
           </a:p>
@@ -1619,7 +1619,7 @@
           <a:p>
             <a:fld id="{A76116CE-C4A3-4A05-B2D7-7C2E9A889C0F}" type="datetimeFigureOut">
               <a:rPr lang="en-US" smtClean="0"/>
-              <a:t>10/29/2023</a:t>
+              <a:t>11/3/2023</a:t>
             </a:fld>
             <a:endParaRPr lang="en-US"/>
           </a:p>
@@ -1937,7 +1937,7 @@
           <a:p>
             <a:fld id="{A76116CE-C4A3-4A05-B2D7-7C2E9A889C0F}" type="datetimeFigureOut">
               <a:rPr lang="en-US" smtClean="0"/>
-              <a:t>10/29/2023</a:t>
+              <a:t>11/3/2023</a:t>
             </a:fld>
             <a:endParaRPr lang="en-US"/>
           </a:p>
@@ -2395,7 +2395,7 @@
           <a:p>
             <a:fld id="{A76116CE-C4A3-4A05-B2D7-7C2E9A889C0F}" type="datetimeFigureOut">
               <a:rPr lang="en-US" smtClean="0"/>
-              <a:t>10/29/2023</a:t>
+              <a:t>11/3/2023</a:t>
             </a:fld>
             <a:endParaRPr lang="en-US"/>
           </a:p>
@@ -2539,7 +2539,7 @@
           <a:p>
             <a:fld id="{A76116CE-C4A3-4A05-B2D7-7C2E9A889C0F}" type="datetimeFigureOut">
               <a:rPr lang="en-US" smtClean="0"/>
-              <a:t>10/29/2023</a:t>
+              <a:t>11/3/2023</a:t>
             </a:fld>
             <a:endParaRPr lang="en-US"/>
           </a:p>
@@ -2653,7 +2653,7 @@
           <a:p>
             <a:fld id="{A76116CE-C4A3-4A05-B2D7-7C2E9A889C0F}" type="datetimeFigureOut">
               <a:rPr lang="en-US" smtClean="0"/>
-              <a:t>10/29/2023</a:t>
+              <a:t>11/3/2023</a:t>
             </a:fld>
             <a:endParaRPr lang="en-US"/>
           </a:p>
@@ -2956,7 +2956,7 @@
           <a:p>
             <a:fld id="{A76116CE-C4A3-4A05-B2D7-7C2E9A889C0F}" type="datetimeFigureOut">
               <a:rPr lang="en-US" smtClean="0"/>
-              <a:t>10/29/2023</a:t>
+              <a:t>11/3/2023</a:t>
             </a:fld>
             <a:endParaRPr lang="en-US"/>
           </a:p>
@@ -3236,7 +3236,7 @@
           <a:p>
             <a:fld id="{A76116CE-C4A3-4A05-B2D7-7C2E9A889C0F}" type="datetimeFigureOut">
               <a:rPr lang="en-US" smtClean="0"/>
-              <a:t>10/29/2023</a:t>
+              <a:t>11/3/2023</a:t>
             </a:fld>
             <a:endParaRPr lang="en-US"/>
           </a:p>
@@ -3994,7 +3994,7 @@
           <p:cNvPr id="2" name="TextBox 1">
             <a:extLst>
               <a:ext uri="{FF2B5EF4-FFF2-40B4-BE49-F238E27FC236}">
-                <a16:creationId xmlns="" xmlns:a16="http://schemas.microsoft.com/office/drawing/2014/main" id="{E9A453A8-9968-67AB-7B4A-83EEB4662AA6}"/>
+                <a16:creationId xmlns:a16="http://schemas.microsoft.com/office/drawing/2014/main" id="{E9A453A8-9968-67AB-7B4A-83EEB4662AA6}"/>
               </a:ext>
             </a:extLst>
           </p:cNvPr>
@@ -4042,7 +4042,7 @@
           <p:cNvPr id="4" name="TextBox 3">
             <a:extLst>
               <a:ext uri="{FF2B5EF4-FFF2-40B4-BE49-F238E27FC236}">
-                <a16:creationId xmlns="" xmlns:a16="http://schemas.microsoft.com/office/drawing/2014/main" id="{F4B7A35A-8AAC-4622-64BC-CAD1472D4115}"/>
+                <a16:creationId xmlns:a16="http://schemas.microsoft.com/office/drawing/2014/main" id="{F4B7A35A-8AAC-4622-64BC-CAD1472D4115}"/>
               </a:ext>
             </a:extLst>
           </p:cNvPr>
@@ -4114,7 +4114,7 @@
           <p:cNvPr id="7" name="TextBox 6">
             <a:extLst>
               <a:ext uri="{FF2B5EF4-FFF2-40B4-BE49-F238E27FC236}">
-                <a16:creationId xmlns="" xmlns:a16="http://schemas.microsoft.com/office/drawing/2014/main" id="{3ACE900A-D779-4343-6623-8588B376F0A1}"/>
+                <a16:creationId xmlns:a16="http://schemas.microsoft.com/office/drawing/2014/main" id="{3ACE900A-D779-4343-6623-8588B376F0A1}"/>
               </a:ext>
             </a:extLst>
           </p:cNvPr>
@@ -4153,13 +4153,6 @@
   <p:clrMapOvr>
     <a:masterClrMapping/>
   </p:clrMapOvr>
-  <p:timing>
-    <p:tnLst>
-      <p:par>
-        <p:cTn id="1" dur="indefinite" restart="never" nodeType="tmRoot"/>
-      </p:par>
-    </p:tnLst>
-  </p:timing>
 </p:sld>
 </file>
 
@@ -4185,7 +4178,7 @@
           <p:cNvPr id="6" name="TextBox 5">
             <a:extLst>
               <a:ext uri="{FF2B5EF4-FFF2-40B4-BE49-F238E27FC236}">
-                <a16:creationId xmlns:a16="http://schemas.microsoft.com/office/drawing/2014/main" xmlns="" id="{69196D22-2A4C-4EF6-5A42-2031D7FEF549}"/>
+                <a16:creationId xmlns:a16="http://schemas.microsoft.com/office/drawing/2014/main" id="{69196D22-2A4C-4EF6-5A42-2031D7FEF549}"/>
               </a:ext>
             </a:extLst>
           </p:cNvPr>
@@ -4209,7 +4202,7 @@
           <a:lstStyle/>
           <a:p>
             <a:r>
-              <a:rPr lang="ko-KR" altLang="en-US" sz="5400" spc="-300" smtClean="0">
+              <a:rPr lang="ko-KR" altLang="en-US" sz="5400" spc="-300">
                 <a:solidFill>
                   <a:srgbClr val="4C50BC"/>
                 </a:solidFill>
@@ -4233,7 +4226,7 @@
           <p:cNvPr id="7" name="직선 연결선 6">
             <a:extLst>
               <a:ext uri="{FF2B5EF4-FFF2-40B4-BE49-F238E27FC236}">
-                <a16:creationId xmlns:a16="http://schemas.microsoft.com/office/drawing/2014/main" xmlns="" id="{DDFA97EB-659B-5D0A-D41B-496A6FF66D9E}"/>
+                <a16:creationId xmlns:a16="http://schemas.microsoft.com/office/drawing/2014/main" id="{DDFA97EB-659B-5D0A-D41B-496A6FF66D9E}"/>
               </a:ext>
             </a:extLst>
           </p:cNvPr>
@@ -4276,7 +4269,7 @@
           <p:cNvPr id="9" name="TextBox 8">
             <a:extLst>
               <a:ext uri="{FF2B5EF4-FFF2-40B4-BE49-F238E27FC236}">
-                <a16:creationId xmlns:a16="http://schemas.microsoft.com/office/drawing/2014/main" xmlns="" id="{B1C05CB3-45A9-FA20-A8E0-BE6F095B8777}"/>
+                <a16:creationId xmlns:a16="http://schemas.microsoft.com/office/drawing/2014/main" id="{B1C05CB3-45A9-FA20-A8E0-BE6F095B8777}"/>
               </a:ext>
             </a:extLst>
           </p:cNvPr>
@@ -4304,7 +4297,7 @@
               <a:buChar char="•"/>
             </a:pPr>
             <a:r>
-              <a:rPr lang="ko-KR" altLang="en-US" sz="3600" smtClean="0">
+              <a:rPr lang="ko-KR" altLang="en-US" sz="3600">
                 <a:solidFill>
                   <a:schemeClr val="tx1">
                     <a:lumMod val="50000"/>
@@ -4317,7 +4310,7 @@
               <a:t>모든 클래스는 반드시 하나의 패키지 안에 속해야 한다</a:t>
             </a:r>
             <a:r>
-              <a:rPr lang="en-US" altLang="ko-KR" sz="3600" smtClean="0">
+              <a:rPr lang="en-US" altLang="ko-KR" sz="3600">
                 <a:solidFill>
                   <a:schemeClr val="tx1">
                     <a:lumMod val="50000"/>
@@ -4327,10 +4320,10 @@
                 <a:latin typeface="G마켓 산스 Medium" panose="02000000000000000000" pitchFamily="50" charset="-127"/>
                 <a:ea typeface="G마켓 산스 Medium" panose="02000000000000000000" pitchFamily="50" charset="-127"/>
               </a:rPr>
-              <a:t>.</a:t>
-            </a:r>
-            <a:r>
-              <a:rPr lang="en-US" altLang="ko-KR" sz="3600" smtClean="0">
+              <a:t>.(</a:t>
+            </a:r>
+            <a:r>
+              <a:rPr lang="ko-KR" altLang="en-US" sz="3600">
                 <a:solidFill>
                   <a:schemeClr val="tx1">
                     <a:lumMod val="50000"/>
@@ -4340,10 +4333,10 @@
                 <a:latin typeface="G마켓 산스 Medium" panose="02000000000000000000" pitchFamily="50" charset="-127"/>
                 <a:ea typeface="G마켓 산스 Medium" panose="02000000000000000000" pitchFamily="50" charset="-127"/>
               </a:rPr>
-              <a:t>(</a:t>
-            </a:r>
-            <a:r>
-              <a:rPr lang="ko-KR" altLang="en-US" sz="3600" smtClean="0">
+              <a:t>자바 버전에 따라 다를수 있음</a:t>
+            </a:r>
+            <a:r>
+              <a:rPr lang="en-US" altLang="ko-KR" sz="3600">
                 <a:solidFill>
                   <a:schemeClr val="tx1">
                     <a:lumMod val="50000"/>
@@ -4353,24 +4346,11 @@
                 <a:latin typeface="G마켓 산스 Medium" panose="02000000000000000000" pitchFamily="50" charset="-127"/>
                 <a:ea typeface="G마켓 산스 Medium" panose="02000000000000000000" pitchFamily="50" charset="-127"/>
               </a:rPr>
-              <a:t>자바 버전에 따라 다를수 있음</a:t>
-            </a:r>
-            <a:r>
-              <a:rPr lang="en-US" altLang="ko-KR" sz="3600" smtClean="0">
-                <a:solidFill>
-                  <a:schemeClr val="tx1">
-                    <a:lumMod val="50000"/>
-                    <a:lumOff val="50000"/>
-                  </a:schemeClr>
-                </a:solidFill>
-                <a:latin typeface="G마켓 산스 Medium" panose="02000000000000000000" pitchFamily="50" charset="-127"/>
-                <a:ea typeface="G마켓 산스 Medium" panose="02000000000000000000" pitchFamily="50" charset="-127"/>
-              </a:rPr>
               <a:t>)</a:t>
             </a:r>
           </a:p>
           <a:p>
-            <a:endParaRPr lang="en-US" altLang="ko-KR" sz="3600" smtClean="0">
+            <a:endParaRPr lang="en-US" altLang="ko-KR" sz="3600">
               <a:solidFill>
                 <a:schemeClr val="tx1">
                   <a:lumMod val="50000"/>
@@ -4387,7 +4367,7 @@
               <a:buChar char="•"/>
             </a:pPr>
             <a:r>
-              <a:rPr lang="ko-KR" altLang="en-US" sz="3600" smtClean="0">
+              <a:rPr lang="ko-KR" altLang="en-US" sz="3600">
                 <a:solidFill>
                   <a:schemeClr val="tx1">
                     <a:lumMod val="50000"/>
@@ -4400,7 +4380,7 @@
               <a:t>대소문자 모두 사용 가능하지만 클래스명과의 구분을 위해 소문자만 쓰는것이 관례이다</a:t>
             </a:r>
             <a:r>
-              <a:rPr lang="en-US" altLang="ko-KR" sz="3600" smtClean="0">
+              <a:rPr lang="en-US" altLang="ko-KR" sz="3600">
                 <a:solidFill>
                   <a:schemeClr val="tx1">
                     <a:lumMod val="50000"/>
@@ -4414,7 +4394,7 @@
             </a:r>
           </a:p>
           <a:p>
-            <a:endParaRPr lang="en-US" altLang="ko-KR" sz="3600" smtClean="0">
+            <a:endParaRPr lang="en-US" altLang="ko-KR" sz="3600">
               <a:solidFill>
                 <a:schemeClr val="tx1">
                   <a:lumMod val="50000"/>
@@ -4431,7 +4411,7 @@
               <a:buChar char="•"/>
             </a:pPr>
             <a:r>
-              <a:rPr lang="ko-KR" altLang="en-US" sz="3600" smtClean="0">
+              <a:rPr lang="ko-KR" altLang="en-US" sz="3600">
                 <a:solidFill>
                   <a:schemeClr val="tx1">
                     <a:lumMod val="50000"/>
@@ -4444,7 +4424,7 @@
               <a:t>문법적  규칙은 아니지만 일반적으로 도메인 형식을 거꾸로 만드는것이 관례이다</a:t>
             </a:r>
             <a:r>
-              <a:rPr lang="en-US" altLang="ko-KR" sz="3600" smtClean="0">
+              <a:rPr lang="en-US" altLang="ko-KR" sz="3600">
                 <a:solidFill>
                   <a:schemeClr val="tx1">
                     <a:lumMod val="50000"/>
@@ -4459,7 +4439,7 @@
           </a:p>
           <a:p>
             <a:r>
-              <a:rPr lang="en-US" altLang="ko-KR" sz="3600" smtClean="0">
+              <a:rPr lang="en-US" altLang="ko-KR" sz="3600">
                 <a:solidFill>
                   <a:schemeClr val="tx1">
                     <a:lumMod val="50000"/>
@@ -4472,7 +4452,7 @@
               <a:t>     ex(com.naver.blog) -&gt; </a:t>
             </a:r>
             <a:r>
-              <a:rPr lang="ko-KR" altLang="en-US" sz="3600" smtClean="0">
+              <a:rPr lang="ko-KR" altLang="en-US" sz="3600">
                 <a:solidFill>
                   <a:schemeClr val="tx1">
                     <a:lumMod val="50000"/>
@@ -4484,7 +4464,7 @@
               </a:rPr>
               <a:t>네이버 블로그 개발과 관련된 클래스 패키지</a:t>
             </a:r>
-            <a:endParaRPr lang="en-US" altLang="ko-KR" sz="3600" smtClean="0">
+            <a:endParaRPr lang="en-US" altLang="ko-KR" sz="3600">
               <a:solidFill>
                 <a:schemeClr val="tx1">
                   <a:lumMod val="50000"/>
@@ -4507,13 +4487,6 @@
   <p:clrMapOvr>
     <a:masterClrMapping/>
   </p:clrMapOvr>
-  <p:timing>
-    <p:tnLst>
-      <p:par>
-        <p:cTn id="1" dur="indefinite" restart="never" nodeType="tmRoot"/>
-      </p:par>
-    </p:tnLst>
-  </p:timing>
 </p:sld>
 </file>
 
@@ -4539,7 +4512,7 @@
           <p:cNvPr id="4" name="TextBox 3">
             <a:extLst>
               <a:ext uri="{FF2B5EF4-FFF2-40B4-BE49-F238E27FC236}">
-                <a16:creationId xmlns="" xmlns:a16="http://schemas.microsoft.com/office/drawing/2014/main" id="{DF7DDD33-9412-2802-339A-E55446AC2DA7}"/>
+                <a16:creationId xmlns:a16="http://schemas.microsoft.com/office/drawing/2014/main" id="{DF7DDD33-9412-2802-339A-E55446AC2DA7}"/>
               </a:ext>
             </a:extLst>
           </p:cNvPr>
@@ -4602,13 +4575,6 @@
   <p:clrMapOvr>
     <a:masterClrMapping/>
   </p:clrMapOvr>
-  <p:timing>
-    <p:tnLst>
-      <p:par>
-        <p:cTn id="1" dur="indefinite" restart="never" nodeType="tmRoot"/>
-      </p:par>
-    </p:tnLst>
-  </p:timing>
 </p:sld>
 </file>
 
@@ -4658,7 +4624,7 @@
           <p:cNvPr id="5" name="TextBox 4">
             <a:extLst>
               <a:ext uri="{FF2B5EF4-FFF2-40B4-BE49-F238E27FC236}">
-                <a16:creationId xmlns="" xmlns:a16="http://schemas.microsoft.com/office/drawing/2014/main" id="{DF7DDD33-9412-2802-339A-E55446AC2DA7}"/>
+                <a16:creationId xmlns:a16="http://schemas.microsoft.com/office/drawing/2014/main" id="{DF7DDD33-9412-2802-339A-E55446AC2DA7}"/>
               </a:ext>
             </a:extLst>
           </p:cNvPr>
@@ -4798,13 +4764,6 @@
   <p:clrMapOvr>
     <a:masterClrMapping/>
   </p:clrMapOvr>
-  <p:timing>
-    <p:tnLst>
-      <p:par>
-        <p:cTn id="1" dur="indefinite" restart="never" nodeType="tmRoot"/>
-      </p:par>
-    </p:tnLst>
-  </p:timing>
 </p:sld>
 </file>
 
@@ -4854,7 +4813,7 @@
           <p:cNvPr id="7" name="직사각형 6">
             <a:extLst>
               <a:ext uri="{FF2B5EF4-FFF2-40B4-BE49-F238E27FC236}">
-                <a16:creationId xmlns="" xmlns:a16="http://schemas.microsoft.com/office/drawing/2014/main" id="{FFF506F9-840A-0508-4CAF-3AC711D8D5CE}"/>
+                <a16:creationId xmlns:a16="http://schemas.microsoft.com/office/drawing/2014/main" id="{FFF506F9-840A-0508-4CAF-3AC711D8D5CE}"/>
               </a:ext>
             </a:extLst>
           </p:cNvPr>
@@ -4906,7 +4865,7 @@
           <p:cNvPr id="8" name="직사각형 7">
             <a:extLst>
               <a:ext uri="{FF2B5EF4-FFF2-40B4-BE49-F238E27FC236}">
-                <a16:creationId xmlns="" xmlns:a16="http://schemas.microsoft.com/office/drawing/2014/main" id="{FFF506F9-840A-0508-4CAF-3AC711D8D5CE}"/>
+                <a16:creationId xmlns:a16="http://schemas.microsoft.com/office/drawing/2014/main" id="{FFF506F9-840A-0508-4CAF-3AC711D8D5CE}"/>
               </a:ext>
             </a:extLst>
           </p:cNvPr>
@@ -4958,7 +4917,7 @@
           <p:cNvPr id="10" name="TextBox 9">
             <a:extLst>
               <a:ext uri="{FF2B5EF4-FFF2-40B4-BE49-F238E27FC236}">
-                <a16:creationId xmlns:a16="http://schemas.microsoft.com/office/drawing/2014/main" xmlns="" id="{69196D22-2A4C-4EF6-5A42-2031D7FEF549}"/>
+                <a16:creationId xmlns:a16="http://schemas.microsoft.com/office/drawing/2014/main" id="{69196D22-2A4C-4EF6-5A42-2031D7FEF549}"/>
               </a:ext>
             </a:extLst>
           </p:cNvPr>
@@ -4982,7 +4941,7 @@
           <a:lstStyle/>
           <a:p>
             <a:r>
-              <a:rPr lang="en-US" altLang="ko-KR" sz="5400" spc="-300" smtClean="0">
+              <a:rPr lang="en-US" altLang="ko-KR" sz="5400" spc="-300">
                 <a:solidFill>
                   <a:srgbClr val="4C50BC"/>
                 </a:solidFill>
@@ -5006,7 +4965,7 @@
           <p:cNvPr id="11" name="직선 연결선 10">
             <a:extLst>
               <a:ext uri="{FF2B5EF4-FFF2-40B4-BE49-F238E27FC236}">
-                <a16:creationId xmlns:a16="http://schemas.microsoft.com/office/drawing/2014/main" xmlns="" id="{DDFA97EB-659B-5D0A-D41B-496A6FF66D9E}"/>
+                <a16:creationId xmlns:a16="http://schemas.microsoft.com/office/drawing/2014/main" id="{DDFA97EB-659B-5D0A-D41B-496A6FF66D9E}"/>
               </a:ext>
             </a:extLst>
           </p:cNvPr>
@@ -5049,7 +5008,7 @@
           <p:cNvPr id="12" name="TextBox 11">
             <a:extLst>
               <a:ext uri="{FF2B5EF4-FFF2-40B4-BE49-F238E27FC236}">
-                <a16:creationId xmlns:a16="http://schemas.microsoft.com/office/drawing/2014/main" xmlns="" id="{B1C05CB3-45A9-FA20-A8E0-BE6F095B8777}"/>
+                <a16:creationId xmlns:a16="http://schemas.microsoft.com/office/drawing/2014/main" id="{B1C05CB3-45A9-FA20-A8E0-BE6F095B8777}"/>
               </a:ext>
             </a:extLst>
           </p:cNvPr>
@@ -5077,7 +5036,7 @@
               <a:buChar char="•"/>
             </a:pPr>
             <a:r>
-              <a:rPr lang="ko-KR" altLang="en-US" sz="3600" smtClean="0">
+              <a:rPr lang="ko-KR" altLang="en-US" sz="3600">
                 <a:solidFill>
                   <a:schemeClr val="tx1">
                     <a:lumMod val="50000"/>
@@ -5090,7 +5049,7 @@
               <a:t>다른 패키지의 클래스를 가져올때 사용한다</a:t>
             </a:r>
             <a:r>
-              <a:rPr lang="en-US" altLang="ko-KR" sz="3600" smtClean="0">
+              <a:rPr lang="en-US" altLang="ko-KR" sz="3600">
                 <a:solidFill>
                   <a:schemeClr val="tx1">
                     <a:lumMod val="50000"/>
@@ -5125,13 +5084,6 @@
   <p:clrMapOvr>
     <a:masterClrMapping/>
   </p:clrMapOvr>
-  <p:timing>
-    <p:tnLst>
-      <p:par>
-        <p:cTn id="1" dur="indefinite" restart="never" nodeType="tmRoot"/>
-      </p:par>
-    </p:tnLst>
-  </p:timing>
 </p:sld>
 </file>
 
@@ -5181,7 +5133,7 @@
           <p:cNvPr id="6" name="직사각형 5">
             <a:extLst>
               <a:ext uri="{FF2B5EF4-FFF2-40B4-BE49-F238E27FC236}">
-                <a16:creationId xmlns="" xmlns:a16="http://schemas.microsoft.com/office/drawing/2014/main" id="{FFF506F9-840A-0508-4CAF-3AC711D8D5CE}"/>
+                <a16:creationId xmlns:a16="http://schemas.microsoft.com/office/drawing/2014/main" id="{FFF506F9-840A-0508-4CAF-3AC711D8D5CE}"/>
               </a:ext>
             </a:extLst>
           </p:cNvPr>
@@ -5233,7 +5185,7 @@
           <p:cNvPr id="7" name="직선 화살표 연결선 6">
             <a:extLst>
               <a:ext uri="{FF2B5EF4-FFF2-40B4-BE49-F238E27FC236}">
-                <a16:creationId xmlns="" xmlns:a16="http://schemas.microsoft.com/office/drawing/2014/main" id="{299DF5EC-9DF4-5255-06AC-0A7CE4FF58C3}"/>
+                <a16:creationId xmlns:a16="http://schemas.microsoft.com/office/drawing/2014/main" id="{299DF5EC-9DF4-5255-06AC-0A7CE4FF58C3}"/>
               </a:ext>
             </a:extLst>
           </p:cNvPr>
@@ -5274,7 +5226,7 @@
           <p:cNvPr id="8" name="TextBox 7">
             <a:extLst>
               <a:ext uri="{FF2B5EF4-FFF2-40B4-BE49-F238E27FC236}">
-                <a16:creationId xmlns="" xmlns:a16="http://schemas.microsoft.com/office/drawing/2014/main" id="{C6D113C6-EA5C-788F-0C77-E7CE6EBB865F}"/>
+                <a16:creationId xmlns:a16="http://schemas.microsoft.com/office/drawing/2014/main" id="{C6D113C6-EA5C-788F-0C77-E7CE6EBB865F}"/>
               </a:ext>
             </a:extLst>
           </p:cNvPr>
@@ -5342,7 +5294,7 @@
           <p:cNvPr id="13" name="TextBox 12">
             <a:extLst>
               <a:ext uri="{FF2B5EF4-FFF2-40B4-BE49-F238E27FC236}">
-                <a16:creationId xmlns="" xmlns:a16="http://schemas.microsoft.com/office/drawing/2014/main" id="{DF7DDD33-9412-2802-339A-E55446AC2DA7}"/>
+                <a16:creationId xmlns:a16="http://schemas.microsoft.com/office/drawing/2014/main" id="{DF7DDD33-9412-2802-339A-E55446AC2DA7}"/>
               </a:ext>
             </a:extLst>
           </p:cNvPr>
@@ -5410,7 +5362,7 @@
           <p:cNvPr id="12" name="TextBox 11">
             <a:extLst>
               <a:ext uri="{FF2B5EF4-FFF2-40B4-BE49-F238E27FC236}">
-                <a16:creationId xmlns:a16="http://schemas.microsoft.com/office/drawing/2014/main" xmlns="" id="{69196D22-2A4C-4EF6-5A42-2031D7FEF549}"/>
+                <a16:creationId xmlns:a16="http://schemas.microsoft.com/office/drawing/2014/main" id="{69196D22-2A4C-4EF6-5A42-2031D7FEF549}"/>
               </a:ext>
             </a:extLst>
           </p:cNvPr>
@@ -5434,7 +5386,7 @@
           <a:lstStyle/>
           <a:p>
             <a:r>
-              <a:rPr lang="en-US" altLang="ko-KR" sz="5400" spc="-300" smtClean="0">
+              <a:rPr lang="en-US" altLang="ko-KR" sz="5400" spc="-300">
                 <a:solidFill>
                   <a:srgbClr val="4C50BC"/>
                 </a:solidFill>
@@ -5458,7 +5410,7 @@
           <p:cNvPr id="14" name="직선 연결선 13">
             <a:extLst>
               <a:ext uri="{FF2B5EF4-FFF2-40B4-BE49-F238E27FC236}">
-                <a16:creationId xmlns:a16="http://schemas.microsoft.com/office/drawing/2014/main" xmlns="" id="{DDFA97EB-659B-5D0A-D41B-496A6FF66D9E}"/>
+                <a16:creationId xmlns:a16="http://schemas.microsoft.com/office/drawing/2014/main" id="{DDFA97EB-659B-5D0A-D41B-496A6FF66D9E}"/>
               </a:ext>
             </a:extLst>
           </p:cNvPr>
@@ -5711,7 +5663,7 @@
           <p:cNvPr id="6" name="직사각형 5">
             <a:extLst>
               <a:ext uri="{FF2B5EF4-FFF2-40B4-BE49-F238E27FC236}">
-                <a16:creationId xmlns="" xmlns:a16="http://schemas.microsoft.com/office/drawing/2014/main" id="{FFF506F9-840A-0508-4CAF-3AC711D8D5CE}"/>
+                <a16:creationId xmlns:a16="http://schemas.microsoft.com/office/drawing/2014/main" id="{FFF506F9-840A-0508-4CAF-3AC711D8D5CE}"/>
               </a:ext>
             </a:extLst>
           </p:cNvPr>
@@ -5763,7 +5715,7 @@
           <p:cNvPr id="7" name="직사각형 6">
             <a:extLst>
               <a:ext uri="{FF2B5EF4-FFF2-40B4-BE49-F238E27FC236}">
-                <a16:creationId xmlns="" xmlns:a16="http://schemas.microsoft.com/office/drawing/2014/main" id="{FFF506F9-840A-0508-4CAF-3AC711D8D5CE}"/>
+                <a16:creationId xmlns:a16="http://schemas.microsoft.com/office/drawing/2014/main" id="{FFF506F9-840A-0508-4CAF-3AC711D8D5CE}"/>
               </a:ext>
             </a:extLst>
           </p:cNvPr>
@@ -5815,7 +5767,7 @@
           <p:cNvPr id="8" name="직선 화살표 연결선 7">
             <a:extLst>
               <a:ext uri="{FF2B5EF4-FFF2-40B4-BE49-F238E27FC236}">
-                <a16:creationId xmlns="" xmlns:a16="http://schemas.microsoft.com/office/drawing/2014/main" id="{299DF5EC-9DF4-5255-06AC-0A7CE4FF58C3}"/>
+                <a16:creationId xmlns:a16="http://schemas.microsoft.com/office/drawing/2014/main" id="{299DF5EC-9DF4-5255-06AC-0A7CE4FF58C3}"/>
               </a:ext>
             </a:extLst>
           </p:cNvPr>
@@ -5856,7 +5808,7 @@
           <p:cNvPr id="9" name="TextBox 8">
             <a:extLst>
               <a:ext uri="{FF2B5EF4-FFF2-40B4-BE49-F238E27FC236}">
-                <a16:creationId xmlns="" xmlns:a16="http://schemas.microsoft.com/office/drawing/2014/main" id="{C6D113C6-EA5C-788F-0C77-E7CE6EBB865F}"/>
+                <a16:creationId xmlns:a16="http://schemas.microsoft.com/office/drawing/2014/main" id="{C6D113C6-EA5C-788F-0C77-E7CE6EBB865F}"/>
               </a:ext>
             </a:extLst>
           </p:cNvPr>
@@ -5928,7 +5880,7 @@
           <p:cNvPr id="13" name="직선 화살표 연결선 12">
             <a:extLst>
               <a:ext uri="{FF2B5EF4-FFF2-40B4-BE49-F238E27FC236}">
-                <a16:creationId xmlns="" xmlns:a16="http://schemas.microsoft.com/office/drawing/2014/main" id="{299DF5EC-9DF4-5255-06AC-0A7CE4FF58C3}"/>
+                <a16:creationId xmlns:a16="http://schemas.microsoft.com/office/drawing/2014/main" id="{299DF5EC-9DF4-5255-06AC-0A7CE4FF58C3}"/>
               </a:ext>
             </a:extLst>
           </p:cNvPr>
@@ -5969,7 +5921,7 @@
           <p:cNvPr id="14" name="TextBox 13">
             <a:extLst>
               <a:ext uri="{FF2B5EF4-FFF2-40B4-BE49-F238E27FC236}">
-                <a16:creationId xmlns="" xmlns:a16="http://schemas.microsoft.com/office/drawing/2014/main" id="{C6D113C6-EA5C-788F-0C77-E7CE6EBB865F}"/>
+                <a16:creationId xmlns:a16="http://schemas.microsoft.com/office/drawing/2014/main" id="{C6D113C6-EA5C-788F-0C77-E7CE6EBB865F}"/>
               </a:ext>
             </a:extLst>
           </p:cNvPr>
@@ -6203,7 +6155,7 @@
           <p:cNvPr id="5" name="직사각형 4">
             <a:extLst>
               <a:ext uri="{FF2B5EF4-FFF2-40B4-BE49-F238E27FC236}">
-                <a16:creationId xmlns="" xmlns:a16="http://schemas.microsoft.com/office/drawing/2014/main" id="{FFF506F9-840A-0508-4CAF-3AC711D8D5CE}"/>
+                <a16:creationId xmlns:a16="http://schemas.microsoft.com/office/drawing/2014/main" id="{FFF506F9-840A-0508-4CAF-3AC711D8D5CE}"/>
               </a:ext>
             </a:extLst>
           </p:cNvPr>
@@ -6255,7 +6207,7 @@
           <p:cNvPr id="6" name="TextBox 5">
             <a:extLst>
               <a:ext uri="{FF2B5EF4-FFF2-40B4-BE49-F238E27FC236}">
-                <a16:creationId xmlns="" xmlns:a16="http://schemas.microsoft.com/office/drawing/2014/main" id="{DF7DDD33-9412-2802-339A-E55446AC2DA7}"/>
+                <a16:creationId xmlns:a16="http://schemas.microsoft.com/office/drawing/2014/main" id="{DF7DDD33-9412-2802-339A-E55446AC2DA7}"/>
               </a:ext>
             </a:extLst>
           </p:cNvPr>
@@ -6367,7 +6319,7 @@
           <p:cNvPr id="8" name="TextBox 7">
             <a:extLst>
               <a:ext uri="{FF2B5EF4-FFF2-40B4-BE49-F238E27FC236}">
-                <a16:creationId xmlns:a16="http://schemas.microsoft.com/office/drawing/2014/main" xmlns="" id="{69196D22-2A4C-4EF6-5A42-2031D7FEF549}"/>
+                <a16:creationId xmlns:a16="http://schemas.microsoft.com/office/drawing/2014/main" id="{69196D22-2A4C-4EF6-5A42-2031D7FEF549}"/>
               </a:ext>
             </a:extLst>
           </p:cNvPr>
@@ -6391,7 +6343,7 @@
           <a:lstStyle/>
           <a:p>
             <a:r>
-              <a:rPr lang="en-US" altLang="ko-KR" sz="5400" spc="-300" smtClean="0">
+              <a:rPr lang="en-US" altLang="ko-KR" sz="5400" spc="-300">
                 <a:solidFill>
                   <a:srgbClr val="4C50BC"/>
                 </a:solidFill>
@@ -6401,7 +6353,7 @@
               <a:t>java.lang </a:t>
             </a:r>
             <a:r>
-              <a:rPr lang="ko-KR" altLang="en-US" sz="5400" spc="-300" smtClean="0">
+              <a:rPr lang="ko-KR" altLang="en-US" sz="5400" spc="-300">
                 <a:solidFill>
                   <a:srgbClr val="4C50BC"/>
                 </a:solidFill>
@@ -6425,7 +6377,7 @@
           <p:cNvPr id="9" name="직선 연결선 8">
             <a:extLst>
               <a:ext uri="{FF2B5EF4-FFF2-40B4-BE49-F238E27FC236}">
-                <a16:creationId xmlns:a16="http://schemas.microsoft.com/office/drawing/2014/main" xmlns="" id="{DDFA97EB-659B-5D0A-D41B-496A6FF66D9E}"/>
+                <a16:creationId xmlns:a16="http://schemas.microsoft.com/office/drawing/2014/main" id="{DDFA97EB-659B-5D0A-D41B-496A6FF66D9E}"/>
               </a:ext>
             </a:extLst>
           </p:cNvPr>
@@ -6468,7 +6420,7 @@
           <p:cNvPr id="10" name="TextBox 9">
             <a:extLst>
               <a:ext uri="{FF2B5EF4-FFF2-40B4-BE49-F238E27FC236}">
-                <a16:creationId xmlns:a16="http://schemas.microsoft.com/office/drawing/2014/main" xmlns="" id="{B1C05CB3-45A9-FA20-A8E0-BE6F095B8777}"/>
+                <a16:creationId xmlns:a16="http://schemas.microsoft.com/office/drawing/2014/main" id="{B1C05CB3-45A9-FA20-A8E0-BE6F095B8777}"/>
               </a:ext>
             </a:extLst>
           </p:cNvPr>
@@ -6496,7 +6448,7 @@
               <a:buChar char="•"/>
             </a:pPr>
             <a:r>
-              <a:rPr lang="en-US" altLang="ko-KR" sz="3600" smtClean="0">
+              <a:rPr lang="en-US" altLang="ko-KR" sz="3600">
                 <a:solidFill>
                   <a:schemeClr val="tx1">
                     <a:lumMod val="50000"/>
@@ -6509,7 +6461,7 @@
               <a:t>String, System, Math </a:t>
             </a:r>
             <a:r>
-              <a:rPr lang="ko-KR" altLang="en-US" sz="3600" smtClean="0">
+              <a:rPr lang="ko-KR" altLang="en-US" sz="3600">
                 <a:solidFill>
                   <a:schemeClr val="tx1">
                     <a:lumMod val="50000"/>
@@ -6522,7 +6474,7 @@
               <a:t>등등 자주 쓰이는 기본 클래스들이 들어있다</a:t>
             </a:r>
             <a:r>
-              <a:rPr lang="en-US" altLang="ko-KR" sz="3600" smtClean="0">
+              <a:rPr lang="en-US" altLang="ko-KR" sz="3600">
                 <a:solidFill>
                   <a:schemeClr val="tx1">
                     <a:lumMod val="50000"/>
@@ -6557,13 +6509,6 @@
   <p:clrMapOvr>
     <a:masterClrMapping/>
   </p:clrMapOvr>
-  <p:timing>
-    <p:tnLst>
-      <p:par>
-        <p:cTn id="1" dur="indefinite" restart="never" nodeType="tmRoot"/>
-      </p:par>
-    </p:tnLst>
-  </p:timing>
 </p:sld>
 </file>
 
@@ -6589,7 +6534,7 @@
           <p:cNvPr id="5" name="TextBox 4">
             <a:extLst>
               <a:ext uri="{FF2B5EF4-FFF2-40B4-BE49-F238E27FC236}">
-                <a16:creationId xmlns="" xmlns:a16="http://schemas.microsoft.com/office/drawing/2014/main" id="{DF7DDD33-9412-2802-339A-E55446AC2DA7}"/>
+                <a16:creationId xmlns:a16="http://schemas.microsoft.com/office/drawing/2014/main" id="{DF7DDD33-9412-2802-339A-E55446AC2DA7}"/>
               </a:ext>
             </a:extLst>
           </p:cNvPr>
@@ -6694,13 +6639,6 @@
   <p:clrMapOvr>
     <a:masterClrMapping/>
   </p:clrMapOvr>
-  <p:timing>
-    <p:tnLst>
-      <p:par>
-        <p:cTn id="1" dur="indefinite" restart="never" nodeType="tmRoot"/>
-      </p:par>
-    </p:tnLst>
-  </p:timing>
 </p:sld>
 </file>
 
@@ -6750,7 +6688,7 @@
           <p:cNvPr id="7" name="직사각형 6">
             <a:extLst>
               <a:ext uri="{FF2B5EF4-FFF2-40B4-BE49-F238E27FC236}">
-                <a16:creationId xmlns="" xmlns:a16="http://schemas.microsoft.com/office/drawing/2014/main" id="{FFF506F9-840A-0508-4CAF-3AC711D8D5CE}"/>
+                <a16:creationId xmlns:a16="http://schemas.microsoft.com/office/drawing/2014/main" id="{FFF506F9-840A-0508-4CAF-3AC711D8D5CE}"/>
               </a:ext>
             </a:extLst>
           </p:cNvPr>
@@ -6802,7 +6740,7 @@
           <p:cNvPr id="8" name="직선 화살표 연결선 7">
             <a:extLst>
               <a:ext uri="{FF2B5EF4-FFF2-40B4-BE49-F238E27FC236}">
-                <a16:creationId xmlns="" xmlns:a16="http://schemas.microsoft.com/office/drawing/2014/main" id="{299DF5EC-9DF4-5255-06AC-0A7CE4FF58C3}"/>
+                <a16:creationId xmlns:a16="http://schemas.microsoft.com/office/drawing/2014/main" id="{299DF5EC-9DF4-5255-06AC-0A7CE4FF58C3}"/>
               </a:ext>
             </a:extLst>
           </p:cNvPr>
@@ -6843,7 +6781,7 @@
           <p:cNvPr id="9" name="TextBox 8">
             <a:extLst>
               <a:ext uri="{FF2B5EF4-FFF2-40B4-BE49-F238E27FC236}">
-                <a16:creationId xmlns="" xmlns:a16="http://schemas.microsoft.com/office/drawing/2014/main" id="{C6D113C6-EA5C-788F-0C77-E7CE6EBB865F}"/>
+                <a16:creationId xmlns:a16="http://schemas.microsoft.com/office/drawing/2014/main" id="{C6D113C6-EA5C-788F-0C77-E7CE6EBB865F}"/>
               </a:ext>
             </a:extLst>
           </p:cNvPr>
@@ -6891,7 +6829,7 @@
           <p:cNvPr id="11" name="직사각형 10">
             <a:extLst>
               <a:ext uri="{FF2B5EF4-FFF2-40B4-BE49-F238E27FC236}">
-                <a16:creationId xmlns="" xmlns:a16="http://schemas.microsoft.com/office/drawing/2014/main" id="{FFF506F9-840A-0508-4CAF-3AC711D8D5CE}"/>
+                <a16:creationId xmlns:a16="http://schemas.microsoft.com/office/drawing/2014/main" id="{FFF506F9-840A-0508-4CAF-3AC711D8D5CE}"/>
               </a:ext>
             </a:extLst>
           </p:cNvPr>
@@ -6943,7 +6881,7 @@
           <p:cNvPr id="12" name="직선 화살표 연결선 11">
             <a:extLst>
               <a:ext uri="{FF2B5EF4-FFF2-40B4-BE49-F238E27FC236}">
-                <a16:creationId xmlns="" xmlns:a16="http://schemas.microsoft.com/office/drawing/2014/main" id="{299DF5EC-9DF4-5255-06AC-0A7CE4FF58C3}"/>
+                <a16:creationId xmlns:a16="http://schemas.microsoft.com/office/drawing/2014/main" id="{299DF5EC-9DF4-5255-06AC-0A7CE4FF58C3}"/>
               </a:ext>
             </a:extLst>
           </p:cNvPr>
@@ -6984,7 +6922,7 @@
           <p:cNvPr id="13" name="TextBox 12">
             <a:extLst>
               <a:ext uri="{FF2B5EF4-FFF2-40B4-BE49-F238E27FC236}">
-                <a16:creationId xmlns="" xmlns:a16="http://schemas.microsoft.com/office/drawing/2014/main" id="{C6D113C6-EA5C-788F-0C77-E7CE6EBB865F}"/>
+                <a16:creationId xmlns:a16="http://schemas.microsoft.com/office/drawing/2014/main" id="{C6D113C6-EA5C-788F-0C77-E7CE6EBB865F}"/>
               </a:ext>
             </a:extLst>
           </p:cNvPr>
@@ -7086,7 +7024,7 @@
           <p:cNvPr id="19" name="직사각형 18">
             <a:extLst>
               <a:ext uri="{FF2B5EF4-FFF2-40B4-BE49-F238E27FC236}">
-                <a16:creationId xmlns="" xmlns:a16="http://schemas.microsoft.com/office/drawing/2014/main" id="{FFF506F9-840A-0508-4CAF-3AC711D8D5CE}"/>
+                <a16:creationId xmlns:a16="http://schemas.microsoft.com/office/drawing/2014/main" id="{FFF506F9-840A-0508-4CAF-3AC711D8D5CE}"/>
               </a:ext>
             </a:extLst>
           </p:cNvPr>
@@ -7138,7 +7076,7 @@
           <p:cNvPr id="20" name="직선 화살표 연결선 19">
             <a:extLst>
               <a:ext uri="{FF2B5EF4-FFF2-40B4-BE49-F238E27FC236}">
-                <a16:creationId xmlns="" xmlns:a16="http://schemas.microsoft.com/office/drawing/2014/main" id="{299DF5EC-9DF4-5255-06AC-0A7CE4FF58C3}"/>
+                <a16:creationId xmlns:a16="http://schemas.microsoft.com/office/drawing/2014/main" id="{299DF5EC-9DF4-5255-06AC-0A7CE4FF58C3}"/>
               </a:ext>
             </a:extLst>
           </p:cNvPr>
@@ -7179,7 +7117,7 @@
           <p:cNvPr id="21" name="TextBox 20">
             <a:extLst>
               <a:ext uri="{FF2B5EF4-FFF2-40B4-BE49-F238E27FC236}">
-                <a16:creationId xmlns="" xmlns:a16="http://schemas.microsoft.com/office/drawing/2014/main" id="{C6D113C6-EA5C-788F-0C77-E7CE6EBB865F}"/>
+                <a16:creationId xmlns:a16="http://schemas.microsoft.com/office/drawing/2014/main" id="{C6D113C6-EA5C-788F-0C77-E7CE6EBB865F}"/>
               </a:ext>
             </a:extLst>
           </p:cNvPr>
@@ -7261,7 +7199,7 @@
           <p:cNvPr id="16" name="TextBox 15">
             <a:extLst>
               <a:ext uri="{FF2B5EF4-FFF2-40B4-BE49-F238E27FC236}">
-                <a16:creationId xmlns:a16="http://schemas.microsoft.com/office/drawing/2014/main" xmlns="" id="{69196D22-2A4C-4EF6-5A42-2031D7FEF549}"/>
+                <a16:creationId xmlns:a16="http://schemas.microsoft.com/office/drawing/2014/main" id="{69196D22-2A4C-4EF6-5A42-2031D7FEF549}"/>
               </a:ext>
             </a:extLst>
           </p:cNvPr>
@@ -7285,7 +7223,7 @@
           <a:lstStyle/>
           <a:p>
             <a:r>
-              <a:rPr lang="en-US" altLang="ko-KR" sz="5400" spc="-300" smtClean="0">
+              <a:rPr lang="en-US" altLang="ko-KR" sz="5400" spc="-300">
                 <a:solidFill>
                   <a:srgbClr val="4C50BC"/>
                 </a:solidFill>
@@ -7309,7 +7247,7 @@
           <p:cNvPr id="17" name="직선 연결선 16">
             <a:extLst>
               <a:ext uri="{FF2B5EF4-FFF2-40B4-BE49-F238E27FC236}">
-                <a16:creationId xmlns:a16="http://schemas.microsoft.com/office/drawing/2014/main" xmlns="" id="{DDFA97EB-659B-5D0A-D41B-496A6FF66D9E}"/>
+                <a16:creationId xmlns:a16="http://schemas.microsoft.com/office/drawing/2014/main" id="{DDFA97EB-659B-5D0A-D41B-496A6FF66D9E}"/>
               </a:ext>
             </a:extLst>
           </p:cNvPr>
@@ -7357,13 +7295,6 @@
   <p:clrMapOvr>
     <a:masterClrMapping/>
   </p:clrMapOvr>
-  <p:timing>
-    <p:tnLst>
-      <p:par>
-        <p:cTn id="1" dur="indefinite" restart="never" nodeType="tmRoot"/>
-      </p:par>
-    </p:tnLst>
-  </p:timing>
 </p:sld>
 </file>
 
@@ -7413,7 +7344,7 @@
           <p:cNvPr id="6" name="TextBox 5">
             <a:extLst>
               <a:ext uri="{FF2B5EF4-FFF2-40B4-BE49-F238E27FC236}">
-                <a16:creationId xmlns="" xmlns:a16="http://schemas.microsoft.com/office/drawing/2014/main" id="{C6D113C6-EA5C-788F-0C77-E7CE6EBB865F}"/>
+                <a16:creationId xmlns:a16="http://schemas.microsoft.com/office/drawing/2014/main" id="{C6D113C6-EA5C-788F-0C77-E7CE6EBB865F}"/>
               </a:ext>
             </a:extLst>
           </p:cNvPr>
@@ -7437,7 +7368,7 @@
           <a:lstStyle/>
           <a:p>
             <a:r>
-              <a:rPr lang="ko-KR" altLang="en-US" sz="4400" dirty="0" smtClean="0">
+              <a:rPr lang="ko-KR" altLang="en-US" sz="4400" dirty="0">
                 <a:solidFill>
                   <a:srgbClr val="FF0000"/>
                 </a:solidFill>
@@ -7447,7 +7378,7 @@
               <a:t>오히려 </a:t>
             </a:r>
             <a:r>
-              <a:rPr lang="ko-KR" altLang="en-US" sz="4400" dirty="0" err="1" smtClean="0">
+              <a:rPr lang="ko-KR" altLang="en-US" sz="4400" dirty="0" err="1">
                 <a:solidFill>
                   <a:srgbClr val="FF0000"/>
                 </a:solidFill>
@@ -7457,7 +7388,7 @@
               <a:t>가독성을</a:t>
             </a:r>
             <a:r>
-              <a:rPr lang="ko-KR" altLang="en-US" sz="4400" dirty="0" smtClean="0">
+              <a:rPr lang="ko-KR" altLang="en-US" sz="4400" dirty="0">
                 <a:solidFill>
                   <a:srgbClr val="FF0000"/>
                 </a:solidFill>
@@ -7467,7 +7398,7 @@
               <a:t> 떨어트리고 성능의 이점도 없어 잘 사용하지 않는다</a:t>
             </a:r>
             <a:r>
-              <a:rPr lang="en-US" altLang="ko-KR" sz="4400" dirty="0" smtClean="0">
+              <a:rPr lang="en-US" altLang="ko-KR" sz="4400" dirty="0">
                 <a:solidFill>
                   <a:srgbClr val="FF0000"/>
                 </a:solidFill>
@@ -7476,13 +7407,6 @@
               </a:rPr>
               <a:t>.</a:t>
             </a:r>
-            <a:endParaRPr lang="en-US" altLang="ko-KR" sz="4400" dirty="0">
-              <a:solidFill>
-                <a:srgbClr val="FF0000"/>
-              </a:solidFill>
-              <a:latin typeface="G마켓 산스 TTF Bold" panose="02000000000000000000" pitchFamily="2" charset="-127"/>
-              <a:ea typeface="G마켓 산스 TTF Bold" panose="02000000000000000000" pitchFamily="2" charset="-127"/>
-            </a:endParaRPr>
           </a:p>
         </p:txBody>
       </p:sp>
@@ -7491,7 +7415,7 @@
           <p:cNvPr id="7" name="TextBox 6">
             <a:extLst>
               <a:ext uri="{FF2B5EF4-FFF2-40B4-BE49-F238E27FC236}">
-                <a16:creationId xmlns:a16="http://schemas.microsoft.com/office/drawing/2014/main" xmlns="" id="{69196D22-2A4C-4EF6-5A42-2031D7FEF549}"/>
+                <a16:creationId xmlns:a16="http://schemas.microsoft.com/office/drawing/2014/main" id="{69196D22-2A4C-4EF6-5A42-2031D7FEF549}"/>
               </a:ext>
             </a:extLst>
           </p:cNvPr>
@@ -7515,7 +7439,7 @@
           <a:lstStyle/>
           <a:p>
             <a:r>
-              <a:rPr lang="en-US" altLang="ko-KR" sz="5400" spc="-300" smtClean="0">
+              <a:rPr lang="en-US" altLang="ko-KR" sz="5400" spc="-300">
                 <a:solidFill>
                   <a:srgbClr val="4C50BC"/>
                 </a:solidFill>
@@ -7539,7 +7463,7 @@
           <p:cNvPr id="8" name="직선 연결선 7">
             <a:extLst>
               <a:ext uri="{FF2B5EF4-FFF2-40B4-BE49-F238E27FC236}">
-                <a16:creationId xmlns:a16="http://schemas.microsoft.com/office/drawing/2014/main" xmlns="" id="{DDFA97EB-659B-5D0A-D41B-496A6FF66D9E}"/>
+                <a16:creationId xmlns:a16="http://schemas.microsoft.com/office/drawing/2014/main" id="{DDFA97EB-659B-5D0A-D41B-496A6FF66D9E}"/>
               </a:ext>
             </a:extLst>
           </p:cNvPr>
@@ -7863,7 +7787,7 @@
           <p:cNvPr id="11" name="TextBox 10">
             <a:extLst>
               <a:ext uri="{FF2B5EF4-FFF2-40B4-BE49-F238E27FC236}">
-                <a16:creationId xmlns="" xmlns:a16="http://schemas.microsoft.com/office/drawing/2014/main" id="{9F88F580-08BE-88C2-D640-13F0026591CB}"/>
+                <a16:creationId xmlns:a16="http://schemas.microsoft.com/office/drawing/2014/main" id="{9F88F580-08BE-88C2-D640-13F0026591CB}"/>
               </a:ext>
             </a:extLst>
           </p:cNvPr>
@@ -7931,7 +7855,7 @@
           <p:cNvPr id="13" name="TextBox 12">
             <a:extLst>
               <a:ext uri="{FF2B5EF4-FFF2-40B4-BE49-F238E27FC236}">
-                <a16:creationId xmlns="" xmlns:a16="http://schemas.microsoft.com/office/drawing/2014/main" id="{72769C28-9BB6-DE9C-7B6F-264B77B8DD0E}"/>
+                <a16:creationId xmlns:a16="http://schemas.microsoft.com/office/drawing/2014/main" id="{72769C28-9BB6-DE9C-7B6F-264B77B8DD0E}"/>
               </a:ext>
             </a:extLst>
           </p:cNvPr>
@@ -7989,7 +7913,7 @@
           <p:cNvPr id="14" name="TextBox 13">
             <a:extLst>
               <a:ext uri="{FF2B5EF4-FFF2-40B4-BE49-F238E27FC236}">
-                <a16:creationId xmlns="" xmlns:a16="http://schemas.microsoft.com/office/drawing/2014/main" id="{270FBB6A-01CE-5637-78DA-58F0C974145C}"/>
+                <a16:creationId xmlns:a16="http://schemas.microsoft.com/office/drawing/2014/main" id="{270FBB6A-01CE-5637-78DA-58F0C974145C}"/>
               </a:ext>
             </a:extLst>
           </p:cNvPr>
@@ -8037,7 +7961,7 @@
           <p:cNvPr id="2" name="Object 17">
             <a:extLst>
               <a:ext uri="{FF2B5EF4-FFF2-40B4-BE49-F238E27FC236}">
-                <a16:creationId xmlns="" xmlns:a16="http://schemas.microsoft.com/office/drawing/2014/main" id="{140B283D-FE58-FA6F-6F7C-E0F1DBB62A65}"/>
+                <a16:creationId xmlns:a16="http://schemas.microsoft.com/office/drawing/2014/main" id="{140B283D-FE58-FA6F-6F7C-E0F1DBB62A65}"/>
               </a:ext>
             </a:extLst>
           </p:cNvPr>
@@ -8067,7 +7991,7 @@
           <p:cNvPr id="4" name="TextBox 3">
             <a:extLst>
               <a:ext uri="{FF2B5EF4-FFF2-40B4-BE49-F238E27FC236}">
-                <a16:creationId xmlns="" xmlns:a16="http://schemas.microsoft.com/office/drawing/2014/main" id="{2C8D0998-79BC-6FD2-59D9-8052B4A25F65}"/>
+                <a16:creationId xmlns:a16="http://schemas.microsoft.com/office/drawing/2014/main" id="{2C8D0998-79BC-6FD2-59D9-8052B4A25F65}"/>
               </a:ext>
             </a:extLst>
           </p:cNvPr>
@@ -8115,7 +8039,7 @@
           <p:cNvPr id="5" name="Object 18">
             <a:extLst>
               <a:ext uri="{FF2B5EF4-FFF2-40B4-BE49-F238E27FC236}">
-                <a16:creationId xmlns="" xmlns:a16="http://schemas.microsoft.com/office/drawing/2014/main" id="{3F58EA3E-1018-64D3-FAB2-4F6B9618FA56}"/>
+                <a16:creationId xmlns:a16="http://schemas.microsoft.com/office/drawing/2014/main" id="{3F58EA3E-1018-64D3-FAB2-4F6B9618FA56}"/>
               </a:ext>
             </a:extLst>
           </p:cNvPr>
@@ -8145,7 +8069,7 @@
           <p:cNvPr id="8" name="TextBox 7">
             <a:extLst>
               <a:ext uri="{FF2B5EF4-FFF2-40B4-BE49-F238E27FC236}">
-                <a16:creationId xmlns="" xmlns:a16="http://schemas.microsoft.com/office/drawing/2014/main" id="{681D3F16-7DCF-41AD-F5F1-0558C78C0E4D}"/>
+                <a16:creationId xmlns:a16="http://schemas.microsoft.com/office/drawing/2014/main" id="{681D3F16-7DCF-41AD-F5F1-0558C78C0E4D}"/>
               </a:ext>
             </a:extLst>
           </p:cNvPr>
@@ -8193,13 +8117,6 @@
   <p:clrMapOvr>
     <a:masterClrMapping/>
   </p:clrMapOvr>
-  <p:timing>
-    <p:tnLst>
-      <p:par>
-        <p:cTn id="1" dur="indefinite" restart="never" nodeType="tmRoot"/>
-      </p:par>
-    </p:tnLst>
-  </p:timing>
 </p:sld>
 </file>
 
@@ -8413,7 +8330,7 @@
           <p:cNvPr id="2" name="TextBox 1">
             <a:extLst>
               <a:ext uri="{FF2B5EF4-FFF2-40B4-BE49-F238E27FC236}">
-                <a16:creationId xmlns="" xmlns:a16="http://schemas.microsoft.com/office/drawing/2014/main" id="{76F36AE5-79B5-0B9F-E510-1C27AAC4B649}"/>
+                <a16:creationId xmlns:a16="http://schemas.microsoft.com/office/drawing/2014/main" id="{76F36AE5-79B5-0B9F-E510-1C27AAC4B649}"/>
               </a:ext>
             </a:extLst>
           </p:cNvPr>
@@ -8466,13 +8383,6 @@
   <p:clrMapOvr>
     <a:masterClrMapping/>
   </p:clrMapOvr>
-  <p:timing>
-    <p:tnLst>
-      <p:par>
-        <p:cTn id="1" dur="indefinite" restart="never" nodeType="tmRoot"/>
-      </p:par>
-    </p:tnLst>
-  </p:timing>
 </p:sld>
 </file>
 
@@ -8498,7 +8408,7 @@
           <p:cNvPr id="4" name="TextBox 3">
             <a:extLst>
               <a:ext uri="{FF2B5EF4-FFF2-40B4-BE49-F238E27FC236}">
-                <a16:creationId xmlns="" xmlns:a16="http://schemas.microsoft.com/office/drawing/2014/main" id="{DF7DDD33-9412-2802-339A-E55446AC2DA7}"/>
+                <a16:creationId xmlns:a16="http://schemas.microsoft.com/office/drawing/2014/main" id="{DF7DDD33-9412-2802-339A-E55446AC2DA7}"/>
               </a:ext>
             </a:extLst>
           </p:cNvPr>
@@ -8639,7 +8549,7 @@
           <p:cNvPr id="59" name="그룹 1018">
             <a:extLst>
               <a:ext uri="{FF2B5EF4-FFF2-40B4-BE49-F238E27FC236}">
-                <a16:creationId xmlns="" xmlns:a16="http://schemas.microsoft.com/office/drawing/2014/main" id="{0804D430-F42E-AE32-A065-FFA8C471F092}"/>
+                <a16:creationId xmlns:a16="http://schemas.microsoft.com/office/drawing/2014/main" id="{0804D430-F42E-AE32-A065-FFA8C471F092}"/>
               </a:ext>
             </a:extLst>
           </p:cNvPr>
@@ -8659,7 +8569,7 @@
             <p:cNvPr id="60" name="Object 61">
               <a:extLst>
                 <a:ext uri="{FF2B5EF4-FFF2-40B4-BE49-F238E27FC236}">
-                  <a16:creationId xmlns="" xmlns:a16="http://schemas.microsoft.com/office/drawing/2014/main" id="{334A4C3A-641C-7CD9-8FEE-5EC92B28D640}"/>
+                  <a16:creationId xmlns:a16="http://schemas.microsoft.com/office/drawing/2014/main" id="{334A4C3A-641C-7CD9-8FEE-5EC92B28D640}"/>
                 </a:ext>
               </a:extLst>
             </p:cNvPr>
@@ -8690,7 +8600,7 @@
           <p:cNvPr id="61" name="그룹 1018">
             <a:extLst>
               <a:ext uri="{FF2B5EF4-FFF2-40B4-BE49-F238E27FC236}">
-                <a16:creationId xmlns="" xmlns:a16="http://schemas.microsoft.com/office/drawing/2014/main" id="{0804D430-F42E-AE32-A065-FFA8C471F092}"/>
+                <a16:creationId xmlns:a16="http://schemas.microsoft.com/office/drawing/2014/main" id="{0804D430-F42E-AE32-A065-FFA8C471F092}"/>
               </a:ext>
             </a:extLst>
           </p:cNvPr>
@@ -8710,7 +8620,7 @@
             <p:cNvPr id="62" name="Object 61">
               <a:extLst>
                 <a:ext uri="{FF2B5EF4-FFF2-40B4-BE49-F238E27FC236}">
-                  <a16:creationId xmlns="" xmlns:a16="http://schemas.microsoft.com/office/drawing/2014/main" id="{334A4C3A-641C-7CD9-8FEE-5EC92B28D640}"/>
+                  <a16:creationId xmlns:a16="http://schemas.microsoft.com/office/drawing/2014/main" id="{334A4C3A-641C-7CD9-8FEE-5EC92B28D640}"/>
                 </a:ext>
               </a:extLst>
             </p:cNvPr>
@@ -8741,7 +8651,7 @@
           <p:cNvPr id="63" name="TextBox 62">
             <a:extLst>
               <a:ext uri="{FF2B5EF4-FFF2-40B4-BE49-F238E27FC236}">
-                <a16:creationId xmlns="" xmlns:a16="http://schemas.microsoft.com/office/drawing/2014/main" id="{52176D31-35F7-8916-46FA-6095EFEC1E49}"/>
+                <a16:creationId xmlns:a16="http://schemas.microsoft.com/office/drawing/2014/main" id="{52176D31-35F7-8916-46FA-6095EFEC1E49}"/>
               </a:ext>
             </a:extLst>
           </p:cNvPr>
@@ -8795,7 +8705,7 @@
           <p:cNvPr id="64" name="TextBox 63">
             <a:extLst>
               <a:ext uri="{FF2B5EF4-FFF2-40B4-BE49-F238E27FC236}">
-                <a16:creationId xmlns="" xmlns:a16="http://schemas.microsoft.com/office/drawing/2014/main" id="{52176D31-35F7-8916-46FA-6095EFEC1E49}"/>
+                <a16:creationId xmlns:a16="http://schemas.microsoft.com/office/drawing/2014/main" id="{52176D31-35F7-8916-46FA-6095EFEC1E49}"/>
               </a:ext>
             </a:extLst>
           </p:cNvPr>
@@ -8862,7 +8772,7 @@
           <p:cNvPr id="65" name="TextBox 64">
             <a:extLst>
               <a:ext uri="{FF2B5EF4-FFF2-40B4-BE49-F238E27FC236}">
-                <a16:creationId xmlns="" xmlns:a16="http://schemas.microsoft.com/office/drawing/2014/main" id="{52176D31-35F7-8916-46FA-6095EFEC1E49}"/>
+                <a16:creationId xmlns:a16="http://schemas.microsoft.com/office/drawing/2014/main" id="{52176D31-35F7-8916-46FA-6095EFEC1E49}"/>
               </a:ext>
             </a:extLst>
           </p:cNvPr>
@@ -8961,7 +8871,7 @@
           <p:cNvPr id="66" name="TextBox 65">
             <a:extLst>
               <a:ext uri="{FF2B5EF4-FFF2-40B4-BE49-F238E27FC236}">
-                <a16:creationId xmlns="" xmlns:a16="http://schemas.microsoft.com/office/drawing/2014/main" id="{52176D31-35F7-8916-46FA-6095EFEC1E49}"/>
+                <a16:creationId xmlns:a16="http://schemas.microsoft.com/office/drawing/2014/main" id="{52176D31-35F7-8916-46FA-6095EFEC1E49}"/>
               </a:ext>
             </a:extLst>
           </p:cNvPr>
@@ -9060,7 +8970,7 @@
           <p:cNvPr id="16" name="TextBox 15">
             <a:extLst>
               <a:ext uri="{FF2B5EF4-FFF2-40B4-BE49-F238E27FC236}">
-                <a16:creationId xmlns:a16="http://schemas.microsoft.com/office/drawing/2014/main" xmlns="" id="{69196D22-2A4C-4EF6-5A42-2031D7FEF549}"/>
+                <a16:creationId xmlns:a16="http://schemas.microsoft.com/office/drawing/2014/main" id="{69196D22-2A4C-4EF6-5A42-2031D7FEF549}"/>
               </a:ext>
             </a:extLst>
           </p:cNvPr>
@@ -9084,7 +8994,7 @@
           <a:lstStyle/>
           <a:p>
             <a:r>
-              <a:rPr lang="ko-KR" altLang="en-US" sz="5400" spc="-300" smtClean="0">
+              <a:rPr lang="ko-KR" altLang="en-US" sz="5400" spc="-300">
                 <a:solidFill>
                   <a:srgbClr val="4C50BC"/>
                 </a:solidFill>
@@ -9108,7 +9018,7 @@
           <p:cNvPr id="17" name="직선 연결선 16">
             <a:extLst>
               <a:ext uri="{FF2B5EF4-FFF2-40B4-BE49-F238E27FC236}">
-                <a16:creationId xmlns:a16="http://schemas.microsoft.com/office/drawing/2014/main" xmlns="" id="{DDFA97EB-659B-5D0A-D41B-496A6FF66D9E}"/>
+                <a16:creationId xmlns:a16="http://schemas.microsoft.com/office/drawing/2014/main" id="{DDFA97EB-659B-5D0A-D41B-496A6FF66D9E}"/>
               </a:ext>
             </a:extLst>
           </p:cNvPr>
@@ -9156,13 +9066,6 @@
   <p:clrMapOvr>
     <a:masterClrMapping/>
   </p:clrMapOvr>
-  <p:timing>
-    <p:tnLst>
-      <p:par>
-        <p:cTn id="1" dur="indefinite" restart="never" nodeType="tmRoot"/>
-      </p:par>
-    </p:tnLst>
-  </p:timing>
 </p:sld>
 </file>
 
@@ -9212,7 +9115,7 @@
           <p:cNvPr id="16" name="직사각형 15">
             <a:extLst>
               <a:ext uri="{FF2B5EF4-FFF2-40B4-BE49-F238E27FC236}">
-                <a16:creationId xmlns="" xmlns:a16="http://schemas.microsoft.com/office/drawing/2014/main" id="{FFF506F9-840A-0508-4CAF-3AC711D8D5CE}"/>
+                <a16:creationId xmlns:a16="http://schemas.microsoft.com/office/drawing/2014/main" id="{FFF506F9-840A-0508-4CAF-3AC711D8D5CE}"/>
               </a:ext>
             </a:extLst>
           </p:cNvPr>
@@ -9264,7 +9167,7 @@
           <p:cNvPr id="18" name="직사각형 17">
             <a:extLst>
               <a:ext uri="{FF2B5EF4-FFF2-40B4-BE49-F238E27FC236}">
-                <a16:creationId xmlns="" xmlns:a16="http://schemas.microsoft.com/office/drawing/2014/main" id="{FFF506F9-840A-0508-4CAF-3AC711D8D5CE}"/>
+                <a16:creationId xmlns:a16="http://schemas.microsoft.com/office/drawing/2014/main" id="{FFF506F9-840A-0508-4CAF-3AC711D8D5CE}"/>
               </a:ext>
             </a:extLst>
           </p:cNvPr>
@@ -9340,7 +9243,7 @@
           <p:cNvPr id="22" name="TextBox 21">
             <a:extLst>
               <a:ext uri="{FF2B5EF4-FFF2-40B4-BE49-F238E27FC236}">
-                <a16:creationId xmlns="" xmlns:a16="http://schemas.microsoft.com/office/drawing/2014/main" id="{C6D113C6-EA5C-788F-0C77-E7CE6EBB865F}"/>
+                <a16:creationId xmlns:a16="http://schemas.microsoft.com/office/drawing/2014/main" id="{C6D113C6-EA5C-788F-0C77-E7CE6EBB865F}"/>
               </a:ext>
             </a:extLst>
           </p:cNvPr>
@@ -9403,13 +9306,6 @@
   <p:clrMapOvr>
     <a:masterClrMapping/>
   </p:clrMapOvr>
-  <p:timing>
-    <p:tnLst>
-      <p:par>
-        <p:cTn id="1" dur="indefinite" restart="never" nodeType="tmRoot"/>
-      </p:par>
-    </p:tnLst>
-  </p:timing>
 </p:sld>
 </file>
 
@@ -9435,7 +9331,7 @@
           <p:cNvPr id="8" name="TextBox 7">
             <a:extLst>
               <a:ext uri="{FF2B5EF4-FFF2-40B4-BE49-F238E27FC236}">
-                <a16:creationId xmlns:a16="http://schemas.microsoft.com/office/drawing/2014/main" xmlns="" id="{69196D22-2A4C-4EF6-5A42-2031D7FEF549}"/>
+                <a16:creationId xmlns:a16="http://schemas.microsoft.com/office/drawing/2014/main" id="{69196D22-2A4C-4EF6-5A42-2031D7FEF549}"/>
               </a:ext>
             </a:extLst>
           </p:cNvPr>
@@ -9459,7 +9355,7 @@
           <a:lstStyle/>
           <a:p>
             <a:r>
-              <a:rPr lang="en-US" altLang="ko-KR" sz="5400" spc="-300" smtClean="0">
+              <a:rPr lang="en-US" altLang="ko-KR" sz="5400" spc="-300">
                 <a:solidFill>
                   <a:srgbClr val="4C50BC"/>
                 </a:solidFill>
@@ -9469,7 +9365,7 @@
               <a:t>final (</a:t>
             </a:r>
             <a:r>
-              <a:rPr lang="ko-KR" altLang="en-US" sz="5400" spc="-300" smtClean="0">
+              <a:rPr lang="ko-KR" altLang="en-US" sz="5400" spc="-300">
                 <a:solidFill>
                   <a:srgbClr val="4C50BC"/>
                 </a:solidFill>
@@ -9479,7 +9375,7 @@
               <a:t>변수에 사용</a:t>
             </a:r>
             <a:r>
-              <a:rPr lang="en-US" altLang="ko-KR" sz="5400" spc="-300" smtClean="0">
+              <a:rPr lang="en-US" altLang="ko-KR" sz="5400" spc="-300">
                 <a:solidFill>
                   <a:srgbClr val="4C50BC"/>
                 </a:solidFill>
@@ -9503,7 +9399,7 @@
           <p:cNvPr id="9" name="직선 연결선 8">
             <a:extLst>
               <a:ext uri="{FF2B5EF4-FFF2-40B4-BE49-F238E27FC236}">
-                <a16:creationId xmlns:a16="http://schemas.microsoft.com/office/drawing/2014/main" xmlns="" id="{DDFA97EB-659B-5D0A-D41B-496A6FF66D9E}"/>
+                <a16:creationId xmlns:a16="http://schemas.microsoft.com/office/drawing/2014/main" id="{DDFA97EB-659B-5D0A-D41B-496A6FF66D9E}"/>
               </a:ext>
             </a:extLst>
           </p:cNvPr>
@@ -9546,7 +9442,7 @@
           <p:cNvPr id="10" name="TextBox 9">
             <a:extLst>
               <a:ext uri="{FF2B5EF4-FFF2-40B4-BE49-F238E27FC236}">
-                <a16:creationId xmlns:a16="http://schemas.microsoft.com/office/drawing/2014/main" xmlns="" id="{B1C05CB3-45A9-FA20-A8E0-BE6F095B8777}"/>
+                <a16:creationId xmlns:a16="http://schemas.microsoft.com/office/drawing/2014/main" id="{B1C05CB3-45A9-FA20-A8E0-BE6F095B8777}"/>
               </a:ext>
             </a:extLst>
           </p:cNvPr>
@@ -9574,7 +9470,7 @@
               <a:buChar char="•"/>
             </a:pPr>
             <a:r>
-              <a:rPr lang="ko-KR" altLang="en-US" sz="3600" smtClean="0">
+              <a:rPr lang="ko-KR" altLang="en-US" sz="3600">
                 <a:solidFill>
                   <a:schemeClr val="tx1">
                     <a:lumMod val="50000"/>
@@ -9586,7 +9482,7 @@
               </a:rPr>
               <a:t>변하지 않는이라는 의미</a:t>
             </a:r>
-            <a:endParaRPr lang="en-US" altLang="ko-KR" sz="3600" smtClean="0">
+            <a:endParaRPr lang="en-US" altLang="ko-KR" sz="3600">
               <a:solidFill>
                 <a:schemeClr val="tx1">
                   <a:lumMod val="50000"/>
@@ -9603,7 +9499,7 @@
               <a:buChar char="•"/>
             </a:pPr>
             <a:r>
-              <a:rPr lang="ko-KR" altLang="en-US" sz="3600" smtClean="0">
+              <a:rPr lang="ko-KR" altLang="en-US" sz="3600">
                 <a:solidFill>
                   <a:schemeClr val="tx1">
                     <a:lumMod val="50000"/>
@@ -9616,7 +9512,7 @@
               <a:t>변수를 상수</a:t>
             </a:r>
             <a:r>
-              <a:rPr lang="en-US" altLang="ko-KR" sz="3600" smtClean="0">
+              <a:rPr lang="en-US" altLang="ko-KR" sz="3600">
                 <a:solidFill>
                   <a:schemeClr val="tx1">
                     <a:lumMod val="50000"/>
@@ -9629,7 +9525,7 @@
               <a:t>(</a:t>
             </a:r>
             <a:r>
-              <a:rPr lang="ko-KR" altLang="en-US" sz="3600" smtClean="0">
+              <a:rPr lang="ko-KR" altLang="en-US" sz="3600">
                 <a:solidFill>
                   <a:schemeClr val="tx1">
                     <a:lumMod val="50000"/>
@@ -9642,7 +9538,7 @@
               <a:t>변하지 않는값</a:t>
             </a:r>
             <a:r>
-              <a:rPr lang="en-US" altLang="ko-KR" sz="3600" smtClean="0">
+              <a:rPr lang="en-US" altLang="ko-KR" sz="3600">
                 <a:solidFill>
                   <a:schemeClr val="tx1">
                     <a:lumMod val="50000"/>
@@ -9655,7 +9551,7 @@
               <a:t>)</a:t>
             </a:r>
             <a:r>
-              <a:rPr lang="ko-KR" altLang="en-US" sz="3600" smtClean="0">
+              <a:rPr lang="ko-KR" altLang="en-US" sz="3600">
                 <a:solidFill>
                   <a:schemeClr val="tx1">
                     <a:lumMod val="50000"/>
@@ -9668,7 +9564,7 @@
               <a:t>으로 지정한다</a:t>
             </a:r>
             <a:r>
-              <a:rPr lang="en-US" altLang="ko-KR" sz="3600" smtClean="0">
+              <a:rPr lang="en-US" altLang="ko-KR" sz="3600">
                 <a:solidFill>
                   <a:schemeClr val="tx1">
                     <a:lumMod val="50000"/>
@@ -9727,13 +9623,6 @@
   <p:clrMapOvr>
     <a:masterClrMapping/>
   </p:clrMapOvr>
-  <p:timing>
-    <p:tnLst>
-      <p:par>
-        <p:cTn id="1" dur="indefinite" restart="never" nodeType="tmRoot"/>
-      </p:par>
-    </p:tnLst>
-  </p:timing>
 </p:sld>
 </file>
 
@@ -9783,7 +9672,7 @@
           <p:cNvPr id="5" name="직선 화살표 연결선 4">
             <a:extLst>
               <a:ext uri="{FF2B5EF4-FFF2-40B4-BE49-F238E27FC236}">
-                <a16:creationId xmlns="" xmlns:a16="http://schemas.microsoft.com/office/drawing/2014/main" id="{299DF5EC-9DF4-5255-06AC-0A7CE4FF58C3}"/>
+                <a16:creationId xmlns:a16="http://schemas.microsoft.com/office/drawing/2014/main" id="{299DF5EC-9DF4-5255-06AC-0A7CE4FF58C3}"/>
               </a:ext>
             </a:extLst>
           </p:cNvPr>
@@ -9824,7 +9713,7 @@
           <p:cNvPr id="6" name="직사각형 5">
             <a:extLst>
               <a:ext uri="{FF2B5EF4-FFF2-40B4-BE49-F238E27FC236}">
-                <a16:creationId xmlns="" xmlns:a16="http://schemas.microsoft.com/office/drawing/2014/main" id="{FFF506F9-840A-0508-4CAF-3AC711D8D5CE}"/>
+                <a16:creationId xmlns:a16="http://schemas.microsoft.com/office/drawing/2014/main" id="{FFF506F9-840A-0508-4CAF-3AC711D8D5CE}"/>
               </a:ext>
             </a:extLst>
           </p:cNvPr>
@@ -9876,7 +9765,7 @@
           <p:cNvPr id="7" name="TextBox 6">
             <a:extLst>
               <a:ext uri="{FF2B5EF4-FFF2-40B4-BE49-F238E27FC236}">
-                <a16:creationId xmlns="" xmlns:a16="http://schemas.microsoft.com/office/drawing/2014/main" id="{C6D113C6-EA5C-788F-0C77-E7CE6EBB865F}"/>
+                <a16:creationId xmlns:a16="http://schemas.microsoft.com/office/drawing/2014/main" id="{C6D113C6-EA5C-788F-0C77-E7CE6EBB865F}"/>
               </a:ext>
             </a:extLst>
           </p:cNvPr>
@@ -9924,7 +9813,7 @@
           <p:cNvPr id="8" name="직선 화살표 연결선 7">
             <a:extLst>
               <a:ext uri="{FF2B5EF4-FFF2-40B4-BE49-F238E27FC236}">
-                <a16:creationId xmlns="" xmlns:a16="http://schemas.microsoft.com/office/drawing/2014/main" id="{299DF5EC-9DF4-5255-06AC-0A7CE4FF58C3}"/>
+                <a16:creationId xmlns:a16="http://schemas.microsoft.com/office/drawing/2014/main" id="{299DF5EC-9DF4-5255-06AC-0A7CE4FF58C3}"/>
               </a:ext>
             </a:extLst>
           </p:cNvPr>
@@ -9966,7 +9855,7 @@
           <p:cNvPr id="9" name="직사각형 8">
             <a:extLst>
               <a:ext uri="{FF2B5EF4-FFF2-40B4-BE49-F238E27FC236}">
-                <a16:creationId xmlns="" xmlns:a16="http://schemas.microsoft.com/office/drawing/2014/main" id="{FFF506F9-840A-0508-4CAF-3AC711D8D5CE}"/>
+                <a16:creationId xmlns:a16="http://schemas.microsoft.com/office/drawing/2014/main" id="{FFF506F9-840A-0508-4CAF-3AC711D8D5CE}"/>
               </a:ext>
             </a:extLst>
           </p:cNvPr>
@@ -10023,13 +9912,6 @@
   <p:clrMapOvr>
     <a:masterClrMapping/>
   </p:clrMapOvr>
-  <p:timing>
-    <p:tnLst>
-      <p:par>
-        <p:cTn id="1" dur="indefinite" restart="never" nodeType="tmRoot"/>
-      </p:par>
-    </p:tnLst>
-  </p:timing>
 </p:sld>
 </file>
 
@@ -10055,7 +9937,7 @@
           <p:cNvPr id="4" name="TextBox 3">
             <a:extLst>
               <a:ext uri="{FF2B5EF4-FFF2-40B4-BE49-F238E27FC236}">
-                <a16:creationId xmlns="" xmlns:a16="http://schemas.microsoft.com/office/drawing/2014/main" id="{DF7DDD33-9412-2802-339A-E55446AC2DA7}"/>
+                <a16:creationId xmlns:a16="http://schemas.microsoft.com/office/drawing/2014/main" id="{DF7DDD33-9412-2802-339A-E55446AC2DA7}"/>
               </a:ext>
             </a:extLst>
           </p:cNvPr>
@@ -10158,13 +10040,6 @@
   <p:clrMapOvr>
     <a:masterClrMapping/>
   </p:clrMapOvr>
-  <p:timing>
-    <p:tnLst>
-      <p:par>
-        <p:cTn id="1" dur="indefinite" restart="never" nodeType="tmRoot"/>
-      </p:par>
-    </p:tnLst>
-  </p:timing>
 </p:sld>
 </file>
 
@@ -10214,7 +10089,7 @@
           <p:cNvPr id="10" name="TextBox 9">
             <a:extLst>
               <a:ext uri="{FF2B5EF4-FFF2-40B4-BE49-F238E27FC236}">
-                <a16:creationId xmlns:a16="http://schemas.microsoft.com/office/drawing/2014/main" xmlns="" id="{69196D22-2A4C-4EF6-5A42-2031D7FEF549}"/>
+                <a16:creationId xmlns:a16="http://schemas.microsoft.com/office/drawing/2014/main" id="{69196D22-2A4C-4EF6-5A42-2031D7FEF549}"/>
               </a:ext>
             </a:extLst>
           </p:cNvPr>
@@ -10238,7 +10113,7 @@
           <a:lstStyle/>
           <a:p>
             <a:r>
-              <a:rPr lang="en-US" altLang="ko-KR" sz="5400" spc="-300" smtClean="0">
+              <a:rPr lang="en-US" altLang="ko-KR" sz="5400" spc="-300">
                 <a:solidFill>
                   <a:srgbClr val="4C50BC"/>
                 </a:solidFill>
@@ -10248,7 +10123,7 @@
               <a:t>final </a:t>
             </a:r>
             <a:r>
-              <a:rPr lang="ko-KR" altLang="en-US" sz="5400" spc="-300" smtClean="0">
+              <a:rPr lang="ko-KR" altLang="en-US" sz="5400" spc="-300">
                 <a:solidFill>
                   <a:srgbClr val="4C50BC"/>
                 </a:solidFill>
@@ -10272,7 +10147,7 @@
           <p:cNvPr id="11" name="직선 연결선 10">
             <a:extLst>
               <a:ext uri="{FF2B5EF4-FFF2-40B4-BE49-F238E27FC236}">
-                <a16:creationId xmlns:a16="http://schemas.microsoft.com/office/drawing/2014/main" xmlns="" id="{DDFA97EB-659B-5D0A-D41B-496A6FF66D9E}"/>
+                <a16:creationId xmlns:a16="http://schemas.microsoft.com/office/drawing/2014/main" id="{DDFA97EB-659B-5D0A-D41B-496A6FF66D9E}"/>
               </a:ext>
             </a:extLst>
           </p:cNvPr>
@@ -10315,7 +10190,7 @@
           <p:cNvPr id="12" name="TextBox 11">
             <a:extLst>
               <a:ext uri="{FF2B5EF4-FFF2-40B4-BE49-F238E27FC236}">
-                <a16:creationId xmlns:a16="http://schemas.microsoft.com/office/drawing/2014/main" xmlns="" id="{B1C05CB3-45A9-FA20-A8E0-BE6F095B8777}"/>
+                <a16:creationId xmlns:a16="http://schemas.microsoft.com/office/drawing/2014/main" id="{B1C05CB3-45A9-FA20-A8E0-BE6F095B8777}"/>
               </a:ext>
             </a:extLst>
           </p:cNvPr>
@@ -10343,7 +10218,7 @@
               <a:buChar char="•"/>
             </a:pPr>
             <a:r>
-              <a:rPr lang="ko-KR" altLang="en-US" sz="3600" smtClean="0">
+              <a:rPr lang="ko-KR" altLang="en-US" sz="3600">
                 <a:solidFill>
                   <a:schemeClr val="tx1">
                     <a:lumMod val="50000"/>
@@ -10356,7 +10231,7 @@
               <a:t>변수 선언즉시 혹은 생성자에서 최초 </a:t>
             </a:r>
             <a:r>
-              <a:rPr lang="en-US" altLang="ko-KR" sz="3600" smtClean="0">
+              <a:rPr lang="en-US" altLang="ko-KR" sz="3600">
                 <a:solidFill>
                   <a:schemeClr val="tx1">
                     <a:lumMod val="50000"/>
@@ -10369,7 +10244,7 @@
               <a:t>1</a:t>
             </a:r>
             <a:r>
-              <a:rPr lang="ko-KR" altLang="en-US" sz="3600" smtClean="0">
+              <a:rPr lang="ko-KR" altLang="en-US" sz="3600">
                 <a:solidFill>
                   <a:schemeClr val="tx1">
                     <a:lumMod val="50000"/>
@@ -10394,16 +10269,6 @@
               </a:rPr>
               <a:t>.</a:t>
             </a:r>
-            <a:endParaRPr lang="en-US" altLang="ko-KR" sz="3600" smtClean="0">
-              <a:solidFill>
-                <a:schemeClr val="tx1">
-                  <a:lumMod val="50000"/>
-                  <a:lumOff val="50000"/>
-                </a:schemeClr>
-              </a:solidFill>
-              <a:latin typeface="G마켓 산스 Medium" panose="02000000000000000000" pitchFamily="50" charset="-127"/>
-              <a:ea typeface="G마켓 산스 Medium" panose="02000000000000000000" pitchFamily="50" charset="-127"/>
-            </a:endParaRPr>
           </a:p>
         </p:txBody>
       </p:sp>
@@ -10436,7 +10301,7 @@
           <p:cNvPr id="14" name="직선 화살표 연결선 13">
             <a:extLst>
               <a:ext uri="{FF2B5EF4-FFF2-40B4-BE49-F238E27FC236}">
-                <a16:creationId xmlns:a16="http://schemas.microsoft.com/office/drawing/2014/main" xmlns="" id="{299DF5EC-9DF4-5255-06AC-0A7CE4FF58C3}"/>
+                <a16:creationId xmlns:a16="http://schemas.microsoft.com/office/drawing/2014/main" id="{299DF5EC-9DF4-5255-06AC-0A7CE4FF58C3}"/>
               </a:ext>
             </a:extLst>
           </p:cNvPr>
@@ -10477,7 +10342,7 @@
           <p:cNvPr id="15" name="직사각형 14">
             <a:extLst>
               <a:ext uri="{FF2B5EF4-FFF2-40B4-BE49-F238E27FC236}">
-                <a16:creationId xmlns:a16="http://schemas.microsoft.com/office/drawing/2014/main" xmlns="" id="{FFF506F9-840A-0508-4CAF-3AC711D8D5CE}"/>
+                <a16:creationId xmlns:a16="http://schemas.microsoft.com/office/drawing/2014/main" id="{FFF506F9-840A-0508-4CAF-3AC711D8D5CE}"/>
               </a:ext>
             </a:extLst>
           </p:cNvPr>
@@ -10529,7 +10394,7 @@
           <p:cNvPr id="16" name="TextBox 15">
             <a:extLst>
               <a:ext uri="{FF2B5EF4-FFF2-40B4-BE49-F238E27FC236}">
-                <a16:creationId xmlns:a16="http://schemas.microsoft.com/office/drawing/2014/main" xmlns="" id="{C6D113C6-EA5C-788F-0C77-E7CE6EBB865F}"/>
+                <a16:creationId xmlns:a16="http://schemas.microsoft.com/office/drawing/2014/main" id="{C6D113C6-EA5C-788F-0C77-E7CE6EBB865F}"/>
               </a:ext>
             </a:extLst>
           </p:cNvPr>
@@ -10553,7 +10418,7 @@
           <a:lstStyle/>
           <a:p>
             <a:r>
-              <a:rPr lang="ko-KR" altLang="en-US" sz="4000" smtClean="0">
+              <a:rPr lang="ko-KR" altLang="en-US" sz="4000">
                 <a:solidFill>
                   <a:srgbClr val="FF0000"/>
                 </a:solidFill>
@@ -10563,7 +10428,7 @@
               <a:t>객체마다 주민번호가 달라야 하는데</a:t>
             </a:r>
             <a:r>
-              <a:rPr lang="en-US" altLang="ko-KR" sz="4000" smtClean="0">
+              <a:rPr lang="en-US" altLang="ko-KR" sz="4000">
                 <a:solidFill>
                   <a:srgbClr val="FF0000"/>
                 </a:solidFill>
@@ -10573,7 +10438,7 @@
               <a:t> </a:t>
             </a:r>
             <a:r>
-              <a:rPr lang="ko-KR" altLang="en-US" sz="4000" smtClean="0">
+              <a:rPr lang="ko-KR" altLang="en-US" sz="4000">
                 <a:solidFill>
                   <a:srgbClr val="FF0000"/>
                 </a:solidFill>
@@ -10583,7 +10448,7 @@
               <a:t>그렇다고 </a:t>
             </a:r>
             <a:r>
-              <a:rPr lang="en-US" altLang="ko-KR" sz="4000" smtClean="0">
+              <a:rPr lang="en-US" altLang="ko-KR" sz="4000">
                 <a:solidFill>
                   <a:srgbClr val="FF0000"/>
                 </a:solidFill>
@@ -10593,7 +10458,7 @@
               <a:t>final</a:t>
             </a:r>
             <a:r>
-              <a:rPr lang="ko-KR" altLang="en-US" sz="4000" smtClean="0">
+              <a:rPr lang="ko-KR" altLang="en-US" sz="4000">
                 <a:solidFill>
                   <a:srgbClr val="FF0000"/>
                 </a:solidFill>
@@ -10603,7 +10468,7 @@
               <a:t>을 안할순 없는데</a:t>
             </a:r>
             <a:r>
-              <a:rPr lang="en-US" altLang="ko-KR" sz="4000" smtClean="0">
+              <a:rPr lang="en-US" altLang="ko-KR" sz="4000">
                 <a:solidFill>
                   <a:srgbClr val="FF0000"/>
                 </a:solidFill>
@@ -10632,13 +10497,6 @@
   <p:clrMapOvr>
     <a:masterClrMapping/>
   </p:clrMapOvr>
-  <p:timing>
-    <p:tnLst>
-      <p:par>
-        <p:cTn id="1" dur="indefinite" restart="never" nodeType="tmRoot"/>
-      </p:par>
-    </p:tnLst>
-  </p:timing>
 </p:sld>
 </file>
 
@@ -10688,7 +10546,7 @@
           <p:cNvPr id="6" name="직선 화살표 연결선 5">
             <a:extLst>
               <a:ext uri="{FF2B5EF4-FFF2-40B4-BE49-F238E27FC236}">
-                <a16:creationId xmlns:a16="http://schemas.microsoft.com/office/drawing/2014/main" xmlns="" id="{299DF5EC-9DF4-5255-06AC-0A7CE4FF58C3}"/>
+                <a16:creationId xmlns:a16="http://schemas.microsoft.com/office/drawing/2014/main" id="{299DF5EC-9DF4-5255-06AC-0A7CE4FF58C3}"/>
               </a:ext>
             </a:extLst>
           </p:cNvPr>
@@ -10729,7 +10587,7 @@
           <p:cNvPr id="7" name="직사각형 6">
             <a:extLst>
               <a:ext uri="{FF2B5EF4-FFF2-40B4-BE49-F238E27FC236}">
-                <a16:creationId xmlns:a16="http://schemas.microsoft.com/office/drawing/2014/main" xmlns="" id="{FFF506F9-840A-0508-4CAF-3AC711D8D5CE}"/>
+                <a16:creationId xmlns:a16="http://schemas.microsoft.com/office/drawing/2014/main" id="{FFF506F9-840A-0508-4CAF-3AC711D8D5CE}"/>
               </a:ext>
             </a:extLst>
           </p:cNvPr>
@@ -10781,7 +10639,7 @@
           <p:cNvPr id="8" name="TextBox 7">
             <a:extLst>
               <a:ext uri="{FF2B5EF4-FFF2-40B4-BE49-F238E27FC236}">
-                <a16:creationId xmlns:a16="http://schemas.microsoft.com/office/drawing/2014/main" xmlns="" id="{C6D113C6-EA5C-788F-0C77-E7CE6EBB865F}"/>
+                <a16:creationId xmlns:a16="http://schemas.microsoft.com/office/drawing/2014/main" id="{C6D113C6-EA5C-788F-0C77-E7CE6EBB865F}"/>
               </a:ext>
             </a:extLst>
           </p:cNvPr>
@@ -10805,7 +10663,7 @@
           <a:lstStyle/>
           <a:p>
             <a:r>
-              <a:rPr lang="ko-KR" altLang="en-US" sz="3600" smtClean="0">
+              <a:rPr lang="ko-KR" altLang="en-US" sz="3600">
                 <a:solidFill>
                   <a:srgbClr val="FF0000"/>
                 </a:solidFill>
@@ -10815,7 +10673,7 @@
               <a:t>명시적 초기화 대신 생성자에서 초기화 하면된다</a:t>
             </a:r>
             <a:r>
-              <a:rPr lang="en-US" altLang="ko-KR" sz="3600" smtClean="0">
+              <a:rPr lang="en-US" altLang="ko-KR" sz="3600">
                 <a:solidFill>
                   <a:srgbClr val="FF0000"/>
                 </a:solidFill>
@@ -10863,7 +10721,7 @@
           <p:cNvPr id="10" name="직선 화살표 연결선 9">
             <a:extLst>
               <a:ext uri="{FF2B5EF4-FFF2-40B4-BE49-F238E27FC236}">
-                <a16:creationId xmlns:a16="http://schemas.microsoft.com/office/drawing/2014/main" xmlns="" id="{299DF5EC-9DF4-5255-06AC-0A7CE4FF58C3}"/>
+                <a16:creationId xmlns:a16="http://schemas.microsoft.com/office/drawing/2014/main" id="{299DF5EC-9DF4-5255-06AC-0A7CE4FF58C3}"/>
               </a:ext>
             </a:extLst>
           </p:cNvPr>
@@ -10904,7 +10762,7 @@
           <p:cNvPr id="11" name="직사각형 10">
             <a:extLst>
               <a:ext uri="{FF2B5EF4-FFF2-40B4-BE49-F238E27FC236}">
-                <a16:creationId xmlns:a16="http://schemas.microsoft.com/office/drawing/2014/main" xmlns="" id="{FFF506F9-840A-0508-4CAF-3AC711D8D5CE}"/>
+                <a16:creationId xmlns:a16="http://schemas.microsoft.com/office/drawing/2014/main" id="{FFF506F9-840A-0508-4CAF-3AC711D8D5CE}"/>
               </a:ext>
             </a:extLst>
           </p:cNvPr>
@@ -10956,7 +10814,7 @@
           <p:cNvPr id="12" name="TextBox 11">
             <a:extLst>
               <a:ext uri="{FF2B5EF4-FFF2-40B4-BE49-F238E27FC236}">
-                <a16:creationId xmlns:a16="http://schemas.microsoft.com/office/drawing/2014/main" xmlns="" id="{C6D113C6-EA5C-788F-0C77-E7CE6EBB865F}"/>
+                <a16:creationId xmlns:a16="http://schemas.microsoft.com/office/drawing/2014/main" id="{C6D113C6-EA5C-788F-0C77-E7CE6EBB865F}"/>
               </a:ext>
             </a:extLst>
           </p:cNvPr>
@@ -10980,7 +10838,7 @@
           <a:lstStyle/>
           <a:p>
             <a:r>
-              <a:rPr lang="ko-KR" altLang="en-US" sz="3600" smtClean="0">
+              <a:rPr lang="ko-KR" altLang="en-US" sz="3600">
                 <a:solidFill>
                   <a:srgbClr val="FF0000"/>
                 </a:solidFill>
@@ -10990,7 +10848,7 @@
               <a:t>객체마다 다르게 초기화 가능하며 한번 정해지면 바꿀수 없다</a:t>
             </a:r>
             <a:r>
-              <a:rPr lang="en-US" altLang="ko-KR" sz="3600" smtClean="0">
+              <a:rPr lang="en-US" altLang="ko-KR" sz="3600">
                 <a:solidFill>
                   <a:srgbClr val="FF0000"/>
                 </a:solidFill>
@@ -11019,13 +10877,6 @@
   <p:clrMapOvr>
     <a:masterClrMapping/>
   </p:clrMapOvr>
-  <p:timing>
-    <p:tnLst>
-      <p:par>
-        <p:cTn id="1" dur="indefinite" restart="never" nodeType="tmRoot"/>
-      </p:par>
-    </p:tnLst>
-  </p:timing>
 </p:sld>
 </file>
 
@@ -11075,7 +10926,7 @@
           <p:cNvPr id="7" name="TextBox 6">
             <a:extLst>
               <a:ext uri="{FF2B5EF4-FFF2-40B4-BE49-F238E27FC236}">
-                <a16:creationId xmlns:a16="http://schemas.microsoft.com/office/drawing/2014/main" xmlns="" id="{69196D22-2A4C-4EF6-5A42-2031D7FEF549}"/>
+                <a16:creationId xmlns:a16="http://schemas.microsoft.com/office/drawing/2014/main" id="{69196D22-2A4C-4EF6-5A42-2031D7FEF549}"/>
               </a:ext>
             </a:extLst>
           </p:cNvPr>
@@ -11099,7 +10950,7 @@
           <a:lstStyle/>
           <a:p>
             <a:r>
-              <a:rPr lang="en-US" altLang="ko-KR" sz="5400" spc="-300" smtClean="0">
+              <a:rPr lang="en-US" altLang="ko-KR" sz="5400" spc="-300">
                 <a:solidFill>
                   <a:srgbClr val="4C50BC"/>
                 </a:solidFill>
@@ -11109,7 +10960,7 @@
               <a:t>final (</a:t>
             </a:r>
             <a:r>
-              <a:rPr lang="ko-KR" altLang="en-US" sz="5400" spc="-300" smtClean="0">
+              <a:rPr lang="ko-KR" altLang="en-US" sz="5400" spc="-300">
                 <a:solidFill>
                   <a:srgbClr val="4C50BC"/>
                 </a:solidFill>
@@ -11119,7 +10970,7 @@
               <a:t>메서드에 사용</a:t>
             </a:r>
             <a:r>
-              <a:rPr lang="en-US" altLang="ko-KR" sz="5400" spc="-300" smtClean="0">
+              <a:rPr lang="en-US" altLang="ko-KR" sz="5400" spc="-300">
                 <a:solidFill>
                   <a:srgbClr val="4C50BC"/>
                 </a:solidFill>
@@ -11143,7 +10994,7 @@
           <p:cNvPr id="8" name="직선 연결선 7">
             <a:extLst>
               <a:ext uri="{FF2B5EF4-FFF2-40B4-BE49-F238E27FC236}">
-                <a16:creationId xmlns:a16="http://schemas.microsoft.com/office/drawing/2014/main" xmlns="" id="{DDFA97EB-659B-5D0A-D41B-496A6FF66D9E}"/>
+                <a16:creationId xmlns:a16="http://schemas.microsoft.com/office/drawing/2014/main" id="{DDFA97EB-659B-5D0A-D41B-496A6FF66D9E}"/>
               </a:ext>
             </a:extLst>
           </p:cNvPr>
@@ -11186,7 +11037,7 @@
           <p:cNvPr id="9" name="TextBox 8">
             <a:extLst>
               <a:ext uri="{FF2B5EF4-FFF2-40B4-BE49-F238E27FC236}">
-                <a16:creationId xmlns:a16="http://schemas.microsoft.com/office/drawing/2014/main" xmlns="" id="{B1C05CB3-45A9-FA20-A8E0-BE6F095B8777}"/>
+                <a16:creationId xmlns:a16="http://schemas.microsoft.com/office/drawing/2014/main" id="{B1C05CB3-45A9-FA20-A8E0-BE6F095B8777}"/>
               </a:ext>
             </a:extLst>
           </p:cNvPr>
@@ -11214,7 +11065,7 @@
               <a:buChar char="•"/>
             </a:pPr>
             <a:r>
-              <a:rPr lang="ko-KR" altLang="en-US" sz="3600" smtClean="0">
+              <a:rPr lang="ko-KR" altLang="en-US" sz="3600">
                 <a:solidFill>
                   <a:schemeClr val="tx1">
                     <a:lumMod val="50000"/>
@@ -11227,7 +11078,7 @@
               <a:t>해당 메서드는 오버라이딩 할수없다</a:t>
             </a:r>
             <a:r>
-              <a:rPr lang="en-US" altLang="ko-KR" sz="3600" smtClean="0">
+              <a:rPr lang="en-US" altLang="ko-KR" sz="3600">
                 <a:solidFill>
                   <a:schemeClr val="tx1">
                     <a:lumMod val="50000"/>
@@ -11247,7 +11098,7 @@
           <p:cNvPr id="10" name="직사각형 9">
             <a:extLst>
               <a:ext uri="{FF2B5EF4-FFF2-40B4-BE49-F238E27FC236}">
-                <a16:creationId xmlns:a16="http://schemas.microsoft.com/office/drawing/2014/main" xmlns="" id="{FFF506F9-840A-0508-4CAF-3AC711D8D5CE}"/>
+                <a16:creationId xmlns:a16="http://schemas.microsoft.com/office/drawing/2014/main" id="{FFF506F9-840A-0508-4CAF-3AC711D8D5CE}"/>
               </a:ext>
             </a:extLst>
           </p:cNvPr>
@@ -11299,7 +11150,7 @@
           <p:cNvPr id="11" name="직선 화살표 연결선 10">
             <a:extLst>
               <a:ext uri="{FF2B5EF4-FFF2-40B4-BE49-F238E27FC236}">
-                <a16:creationId xmlns:a16="http://schemas.microsoft.com/office/drawing/2014/main" xmlns="" id="{299DF5EC-9DF4-5255-06AC-0A7CE4FF58C3}"/>
+                <a16:creationId xmlns:a16="http://schemas.microsoft.com/office/drawing/2014/main" id="{299DF5EC-9DF4-5255-06AC-0A7CE4FF58C3}"/>
               </a:ext>
             </a:extLst>
           </p:cNvPr>
@@ -11340,7 +11191,7 @@
           <p:cNvPr id="12" name="직사각형 11">
             <a:extLst>
               <a:ext uri="{FF2B5EF4-FFF2-40B4-BE49-F238E27FC236}">
-                <a16:creationId xmlns:a16="http://schemas.microsoft.com/office/drawing/2014/main" xmlns="" id="{FFF506F9-840A-0508-4CAF-3AC711D8D5CE}"/>
+                <a16:creationId xmlns:a16="http://schemas.microsoft.com/office/drawing/2014/main" id="{FFF506F9-840A-0508-4CAF-3AC711D8D5CE}"/>
               </a:ext>
             </a:extLst>
           </p:cNvPr>
@@ -11392,7 +11243,7 @@
           <p:cNvPr id="13" name="TextBox 12">
             <a:extLst>
               <a:ext uri="{FF2B5EF4-FFF2-40B4-BE49-F238E27FC236}">
-                <a16:creationId xmlns:a16="http://schemas.microsoft.com/office/drawing/2014/main" xmlns="" id="{C6D113C6-EA5C-788F-0C77-E7CE6EBB865F}"/>
+                <a16:creationId xmlns:a16="http://schemas.microsoft.com/office/drawing/2014/main" id="{C6D113C6-EA5C-788F-0C77-E7CE6EBB865F}"/>
               </a:ext>
             </a:extLst>
           </p:cNvPr>
@@ -11416,7 +11267,7 @@
           <a:lstStyle/>
           <a:p>
             <a:r>
-              <a:rPr lang="ko-KR" altLang="en-US" sz="3600" smtClean="0">
+              <a:rPr lang="ko-KR" altLang="en-US" sz="3600">
                 <a:solidFill>
                   <a:srgbClr val="FF0000"/>
                 </a:solidFill>
@@ -11445,13 +11296,6 @@
   <p:clrMapOvr>
     <a:masterClrMapping/>
   </p:clrMapOvr>
-  <p:timing>
-    <p:tnLst>
-      <p:par>
-        <p:cTn id="1" dur="indefinite" restart="never" nodeType="tmRoot"/>
-      </p:par>
-    </p:tnLst>
-  </p:timing>
 </p:sld>
 </file>
 
@@ -11501,7 +11345,7 @@
           <p:cNvPr id="8" name="TextBox 7">
             <a:extLst>
               <a:ext uri="{FF2B5EF4-FFF2-40B4-BE49-F238E27FC236}">
-                <a16:creationId xmlns:a16="http://schemas.microsoft.com/office/drawing/2014/main" xmlns="" id="{69196D22-2A4C-4EF6-5A42-2031D7FEF549}"/>
+                <a16:creationId xmlns:a16="http://schemas.microsoft.com/office/drawing/2014/main" id="{69196D22-2A4C-4EF6-5A42-2031D7FEF549}"/>
               </a:ext>
             </a:extLst>
           </p:cNvPr>
@@ -11525,7 +11369,7 @@
           <a:lstStyle/>
           <a:p>
             <a:r>
-              <a:rPr lang="en-US" altLang="ko-KR" sz="5400" spc="-300" smtClean="0">
+              <a:rPr lang="en-US" altLang="ko-KR" sz="5400" spc="-300">
                 <a:solidFill>
                   <a:srgbClr val="4C50BC"/>
                 </a:solidFill>
@@ -11535,7 +11379,7 @@
               <a:t>final (</a:t>
             </a:r>
             <a:r>
-              <a:rPr lang="ko-KR" altLang="en-US" sz="5400" spc="-300" smtClean="0">
+              <a:rPr lang="ko-KR" altLang="en-US" sz="5400" spc="-300">
                 <a:solidFill>
                   <a:srgbClr val="4C50BC"/>
                 </a:solidFill>
@@ -11545,7 +11389,7 @@
               <a:t>클래스에 사용</a:t>
             </a:r>
             <a:r>
-              <a:rPr lang="en-US" altLang="ko-KR" sz="5400" spc="-300" smtClean="0">
+              <a:rPr lang="en-US" altLang="ko-KR" sz="5400" spc="-300">
                 <a:solidFill>
                   <a:srgbClr val="4C50BC"/>
                 </a:solidFill>
@@ -11569,7 +11413,7 @@
           <p:cNvPr id="9" name="직선 연결선 8">
             <a:extLst>
               <a:ext uri="{FF2B5EF4-FFF2-40B4-BE49-F238E27FC236}">
-                <a16:creationId xmlns:a16="http://schemas.microsoft.com/office/drawing/2014/main" xmlns="" id="{DDFA97EB-659B-5D0A-D41B-496A6FF66D9E}"/>
+                <a16:creationId xmlns:a16="http://schemas.microsoft.com/office/drawing/2014/main" id="{DDFA97EB-659B-5D0A-D41B-496A6FF66D9E}"/>
               </a:ext>
             </a:extLst>
           </p:cNvPr>
@@ -11612,7 +11456,7 @@
           <p:cNvPr id="10" name="TextBox 9">
             <a:extLst>
               <a:ext uri="{FF2B5EF4-FFF2-40B4-BE49-F238E27FC236}">
-                <a16:creationId xmlns:a16="http://schemas.microsoft.com/office/drawing/2014/main" xmlns="" id="{B1C05CB3-45A9-FA20-A8E0-BE6F095B8777}"/>
+                <a16:creationId xmlns:a16="http://schemas.microsoft.com/office/drawing/2014/main" id="{B1C05CB3-45A9-FA20-A8E0-BE6F095B8777}"/>
               </a:ext>
             </a:extLst>
           </p:cNvPr>
@@ -11640,7 +11484,7 @@
               <a:buChar char="•"/>
             </a:pPr>
             <a:r>
-              <a:rPr lang="ko-KR" altLang="en-US" sz="3600" smtClean="0">
+              <a:rPr lang="ko-KR" altLang="en-US" sz="3600">
                 <a:solidFill>
                   <a:schemeClr val="tx1">
                     <a:lumMod val="50000"/>
@@ -11653,7 +11497,7 @@
               <a:t>상속될수 없다</a:t>
             </a:r>
             <a:r>
-              <a:rPr lang="en-US" altLang="ko-KR" sz="3600" smtClean="0">
+              <a:rPr lang="en-US" altLang="ko-KR" sz="3600">
                 <a:solidFill>
                   <a:schemeClr val="tx1">
                     <a:lumMod val="50000"/>
@@ -11673,7 +11517,7 @@
           <p:cNvPr id="11" name="직선 화살표 연결선 10">
             <a:extLst>
               <a:ext uri="{FF2B5EF4-FFF2-40B4-BE49-F238E27FC236}">
-                <a16:creationId xmlns:a16="http://schemas.microsoft.com/office/drawing/2014/main" xmlns="" id="{299DF5EC-9DF4-5255-06AC-0A7CE4FF58C3}"/>
+                <a16:creationId xmlns:a16="http://schemas.microsoft.com/office/drawing/2014/main" id="{299DF5EC-9DF4-5255-06AC-0A7CE4FF58C3}"/>
               </a:ext>
             </a:extLst>
           </p:cNvPr>
@@ -11714,7 +11558,7 @@
           <p:cNvPr id="12" name="직사각형 11">
             <a:extLst>
               <a:ext uri="{FF2B5EF4-FFF2-40B4-BE49-F238E27FC236}">
-                <a16:creationId xmlns:a16="http://schemas.microsoft.com/office/drawing/2014/main" xmlns="" id="{FFF506F9-840A-0508-4CAF-3AC711D8D5CE}"/>
+                <a16:creationId xmlns:a16="http://schemas.microsoft.com/office/drawing/2014/main" id="{FFF506F9-840A-0508-4CAF-3AC711D8D5CE}"/>
               </a:ext>
             </a:extLst>
           </p:cNvPr>
@@ -11766,7 +11610,7 @@
           <p:cNvPr id="13" name="TextBox 12">
             <a:extLst>
               <a:ext uri="{FF2B5EF4-FFF2-40B4-BE49-F238E27FC236}">
-                <a16:creationId xmlns:a16="http://schemas.microsoft.com/office/drawing/2014/main" xmlns="" id="{C6D113C6-EA5C-788F-0C77-E7CE6EBB865F}"/>
+                <a16:creationId xmlns:a16="http://schemas.microsoft.com/office/drawing/2014/main" id="{C6D113C6-EA5C-788F-0C77-E7CE6EBB865F}"/>
               </a:ext>
             </a:extLst>
           </p:cNvPr>
@@ -11790,7 +11634,7 @@
           <a:lstStyle/>
           <a:p>
             <a:r>
-              <a:rPr lang="en-US" altLang="ko-KR" sz="3600" smtClean="0">
+              <a:rPr lang="en-US" altLang="ko-KR" sz="3600">
                 <a:solidFill>
                   <a:srgbClr val="FF0000"/>
                 </a:solidFill>
@@ -11800,7 +11644,7 @@
               <a:t>a</a:t>
             </a:r>
             <a:r>
-              <a:rPr lang="ko-KR" altLang="en-US" sz="3600" smtClean="0">
+              <a:rPr lang="ko-KR" altLang="en-US" sz="3600">
                 <a:solidFill>
                   <a:srgbClr val="FF0000"/>
                 </a:solidFill>
@@ -11810,7 +11654,7 @@
               <a:t>클래스는 </a:t>
             </a:r>
             <a:r>
-              <a:rPr lang="en-US" altLang="ko-KR" sz="3600" smtClean="0">
+              <a:rPr lang="en-US" altLang="ko-KR" sz="3600">
                 <a:solidFill>
                   <a:srgbClr val="FF0000"/>
                 </a:solidFill>
@@ -11820,7 +11664,7 @@
               <a:t>final </a:t>
             </a:r>
             <a:r>
-              <a:rPr lang="ko-KR" altLang="en-US" sz="3600" smtClean="0">
+              <a:rPr lang="ko-KR" altLang="en-US" sz="3600">
                 <a:solidFill>
                   <a:srgbClr val="FF0000"/>
                 </a:solidFill>
@@ -11849,13 +11693,6 @@
   <p:clrMapOvr>
     <a:masterClrMapping/>
   </p:clrMapOvr>
-  <p:timing>
-    <p:tnLst>
-      <p:par>
-        <p:cTn id="1" dur="indefinite" restart="never" nodeType="tmRoot"/>
-      </p:par>
-    </p:tnLst>
-  </p:timing>
 </p:sld>
 </file>
 
@@ -12069,7 +11906,7 @@
           <p:cNvPr id="2" name="TextBox 1">
             <a:extLst>
               <a:ext uri="{FF2B5EF4-FFF2-40B4-BE49-F238E27FC236}">
-                <a16:creationId xmlns="" xmlns:a16="http://schemas.microsoft.com/office/drawing/2014/main" id="{8D19D88B-9541-32D7-90F1-0C45C993E21C}"/>
+                <a16:creationId xmlns:a16="http://schemas.microsoft.com/office/drawing/2014/main" id="{8D19D88B-9541-32D7-90F1-0C45C993E21C}"/>
               </a:ext>
             </a:extLst>
           </p:cNvPr>
@@ -12127,13 +11964,6 @@
   <p:clrMapOvr>
     <a:masterClrMapping/>
   </p:clrMapOvr>
-  <p:timing>
-    <p:tnLst>
-      <p:par>
-        <p:cTn id="1" dur="indefinite" restart="never" nodeType="tmRoot"/>
-      </p:par>
-    </p:tnLst>
-  </p:timing>
 </p:sld>
 </file>
 
@@ -12183,7 +12013,7 @@
           <p:cNvPr id="13" name="직사각형 12">
             <a:extLst>
               <a:ext uri="{FF2B5EF4-FFF2-40B4-BE49-F238E27FC236}">
-                <a16:creationId xmlns="" xmlns:a16="http://schemas.microsoft.com/office/drawing/2014/main" id="{FFF506F9-840A-0508-4CAF-3AC711D8D5CE}"/>
+                <a16:creationId xmlns:a16="http://schemas.microsoft.com/office/drawing/2014/main" id="{FFF506F9-840A-0508-4CAF-3AC711D8D5CE}"/>
               </a:ext>
             </a:extLst>
           </p:cNvPr>
@@ -12235,7 +12065,7 @@
           <p:cNvPr id="19" name="TextBox 18">
             <a:extLst>
               <a:ext uri="{FF2B5EF4-FFF2-40B4-BE49-F238E27FC236}">
-                <a16:creationId xmlns="" xmlns:a16="http://schemas.microsoft.com/office/drawing/2014/main" id="{C6D113C6-EA5C-788F-0C77-E7CE6EBB865F}"/>
+                <a16:creationId xmlns:a16="http://schemas.microsoft.com/office/drawing/2014/main" id="{C6D113C6-EA5C-788F-0C77-E7CE6EBB865F}"/>
               </a:ext>
             </a:extLst>
           </p:cNvPr>
@@ -12259,7 +12089,7 @@
           <a:lstStyle/>
           <a:p>
             <a:r>
-              <a:rPr lang="ko-KR" altLang="en-US" sz="4000" dirty="0" smtClean="0">
+              <a:rPr lang="ko-KR" altLang="en-US" sz="4000" dirty="0">
                 <a:solidFill>
                   <a:srgbClr val="FF0000"/>
                 </a:solidFill>
@@ -12283,7 +12113,7 @@
           <p:cNvPr id="20" name="직선 화살표 연결선 19">
             <a:extLst>
               <a:ext uri="{FF2B5EF4-FFF2-40B4-BE49-F238E27FC236}">
-                <a16:creationId xmlns="" xmlns:a16="http://schemas.microsoft.com/office/drawing/2014/main" id="{299DF5EC-9DF4-5255-06AC-0A7CE4FF58C3}"/>
+                <a16:creationId xmlns:a16="http://schemas.microsoft.com/office/drawing/2014/main" id="{299DF5EC-9DF4-5255-06AC-0A7CE4FF58C3}"/>
               </a:ext>
             </a:extLst>
           </p:cNvPr>
@@ -12324,7 +12154,7 @@
           <p:cNvPr id="12" name="TextBox 11">
             <a:extLst>
               <a:ext uri="{FF2B5EF4-FFF2-40B4-BE49-F238E27FC236}">
-                <a16:creationId xmlns:a16="http://schemas.microsoft.com/office/drawing/2014/main" xmlns="" id="{69196D22-2A4C-4EF6-5A42-2031D7FEF549}"/>
+                <a16:creationId xmlns:a16="http://schemas.microsoft.com/office/drawing/2014/main" id="{69196D22-2A4C-4EF6-5A42-2031D7FEF549}"/>
               </a:ext>
             </a:extLst>
           </p:cNvPr>
@@ -12348,7 +12178,7 @@
           <a:lstStyle/>
           <a:p>
             <a:r>
-              <a:rPr lang="en-US" altLang="ko-KR" sz="5400" spc="-300" smtClean="0">
+              <a:rPr lang="en-US" altLang="ko-KR" sz="5400" spc="-300">
                 <a:solidFill>
                   <a:srgbClr val="4C50BC"/>
                 </a:solidFill>
@@ -12358,7 +12188,7 @@
               <a:t>abstract</a:t>
             </a:r>
             <a:r>
-              <a:rPr lang="en-US" altLang="ko-KR" sz="5400" spc="-300" smtClean="0">
+              <a:rPr lang="en-US" altLang="ko-KR" sz="5400" spc="-300">
                 <a:solidFill>
                   <a:srgbClr val="FF0000"/>
                 </a:solidFill>
@@ -12368,7 +12198,7 @@
               <a:t>(</a:t>
             </a:r>
             <a:r>
-              <a:rPr lang="ko-KR" altLang="en-US" sz="5400" spc="-300" smtClean="0">
+              <a:rPr lang="ko-KR" altLang="en-US" sz="5400" spc="-300">
                 <a:solidFill>
                   <a:srgbClr val="FF0000"/>
                 </a:solidFill>
@@ -12378,7 +12208,7 @@
               <a:t>중요</a:t>
             </a:r>
             <a:r>
-              <a:rPr lang="en-US" altLang="ko-KR" sz="5400" spc="-300" smtClean="0">
+              <a:rPr lang="en-US" altLang="ko-KR" sz="5400" spc="-300">
                 <a:solidFill>
                   <a:srgbClr val="FF0000"/>
                 </a:solidFill>
@@ -12402,7 +12232,7 @@
           <p:cNvPr id="14" name="직선 연결선 13">
             <a:extLst>
               <a:ext uri="{FF2B5EF4-FFF2-40B4-BE49-F238E27FC236}">
-                <a16:creationId xmlns:a16="http://schemas.microsoft.com/office/drawing/2014/main" xmlns="" id="{DDFA97EB-659B-5D0A-D41B-496A6FF66D9E}"/>
+                <a16:creationId xmlns:a16="http://schemas.microsoft.com/office/drawing/2014/main" id="{DDFA97EB-659B-5D0A-D41B-496A6FF66D9E}"/>
               </a:ext>
             </a:extLst>
           </p:cNvPr>
@@ -12445,7 +12275,7 @@
           <p:cNvPr id="16" name="TextBox 15">
             <a:extLst>
               <a:ext uri="{FF2B5EF4-FFF2-40B4-BE49-F238E27FC236}">
-                <a16:creationId xmlns:a16="http://schemas.microsoft.com/office/drawing/2014/main" xmlns="" id="{B1C05CB3-45A9-FA20-A8E0-BE6F095B8777}"/>
+                <a16:creationId xmlns:a16="http://schemas.microsoft.com/office/drawing/2014/main" id="{B1C05CB3-45A9-FA20-A8E0-BE6F095B8777}"/>
               </a:ext>
             </a:extLst>
           </p:cNvPr>
@@ -12473,7 +12303,7 @@
               <a:buChar char="•"/>
             </a:pPr>
             <a:r>
-              <a:rPr lang="ko-KR" altLang="en-US" sz="3600" smtClean="0">
+              <a:rPr lang="ko-KR" altLang="en-US" sz="3600">
                 <a:solidFill>
                   <a:schemeClr val="tx1">
                     <a:lumMod val="50000"/>
@@ -12486,7 +12316,7 @@
               <a:t>추상의</a:t>
             </a:r>
             <a:r>
-              <a:rPr lang="en-US" altLang="ko-KR" sz="3600" smtClean="0">
+              <a:rPr lang="en-US" altLang="ko-KR" sz="3600">
                 <a:solidFill>
                   <a:schemeClr val="tx1">
                     <a:lumMod val="50000"/>
@@ -12499,7 +12329,7 @@
               <a:t>, </a:t>
             </a:r>
             <a:r>
-              <a:rPr lang="ko-KR" altLang="en-US" sz="3600" smtClean="0">
+              <a:rPr lang="ko-KR" altLang="en-US" sz="3600">
                 <a:solidFill>
                   <a:schemeClr val="tx1">
                     <a:lumMod val="50000"/>
@@ -12511,7 +12341,7 @@
               </a:rPr>
               <a:t>미완성의</a:t>
             </a:r>
-            <a:endParaRPr lang="en-US" altLang="ko-KR" sz="3600" smtClean="0">
+            <a:endParaRPr lang="en-US" altLang="ko-KR" sz="3600">
               <a:solidFill>
                 <a:schemeClr val="tx1">
                   <a:lumMod val="50000"/>
@@ -12528,7 +12358,7 @@
               <a:buChar char="•"/>
             </a:pPr>
             <a:r>
-              <a:rPr lang="ko-KR" altLang="en-US" sz="3600" smtClean="0">
+              <a:rPr lang="ko-KR" altLang="en-US" sz="3600">
                 <a:solidFill>
                   <a:schemeClr val="tx1">
                     <a:lumMod val="50000"/>
@@ -12541,7 +12371,7 @@
               <a:t>객체 생성을 못하게 막는다</a:t>
             </a:r>
             <a:r>
-              <a:rPr lang="en-US" altLang="ko-KR" sz="3600" smtClean="0">
+              <a:rPr lang="en-US" altLang="ko-KR" sz="3600">
                 <a:solidFill>
                   <a:schemeClr val="tx1">
                     <a:lumMod val="50000"/>
@@ -12560,7 +12390,7 @@
               <a:buChar char="•"/>
             </a:pPr>
             <a:r>
-              <a:rPr lang="en-US" altLang="ko-KR" sz="3600" smtClean="0">
+              <a:rPr lang="en-US" altLang="ko-KR" sz="3600">
                 <a:solidFill>
                   <a:schemeClr val="tx1">
                     <a:lumMod val="50000"/>
@@ -12573,7 +12403,7 @@
               <a:t>abstract</a:t>
             </a:r>
             <a:r>
-              <a:rPr lang="ko-KR" altLang="en-US" sz="3600" smtClean="0">
+              <a:rPr lang="ko-KR" altLang="en-US" sz="3600">
                 <a:solidFill>
                   <a:schemeClr val="tx1">
                     <a:lumMod val="50000"/>
@@ -12586,7 +12416,7 @@
               <a:t>가 적용된 클래스를 추상클래스라고 부른다</a:t>
             </a:r>
             <a:r>
-              <a:rPr lang="en-US" altLang="ko-KR" sz="3600" smtClean="0">
+              <a:rPr lang="en-US" altLang="ko-KR" sz="3600">
                 <a:solidFill>
                   <a:schemeClr val="tx1">
                     <a:lumMod val="50000"/>
@@ -12606,7 +12436,7 @@
           <p:cNvPr id="21" name="TextBox 20">
             <a:extLst>
               <a:ext uri="{FF2B5EF4-FFF2-40B4-BE49-F238E27FC236}">
-                <a16:creationId xmlns="" xmlns:a16="http://schemas.microsoft.com/office/drawing/2014/main" id="{C6D113C6-EA5C-788F-0C77-E7CE6EBB865F}"/>
+                <a16:creationId xmlns:a16="http://schemas.microsoft.com/office/drawing/2014/main" id="{C6D113C6-EA5C-788F-0C77-E7CE6EBB865F}"/>
               </a:ext>
             </a:extLst>
           </p:cNvPr>
@@ -12630,7 +12460,7 @@
           <a:lstStyle/>
           <a:p>
             <a:r>
-              <a:rPr lang="ko-KR" altLang="en-US" sz="4000" smtClean="0">
+              <a:rPr lang="ko-KR" altLang="en-US" sz="4000">
                 <a:solidFill>
                   <a:srgbClr val="FF0000"/>
                 </a:solidFill>
@@ -12654,7 +12484,7 @@
           <p:cNvPr id="22" name="직선 화살표 연결선 21">
             <a:extLst>
               <a:ext uri="{FF2B5EF4-FFF2-40B4-BE49-F238E27FC236}">
-                <a16:creationId xmlns="" xmlns:a16="http://schemas.microsoft.com/office/drawing/2014/main" id="{299DF5EC-9DF4-5255-06AC-0A7CE4FF58C3}"/>
+                <a16:creationId xmlns:a16="http://schemas.microsoft.com/office/drawing/2014/main" id="{299DF5EC-9DF4-5255-06AC-0A7CE4FF58C3}"/>
               </a:ext>
             </a:extLst>
           </p:cNvPr>
@@ -12927,7 +12757,7 @@
           <p:cNvPr id="9" name="직사각형 8">
             <a:extLst>
               <a:ext uri="{FF2B5EF4-FFF2-40B4-BE49-F238E27FC236}">
-                <a16:creationId xmlns="" xmlns:a16="http://schemas.microsoft.com/office/drawing/2014/main" id="{FFF506F9-840A-0508-4CAF-3AC711D8D5CE}"/>
+                <a16:creationId xmlns:a16="http://schemas.microsoft.com/office/drawing/2014/main" id="{FFF506F9-840A-0508-4CAF-3AC711D8D5CE}"/>
               </a:ext>
             </a:extLst>
           </p:cNvPr>
@@ -12979,7 +12809,7 @@
           <p:cNvPr id="10" name="직선 화살표 연결선 9">
             <a:extLst>
               <a:ext uri="{FF2B5EF4-FFF2-40B4-BE49-F238E27FC236}">
-                <a16:creationId xmlns="" xmlns:a16="http://schemas.microsoft.com/office/drawing/2014/main" id="{299DF5EC-9DF4-5255-06AC-0A7CE4FF58C3}"/>
+                <a16:creationId xmlns:a16="http://schemas.microsoft.com/office/drawing/2014/main" id="{299DF5EC-9DF4-5255-06AC-0A7CE4FF58C3}"/>
               </a:ext>
             </a:extLst>
           </p:cNvPr>
@@ -13020,7 +12850,7 @@
           <p:cNvPr id="11" name="TextBox 10">
             <a:extLst>
               <a:ext uri="{FF2B5EF4-FFF2-40B4-BE49-F238E27FC236}">
-                <a16:creationId xmlns="" xmlns:a16="http://schemas.microsoft.com/office/drawing/2014/main" id="{C6D113C6-EA5C-788F-0C77-E7CE6EBB865F}"/>
+                <a16:creationId xmlns:a16="http://schemas.microsoft.com/office/drawing/2014/main" id="{C6D113C6-EA5C-788F-0C77-E7CE6EBB865F}"/>
               </a:ext>
             </a:extLst>
           </p:cNvPr>
@@ -13044,7 +12874,7 @@
           <a:lstStyle/>
           <a:p>
             <a:r>
-              <a:rPr lang="ko-KR" altLang="en-US" sz="4000" smtClean="0">
+              <a:rPr lang="ko-KR" altLang="en-US" sz="4000">
                 <a:solidFill>
                   <a:srgbClr val="FF0000"/>
                 </a:solidFill>
@@ -13054,7 +12884,7 @@
               <a:t>메서드의 내부가 없다</a:t>
             </a:r>
             <a:r>
-              <a:rPr lang="en-US" altLang="ko-KR" sz="4000" smtClean="0">
+              <a:rPr lang="en-US" altLang="ko-KR" sz="4000">
                 <a:solidFill>
                   <a:srgbClr val="FF0000"/>
                 </a:solidFill>
@@ -13078,7 +12908,7 @@
           <p:cNvPr id="15" name="TextBox 14">
             <a:extLst>
               <a:ext uri="{FF2B5EF4-FFF2-40B4-BE49-F238E27FC236}">
-                <a16:creationId xmlns="" xmlns:a16="http://schemas.microsoft.com/office/drawing/2014/main" id="{C6D113C6-EA5C-788F-0C77-E7CE6EBB865F}"/>
+                <a16:creationId xmlns:a16="http://schemas.microsoft.com/office/drawing/2014/main" id="{C6D113C6-EA5C-788F-0C77-E7CE6EBB865F}"/>
               </a:ext>
             </a:extLst>
           </p:cNvPr>
@@ -13102,7 +12932,7 @@
           <a:lstStyle/>
           <a:p>
             <a:r>
-              <a:rPr lang="ko-KR" altLang="en-US" sz="4000" dirty="0" err="1" smtClean="0">
+              <a:rPr lang="ko-KR" altLang="en-US" sz="4000" dirty="0" err="1">
                 <a:solidFill>
                   <a:srgbClr val="FF0000"/>
                 </a:solidFill>
@@ -13126,7 +12956,7 @@
           <p:cNvPr id="16" name="직선 화살표 연결선 15">
             <a:extLst>
               <a:ext uri="{FF2B5EF4-FFF2-40B4-BE49-F238E27FC236}">
-                <a16:creationId xmlns="" xmlns:a16="http://schemas.microsoft.com/office/drawing/2014/main" id="{299DF5EC-9DF4-5255-06AC-0A7CE4FF58C3}"/>
+                <a16:creationId xmlns:a16="http://schemas.microsoft.com/office/drawing/2014/main" id="{299DF5EC-9DF4-5255-06AC-0A7CE4FF58C3}"/>
               </a:ext>
             </a:extLst>
           </p:cNvPr>
@@ -13167,7 +12997,7 @@
           <p:cNvPr id="8" name="TextBox 7">
             <a:extLst>
               <a:ext uri="{FF2B5EF4-FFF2-40B4-BE49-F238E27FC236}">
-                <a16:creationId xmlns:a16="http://schemas.microsoft.com/office/drawing/2014/main" xmlns="" id="{69196D22-2A4C-4EF6-5A42-2031D7FEF549}"/>
+                <a16:creationId xmlns:a16="http://schemas.microsoft.com/office/drawing/2014/main" id="{69196D22-2A4C-4EF6-5A42-2031D7FEF549}"/>
               </a:ext>
             </a:extLst>
           </p:cNvPr>
@@ -13191,7 +13021,7 @@
           <a:lstStyle/>
           <a:p>
             <a:r>
-              <a:rPr lang="en-US" altLang="ko-KR" sz="5400" spc="-300" smtClean="0">
+              <a:rPr lang="en-US" altLang="ko-KR" sz="5400" spc="-300">
                 <a:solidFill>
                   <a:srgbClr val="4C50BC"/>
                 </a:solidFill>
@@ -13201,7 +13031,7 @@
               <a:t>abstract</a:t>
             </a:r>
             <a:r>
-              <a:rPr lang="en-US" altLang="ko-KR" sz="5400" spc="-300" smtClean="0">
+              <a:rPr lang="en-US" altLang="ko-KR" sz="5400" spc="-300">
                 <a:solidFill>
                   <a:srgbClr val="FF0000"/>
                 </a:solidFill>
@@ -13211,7 +13041,7 @@
               <a:t>(</a:t>
             </a:r>
             <a:r>
-              <a:rPr lang="ko-KR" altLang="en-US" sz="5400" spc="-300" smtClean="0">
+              <a:rPr lang="ko-KR" altLang="en-US" sz="5400" spc="-300">
                 <a:solidFill>
                   <a:srgbClr val="FF0000"/>
                 </a:solidFill>
@@ -13221,7 +13051,7 @@
               <a:t>중요</a:t>
             </a:r>
             <a:r>
-              <a:rPr lang="en-US" altLang="ko-KR" sz="5400" spc="-300" smtClean="0">
+              <a:rPr lang="en-US" altLang="ko-KR" sz="5400" spc="-300">
                 <a:solidFill>
                   <a:srgbClr val="FF0000"/>
                 </a:solidFill>
@@ -13245,7 +13075,7 @@
           <p:cNvPr id="12" name="직선 연결선 11">
             <a:extLst>
               <a:ext uri="{FF2B5EF4-FFF2-40B4-BE49-F238E27FC236}">
-                <a16:creationId xmlns:a16="http://schemas.microsoft.com/office/drawing/2014/main" xmlns="" id="{DDFA97EB-659B-5D0A-D41B-496A6FF66D9E}"/>
+                <a16:creationId xmlns:a16="http://schemas.microsoft.com/office/drawing/2014/main" id="{DDFA97EB-659B-5D0A-D41B-496A6FF66D9E}"/>
               </a:ext>
             </a:extLst>
           </p:cNvPr>
@@ -13288,7 +13118,7 @@
           <p:cNvPr id="13" name="TextBox 12">
             <a:extLst>
               <a:ext uri="{FF2B5EF4-FFF2-40B4-BE49-F238E27FC236}">
-                <a16:creationId xmlns:a16="http://schemas.microsoft.com/office/drawing/2014/main" xmlns="" id="{B1C05CB3-45A9-FA20-A8E0-BE6F095B8777}"/>
+                <a16:creationId xmlns:a16="http://schemas.microsoft.com/office/drawing/2014/main" id="{B1C05CB3-45A9-FA20-A8E0-BE6F095B8777}"/>
               </a:ext>
             </a:extLst>
           </p:cNvPr>
@@ -13316,7 +13146,7 @@
               <a:buChar char="•"/>
             </a:pPr>
             <a:r>
-              <a:rPr lang="ko-KR" altLang="en-US" sz="3600" smtClean="0">
+              <a:rPr lang="ko-KR" altLang="en-US" sz="3600">
                 <a:solidFill>
                   <a:schemeClr val="tx1">
                     <a:lumMod val="50000"/>
@@ -13329,7 +13159,7 @@
               <a:t>메서드의 내용이 없을때 사용한다</a:t>
             </a:r>
             <a:r>
-              <a:rPr lang="en-US" altLang="ko-KR" sz="3600" smtClean="0">
+              <a:rPr lang="en-US" altLang="ko-KR" sz="3600">
                 <a:solidFill>
                   <a:schemeClr val="tx1">
                     <a:lumMod val="50000"/>
@@ -13348,7 +13178,7 @@
               <a:buChar char="•"/>
             </a:pPr>
             <a:r>
-              <a:rPr lang="en-US" altLang="ko-KR" sz="3600" smtClean="0">
+              <a:rPr lang="en-US" altLang="ko-KR" sz="3600">
                 <a:solidFill>
                   <a:schemeClr val="tx1">
                     <a:lumMod val="50000"/>
@@ -13361,7 +13191,7 @@
               <a:t>abstract</a:t>
             </a:r>
             <a:r>
-              <a:rPr lang="ko-KR" altLang="en-US" sz="3600" smtClean="0">
+              <a:rPr lang="ko-KR" altLang="en-US" sz="3600">
                 <a:solidFill>
                   <a:schemeClr val="tx1">
                     <a:lumMod val="50000"/>
@@ -13374,7 +13204,7 @@
               <a:t>가 적용된 메서드를 추상메서드 라고 부른다</a:t>
             </a:r>
             <a:r>
-              <a:rPr lang="en-US" altLang="ko-KR" sz="3600" smtClean="0">
+              <a:rPr lang="en-US" altLang="ko-KR" sz="3600">
                 <a:solidFill>
                   <a:schemeClr val="tx1">
                     <a:lumMod val="50000"/>
@@ -13393,7 +13223,7 @@
               <a:buChar char="•"/>
             </a:pPr>
             <a:r>
-              <a:rPr lang="ko-KR" altLang="en-US" sz="3600" smtClean="0">
+              <a:rPr lang="ko-KR" altLang="en-US" sz="3600">
                 <a:solidFill>
                   <a:schemeClr val="tx1">
                     <a:lumMod val="50000"/>
@@ -13406,7 +13236,7 @@
               <a:t>추상메서드는 가진 클래스는 반드시 추상클래스가 되어야 한다</a:t>
             </a:r>
             <a:r>
-              <a:rPr lang="en-US" altLang="ko-KR" sz="3600" smtClean="0">
+              <a:rPr lang="en-US" altLang="ko-KR" sz="3600">
                 <a:solidFill>
                   <a:schemeClr val="tx1">
                     <a:lumMod val="50000"/>
@@ -13431,10 +13261,10 @@
                 <a:latin typeface="G마켓 산스 Medium" panose="02000000000000000000" pitchFamily="50" charset="-127"/>
                 <a:ea typeface="G마켓 산스 Medium" panose="02000000000000000000" pitchFamily="50" charset="-127"/>
               </a:rPr>
-              <a:t> </a:t>
-            </a:r>
-            <a:r>
-              <a:rPr lang="en-US" altLang="ko-KR" sz="3600" smtClean="0">
+              <a:t>     (</a:t>
+            </a:r>
+            <a:r>
+              <a:rPr lang="ko-KR" altLang="en-US" sz="3600">
                 <a:solidFill>
                   <a:schemeClr val="tx1">
                     <a:lumMod val="50000"/>
@@ -13444,10 +13274,10 @@
                 <a:latin typeface="G마켓 산스 Medium" panose="02000000000000000000" pitchFamily="50" charset="-127"/>
                 <a:ea typeface="G마켓 산스 Medium" panose="02000000000000000000" pitchFamily="50" charset="-127"/>
               </a:rPr>
-              <a:t>    (</a:t>
-            </a:r>
-            <a:r>
-              <a:rPr lang="ko-KR" altLang="en-US" sz="3600" smtClean="0">
+              <a:t>메서드 내용이 없기에 객체화 할수 없기때문이다</a:t>
+            </a:r>
+            <a:r>
+              <a:rPr lang="en-US" altLang="ko-KR" sz="3600">
                 <a:solidFill>
                   <a:schemeClr val="tx1">
                     <a:lumMod val="50000"/>
@@ -13457,10 +13287,16 @@
                 <a:latin typeface="G마켓 산스 Medium" panose="02000000000000000000" pitchFamily="50" charset="-127"/>
                 <a:ea typeface="G마켓 산스 Medium" panose="02000000000000000000" pitchFamily="50" charset="-127"/>
               </a:rPr>
-              <a:t>메서드 내용이 없기에 객체화 할수 없기때문이다</a:t>
-            </a:r>
-            <a:r>
-              <a:rPr lang="en-US" altLang="ko-KR" sz="3600" smtClean="0">
+              <a:t>.)</a:t>
+            </a:r>
+          </a:p>
+          <a:p>
+            <a:pPr marL="571500" indent="-571500">
+              <a:buFont typeface="Arial" panose="020B0604020202020204" pitchFamily="34" charset="0"/>
+              <a:buChar char="•"/>
+            </a:pPr>
+            <a:r>
+              <a:rPr lang="ko-KR" altLang="en-US" sz="3600">
                 <a:solidFill>
                   <a:schemeClr val="tx1">
                     <a:lumMod val="50000"/>
@@ -13470,16 +13306,10 @@
                 <a:latin typeface="G마켓 산스 Medium" panose="02000000000000000000" pitchFamily="50" charset="-127"/>
                 <a:ea typeface="G마켓 산스 Medium" panose="02000000000000000000" pitchFamily="50" charset="-127"/>
               </a:rPr>
-              <a:t>.)</a:t>
-            </a:r>
-          </a:p>
-          <a:p>
-            <a:pPr marL="571500" indent="-571500">
-              <a:buFont typeface="Arial" panose="020B0604020202020204" pitchFamily="34" charset="0"/>
-              <a:buChar char="•"/>
-            </a:pPr>
-            <a:r>
-              <a:rPr lang="ko-KR" altLang="en-US" sz="3600" smtClean="0">
+              <a:t>추상메서드를 가진 클래스를 상속받을시 오버라이딩하여 내부를 채워 넣어야 한다</a:t>
+            </a:r>
+            <a:r>
+              <a:rPr lang="en-US" altLang="ko-KR" sz="3600">
                 <a:solidFill>
                   <a:schemeClr val="tx1">
                     <a:lumMod val="50000"/>
@@ -13489,10 +13319,10 @@
                 <a:latin typeface="G마켓 산스 Medium" panose="02000000000000000000" pitchFamily="50" charset="-127"/>
                 <a:ea typeface="G마켓 산스 Medium" panose="02000000000000000000" pitchFamily="50" charset="-127"/>
               </a:rPr>
-              <a:t>추상메서드를 가진 클래스를 상속받을시 오버라이딩하여 내부를 채워 넣어야 한다</a:t>
-            </a:r>
-            <a:r>
-              <a:rPr lang="en-US" altLang="ko-KR" sz="3600" smtClean="0">
+              <a:t>.</a:t>
+            </a:r>
+            <a:r>
+              <a:rPr lang="ko-KR" altLang="en-US" sz="3600">
                 <a:solidFill>
                   <a:schemeClr val="tx1">
                     <a:lumMod val="50000"/>
@@ -13502,23 +13332,10 @@
                 <a:latin typeface="G마켓 산스 Medium" panose="02000000000000000000" pitchFamily="50" charset="-127"/>
                 <a:ea typeface="G마켓 산스 Medium" panose="02000000000000000000" pitchFamily="50" charset="-127"/>
               </a:rPr>
-              <a:t>.</a:t>
-            </a:r>
-            <a:r>
-              <a:rPr lang="ko-KR" altLang="en-US" sz="3600" smtClean="0">
-                <a:solidFill>
-                  <a:schemeClr val="tx1">
-                    <a:lumMod val="50000"/>
-                    <a:lumOff val="50000"/>
-                  </a:schemeClr>
-                </a:solidFill>
-                <a:latin typeface="G마켓 산스 Medium" panose="02000000000000000000" pitchFamily="50" charset="-127"/>
-                <a:ea typeface="G마켓 산스 Medium" panose="02000000000000000000" pitchFamily="50" charset="-127"/>
-              </a:rPr>
               <a:t>아니면 자식또한 추상클래스가 되어야 한다</a:t>
             </a:r>
             <a:r>
-              <a:rPr lang="en-US" altLang="ko-KR" sz="3600" smtClean="0">
+              <a:rPr lang="en-US" altLang="ko-KR" sz="3600">
                 <a:solidFill>
                   <a:schemeClr val="tx1">
                     <a:lumMod val="50000"/>
@@ -13673,7 +13490,7 @@
           <p:cNvPr id="4" name="TextBox 3">
             <a:extLst>
               <a:ext uri="{FF2B5EF4-FFF2-40B4-BE49-F238E27FC236}">
-                <a16:creationId xmlns="" xmlns:a16="http://schemas.microsoft.com/office/drawing/2014/main" id="{DF7DDD33-9412-2802-339A-E55446AC2DA7}"/>
+                <a16:creationId xmlns:a16="http://schemas.microsoft.com/office/drawing/2014/main" id="{DF7DDD33-9412-2802-339A-E55446AC2DA7}"/>
               </a:ext>
             </a:extLst>
           </p:cNvPr>
@@ -13740,7 +13557,7 @@
           <p:cNvPr id="5" name="TextBox 4">
             <a:extLst>
               <a:ext uri="{FF2B5EF4-FFF2-40B4-BE49-F238E27FC236}">
-                <a16:creationId xmlns="" xmlns:a16="http://schemas.microsoft.com/office/drawing/2014/main" id="{C6D113C6-EA5C-788F-0C77-E7CE6EBB865F}"/>
+                <a16:creationId xmlns:a16="http://schemas.microsoft.com/office/drawing/2014/main" id="{C6D113C6-EA5C-788F-0C77-E7CE6EBB865F}"/>
               </a:ext>
             </a:extLst>
           </p:cNvPr>
@@ -13803,13 +13620,6 @@
   <p:clrMapOvr>
     <a:masterClrMapping/>
   </p:clrMapOvr>
-  <p:timing>
-    <p:tnLst>
-      <p:par>
-        <p:cTn id="1" dur="indefinite" restart="never" nodeType="tmRoot"/>
-      </p:par>
-    </p:tnLst>
-  </p:timing>
 </p:sld>
 </file>
 
@@ -13835,7 +13645,7 @@
           <p:cNvPr id="4" name="TextBox 3">
             <a:extLst>
               <a:ext uri="{FF2B5EF4-FFF2-40B4-BE49-F238E27FC236}">
-                <a16:creationId xmlns="" xmlns:a16="http://schemas.microsoft.com/office/drawing/2014/main" id="{DF7DDD33-9412-2802-339A-E55446AC2DA7}"/>
+                <a16:creationId xmlns:a16="http://schemas.microsoft.com/office/drawing/2014/main" id="{DF7DDD33-9412-2802-339A-E55446AC2DA7}"/>
               </a:ext>
             </a:extLst>
           </p:cNvPr>
@@ -14245,7 +14055,7 @@
           <p:cNvPr id="5" name="TextBox 4">
             <a:extLst>
               <a:ext uri="{FF2B5EF4-FFF2-40B4-BE49-F238E27FC236}">
-                <a16:creationId xmlns="" xmlns:a16="http://schemas.microsoft.com/office/drawing/2014/main" id="{DF7DDD33-9412-2802-339A-E55446AC2DA7}"/>
+                <a16:creationId xmlns:a16="http://schemas.microsoft.com/office/drawing/2014/main" id="{DF7DDD33-9412-2802-339A-E55446AC2DA7}"/>
               </a:ext>
             </a:extLst>
           </p:cNvPr>
@@ -14330,13 +14140,6 @@
   <p:clrMapOvr>
     <a:masterClrMapping/>
   </p:clrMapOvr>
-  <p:timing>
-    <p:tnLst>
-      <p:par>
-        <p:cTn id="1" dur="indefinite" restart="never" nodeType="tmRoot"/>
-      </p:par>
-    </p:tnLst>
-  </p:timing>
 </p:sld>
 </file>
 
@@ -14362,7 +14165,7 @@
           <p:cNvPr id="4" name="TextBox 3">
             <a:extLst>
               <a:ext uri="{FF2B5EF4-FFF2-40B4-BE49-F238E27FC236}">
-                <a16:creationId xmlns="" xmlns:a16="http://schemas.microsoft.com/office/drawing/2014/main" id="{DF7DDD33-9412-2802-339A-E55446AC2DA7}"/>
+                <a16:creationId xmlns:a16="http://schemas.microsoft.com/office/drawing/2014/main" id="{DF7DDD33-9412-2802-339A-E55446AC2DA7}"/>
               </a:ext>
             </a:extLst>
           </p:cNvPr>
@@ -14386,7 +14189,7 @@
           <a:lstStyle/>
           <a:p>
             <a:r>
-              <a:rPr lang="ko-KR" altLang="en-US" sz="5400" dirty="0" err="1" smtClean="0">
+              <a:rPr lang="ko-KR" altLang="en-US" sz="5400" dirty="0" err="1">
                 <a:solidFill>
                   <a:srgbClr val="4C50BC"/>
                 </a:solidFill>
@@ -14396,7 +14199,7 @@
               <a:t>추상메서드는</a:t>
             </a:r>
             <a:r>
-              <a:rPr lang="ko-KR" altLang="en-US" sz="5400" dirty="0" smtClean="0">
+              <a:rPr lang="ko-KR" altLang="en-US" sz="5400" dirty="0">
                 <a:solidFill>
                   <a:srgbClr val="4C50BC"/>
                 </a:solidFill>
@@ -14406,7 +14209,7 @@
               <a:t> 왜 필요할까</a:t>
             </a:r>
             <a:r>
-              <a:rPr lang="en-US" altLang="ko-KR" sz="5400" dirty="0" smtClean="0">
+              <a:rPr lang="en-US" altLang="ko-KR" sz="5400" dirty="0">
                 <a:solidFill>
                   <a:srgbClr val="4C50BC"/>
                 </a:solidFill>
@@ -14415,13 +14218,6 @@
               </a:rPr>
               <a:t>?</a:t>
             </a:r>
-            <a:endParaRPr lang="en-US" altLang="ko-KR" sz="5400" dirty="0">
-              <a:solidFill>
-                <a:srgbClr val="4C50BC"/>
-              </a:solidFill>
-              <a:latin typeface="G마켓 산스 Bold"/>
-              <a:ea typeface="G마켓 산스 Medium" panose="02000000000000000000" pitchFamily="50" charset="-127"/>
-            </a:endParaRPr>
           </a:p>
         </p:txBody>
       </p:sp>
@@ -14435,13 +14231,6 @@
   <p:clrMapOvr>
     <a:masterClrMapping/>
   </p:clrMapOvr>
-  <p:timing>
-    <p:tnLst>
-      <p:par>
-        <p:cTn id="1" dur="indefinite" restart="never" nodeType="tmRoot"/>
-      </p:par>
-    </p:tnLst>
-  </p:timing>
 </p:sld>
 </file>
 
@@ -14491,7 +14280,7 @@
           <p:cNvPr id="5" name="TextBox 4">
             <a:extLst>
               <a:ext uri="{FF2B5EF4-FFF2-40B4-BE49-F238E27FC236}">
-                <a16:creationId xmlns="" xmlns:a16="http://schemas.microsoft.com/office/drawing/2014/main" id="{C6D113C6-EA5C-788F-0C77-E7CE6EBB865F}"/>
+                <a16:creationId xmlns:a16="http://schemas.microsoft.com/office/drawing/2014/main" id="{C6D113C6-EA5C-788F-0C77-E7CE6EBB865F}"/>
               </a:ext>
             </a:extLst>
           </p:cNvPr>
@@ -14515,7 +14304,7 @@
           <a:lstStyle/>
           <a:p>
             <a:r>
-              <a:rPr lang="ko-KR" altLang="en-US" sz="3600" dirty="0" err="1" smtClean="0">
+              <a:rPr lang="ko-KR" altLang="en-US" sz="3600" dirty="0" err="1">
                 <a:solidFill>
                   <a:srgbClr val="FF0000"/>
                 </a:solidFill>
@@ -14525,7 +14314,7 @@
               <a:t>추상메서드를</a:t>
             </a:r>
             <a:r>
-              <a:rPr lang="ko-KR" altLang="en-US" sz="3600" dirty="0" smtClean="0">
+              <a:rPr lang="ko-KR" altLang="en-US" sz="3600" dirty="0">
                 <a:solidFill>
                   <a:srgbClr val="FF0000"/>
                 </a:solidFill>
@@ -14535,7 +14324,7 @@
               <a:t> 반드시 </a:t>
             </a:r>
             <a:r>
-              <a:rPr lang="ko-KR" altLang="en-US" sz="3600" dirty="0" err="1" smtClean="0">
+              <a:rPr lang="ko-KR" altLang="en-US" sz="3600" dirty="0" err="1">
                 <a:solidFill>
                   <a:srgbClr val="FF0000"/>
                 </a:solidFill>
@@ -14545,7 +14334,7 @@
               <a:t>오버라이딩</a:t>
             </a:r>
             <a:r>
-              <a:rPr lang="ko-KR" altLang="en-US" sz="3600" dirty="0" smtClean="0">
+              <a:rPr lang="ko-KR" altLang="en-US" sz="3600" dirty="0">
                 <a:solidFill>
                   <a:srgbClr val="FF0000"/>
                 </a:solidFill>
@@ -14555,7 +14344,7 @@
               <a:t> 해야 한다</a:t>
             </a:r>
             <a:r>
-              <a:rPr lang="en-US" altLang="ko-KR" sz="3600" dirty="0" smtClean="0">
+              <a:rPr lang="en-US" altLang="ko-KR" sz="3600" dirty="0">
                 <a:solidFill>
                   <a:srgbClr val="FF0000"/>
                 </a:solidFill>
@@ -14564,13 +14353,6 @@
               </a:rPr>
               <a:t>.</a:t>
             </a:r>
-            <a:endParaRPr lang="en-US" altLang="ko-KR" sz="3600" dirty="0">
-              <a:solidFill>
-                <a:srgbClr val="FF0000"/>
-              </a:solidFill>
-              <a:latin typeface="G마켓 산스 Medium" panose="02000000000000000000" pitchFamily="50" charset="-127"/>
-              <a:ea typeface="G마켓 산스 Medium" panose="02000000000000000000" pitchFamily="50" charset="-127"/>
-            </a:endParaRPr>
           </a:p>
         </p:txBody>
       </p:sp>
@@ -14603,7 +14385,7 @@
           <p:cNvPr id="7" name="직사각형 6">
             <a:extLst>
               <a:ext uri="{FF2B5EF4-FFF2-40B4-BE49-F238E27FC236}">
-                <a16:creationId xmlns="" xmlns:a16="http://schemas.microsoft.com/office/drawing/2014/main" id="{FFF506F9-840A-0508-4CAF-3AC711D8D5CE}"/>
+                <a16:creationId xmlns:a16="http://schemas.microsoft.com/office/drawing/2014/main" id="{FFF506F9-840A-0508-4CAF-3AC711D8D5CE}"/>
               </a:ext>
             </a:extLst>
           </p:cNvPr>
@@ -14655,7 +14437,7 @@
           <p:cNvPr id="8" name="직선 화살표 연결선 7">
             <a:extLst>
               <a:ext uri="{FF2B5EF4-FFF2-40B4-BE49-F238E27FC236}">
-                <a16:creationId xmlns:a16="http://schemas.microsoft.com/office/drawing/2014/main" xmlns="" id="{299DF5EC-9DF4-5255-06AC-0A7CE4FF58C3}"/>
+                <a16:creationId xmlns:a16="http://schemas.microsoft.com/office/drawing/2014/main" id="{299DF5EC-9DF4-5255-06AC-0A7CE4FF58C3}"/>
               </a:ext>
             </a:extLst>
           </p:cNvPr>
@@ -14696,7 +14478,7 @@
           <p:cNvPr id="9" name="직사각형 8">
             <a:extLst>
               <a:ext uri="{FF2B5EF4-FFF2-40B4-BE49-F238E27FC236}">
-                <a16:creationId xmlns:a16="http://schemas.microsoft.com/office/drawing/2014/main" xmlns="" id="{FFF506F9-840A-0508-4CAF-3AC711D8D5CE}"/>
+                <a16:creationId xmlns:a16="http://schemas.microsoft.com/office/drawing/2014/main" id="{FFF506F9-840A-0508-4CAF-3AC711D8D5CE}"/>
               </a:ext>
             </a:extLst>
           </p:cNvPr>
@@ -14748,7 +14530,7 @@
           <p:cNvPr id="10" name="TextBox 9">
             <a:extLst>
               <a:ext uri="{FF2B5EF4-FFF2-40B4-BE49-F238E27FC236}">
-                <a16:creationId xmlns:a16="http://schemas.microsoft.com/office/drawing/2014/main" xmlns="" id="{C6D113C6-EA5C-788F-0C77-E7CE6EBB865F}"/>
+                <a16:creationId xmlns:a16="http://schemas.microsoft.com/office/drawing/2014/main" id="{C6D113C6-EA5C-788F-0C77-E7CE6EBB865F}"/>
               </a:ext>
             </a:extLst>
           </p:cNvPr>
@@ -14772,7 +14554,7 @@
           <a:lstStyle/>
           <a:p>
             <a:r>
-              <a:rPr lang="ko-KR" altLang="en-US" sz="3600" smtClean="0">
+              <a:rPr lang="ko-KR" altLang="en-US" sz="3600">
                 <a:solidFill>
                   <a:srgbClr val="FF0000"/>
                 </a:solidFill>
@@ -14782,7 +14564,7 @@
               <a:t>상속받는 자식마다 내용이 다르다</a:t>
             </a:r>
             <a:r>
-              <a:rPr lang="en-US" altLang="ko-KR" sz="3600" smtClean="0">
+              <a:rPr lang="en-US" altLang="ko-KR" sz="3600">
                 <a:solidFill>
                   <a:srgbClr val="FF0000"/>
                 </a:solidFill>
@@ -14941,7 +14723,7 @@
           <p:cNvPr id="4" name="TextBox 3">
             <a:extLst>
               <a:ext uri="{FF2B5EF4-FFF2-40B4-BE49-F238E27FC236}">
-                <a16:creationId xmlns="" xmlns:a16="http://schemas.microsoft.com/office/drawing/2014/main" id="{DF7DDD33-9412-2802-339A-E55446AC2DA7}"/>
+                <a16:creationId xmlns:a16="http://schemas.microsoft.com/office/drawing/2014/main" id="{DF7DDD33-9412-2802-339A-E55446AC2DA7}"/>
               </a:ext>
             </a:extLst>
           </p:cNvPr>
@@ -14965,7 +14747,7 @@
           <a:lstStyle/>
           <a:p>
             <a:r>
-              <a:rPr lang="ko-KR" altLang="en-US" sz="5400" smtClean="0">
+              <a:rPr lang="ko-KR" altLang="en-US" sz="5400">
                 <a:solidFill>
                   <a:srgbClr val="4C50BC"/>
                 </a:solidFill>
@@ -14975,7 +14757,7 @@
               <a:t>자식마다 다르면 그냥 부모에서 안만들면 되잖아</a:t>
             </a:r>
             <a:r>
-              <a:rPr lang="en-US" altLang="ko-KR" sz="5400" smtClean="0">
+              <a:rPr lang="en-US" altLang="ko-KR" sz="5400">
                 <a:solidFill>
                   <a:srgbClr val="4C50BC"/>
                 </a:solidFill>
@@ -15071,7 +14853,7 @@
           <p:cNvPr id="8" name="직사각형 7">
             <a:extLst>
               <a:ext uri="{FF2B5EF4-FFF2-40B4-BE49-F238E27FC236}">
-                <a16:creationId xmlns:a16="http://schemas.microsoft.com/office/drawing/2014/main" xmlns="" id="{FFF506F9-840A-0508-4CAF-3AC711D8D5CE}"/>
+                <a16:creationId xmlns:a16="http://schemas.microsoft.com/office/drawing/2014/main" id="{FFF506F9-840A-0508-4CAF-3AC711D8D5CE}"/>
               </a:ext>
             </a:extLst>
           </p:cNvPr>
@@ -15123,7 +14905,7 @@
           <p:cNvPr id="10" name="TextBox 9">
             <a:extLst>
               <a:ext uri="{FF2B5EF4-FFF2-40B4-BE49-F238E27FC236}">
-                <a16:creationId xmlns:a16="http://schemas.microsoft.com/office/drawing/2014/main" xmlns="" id="{C6D113C6-EA5C-788F-0C77-E7CE6EBB865F}"/>
+                <a16:creationId xmlns:a16="http://schemas.microsoft.com/office/drawing/2014/main" id="{C6D113C6-EA5C-788F-0C77-E7CE6EBB865F}"/>
               </a:ext>
             </a:extLst>
           </p:cNvPr>
@@ -15147,7 +14929,7 @@
           <a:lstStyle/>
           <a:p>
             <a:r>
-              <a:rPr lang="en-US" altLang="ko-KR" sz="3600" smtClean="0">
+              <a:rPr lang="en-US" altLang="ko-KR" sz="3600">
                 <a:solidFill>
                   <a:srgbClr val="FF0000"/>
                 </a:solidFill>
@@ -15157,7 +14939,7 @@
               <a:t>Tiger</a:t>
             </a:r>
             <a:r>
-              <a:rPr lang="ko-KR" altLang="en-US" sz="3600" smtClean="0">
+              <a:rPr lang="ko-KR" altLang="en-US" sz="3600">
                 <a:solidFill>
                   <a:srgbClr val="FF0000"/>
                 </a:solidFill>
@@ -15167,7 +14949,7 @@
               <a:t>는 </a:t>
             </a:r>
             <a:r>
-              <a:rPr lang="en-US" altLang="ko-KR" sz="3600" smtClean="0">
+              <a:rPr lang="en-US" altLang="ko-KR" sz="3600">
                 <a:solidFill>
                   <a:srgbClr val="FF0000"/>
                 </a:solidFill>
@@ -15177,7 +14959,7 @@
               <a:t>go()</a:t>
             </a:r>
             <a:r>
-              <a:rPr lang="ko-KR" altLang="en-US" sz="3600" smtClean="0">
+              <a:rPr lang="ko-KR" altLang="en-US" sz="3600">
                 <a:solidFill>
                   <a:srgbClr val="FF0000"/>
                 </a:solidFill>
@@ -15187,7 +14969,7 @@
               <a:t>를 사용하고 </a:t>
             </a:r>
             <a:r>
-              <a:rPr lang="en-US" altLang="ko-KR" sz="3600" smtClean="0">
+              <a:rPr lang="en-US" altLang="ko-KR" sz="3600">
                 <a:solidFill>
                   <a:srgbClr val="FF0000"/>
                 </a:solidFill>
@@ -15197,7 +14979,7 @@
               <a:t>Bird</a:t>
             </a:r>
             <a:r>
-              <a:rPr lang="ko-KR" altLang="en-US" sz="3600" smtClean="0">
+              <a:rPr lang="ko-KR" altLang="en-US" sz="3600">
                 <a:solidFill>
                   <a:srgbClr val="FF0000"/>
                 </a:solidFill>
@@ -15207,7 +14989,7 @@
               <a:t>를 움직일때는 </a:t>
             </a:r>
             <a:r>
-              <a:rPr lang="en-US" altLang="ko-KR" sz="3600" smtClean="0">
+              <a:rPr lang="en-US" altLang="ko-KR" sz="3600">
                 <a:solidFill>
                   <a:srgbClr val="FF0000"/>
                 </a:solidFill>
@@ -15217,7 +14999,7 @@
               <a:t>move()</a:t>
             </a:r>
             <a:r>
-              <a:rPr lang="ko-KR" altLang="en-US" sz="3600" smtClean="0">
+              <a:rPr lang="ko-KR" altLang="en-US" sz="3600">
                 <a:solidFill>
                   <a:srgbClr val="FF0000"/>
                 </a:solidFill>
@@ -15236,17 +15018,10 @@
               </a:rPr>
               <a:t> </a:t>
             </a:r>
-            <a:endParaRPr lang="en-US" altLang="ko-KR" sz="3600" smtClean="0">
-              <a:solidFill>
-                <a:srgbClr val="FF0000"/>
-              </a:solidFill>
-              <a:latin typeface="G마켓 산스 Medium" panose="02000000000000000000" pitchFamily="50" charset="-127"/>
-              <a:ea typeface="G마켓 산스 Medium" panose="02000000000000000000" pitchFamily="50" charset="-127"/>
-            </a:endParaRPr>
-          </a:p>
-          <a:p>
-            <a:r>
-              <a:rPr lang="ko-KR" altLang="en-US" sz="3600" smtClean="0">
+          </a:p>
+          <a:p>
+            <a:r>
+              <a:rPr lang="ko-KR" altLang="en-US" sz="3600">
                 <a:solidFill>
                   <a:srgbClr val="FF0000"/>
                 </a:solidFill>
@@ -15256,7 +15031,7 @@
               <a:t>다른 동물들은</a:t>
             </a:r>
             <a:r>
-              <a:rPr lang="en-US" altLang="ko-KR" sz="3600" smtClean="0">
+              <a:rPr lang="en-US" altLang="ko-KR" sz="3600">
                 <a:solidFill>
                   <a:srgbClr val="FF0000"/>
                 </a:solidFill>
@@ -15285,13 +15060,6 @@
   <p:clrMapOvr>
     <a:masterClrMapping/>
   </p:clrMapOvr>
-  <p:timing>
-    <p:tnLst>
-      <p:par>
-        <p:cTn id="1" dur="indefinite" restart="never" nodeType="tmRoot"/>
-      </p:par>
-    </p:tnLst>
-  </p:timing>
 </p:sld>
 </file>
 
@@ -15341,7 +15109,7 @@
           <p:cNvPr id="5" name="TextBox 4">
             <a:extLst>
               <a:ext uri="{FF2B5EF4-FFF2-40B4-BE49-F238E27FC236}">
-                <a16:creationId xmlns="" xmlns:a16="http://schemas.microsoft.com/office/drawing/2014/main" id="{C6D113C6-EA5C-788F-0C77-E7CE6EBB865F}"/>
+                <a16:creationId xmlns:a16="http://schemas.microsoft.com/office/drawing/2014/main" id="{C6D113C6-EA5C-788F-0C77-E7CE6EBB865F}"/>
               </a:ext>
             </a:extLst>
           </p:cNvPr>
@@ -15365,7 +15133,7 @@
           <a:lstStyle/>
           <a:p>
             <a:r>
-              <a:rPr lang="ko-KR" altLang="en-US" sz="3600" dirty="0" smtClean="0">
+              <a:rPr lang="ko-KR" altLang="en-US" sz="3600" dirty="0">
                 <a:solidFill>
                   <a:srgbClr val="FF0000"/>
                 </a:solidFill>
@@ -15375,7 +15143,7 @@
               <a:t>일관된 </a:t>
             </a:r>
             <a:r>
-              <a:rPr lang="ko-KR" altLang="en-US" sz="3600" dirty="0" err="1" smtClean="0">
+              <a:rPr lang="ko-KR" altLang="en-US" sz="3600" dirty="0" err="1">
                 <a:solidFill>
                   <a:srgbClr val="FF0000"/>
                 </a:solidFill>
@@ -15385,7 +15153,7 @@
               <a:t>메서드</a:t>
             </a:r>
             <a:r>
-              <a:rPr lang="ko-KR" altLang="en-US" sz="3600" dirty="0" smtClean="0">
+              <a:rPr lang="ko-KR" altLang="en-US" sz="3600" dirty="0">
                 <a:solidFill>
                   <a:srgbClr val="FF0000"/>
                 </a:solidFill>
@@ -15395,7 +15163,7 @@
               <a:t> </a:t>
             </a:r>
             <a:r>
-              <a:rPr lang="ko-KR" altLang="en-US" sz="3600" dirty="0" err="1" smtClean="0">
+              <a:rPr lang="ko-KR" altLang="en-US" sz="3600" dirty="0" err="1">
                 <a:solidFill>
                   <a:srgbClr val="FF0000"/>
                 </a:solidFill>
@@ -15405,7 +15173,7 @@
               <a:t>시그니처를</a:t>
             </a:r>
             <a:r>
-              <a:rPr lang="ko-KR" altLang="en-US" sz="3600" dirty="0" smtClean="0">
+              <a:rPr lang="ko-KR" altLang="en-US" sz="3600" dirty="0">
                 <a:solidFill>
                   <a:srgbClr val="FF0000"/>
                 </a:solidFill>
@@ -15415,7 +15183,7 @@
               <a:t> </a:t>
             </a:r>
             <a:r>
-              <a:rPr lang="ko-KR" altLang="en-US" sz="3600" dirty="0" err="1" smtClean="0">
+              <a:rPr lang="ko-KR" altLang="en-US" sz="3600" dirty="0" err="1">
                 <a:solidFill>
                   <a:srgbClr val="FF0000"/>
                 </a:solidFill>
@@ -15425,7 +15193,7 @@
               <a:t>강요할수</a:t>
             </a:r>
             <a:r>
-              <a:rPr lang="ko-KR" altLang="en-US" sz="3600" dirty="0" smtClean="0">
+              <a:rPr lang="ko-KR" altLang="en-US" sz="3600" dirty="0">
                 <a:solidFill>
                   <a:srgbClr val="FF0000"/>
                 </a:solidFill>
@@ -15435,7 +15203,7 @@
               <a:t> 있다</a:t>
             </a:r>
             <a:r>
-              <a:rPr lang="en-US" altLang="ko-KR" sz="3600" dirty="0" smtClean="0">
+              <a:rPr lang="en-US" altLang="ko-KR" sz="3600" dirty="0">
                 <a:solidFill>
                   <a:srgbClr val="FF0000"/>
                 </a:solidFill>
@@ -15447,7 +15215,7 @@
           </a:p>
           <a:p>
             <a:r>
-              <a:rPr lang="en-US" altLang="ko-KR" sz="3600" dirty="0" smtClean="0">
+              <a:rPr lang="en-US" altLang="ko-KR" sz="3600" dirty="0">
                 <a:solidFill>
                   <a:srgbClr val="FF0000"/>
                 </a:solidFill>
@@ -15457,7 +15225,7 @@
               <a:t>(</a:t>
             </a:r>
             <a:r>
-              <a:rPr lang="ko-KR" altLang="en-US" sz="3600" dirty="0" smtClean="0">
+              <a:rPr lang="ko-KR" altLang="en-US" sz="3600" dirty="0">
                 <a:solidFill>
                   <a:srgbClr val="FF0000"/>
                 </a:solidFill>
@@ -15467,7 +15235,7 @@
               <a:t>더 </a:t>
             </a:r>
             <a:r>
-              <a:rPr lang="ko-KR" altLang="en-US" sz="3600" dirty="0" err="1" smtClean="0">
+              <a:rPr lang="ko-KR" altLang="en-US" sz="3600" dirty="0" err="1">
                 <a:solidFill>
                   <a:srgbClr val="FF0000"/>
                 </a:solidFill>
@@ -15477,7 +15245,7 @@
               <a:t>자세한건</a:t>
             </a:r>
             <a:r>
-              <a:rPr lang="ko-KR" altLang="en-US" sz="3600" dirty="0" smtClean="0">
+              <a:rPr lang="ko-KR" altLang="en-US" sz="3600" dirty="0">
                 <a:solidFill>
                   <a:srgbClr val="FF0000"/>
                 </a:solidFill>
@@ -15487,7 +15255,7 @@
               <a:t> 다형성에서 다룬다</a:t>
             </a:r>
             <a:r>
-              <a:rPr lang="en-US" altLang="ko-KR" sz="3600" dirty="0" smtClean="0">
+              <a:rPr lang="en-US" altLang="ko-KR" sz="3600" dirty="0">
                 <a:solidFill>
                   <a:srgbClr val="FF0000"/>
                 </a:solidFill>
@@ -15496,13 +15264,6 @@
               </a:rPr>
               <a:t>)</a:t>
             </a:r>
-            <a:endParaRPr lang="en-US" altLang="ko-KR" sz="3600" dirty="0">
-              <a:solidFill>
-                <a:srgbClr val="FF0000"/>
-              </a:solidFill>
-              <a:latin typeface="G마켓 산스 Medium" panose="02000000000000000000" pitchFamily="50" charset="-127"/>
-              <a:ea typeface="G마켓 산스 Medium" panose="02000000000000000000" pitchFamily="50" charset="-127"/>
-            </a:endParaRPr>
           </a:p>
         </p:txBody>
       </p:sp>
@@ -15511,7 +15272,7 @@
           <p:cNvPr id="6" name="직선 화살표 연결선 5">
             <a:extLst>
               <a:ext uri="{FF2B5EF4-FFF2-40B4-BE49-F238E27FC236}">
-                <a16:creationId xmlns:a16="http://schemas.microsoft.com/office/drawing/2014/main" xmlns="" id="{299DF5EC-9DF4-5255-06AC-0A7CE4FF58C3}"/>
+                <a16:creationId xmlns:a16="http://schemas.microsoft.com/office/drawing/2014/main" id="{299DF5EC-9DF4-5255-06AC-0A7CE4FF58C3}"/>
               </a:ext>
             </a:extLst>
           </p:cNvPr>
@@ -15552,7 +15313,7 @@
           <p:cNvPr id="7" name="직선 화살표 연결선 6">
             <a:extLst>
               <a:ext uri="{FF2B5EF4-FFF2-40B4-BE49-F238E27FC236}">
-                <a16:creationId xmlns:a16="http://schemas.microsoft.com/office/drawing/2014/main" xmlns="" id="{299DF5EC-9DF4-5255-06AC-0A7CE4FF58C3}"/>
+                <a16:creationId xmlns:a16="http://schemas.microsoft.com/office/drawing/2014/main" id="{299DF5EC-9DF4-5255-06AC-0A7CE4FF58C3}"/>
               </a:ext>
             </a:extLst>
           </p:cNvPr>
@@ -15598,13 +15359,6 @@
   <p:clrMapOvr>
     <a:masterClrMapping/>
   </p:clrMapOvr>
-  <p:timing>
-    <p:tnLst>
-      <p:par>
-        <p:cTn id="1" dur="indefinite" restart="never" nodeType="tmRoot"/>
-      </p:par>
-    </p:tnLst>
-  </p:timing>
 </p:sld>
 </file>
 
@@ -15630,7 +15384,7 @@
           <p:cNvPr id="5" name="TextBox 4">
             <a:extLst>
               <a:ext uri="{FF2B5EF4-FFF2-40B4-BE49-F238E27FC236}">
-                <a16:creationId xmlns="" xmlns:a16="http://schemas.microsoft.com/office/drawing/2014/main" id="{C6D113C6-EA5C-788F-0C77-E7CE6EBB865F}"/>
+                <a16:creationId xmlns:a16="http://schemas.microsoft.com/office/drawing/2014/main" id="{C6D113C6-EA5C-788F-0C77-E7CE6EBB865F}"/>
               </a:ext>
             </a:extLst>
           </p:cNvPr>
@@ -15684,7 +15438,7 @@
               <a:t> 있다면 해당 클래스는 </a:t>
             </a:r>
             <a:r>
-              <a:rPr lang="ko-KR" altLang="en-US" sz="4000" dirty="0" err="1" smtClean="0">
+              <a:rPr lang="ko-KR" altLang="en-US" sz="4000" dirty="0" err="1">
                 <a:solidFill>
                   <a:srgbClr val="FF0000"/>
                 </a:solidFill>
@@ -15694,7 +15448,7 @@
               <a:t>인스턴스화</a:t>
             </a:r>
             <a:r>
-              <a:rPr lang="ko-KR" altLang="en-US" sz="4000" dirty="0" smtClean="0">
+              <a:rPr lang="ko-KR" altLang="en-US" sz="4000" dirty="0">
                 <a:solidFill>
                   <a:srgbClr val="FF0000"/>
                 </a:solidFill>
@@ -15704,7 +15458,7 @@
               <a:t> 할 수 없다</a:t>
             </a:r>
             <a:r>
-              <a:rPr lang="en-US" altLang="ko-KR" sz="4000" dirty="0" smtClean="0">
+              <a:rPr lang="en-US" altLang="ko-KR" sz="4000" dirty="0">
                 <a:solidFill>
                   <a:srgbClr val="FF0000"/>
                 </a:solidFill>
@@ -15721,7 +15475,7 @@
           <p:cNvPr id="6" name="그룹 1008">
             <a:extLst>
               <a:ext uri="{FF2B5EF4-FFF2-40B4-BE49-F238E27FC236}">
-                <a16:creationId xmlns="" xmlns:a16="http://schemas.microsoft.com/office/drawing/2014/main" id="{678F6342-C505-E8AD-ADA4-022CB2C2088E}"/>
+                <a16:creationId xmlns:a16="http://schemas.microsoft.com/office/drawing/2014/main" id="{678F6342-C505-E8AD-ADA4-022CB2C2088E}"/>
               </a:ext>
             </a:extLst>
           </p:cNvPr>
@@ -15741,7 +15495,7 @@
             <p:cNvPr id="7" name="그룹 1009">
               <a:extLst>
                 <a:ext uri="{FF2B5EF4-FFF2-40B4-BE49-F238E27FC236}">
-                  <a16:creationId xmlns="" xmlns:a16="http://schemas.microsoft.com/office/drawing/2014/main" id="{4E1F1FED-812B-9BBB-925A-84B54A077414}"/>
+                  <a16:creationId xmlns:a16="http://schemas.microsoft.com/office/drawing/2014/main" id="{4E1F1FED-812B-9BBB-925A-84B54A077414}"/>
                 </a:ext>
               </a:extLst>
             </p:cNvPr>
@@ -15761,7 +15515,7 @@
               <p:cNvPr id="12" name="Object 29">
                 <a:extLst>
                   <a:ext uri="{FF2B5EF4-FFF2-40B4-BE49-F238E27FC236}">
-                    <a16:creationId xmlns="" xmlns:a16="http://schemas.microsoft.com/office/drawing/2014/main" id="{7B078609-4286-7B00-51EB-809C8E2DE289}"/>
+                    <a16:creationId xmlns:a16="http://schemas.microsoft.com/office/drawing/2014/main" id="{7B078609-4286-7B00-51EB-809C8E2DE289}"/>
                   </a:ext>
                 </a:extLst>
               </p:cNvPr>
@@ -15792,7 +15546,7 @@
             <p:cNvPr id="8" name="그룹 1010">
               <a:extLst>
                 <a:ext uri="{FF2B5EF4-FFF2-40B4-BE49-F238E27FC236}">
-                  <a16:creationId xmlns="" xmlns:a16="http://schemas.microsoft.com/office/drawing/2014/main" id="{02A649BF-B5B5-FBAF-7DFD-E118A4DF8907}"/>
+                  <a16:creationId xmlns:a16="http://schemas.microsoft.com/office/drawing/2014/main" id="{02A649BF-B5B5-FBAF-7DFD-E118A4DF8907}"/>
                 </a:ext>
               </a:extLst>
             </p:cNvPr>
@@ -15812,7 +15566,7 @@
               <p:cNvPr id="11" name="Object 32">
                 <a:extLst>
                   <a:ext uri="{FF2B5EF4-FFF2-40B4-BE49-F238E27FC236}">
-                    <a16:creationId xmlns="" xmlns:a16="http://schemas.microsoft.com/office/drawing/2014/main" id="{2A0FFF23-B3C9-3EA0-1C1B-A87D4FF098AE}"/>
+                    <a16:creationId xmlns:a16="http://schemas.microsoft.com/office/drawing/2014/main" id="{2A0FFF23-B3C9-3EA0-1C1B-A87D4FF098AE}"/>
                   </a:ext>
                 </a:extLst>
               </p:cNvPr>
@@ -15843,7 +15597,7 @@
             <p:cNvPr id="9" name="그룹 1011">
               <a:extLst>
                 <a:ext uri="{FF2B5EF4-FFF2-40B4-BE49-F238E27FC236}">
-                  <a16:creationId xmlns="" xmlns:a16="http://schemas.microsoft.com/office/drawing/2014/main" id="{881F5410-F7FB-F261-A584-707359BAC593}"/>
+                  <a16:creationId xmlns:a16="http://schemas.microsoft.com/office/drawing/2014/main" id="{881F5410-F7FB-F261-A584-707359BAC593}"/>
                 </a:ext>
               </a:extLst>
             </p:cNvPr>
@@ -15863,7 +15617,7 @@
               <p:cNvPr id="10" name="Object 35">
                 <a:extLst>
                   <a:ext uri="{FF2B5EF4-FFF2-40B4-BE49-F238E27FC236}">
-                    <a16:creationId xmlns="" xmlns:a16="http://schemas.microsoft.com/office/drawing/2014/main" id="{4E99E669-73EB-F9F4-EFE8-DC107035C265}"/>
+                    <a16:creationId xmlns:a16="http://schemas.microsoft.com/office/drawing/2014/main" id="{4E99E669-73EB-F9F4-EFE8-DC107035C265}"/>
                   </a:ext>
                 </a:extLst>
               </p:cNvPr>
@@ -15948,13 +15702,6 @@
   <p:clrMapOvr>
     <a:masterClrMapping/>
   </p:clrMapOvr>
-  <p:timing>
-    <p:tnLst>
-      <p:par>
-        <p:cTn id="1" dur="indefinite" restart="never" nodeType="tmRoot"/>
-      </p:par>
-    </p:tnLst>
-  </p:timing>
 </p:sld>
 </file>
 
@@ -16028,7 +15775,7 @@
           <p:cNvPr id="7" name="직사각형 6">
             <a:extLst>
               <a:ext uri="{FF2B5EF4-FFF2-40B4-BE49-F238E27FC236}">
-                <a16:creationId xmlns="" xmlns:a16="http://schemas.microsoft.com/office/drawing/2014/main" id="{FFF506F9-840A-0508-4CAF-3AC711D8D5CE}"/>
+                <a16:creationId xmlns:a16="http://schemas.microsoft.com/office/drawing/2014/main" id="{FFF506F9-840A-0508-4CAF-3AC711D8D5CE}"/>
               </a:ext>
             </a:extLst>
           </p:cNvPr>
@@ -16080,7 +15827,7 @@
           <p:cNvPr id="9" name="직사각형 8">
             <a:extLst>
               <a:ext uri="{FF2B5EF4-FFF2-40B4-BE49-F238E27FC236}">
-                <a16:creationId xmlns="" xmlns:a16="http://schemas.microsoft.com/office/drawing/2014/main" id="{FFF506F9-840A-0508-4CAF-3AC711D8D5CE}"/>
+                <a16:creationId xmlns:a16="http://schemas.microsoft.com/office/drawing/2014/main" id="{FFF506F9-840A-0508-4CAF-3AC711D8D5CE}"/>
               </a:ext>
             </a:extLst>
           </p:cNvPr>
@@ -16132,7 +15879,7 @@
           <p:cNvPr id="10" name="TextBox 9">
             <a:extLst>
               <a:ext uri="{FF2B5EF4-FFF2-40B4-BE49-F238E27FC236}">
-                <a16:creationId xmlns="" xmlns:a16="http://schemas.microsoft.com/office/drawing/2014/main" id="{C6D113C6-EA5C-788F-0C77-E7CE6EBB865F}"/>
+                <a16:creationId xmlns:a16="http://schemas.microsoft.com/office/drawing/2014/main" id="{C6D113C6-EA5C-788F-0C77-E7CE6EBB865F}"/>
               </a:ext>
             </a:extLst>
           </p:cNvPr>
@@ -16204,7 +15951,7 @@
           <p:cNvPr id="13" name="직사각형 12">
             <a:extLst>
               <a:ext uri="{FF2B5EF4-FFF2-40B4-BE49-F238E27FC236}">
-                <a16:creationId xmlns="" xmlns:a16="http://schemas.microsoft.com/office/drawing/2014/main" id="{FFF506F9-840A-0508-4CAF-3AC711D8D5CE}"/>
+                <a16:creationId xmlns:a16="http://schemas.microsoft.com/office/drawing/2014/main" id="{FFF506F9-840A-0508-4CAF-3AC711D8D5CE}"/>
               </a:ext>
             </a:extLst>
           </p:cNvPr>
@@ -16256,7 +16003,7 @@
           <p:cNvPr id="14" name="TextBox 13">
             <a:extLst>
               <a:ext uri="{FF2B5EF4-FFF2-40B4-BE49-F238E27FC236}">
-                <a16:creationId xmlns="" xmlns:a16="http://schemas.microsoft.com/office/drawing/2014/main" id="{C6D113C6-EA5C-788F-0C77-E7CE6EBB865F}"/>
+                <a16:creationId xmlns:a16="http://schemas.microsoft.com/office/drawing/2014/main" id="{C6D113C6-EA5C-788F-0C77-E7CE6EBB865F}"/>
               </a:ext>
             </a:extLst>
           </p:cNvPr>
@@ -16328,7 +16075,7 @@
           <p:cNvPr id="16" name="직사각형 15">
             <a:extLst>
               <a:ext uri="{FF2B5EF4-FFF2-40B4-BE49-F238E27FC236}">
-                <a16:creationId xmlns="" xmlns:a16="http://schemas.microsoft.com/office/drawing/2014/main" id="{FFF506F9-840A-0508-4CAF-3AC711D8D5CE}"/>
+                <a16:creationId xmlns:a16="http://schemas.microsoft.com/office/drawing/2014/main" id="{FFF506F9-840A-0508-4CAF-3AC711D8D5CE}"/>
               </a:ext>
             </a:extLst>
           </p:cNvPr>
@@ -16380,7 +16127,7 @@
           <p:cNvPr id="17" name="TextBox 16">
             <a:extLst>
               <a:ext uri="{FF2B5EF4-FFF2-40B4-BE49-F238E27FC236}">
-                <a16:creationId xmlns="" xmlns:a16="http://schemas.microsoft.com/office/drawing/2014/main" id="{C6D113C6-EA5C-788F-0C77-E7CE6EBB865F}"/>
+                <a16:creationId xmlns:a16="http://schemas.microsoft.com/office/drawing/2014/main" id="{C6D113C6-EA5C-788F-0C77-E7CE6EBB865F}"/>
               </a:ext>
             </a:extLst>
           </p:cNvPr>
@@ -16428,7 +16175,7 @@
           <p:cNvPr id="19" name="TextBox 18">
             <a:extLst>
               <a:ext uri="{FF2B5EF4-FFF2-40B4-BE49-F238E27FC236}">
-                <a16:creationId xmlns="" xmlns:a16="http://schemas.microsoft.com/office/drawing/2014/main" id="{C6D113C6-EA5C-788F-0C77-E7CE6EBB865F}"/>
+                <a16:creationId xmlns:a16="http://schemas.microsoft.com/office/drawing/2014/main" id="{C6D113C6-EA5C-788F-0C77-E7CE6EBB865F}"/>
               </a:ext>
             </a:extLst>
           </p:cNvPr>
@@ -16479,7 +16226,7 @@
           <p:cNvPr id="20" name="TextBox 19">
             <a:extLst>
               <a:ext uri="{FF2B5EF4-FFF2-40B4-BE49-F238E27FC236}">
-                <a16:creationId xmlns:a16="http://schemas.microsoft.com/office/drawing/2014/main" xmlns="" id="{69196D22-2A4C-4EF6-5A42-2031D7FEF549}"/>
+                <a16:creationId xmlns:a16="http://schemas.microsoft.com/office/drawing/2014/main" id="{69196D22-2A4C-4EF6-5A42-2031D7FEF549}"/>
               </a:ext>
             </a:extLst>
           </p:cNvPr>
@@ -16503,7 +16250,7 @@
           <a:lstStyle/>
           <a:p>
             <a:r>
-              <a:rPr lang="ko-KR" altLang="en-US" sz="5400" spc="-300" smtClean="0">
+              <a:rPr lang="ko-KR" altLang="en-US" sz="5400" spc="-300" dirty="0">
                 <a:solidFill>
                   <a:srgbClr val="4C50BC"/>
                 </a:solidFill>
@@ -16527,7 +16274,7 @@
           <p:cNvPr id="21" name="직선 연결선 20">
             <a:extLst>
               <a:ext uri="{FF2B5EF4-FFF2-40B4-BE49-F238E27FC236}">
-                <a16:creationId xmlns:a16="http://schemas.microsoft.com/office/drawing/2014/main" xmlns="" id="{DDFA97EB-659B-5D0A-D41B-496A6FF66D9E}"/>
+                <a16:creationId xmlns:a16="http://schemas.microsoft.com/office/drawing/2014/main" id="{DDFA97EB-659B-5D0A-D41B-496A6FF66D9E}"/>
               </a:ext>
             </a:extLst>
           </p:cNvPr>
@@ -16570,7 +16317,7 @@
           <p:cNvPr id="22" name="TextBox 21">
             <a:extLst>
               <a:ext uri="{FF2B5EF4-FFF2-40B4-BE49-F238E27FC236}">
-                <a16:creationId xmlns:a16="http://schemas.microsoft.com/office/drawing/2014/main" xmlns="" id="{B1C05CB3-45A9-FA20-A8E0-BE6F095B8777}"/>
+                <a16:creationId xmlns:a16="http://schemas.microsoft.com/office/drawing/2014/main" id="{B1C05CB3-45A9-FA20-A8E0-BE6F095B8777}"/>
               </a:ext>
             </a:extLst>
           </p:cNvPr>
@@ -16598,7 +16345,7 @@
               <a:buChar char="•"/>
             </a:pPr>
             <a:r>
-              <a:rPr lang="ko-KR" altLang="en-US" sz="3600" smtClean="0">
+              <a:rPr lang="ko-KR" altLang="en-US" sz="3600">
                 <a:solidFill>
                   <a:schemeClr val="tx1">
                     <a:lumMod val="50000"/>
@@ -17039,7 +16786,7 @@
           <p:cNvPr id="5" name="TextBox 4">
             <a:extLst>
               <a:ext uri="{FF2B5EF4-FFF2-40B4-BE49-F238E27FC236}">
-                <a16:creationId xmlns="" xmlns:a16="http://schemas.microsoft.com/office/drawing/2014/main" id="{C6D113C6-EA5C-788F-0C77-E7CE6EBB865F}"/>
+                <a16:creationId xmlns:a16="http://schemas.microsoft.com/office/drawing/2014/main" id="{C6D113C6-EA5C-788F-0C77-E7CE6EBB865F}"/>
               </a:ext>
             </a:extLst>
           </p:cNvPr>
@@ -17063,7 +16810,7 @@
           <a:lstStyle/>
           <a:p>
             <a:r>
-              <a:rPr lang="ko-KR" altLang="en-US" sz="5400" dirty="0" err="1" smtClean="0">
+              <a:rPr lang="ko-KR" altLang="en-US" sz="5400" dirty="0" err="1">
                 <a:solidFill>
                   <a:srgbClr val="FF0000"/>
                 </a:solidFill>
@@ -17073,7 +16820,7 @@
               <a:t>추상메서드를</a:t>
             </a:r>
             <a:r>
-              <a:rPr lang="ko-KR" altLang="en-US" sz="5400" dirty="0" smtClean="0">
+              <a:rPr lang="ko-KR" altLang="en-US" sz="5400" dirty="0">
                 <a:solidFill>
                   <a:srgbClr val="FF0000"/>
                 </a:solidFill>
@@ -17083,7 +16830,7 @@
               <a:t> 가진 클래스는 추상클래스가 될 수밖에 없다</a:t>
             </a:r>
             <a:r>
-              <a:rPr lang="en-US" altLang="ko-KR" sz="5400" dirty="0" smtClean="0">
+              <a:rPr lang="en-US" altLang="ko-KR" sz="5400" dirty="0">
                 <a:solidFill>
                   <a:srgbClr val="FF0000"/>
                 </a:solidFill>
@@ -17105,13 +16852,6 @@
   <p:clrMapOvr>
     <a:masterClrMapping/>
   </p:clrMapOvr>
-  <p:timing>
-    <p:tnLst>
-      <p:par>
-        <p:cTn id="1" dur="indefinite" restart="never" nodeType="tmRoot"/>
-      </p:par>
-    </p:tnLst>
-  </p:timing>
 </p:sld>
 </file>
 
@@ -17137,7 +16877,7 @@
           <p:cNvPr id="8" name="TextBox 7">
             <a:extLst>
               <a:ext uri="{FF2B5EF4-FFF2-40B4-BE49-F238E27FC236}">
-                <a16:creationId xmlns="" xmlns:a16="http://schemas.microsoft.com/office/drawing/2014/main" id="{52176D31-35F7-8916-46FA-6095EFEC1E49}"/>
+                <a16:creationId xmlns:a16="http://schemas.microsoft.com/office/drawing/2014/main" id="{52176D31-35F7-8916-46FA-6095EFEC1E49}"/>
               </a:ext>
             </a:extLst>
           </p:cNvPr>
@@ -17161,7 +16901,7 @@
           <a:lstStyle/>
           <a:p>
             <a:r>
-              <a:rPr lang="en-US" altLang="ko-KR" sz="4000" b="1" smtClean="0">
+              <a:rPr lang="en-US" altLang="ko-KR" sz="4000" b="1">
                 <a:solidFill>
                   <a:srgbClr val="4C50BC"/>
                 </a:solidFill>
@@ -17171,47 +16911,27 @@
               <a:t>Phone</a:t>
             </a:r>
             <a:r>
-              <a:rPr lang="en-US" altLang="ko-KR" sz="4000" b="1" dirty="0" smtClean="0">
+              <a:rPr lang="en-US" altLang="ko-KR" sz="4000" b="1" dirty="0">
                 <a:solidFill>
                   <a:srgbClr val="4C50BC"/>
                 </a:solidFill>
                 <a:latin typeface="G마켓 산스 Medium" panose="02000000000000000000" pitchFamily="50" charset="-127"/>
                 <a:ea typeface="G마켓 산스 Medium" panose="02000000000000000000" pitchFamily="50" charset="-127"/>
               </a:rPr>
-              <a:t>, Galaxy, I</a:t>
+              <a:t>, Galaxy, IPhone </a:t>
+            </a:r>
+            <a:r>
+              <a:rPr lang="ko-KR" altLang="en-US" sz="4000" b="1" dirty="0">
+                <a:solidFill>
+                  <a:srgbClr val="4C50BC"/>
+                </a:solidFill>
+                <a:latin typeface="G마켓 산스 Medium" panose="02000000000000000000" pitchFamily="50" charset="-127"/>
+                <a:ea typeface="G마켓 산스 Medium" panose="02000000000000000000" pitchFamily="50" charset="-127"/>
+              </a:rPr>
+              <a:t>클래스를 만들자</a:t>
             </a:r>
             <a:r>
               <a:rPr lang="en-US" altLang="ko-KR" sz="4000" b="1" dirty="0">
-                <a:solidFill>
-                  <a:srgbClr val="4C50BC"/>
-                </a:solidFill>
-                <a:latin typeface="G마켓 산스 Medium" panose="02000000000000000000" pitchFamily="50" charset="-127"/>
-                <a:ea typeface="G마켓 산스 Medium" panose="02000000000000000000" pitchFamily="50" charset="-127"/>
-              </a:rPr>
-              <a:t>Phone</a:t>
-            </a:r>
-            <a:r>
-              <a:rPr lang="en-US" altLang="ko-KR" sz="4000" b="1" dirty="0" smtClean="0">
-                <a:solidFill>
-                  <a:srgbClr val="4C50BC"/>
-                </a:solidFill>
-                <a:latin typeface="G마켓 산스 Medium" panose="02000000000000000000" pitchFamily="50" charset="-127"/>
-                <a:ea typeface="G마켓 산스 Medium" panose="02000000000000000000" pitchFamily="50" charset="-127"/>
-              </a:rPr>
-              <a:t> </a:t>
-            </a:r>
-            <a:r>
-              <a:rPr lang="ko-KR" altLang="en-US" sz="4000" b="1" dirty="0" smtClean="0">
-                <a:solidFill>
-                  <a:srgbClr val="4C50BC"/>
-                </a:solidFill>
-                <a:latin typeface="G마켓 산스 Medium" panose="02000000000000000000" pitchFamily="50" charset="-127"/>
-                <a:ea typeface="G마켓 산스 Medium" panose="02000000000000000000" pitchFamily="50" charset="-127"/>
-              </a:rPr>
-              <a:t>클래스를 만들자</a:t>
-            </a:r>
-            <a:r>
-              <a:rPr lang="en-US" altLang="ko-KR" sz="4000" b="1" dirty="0" smtClean="0">
                 <a:solidFill>
                   <a:srgbClr val="4C50BC"/>
                 </a:solidFill>
@@ -17227,7 +16947,7 @@
               <a:buChar char="-"/>
             </a:pPr>
             <a:r>
-              <a:rPr lang="en-US" altLang="ko-KR" sz="4000" dirty="0" smtClean="0">
+              <a:rPr lang="en-US" altLang="ko-KR" sz="4000" dirty="0">
                 <a:solidFill>
                   <a:schemeClr val="bg1">
                     <a:lumMod val="50000"/>
@@ -17239,7 +16959,7 @@
               <a:t>Galaxy, IPhone </a:t>
             </a:r>
             <a:r>
-              <a:rPr lang="ko-KR" altLang="en-US" sz="4000" dirty="0" smtClean="0">
+              <a:rPr lang="ko-KR" altLang="en-US" sz="4000" dirty="0">
                 <a:solidFill>
                   <a:schemeClr val="bg1">
                     <a:lumMod val="50000"/>
@@ -17251,7 +16971,7 @@
               <a:t>클래스는 </a:t>
             </a:r>
             <a:r>
-              <a:rPr lang="en-US" altLang="ko-KR" sz="4000" dirty="0" smtClean="0">
+              <a:rPr lang="en-US" altLang="ko-KR" sz="4000" dirty="0">
                 <a:solidFill>
                   <a:schemeClr val="bg1">
                     <a:lumMod val="50000"/>
@@ -17263,7 +16983,7 @@
               <a:t>Phone </a:t>
             </a:r>
             <a:r>
-              <a:rPr lang="ko-KR" altLang="en-US" sz="4000" dirty="0" smtClean="0">
+              <a:rPr lang="ko-KR" altLang="en-US" sz="4000" dirty="0">
                 <a:solidFill>
                   <a:schemeClr val="bg1">
                     <a:lumMod val="50000"/>
@@ -17275,7 +16995,7 @@
               <a:t>클래스를 상속 받는다</a:t>
             </a:r>
             <a:r>
-              <a:rPr lang="en-US" altLang="ko-KR" sz="4000" dirty="0" smtClean="0">
+              <a:rPr lang="en-US" altLang="ko-KR" sz="4000" dirty="0">
                 <a:solidFill>
                   <a:schemeClr val="bg1">
                     <a:lumMod val="50000"/>
@@ -17293,7 +17013,7 @@
               <a:buChar char="-"/>
             </a:pPr>
             <a:r>
-              <a:rPr lang="en-US" altLang="ko-KR" sz="4000" dirty="0" smtClean="0">
+              <a:rPr lang="en-US" altLang="ko-KR" sz="4000" dirty="0">
                 <a:solidFill>
                   <a:schemeClr val="bg1">
                     <a:lumMod val="50000"/>
@@ -17305,7 +17025,7 @@
               <a:t>Phone </a:t>
             </a:r>
             <a:r>
-              <a:rPr lang="ko-KR" altLang="en-US" sz="4000" dirty="0" smtClean="0">
+              <a:rPr lang="ko-KR" altLang="en-US" sz="4000" dirty="0">
                 <a:solidFill>
                   <a:schemeClr val="bg1">
                     <a:lumMod val="50000"/>
@@ -17317,7 +17037,7 @@
               <a:t>클래스는 객체화 될 필요가 있는가</a:t>
             </a:r>
             <a:r>
-              <a:rPr lang="en-US" altLang="ko-KR" sz="4000" dirty="0" smtClean="0">
+              <a:rPr lang="en-US" altLang="ko-KR" sz="4000" dirty="0">
                 <a:solidFill>
                   <a:schemeClr val="bg1">
                     <a:lumMod val="50000"/>
@@ -17335,7 +17055,7 @@
               <a:buChar char="-"/>
             </a:pPr>
             <a:r>
-              <a:rPr lang="ko-KR" altLang="en-US" sz="4000" dirty="0" smtClean="0">
+              <a:rPr lang="ko-KR" altLang="en-US" sz="4000" dirty="0">
                 <a:solidFill>
                   <a:schemeClr val="bg1">
                     <a:lumMod val="50000"/>
@@ -17347,7 +17067,7 @@
               <a:t>모든 클래스는 </a:t>
             </a:r>
             <a:r>
-              <a:rPr lang="en-US" altLang="ko-KR" sz="4000" dirty="0" smtClean="0">
+              <a:rPr lang="en-US" altLang="ko-KR" sz="4000" dirty="0">
                 <a:solidFill>
                   <a:schemeClr val="bg1">
                     <a:lumMod val="50000"/>
@@ -17359,7 +17079,7 @@
               <a:t>String </a:t>
             </a:r>
             <a:r>
-              <a:rPr lang="en-US" altLang="ko-KR" sz="4000" dirty="0" err="1" smtClean="0">
+              <a:rPr lang="en-US" altLang="ko-KR" sz="4000" dirty="0" err="1">
                 <a:solidFill>
                   <a:schemeClr val="bg1">
                     <a:lumMod val="50000"/>
@@ -17371,7 +17091,7 @@
               <a:t>phoneNumber</a:t>
             </a:r>
             <a:r>
-              <a:rPr lang="en-US" altLang="ko-KR" sz="4000" dirty="0" smtClean="0">
+              <a:rPr lang="en-US" altLang="ko-KR" sz="4000" dirty="0">
                 <a:solidFill>
                   <a:schemeClr val="bg1">
                     <a:lumMod val="50000"/>
@@ -17383,7 +17103,7 @@
               <a:t> </a:t>
             </a:r>
             <a:r>
-              <a:rPr lang="ko-KR" altLang="en-US" sz="4000" dirty="0" smtClean="0">
+              <a:rPr lang="ko-KR" altLang="en-US" sz="4000" dirty="0">
                 <a:solidFill>
                   <a:schemeClr val="bg1">
                     <a:lumMod val="50000"/>
@@ -17395,7 +17115,7 @@
               <a:t>멤버변수를 가진다</a:t>
             </a:r>
             <a:r>
-              <a:rPr lang="en-US" altLang="ko-KR" sz="4000" dirty="0" smtClean="0">
+              <a:rPr lang="en-US" altLang="ko-KR" sz="4000" dirty="0">
                 <a:solidFill>
                   <a:schemeClr val="bg1">
                     <a:lumMod val="50000"/>
@@ -17406,15 +17126,6 @@
               </a:rPr>
               <a:t>.</a:t>
             </a:r>
-            <a:endParaRPr lang="en-US" altLang="ko-KR" sz="4000" dirty="0">
-              <a:solidFill>
-                <a:schemeClr val="bg1">
-                  <a:lumMod val="50000"/>
-                </a:schemeClr>
-              </a:solidFill>
-              <a:latin typeface="G마켓 산스 Medium" panose="02000000000000000000" pitchFamily="50" charset="-127"/>
-              <a:ea typeface="G마켓 산스 Medium" panose="02000000000000000000" pitchFamily="50" charset="-127"/>
-            </a:endParaRPr>
           </a:p>
         </p:txBody>
       </p:sp>
@@ -17423,7 +17134,7 @@
           <p:cNvPr id="6" name="TextBox 5">
             <a:extLst>
               <a:ext uri="{FF2B5EF4-FFF2-40B4-BE49-F238E27FC236}">
-                <a16:creationId xmlns:a16="http://schemas.microsoft.com/office/drawing/2014/main" xmlns="" id="{69196D22-2A4C-4EF6-5A42-2031D7FEF549}"/>
+                <a16:creationId xmlns:a16="http://schemas.microsoft.com/office/drawing/2014/main" id="{69196D22-2A4C-4EF6-5A42-2031D7FEF549}"/>
               </a:ext>
             </a:extLst>
           </p:cNvPr>
@@ -17447,7 +17158,7 @@
           <a:lstStyle/>
           <a:p>
             <a:r>
-              <a:rPr lang="en-US" altLang="ko-KR" sz="5400" spc="-300" smtClean="0">
+              <a:rPr lang="en-US" altLang="ko-KR" sz="5400" spc="-300">
                 <a:solidFill>
                   <a:srgbClr val="4C50BC"/>
                 </a:solidFill>
@@ -17457,7 +17168,7 @@
               <a:t>1-1 </a:t>
             </a:r>
             <a:r>
-              <a:rPr lang="ko-KR" altLang="en-US" sz="5400" spc="-300" smtClean="0">
+              <a:rPr lang="ko-KR" altLang="en-US" sz="5400" spc="-300">
                 <a:solidFill>
                   <a:srgbClr val="4C50BC"/>
                 </a:solidFill>
@@ -17467,7 +17178,7 @@
               <a:t>실습문제</a:t>
             </a:r>
             <a:r>
-              <a:rPr lang="en-US" altLang="ko-KR" sz="5400" spc="-300" smtClean="0">
+              <a:rPr lang="en-US" altLang="ko-KR" sz="5400" spc="-300">
                 <a:solidFill>
                   <a:srgbClr val="FF0000"/>
                 </a:solidFill>
@@ -17491,7 +17202,7 @@
           <p:cNvPr id="9" name="직선 연결선 8">
             <a:extLst>
               <a:ext uri="{FF2B5EF4-FFF2-40B4-BE49-F238E27FC236}">
-                <a16:creationId xmlns:a16="http://schemas.microsoft.com/office/drawing/2014/main" xmlns="" id="{DDFA97EB-659B-5D0A-D41B-496A6FF66D9E}"/>
+                <a16:creationId xmlns:a16="http://schemas.microsoft.com/office/drawing/2014/main" id="{DDFA97EB-659B-5D0A-D41B-496A6FF66D9E}"/>
               </a:ext>
             </a:extLst>
           </p:cNvPr>
@@ -17539,13 +17250,6 @@
   <p:clrMapOvr>
     <a:masterClrMapping/>
   </p:clrMapOvr>
-  <p:timing>
-    <p:tnLst>
-      <p:par>
-        <p:cTn id="1" dur="indefinite" restart="never" nodeType="tmRoot"/>
-      </p:par>
-    </p:tnLst>
-  </p:timing>
 </p:sld>
 </file>
 
@@ -17595,7 +17299,7 @@
           <p:cNvPr id="5" name="TextBox 4">
             <a:extLst>
               <a:ext uri="{FF2B5EF4-FFF2-40B4-BE49-F238E27FC236}">
-                <a16:creationId xmlns:a16="http://schemas.microsoft.com/office/drawing/2014/main" xmlns="" id="{69196D22-2A4C-4EF6-5A42-2031D7FEF549}"/>
+                <a16:creationId xmlns:a16="http://schemas.microsoft.com/office/drawing/2014/main" id="{69196D22-2A4C-4EF6-5A42-2031D7FEF549}"/>
               </a:ext>
             </a:extLst>
           </p:cNvPr>
@@ -17619,7 +17323,7 @@
           <a:lstStyle/>
           <a:p>
             <a:r>
-              <a:rPr lang="en-US" altLang="ko-KR" sz="5400" spc="-300" smtClean="0">
+              <a:rPr lang="en-US" altLang="ko-KR" sz="5400" spc="-300">
                 <a:solidFill>
                   <a:srgbClr val="4C50BC"/>
                 </a:solidFill>
@@ -17629,7 +17333,7 @@
               <a:t>1-1 </a:t>
             </a:r>
             <a:r>
-              <a:rPr lang="ko-KR" altLang="en-US" sz="5400" spc="-300" smtClean="0">
+              <a:rPr lang="ko-KR" altLang="en-US" sz="5400" spc="-300">
                 <a:solidFill>
                   <a:srgbClr val="4C50BC"/>
                 </a:solidFill>
@@ -17639,7 +17343,7 @@
               <a:t>문제풀이</a:t>
             </a:r>
             <a:r>
-              <a:rPr lang="en-US" altLang="ko-KR" sz="5400" spc="-300" smtClean="0">
+              <a:rPr lang="en-US" altLang="ko-KR" sz="5400" spc="-300">
                 <a:solidFill>
                   <a:srgbClr val="FF0000"/>
                 </a:solidFill>
@@ -17663,7 +17367,7 @@
           <p:cNvPr id="6" name="직선 연결선 5">
             <a:extLst>
               <a:ext uri="{FF2B5EF4-FFF2-40B4-BE49-F238E27FC236}">
-                <a16:creationId xmlns:a16="http://schemas.microsoft.com/office/drawing/2014/main" xmlns="" id="{DDFA97EB-659B-5D0A-D41B-496A6FF66D9E}"/>
+                <a16:creationId xmlns:a16="http://schemas.microsoft.com/office/drawing/2014/main" id="{DDFA97EB-659B-5D0A-D41B-496A6FF66D9E}"/>
               </a:ext>
             </a:extLst>
           </p:cNvPr>
@@ -17706,7 +17410,7 @@
           <p:cNvPr id="7" name="직선 화살표 연결선 6">
             <a:extLst>
               <a:ext uri="{FF2B5EF4-FFF2-40B4-BE49-F238E27FC236}">
-                <a16:creationId xmlns:a16="http://schemas.microsoft.com/office/drawing/2014/main" xmlns="" id="{299DF5EC-9DF4-5255-06AC-0A7CE4FF58C3}"/>
+                <a16:creationId xmlns:a16="http://schemas.microsoft.com/office/drawing/2014/main" id="{299DF5EC-9DF4-5255-06AC-0A7CE4FF58C3}"/>
               </a:ext>
             </a:extLst>
           </p:cNvPr>
@@ -17747,7 +17451,7 @@
           <p:cNvPr id="8" name="직사각형 7">
             <a:extLst>
               <a:ext uri="{FF2B5EF4-FFF2-40B4-BE49-F238E27FC236}">
-                <a16:creationId xmlns:a16="http://schemas.microsoft.com/office/drawing/2014/main" xmlns="" id="{FFF506F9-840A-0508-4CAF-3AC711D8D5CE}"/>
+                <a16:creationId xmlns:a16="http://schemas.microsoft.com/office/drawing/2014/main" id="{FFF506F9-840A-0508-4CAF-3AC711D8D5CE}"/>
               </a:ext>
             </a:extLst>
           </p:cNvPr>
@@ -17799,7 +17503,7 @@
           <p:cNvPr id="9" name="TextBox 8">
             <a:extLst>
               <a:ext uri="{FF2B5EF4-FFF2-40B4-BE49-F238E27FC236}">
-                <a16:creationId xmlns:a16="http://schemas.microsoft.com/office/drawing/2014/main" xmlns="" id="{C6D113C6-EA5C-788F-0C77-E7CE6EBB865F}"/>
+                <a16:creationId xmlns:a16="http://schemas.microsoft.com/office/drawing/2014/main" id="{C6D113C6-EA5C-788F-0C77-E7CE6EBB865F}"/>
               </a:ext>
             </a:extLst>
           </p:cNvPr>
@@ -17823,7 +17527,7 @@
           <a:lstStyle/>
           <a:p>
             <a:r>
-              <a:rPr lang="ko-KR" altLang="en-US" sz="3600" smtClean="0">
+              <a:rPr lang="ko-KR" altLang="en-US" sz="3600">
                 <a:solidFill>
                   <a:srgbClr val="FF0000"/>
                 </a:solidFill>
@@ -17833,7 +17537,7 @@
               <a:t>클래스를 추상화 </a:t>
             </a:r>
             <a:r>
-              <a:rPr lang="en-US" altLang="ko-KR" sz="3600" smtClean="0">
+              <a:rPr lang="en-US" altLang="ko-KR" sz="3600">
                 <a:solidFill>
                   <a:srgbClr val="FF0000"/>
                 </a:solidFill>
@@ -17843,7 +17547,7 @@
               <a:t>( </a:t>
             </a:r>
             <a:r>
-              <a:rPr lang="ko-KR" altLang="en-US" sz="3600" smtClean="0">
+              <a:rPr lang="ko-KR" altLang="en-US" sz="3600">
                 <a:solidFill>
                   <a:srgbClr val="FF0000"/>
                 </a:solidFill>
@@ -17853,7 +17557,7 @@
               <a:t>객체 생성을 못하게 한다</a:t>
             </a:r>
             <a:r>
-              <a:rPr lang="en-US" altLang="ko-KR" sz="3600" smtClean="0">
+              <a:rPr lang="en-US" altLang="ko-KR" sz="3600">
                 <a:solidFill>
                   <a:srgbClr val="FF0000"/>
                 </a:solidFill>
@@ -17877,7 +17581,7 @@
           <p:cNvPr id="11" name="직선 화살표 연결선 10">
             <a:extLst>
               <a:ext uri="{FF2B5EF4-FFF2-40B4-BE49-F238E27FC236}">
-                <a16:creationId xmlns:a16="http://schemas.microsoft.com/office/drawing/2014/main" xmlns="" id="{299DF5EC-9DF4-5255-06AC-0A7CE4FF58C3}"/>
+                <a16:creationId xmlns:a16="http://schemas.microsoft.com/office/drawing/2014/main" id="{299DF5EC-9DF4-5255-06AC-0A7CE4FF58C3}"/>
               </a:ext>
             </a:extLst>
           </p:cNvPr>
@@ -17918,7 +17622,7 @@
           <p:cNvPr id="12" name="TextBox 11">
             <a:extLst>
               <a:ext uri="{FF2B5EF4-FFF2-40B4-BE49-F238E27FC236}">
-                <a16:creationId xmlns:a16="http://schemas.microsoft.com/office/drawing/2014/main" xmlns="" id="{C6D113C6-EA5C-788F-0C77-E7CE6EBB865F}"/>
+                <a16:creationId xmlns:a16="http://schemas.microsoft.com/office/drawing/2014/main" id="{C6D113C6-EA5C-788F-0C77-E7CE6EBB865F}"/>
               </a:ext>
             </a:extLst>
           </p:cNvPr>
@@ -17942,7 +17646,7 @@
           <a:lstStyle/>
           <a:p>
             <a:r>
-              <a:rPr lang="ko-KR" altLang="en-US" sz="3600" smtClean="0">
+              <a:rPr lang="ko-KR" altLang="en-US" sz="3600">
                 <a:solidFill>
                   <a:srgbClr val="FF0000"/>
                 </a:solidFill>
@@ -17952,7 +17656,7 @@
               <a:t>모든 휴대폰은 번호를 가진다</a:t>
             </a:r>
             <a:r>
-              <a:rPr lang="en-US" altLang="ko-KR" sz="3600" smtClean="0">
+              <a:rPr lang="en-US" altLang="ko-KR" sz="3600">
                 <a:solidFill>
                   <a:srgbClr val="FF0000"/>
                 </a:solidFill>
@@ -17976,7 +17680,7 @@
           <p:cNvPr id="14" name="직사각형 13">
             <a:extLst>
               <a:ext uri="{FF2B5EF4-FFF2-40B4-BE49-F238E27FC236}">
-                <a16:creationId xmlns:a16="http://schemas.microsoft.com/office/drawing/2014/main" xmlns="" id="{361FA442-8171-4EBF-65A2-19C90654959D}"/>
+                <a16:creationId xmlns:a16="http://schemas.microsoft.com/office/drawing/2014/main" id="{361FA442-8171-4EBF-65A2-19C90654959D}"/>
               </a:ext>
             </a:extLst>
           </p:cNvPr>
@@ -18136,7 +17840,7 @@
           <p:cNvPr id="5" name="TextBox 4">
             <a:extLst>
               <a:ext uri="{FF2B5EF4-FFF2-40B4-BE49-F238E27FC236}">
-                <a16:creationId xmlns="" xmlns:a16="http://schemas.microsoft.com/office/drawing/2014/main" id="{52176D31-35F7-8916-46FA-6095EFEC1E49}"/>
+                <a16:creationId xmlns:a16="http://schemas.microsoft.com/office/drawing/2014/main" id="{52176D31-35F7-8916-46FA-6095EFEC1E49}"/>
               </a:ext>
             </a:extLst>
           </p:cNvPr>
@@ -18160,7 +17864,7 @@
           <a:lstStyle/>
           <a:p>
             <a:r>
-              <a:rPr lang="en-US" altLang="ko-KR" sz="4000" b="1" smtClean="0">
+              <a:rPr lang="en-US" altLang="ko-KR" sz="4000" b="1">
                 <a:solidFill>
                   <a:srgbClr val="4C50BC"/>
                 </a:solidFill>
@@ -18170,7 +17874,7 @@
               <a:t>People </a:t>
             </a:r>
             <a:r>
-              <a:rPr lang="ko-KR" altLang="en-US" sz="4000" b="1" smtClean="0">
+              <a:rPr lang="ko-KR" altLang="en-US" sz="4000" b="1">
                 <a:solidFill>
                   <a:srgbClr val="4C50BC"/>
                 </a:solidFill>
@@ -18180,7 +17884,7 @@
               <a:t>클래스를 만들고 멤버변수마다 적절한 제어자를 사용하자</a:t>
             </a:r>
             <a:r>
-              <a:rPr lang="en-US" altLang="ko-KR" sz="4000" b="1" smtClean="0">
+              <a:rPr lang="en-US" altLang="ko-KR" sz="4000" b="1">
                 <a:solidFill>
                   <a:srgbClr val="4C50BC"/>
                 </a:solidFill>
@@ -18196,7 +17900,7 @@
               <a:buChar char="-"/>
             </a:pPr>
             <a:r>
-              <a:rPr lang="ko-KR" altLang="en-US" sz="4000" smtClean="0">
+              <a:rPr lang="ko-KR" altLang="en-US" sz="4000">
                 <a:solidFill>
                   <a:schemeClr val="bg1">
                     <a:lumMod val="50000"/>
@@ -18207,157 +17911,6 @@
               </a:rPr>
               <a:t>멤버변수</a:t>
             </a:r>
-            <a:endParaRPr lang="en-US" altLang="ko-KR" sz="4000" smtClean="0">
-              <a:solidFill>
-                <a:schemeClr val="bg1">
-                  <a:lumMod val="50000"/>
-                </a:schemeClr>
-              </a:solidFill>
-              <a:latin typeface="G마켓 산스 Medium" panose="02000000000000000000" pitchFamily="50" charset="-127"/>
-              <a:ea typeface="G마켓 산스 Medium" panose="02000000000000000000" pitchFamily="50" charset="-127"/>
-            </a:endParaRPr>
-          </a:p>
-          <a:p>
-            <a:r>
-              <a:rPr lang="en-US" altLang="ko-KR" sz="4000">
-                <a:solidFill>
-                  <a:schemeClr val="bg1">
-                    <a:lumMod val="50000"/>
-                  </a:schemeClr>
-                </a:solidFill>
-                <a:latin typeface="G마켓 산스 Medium" panose="02000000000000000000" pitchFamily="50" charset="-127"/>
-                <a:ea typeface="G마켓 산스 Medium" panose="02000000000000000000" pitchFamily="50" charset="-127"/>
-              </a:rPr>
-              <a:t> </a:t>
-            </a:r>
-            <a:r>
-              <a:rPr lang="en-US" altLang="ko-KR" sz="4000" smtClean="0">
-                <a:solidFill>
-                  <a:schemeClr val="bg1">
-                    <a:lumMod val="50000"/>
-                  </a:schemeClr>
-                </a:solidFill>
-                <a:latin typeface="G마켓 산스 Medium" panose="02000000000000000000" pitchFamily="50" charset="-127"/>
-                <a:ea typeface="G마켓 산스 Medium" panose="02000000000000000000" pitchFamily="50" charset="-127"/>
-              </a:rPr>
-              <a:t>   String name</a:t>
-            </a:r>
-          </a:p>
-          <a:p>
-            <a:r>
-              <a:rPr lang="en-US" altLang="ko-KR" sz="4000">
-                <a:solidFill>
-                  <a:schemeClr val="bg1">
-                    <a:lumMod val="50000"/>
-                  </a:schemeClr>
-                </a:solidFill>
-                <a:latin typeface="G마켓 산스 Medium" panose="02000000000000000000" pitchFamily="50" charset="-127"/>
-                <a:ea typeface="G마켓 산스 Medium" panose="02000000000000000000" pitchFamily="50" charset="-127"/>
-              </a:rPr>
-              <a:t> </a:t>
-            </a:r>
-            <a:r>
-              <a:rPr lang="en-US" altLang="ko-KR" sz="4000" smtClean="0">
-                <a:solidFill>
-                  <a:schemeClr val="bg1">
-                    <a:lumMod val="50000"/>
-                  </a:schemeClr>
-                </a:solidFill>
-                <a:latin typeface="G마켓 산스 Medium" panose="02000000000000000000" pitchFamily="50" charset="-127"/>
-                <a:ea typeface="G마켓 산스 Medium" panose="02000000000000000000" pitchFamily="50" charset="-127"/>
-              </a:rPr>
-              <a:t>   </a:t>
-            </a:r>
-            <a:r>
-              <a:rPr lang="en-US" altLang="ko-KR" sz="4000" smtClean="0">
-                <a:solidFill>
-                  <a:schemeClr val="bg1">
-                    <a:lumMod val="50000"/>
-                  </a:schemeClr>
-                </a:solidFill>
-                <a:latin typeface="G마켓 산스 Medium" panose="02000000000000000000" pitchFamily="50" charset="-127"/>
-                <a:ea typeface="G마켓 산스 Medium" panose="02000000000000000000" pitchFamily="50" charset="-127"/>
-              </a:rPr>
-              <a:t>int age</a:t>
-            </a:r>
-          </a:p>
-          <a:p>
-            <a:r>
-              <a:rPr lang="en-US" altLang="ko-KR" sz="4000">
-                <a:solidFill>
-                  <a:schemeClr val="bg1">
-                    <a:lumMod val="50000"/>
-                  </a:schemeClr>
-                </a:solidFill>
-                <a:latin typeface="G마켓 산스 Medium" panose="02000000000000000000" pitchFamily="50" charset="-127"/>
-                <a:ea typeface="G마켓 산스 Medium" panose="02000000000000000000" pitchFamily="50" charset="-127"/>
-              </a:rPr>
-              <a:t> </a:t>
-            </a:r>
-            <a:r>
-              <a:rPr lang="en-US" altLang="ko-KR" sz="4000" smtClean="0">
-                <a:solidFill>
-                  <a:schemeClr val="bg1">
-                    <a:lumMod val="50000"/>
-                  </a:schemeClr>
-                </a:solidFill>
-                <a:latin typeface="G마켓 산스 Medium" panose="02000000000000000000" pitchFamily="50" charset="-127"/>
-                <a:ea typeface="G마켓 산스 Medium" panose="02000000000000000000" pitchFamily="50" charset="-127"/>
-              </a:rPr>
-              <a:t>   </a:t>
-            </a:r>
-            <a:r>
-              <a:rPr lang="en-US" altLang="ko-KR" sz="4000" smtClean="0">
-                <a:solidFill>
-                  <a:schemeClr val="bg1">
-                    <a:lumMod val="50000"/>
-                  </a:schemeClr>
-                </a:solidFill>
-                <a:latin typeface="G마켓 산스 Medium" panose="02000000000000000000" pitchFamily="50" charset="-127"/>
-                <a:ea typeface="G마켓 산스 Medium" panose="02000000000000000000" pitchFamily="50" charset="-127"/>
-              </a:rPr>
-              <a:t>String juminNumber</a:t>
-            </a:r>
-          </a:p>
-          <a:p>
-            <a:r>
-              <a:rPr lang="en-US" altLang="ko-KR" sz="4000">
-                <a:solidFill>
-                  <a:schemeClr val="bg1">
-                    <a:lumMod val="50000"/>
-                  </a:schemeClr>
-                </a:solidFill>
-                <a:latin typeface="G마켓 산스 Medium" panose="02000000000000000000" pitchFamily="50" charset="-127"/>
-                <a:ea typeface="G마켓 산스 Medium" panose="02000000000000000000" pitchFamily="50" charset="-127"/>
-              </a:rPr>
-              <a:t> </a:t>
-            </a:r>
-            <a:r>
-              <a:rPr lang="en-US" altLang="ko-KR" sz="4000" smtClean="0">
-                <a:solidFill>
-                  <a:schemeClr val="bg1">
-                    <a:lumMod val="50000"/>
-                  </a:schemeClr>
-                </a:solidFill>
-                <a:latin typeface="G마켓 산스 Medium" panose="02000000000000000000" pitchFamily="50" charset="-127"/>
-                <a:ea typeface="G마켓 산스 Medium" panose="02000000000000000000" pitchFamily="50" charset="-127"/>
-              </a:rPr>
-              <a:t>   </a:t>
-            </a:r>
-            <a:r>
-              <a:rPr lang="en-US" altLang="ko-KR" sz="4000" smtClean="0">
-                <a:solidFill>
-                  <a:schemeClr val="bg1">
-                    <a:lumMod val="50000"/>
-                  </a:schemeClr>
-                </a:solidFill>
-                <a:latin typeface="G마켓 산스 Medium" panose="02000000000000000000" pitchFamily="50" charset="-127"/>
-                <a:ea typeface="G마켓 산스 Medium" panose="02000000000000000000" pitchFamily="50" charset="-127"/>
-              </a:rPr>
-              <a:t>String gender</a:t>
-            </a:r>
-          </a:p>
-          <a:p>
             <a:endParaRPr lang="en-US" altLang="ko-KR" sz="4000">
               <a:solidFill>
                 <a:schemeClr val="bg1">
@@ -18369,12 +17922,8 @@
             </a:endParaRPr>
           </a:p>
           <a:p>
-            <a:pPr marL="571500" indent="-571500">
-              <a:buFontTx/>
-              <a:buChar char="-"/>
-            </a:pPr>
-            <a:r>
-              <a:rPr lang="ko-KR" altLang="en-US" sz="4000" smtClean="0">
+            <a:r>
+              <a:rPr lang="en-US" altLang="ko-KR" sz="4000">
                 <a:solidFill>
                   <a:schemeClr val="bg1">
                     <a:lumMod val="50000"/>
@@ -18383,10 +17932,12 @@
                 <a:latin typeface="G마켓 산스 Medium" panose="02000000000000000000" pitchFamily="50" charset="-127"/>
                 <a:ea typeface="G마켓 산스 Medium" panose="02000000000000000000" pitchFamily="50" charset="-127"/>
               </a:rPr>
-              <a:t>한번 정해지면 변경 될수 없는 값들은 무엇일까</a:t>
-            </a:r>
-            <a:r>
-              <a:rPr lang="en-US" altLang="ko-KR" sz="4000" smtClean="0">
+              <a:t>    String name</a:t>
+            </a:r>
+          </a:p>
+          <a:p>
+            <a:r>
+              <a:rPr lang="en-US" altLang="ko-KR" sz="4000">
                 <a:solidFill>
                   <a:schemeClr val="bg1">
                     <a:lumMod val="50000"/>
@@ -18395,15 +17946,39 @@
                 <a:latin typeface="G마켓 산스 Medium" panose="02000000000000000000" pitchFamily="50" charset="-127"/>
                 <a:ea typeface="G마켓 산스 Medium" panose="02000000000000000000" pitchFamily="50" charset="-127"/>
               </a:rPr>
-              <a:t>?</a:t>
-            </a:r>
-          </a:p>
-          <a:p>
-            <a:pPr marL="571500" indent="-571500">
-              <a:buFontTx/>
-              <a:buChar char="-"/>
-            </a:pPr>
-            <a:endParaRPr lang="en-US" altLang="ko-KR" sz="4000" smtClean="0">
+              <a:t>    int age</a:t>
+            </a:r>
+          </a:p>
+          <a:p>
+            <a:r>
+              <a:rPr lang="en-US" altLang="ko-KR" sz="4000">
+                <a:solidFill>
+                  <a:schemeClr val="bg1">
+                    <a:lumMod val="50000"/>
+                  </a:schemeClr>
+                </a:solidFill>
+                <a:latin typeface="G마켓 산스 Medium" panose="02000000000000000000" pitchFamily="50" charset="-127"/>
+                <a:ea typeface="G마켓 산스 Medium" panose="02000000000000000000" pitchFamily="50" charset="-127"/>
+              </a:rPr>
+              <a:t>    String juminNumber</a:t>
+            </a:r>
+          </a:p>
+          <a:p>
+            <a:r>
+              <a:rPr lang="en-US" altLang="ko-KR" sz="4000">
+                <a:solidFill>
+                  <a:schemeClr val="bg1">
+                    <a:lumMod val="50000"/>
+                  </a:schemeClr>
+                </a:solidFill>
+                <a:latin typeface="G마켓 산스 Medium" panose="02000000000000000000" pitchFamily="50" charset="-127"/>
+                <a:ea typeface="G마켓 산스 Medium" panose="02000000000000000000" pitchFamily="50" charset="-127"/>
+              </a:rPr>
+              <a:t>    String gender</a:t>
+            </a:r>
+          </a:p>
+          <a:p>
+            <a:endParaRPr lang="en-US" altLang="ko-KR" sz="4000">
               <a:solidFill>
                 <a:schemeClr val="bg1">
                   <a:lumMod val="50000"/>
@@ -18419,7 +17994,7 @@
               <a:buChar char="-"/>
             </a:pPr>
             <a:r>
-              <a:rPr lang="ko-KR" altLang="en-US" sz="4000" smtClean="0">
+              <a:rPr lang="ko-KR" altLang="en-US" sz="4000">
                 <a:solidFill>
                   <a:schemeClr val="bg1">
                     <a:lumMod val="50000"/>
@@ -18428,10 +18003,55 @@
                 <a:latin typeface="G마켓 산스 Medium" panose="02000000000000000000" pitchFamily="50" charset="-127"/>
                 <a:ea typeface="G마켓 산스 Medium" panose="02000000000000000000" pitchFamily="50" charset="-127"/>
               </a:rPr>
+              <a:t>한번 정해지면 변경 될수 없는 값들은 무엇일까</a:t>
+            </a:r>
+            <a:r>
+              <a:rPr lang="en-US" altLang="ko-KR" sz="4000">
+                <a:solidFill>
+                  <a:schemeClr val="bg1">
+                    <a:lumMod val="50000"/>
+                  </a:schemeClr>
+                </a:solidFill>
+                <a:latin typeface="G마켓 산스 Medium" panose="02000000000000000000" pitchFamily="50" charset="-127"/>
+                <a:ea typeface="G마켓 산스 Medium" panose="02000000000000000000" pitchFamily="50" charset="-127"/>
+              </a:rPr>
+              <a:t>?</a:t>
+            </a:r>
+          </a:p>
+          <a:p>
+            <a:pPr marL="571500" indent="-571500">
+              <a:buFontTx/>
+              <a:buChar char="-"/>
+            </a:pPr>
+            <a:endParaRPr lang="en-US" altLang="ko-KR" sz="4000">
+              <a:solidFill>
+                <a:schemeClr val="bg1">
+                  <a:lumMod val="50000"/>
+                </a:schemeClr>
+              </a:solidFill>
+              <a:latin typeface="G마켓 산스 Medium" panose="02000000000000000000" pitchFamily="50" charset="-127"/>
+              <a:ea typeface="G마켓 산스 Medium" panose="02000000000000000000" pitchFamily="50" charset="-127"/>
+            </a:endParaRPr>
+          </a:p>
+          <a:p>
+            <a:pPr marL="571500" indent="-571500">
+              <a:buFontTx/>
+              <a:buChar char="-"/>
+            </a:pPr>
+            <a:r>
+              <a:rPr lang="ko-KR" altLang="en-US" sz="4000">
+                <a:solidFill>
+                  <a:schemeClr val="bg1">
+                    <a:lumMod val="50000"/>
+                  </a:schemeClr>
+                </a:solidFill>
+                <a:latin typeface="G마켓 산스 Medium" panose="02000000000000000000" pitchFamily="50" charset="-127"/>
+                <a:ea typeface="G마켓 산스 Medium" panose="02000000000000000000" pitchFamily="50" charset="-127"/>
+              </a:rPr>
               <a:t>멤버변수를 초기화 할수 있는 생성자를 만들자</a:t>
             </a:r>
             <a:r>
-              <a:rPr lang="en-US" altLang="ko-KR" sz="4000" smtClean="0">
+              <a:rPr lang="en-US" altLang="ko-KR" sz="4000">
                 <a:solidFill>
                   <a:schemeClr val="bg1">
                     <a:lumMod val="50000"/>
@@ -18459,7 +18079,7 @@
           <p:cNvPr id="6" name="TextBox 5">
             <a:extLst>
               <a:ext uri="{FF2B5EF4-FFF2-40B4-BE49-F238E27FC236}">
-                <a16:creationId xmlns:a16="http://schemas.microsoft.com/office/drawing/2014/main" xmlns="" id="{69196D22-2A4C-4EF6-5A42-2031D7FEF549}"/>
+                <a16:creationId xmlns:a16="http://schemas.microsoft.com/office/drawing/2014/main" id="{69196D22-2A4C-4EF6-5A42-2031D7FEF549}"/>
               </a:ext>
             </a:extLst>
           </p:cNvPr>
@@ -18483,7 +18103,7 @@
           <a:lstStyle/>
           <a:p>
             <a:r>
-              <a:rPr lang="en-US" altLang="ko-KR" sz="5400" spc="-300" smtClean="0">
+              <a:rPr lang="en-US" altLang="ko-KR" sz="5400" spc="-300">
                 <a:solidFill>
                   <a:srgbClr val="4C50BC"/>
                 </a:solidFill>
@@ -18493,7 +18113,7 @@
               <a:t>1-2 </a:t>
             </a:r>
             <a:r>
-              <a:rPr lang="ko-KR" altLang="en-US" sz="5400" spc="-300" smtClean="0">
+              <a:rPr lang="ko-KR" altLang="en-US" sz="5400" spc="-300">
                 <a:solidFill>
                   <a:srgbClr val="4C50BC"/>
                 </a:solidFill>
@@ -18503,7 +18123,7 @@
               <a:t>실습문제</a:t>
             </a:r>
             <a:r>
-              <a:rPr lang="en-US" altLang="ko-KR" sz="5400" spc="-300" smtClean="0">
+              <a:rPr lang="en-US" altLang="ko-KR" sz="5400" spc="-300">
                 <a:solidFill>
                   <a:srgbClr val="FF0000"/>
                 </a:solidFill>
@@ -18527,7 +18147,7 @@
           <p:cNvPr id="8" name="직선 연결선 7">
             <a:extLst>
               <a:ext uri="{FF2B5EF4-FFF2-40B4-BE49-F238E27FC236}">
-                <a16:creationId xmlns:a16="http://schemas.microsoft.com/office/drawing/2014/main" xmlns="" id="{DDFA97EB-659B-5D0A-D41B-496A6FF66D9E}"/>
+                <a16:creationId xmlns:a16="http://schemas.microsoft.com/office/drawing/2014/main" id="{DDFA97EB-659B-5D0A-D41B-496A6FF66D9E}"/>
               </a:ext>
             </a:extLst>
           </p:cNvPr>
@@ -18575,13 +18195,6 @@
   <p:clrMapOvr>
     <a:masterClrMapping/>
   </p:clrMapOvr>
-  <p:timing>
-    <p:tnLst>
-      <p:par>
-        <p:cTn id="1" dur="indefinite" restart="never" nodeType="tmRoot"/>
-      </p:par>
-    </p:tnLst>
-  </p:timing>
 </p:sld>
 </file>
 
@@ -18631,7 +18244,7 @@
           <p:cNvPr id="5" name="TextBox 4">
             <a:extLst>
               <a:ext uri="{FF2B5EF4-FFF2-40B4-BE49-F238E27FC236}">
-                <a16:creationId xmlns:a16="http://schemas.microsoft.com/office/drawing/2014/main" xmlns="" id="{69196D22-2A4C-4EF6-5A42-2031D7FEF549}"/>
+                <a16:creationId xmlns:a16="http://schemas.microsoft.com/office/drawing/2014/main" id="{69196D22-2A4C-4EF6-5A42-2031D7FEF549}"/>
               </a:ext>
             </a:extLst>
           </p:cNvPr>
@@ -18655,7 +18268,7 @@
           <a:lstStyle/>
           <a:p>
             <a:r>
-              <a:rPr lang="en-US" altLang="ko-KR" sz="5400" spc="-300" smtClean="0">
+              <a:rPr lang="en-US" altLang="ko-KR" sz="5400" spc="-300">
                 <a:solidFill>
                   <a:srgbClr val="4C50BC"/>
                 </a:solidFill>
@@ -18665,7 +18278,7 @@
               <a:t>1-2 </a:t>
             </a:r>
             <a:r>
-              <a:rPr lang="ko-KR" altLang="en-US" sz="5400" spc="-300" smtClean="0">
+              <a:rPr lang="ko-KR" altLang="en-US" sz="5400" spc="-300">
                 <a:solidFill>
                   <a:srgbClr val="4C50BC"/>
                 </a:solidFill>
@@ -18675,7 +18288,7 @@
               <a:t>문제풀이</a:t>
             </a:r>
             <a:r>
-              <a:rPr lang="en-US" altLang="ko-KR" sz="5400" spc="-300" smtClean="0">
+              <a:rPr lang="en-US" altLang="ko-KR" sz="5400" spc="-300">
                 <a:solidFill>
                   <a:srgbClr val="FF0000"/>
                 </a:solidFill>
@@ -18699,7 +18312,7 @@
           <p:cNvPr id="6" name="직선 연결선 5">
             <a:extLst>
               <a:ext uri="{FF2B5EF4-FFF2-40B4-BE49-F238E27FC236}">
-                <a16:creationId xmlns:a16="http://schemas.microsoft.com/office/drawing/2014/main" xmlns="" id="{DDFA97EB-659B-5D0A-D41B-496A6FF66D9E}"/>
+                <a16:creationId xmlns:a16="http://schemas.microsoft.com/office/drawing/2014/main" id="{DDFA97EB-659B-5D0A-D41B-496A6FF66D9E}"/>
               </a:ext>
             </a:extLst>
           </p:cNvPr>
@@ -18742,7 +18355,7 @@
           <p:cNvPr id="7" name="직선 화살표 연결선 6">
             <a:extLst>
               <a:ext uri="{FF2B5EF4-FFF2-40B4-BE49-F238E27FC236}">
-                <a16:creationId xmlns:a16="http://schemas.microsoft.com/office/drawing/2014/main" xmlns="" id="{299DF5EC-9DF4-5255-06AC-0A7CE4FF58C3}"/>
+                <a16:creationId xmlns:a16="http://schemas.microsoft.com/office/drawing/2014/main" id="{299DF5EC-9DF4-5255-06AC-0A7CE4FF58C3}"/>
               </a:ext>
             </a:extLst>
           </p:cNvPr>
@@ -18783,7 +18396,7 @@
           <p:cNvPr id="8" name="직사각형 7">
             <a:extLst>
               <a:ext uri="{FF2B5EF4-FFF2-40B4-BE49-F238E27FC236}">
-                <a16:creationId xmlns:a16="http://schemas.microsoft.com/office/drawing/2014/main" xmlns="" id="{FFF506F9-840A-0508-4CAF-3AC711D8D5CE}"/>
+                <a16:creationId xmlns:a16="http://schemas.microsoft.com/office/drawing/2014/main" id="{FFF506F9-840A-0508-4CAF-3AC711D8D5CE}"/>
               </a:ext>
             </a:extLst>
           </p:cNvPr>
@@ -18835,7 +18448,7 @@
           <p:cNvPr id="9" name="TextBox 8">
             <a:extLst>
               <a:ext uri="{FF2B5EF4-FFF2-40B4-BE49-F238E27FC236}">
-                <a16:creationId xmlns:a16="http://schemas.microsoft.com/office/drawing/2014/main" xmlns="" id="{C6D113C6-EA5C-788F-0C77-E7CE6EBB865F}"/>
+                <a16:creationId xmlns:a16="http://schemas.microsoft.com/office/drawing/2014/main" id="{C6D113C6-EA5C-788F-0C77-E7CE6EBB865F}"/>
               </a:ext>
             </a:extLst>
           </p:cNvPr>
@@ -18859,7 +18472,7 @@
           <a:lstStyle/>
           <a:p>
             <a:r>
-              <a:rPr lang="ko-KR" altLang="en-US" sz="3600" smtClean="0">
+              <a:rPr lang="ko-KR" altLang="en-US" sz="3600">
                 <a:solidFill>
                   <a:srgbClr val="FF0000"/>
                 </a:solidFill>
@@ -18869,7 +18482,7 @@
               <a:t>성별과 주민번호는 한번 정해지면 바뀌지 않는다</a:t>
             </a:r>
             <a:r>
-              <a:rPr lang="en-US" altLang="ko-KR" sz="3600" smtClean="0">
+              <a:rPr lang="en-US" altLang="ko-KR" sz="3600">
                 <a:solidFill>
                   <a:srgbClr val="FF0000"/>
                 </a:solidFill>
@@ -18893,7 +18506,7 @@
           <p:cNvPr id="10" name="직사각형 9">
             <a:extLst>
               <a:ext uri="{FF2B5EF4-FFF2-40B4-BE49-F238E27FC236}">
-                <a16:creationId xmlns:a16="http://schemas.microsoft.com/office/drawing/2014/main" xmlns="" id="{361FA442-8171-4EBF-65A2-19C90654959D}"/>
+                <a16:creationId xmlns:a16="http://schemas.microsoft.com/office/drawing/2014/main" id="{361FA442-8171-4EBF-65A2-19C90654959D}"/>
               </a:ext>
             </a:extLst>
           </p:cNvPr>
@@ -19077,7 +18690,7 @@
           <p:cNvPr id="5" name="TextBox 4">
             <a:extLst>
               <a:ext uri="{FF2B5EF4-FFF2-40B4-BE49-F238E27FC236}">
-                <a16:creationId xmlns="" xmlns:a16="http://schemas.microsoft.com/office/drawing/2014/main" id="{52176D31-35F7-8916-46FA-6095EFEC1E49}"/>
+                <a16:creationId xmlns:a16="http://schemas.microsoft.com/office/drawing/2014/main" id="{52176D31-35F7-8916-46FA-6095EFEC1E49}"/>
               </a:ext>
             </a:extLst>
           </p:cNvPr>
@@ -19101,7 +18714,7 @@
           <a:lstStyle/>
           <a:p>
             <a:r>
-              <a:rPr lang="ko-KR" altLang="en-US" sz="4000" b="1" smtClean="0">
+              <a:rPr lang="ko-KR" altLang="en-US" sz="4000" b="1">
                 <a:solidFill>
                   <a:srgbClr val="4C50BC"/>
                 </a:solidFill>
@@ -19111,7 +18724,7 @@
               <a:t>앞서 만든 </a:t>
             </a:r>
             <a:r>
-              <a:rPr lang="en-US" altLang="ko-KR" sz="4000" b="1" smtClean="0">
+              <a:rPr lang="en-US" altLang="ko-KR" sz="4000" b="1">
                 <a:solidFill>
                   <a:srgbClr val="4C50BC"/>
                 </a:solidFill>
@@ -19121,7 +18734,7 @@
               <a:t>People </a:t>
             </a:r>
             <a:r>
-              <a:rPr lang="ko-KR" altLang="en-US" sz="4000" b="1" smtClean="0">
+              <a:rPr lang="ko-KR" altLang="en-US" sz="4000" b="1">
                 <a:solidFill>
                   <a:srgbClr val="4C50BC"/>
                 </a:solidFill>
@@ -19130,7 +18743,7 @@
               </a:rPr>
               <a:t>타입의 객체배열을 만들어 아래와 같이 출력해보자</a:t>
             </a:r>
-            <a:endParaRPr lang="en-US" altLang="ko-KR" sz="4000" b="1" smtClean="0">
+            <a:endParaRPr lang="en-US" altLang="ko-KR" sz="4000" b="1">
               <a:solidFill>
                 <a:srgbClr val="4C50BC"/>
               </a:solidFill>
@@ -19144,7 +18757,7 @@
               <a:buChar char="-"/>
             </a:pPr>
             <a:r>
-              <a:rPr lang="en-US" altLang="ko-KR" sz="4000" smtClean="0">
+              <a:rPr lang="en-US" altLang="ko-KR" sz="4000">
                 <a:solidFill>
                   <a:schemeClr val="bg1">
                     <a:lumMod val="50000"/>
@@ -19156,7 +18769,7 @@
               <a:t>Object</a:t>
             </a:r>
             <a:r>
-              <a:rPr lang="ko-KR" altLang="en-US" sz="4000" smtClean="0">
+              <a:rPr lang="ko-KR" altLang="en-US" sz="4000">
                 <a:solidFill>
                   <a:schemeClr val="bg1">
                     <a:lumMod val="50000"/>
@@ -19168,7 +18781,7 @@
               <a:t>클래스의 </a:t>
             </a:r>
             <a:r>
-              <a:rPr lang="en-US" altLang="ko-KR" sz="4000" smtClean="0">
+              <a:rPr lang="en-US" altLang="ko-KR" sz="4000">
                 <a:solidFill>
                   <a:schemeClr val="bg1">
                     <a:lumMod val="50000"/>
@@ -19180,7 +18793,7 @@
               <a:t>toString()</a:t>
             </a:r>
             <a:r>
-              <a:rPr lang="ko-KR" altLang="en-US" sz="4000" smtClean="0">
+              <a:rPr lang="ko-KR" altLang="en-US" sz="4000">
                 <a:solidFill>
                   <a:schemeClr val="bg1">
                     <a:lumMod val="50000"/>
@@ -19192,7 +18805,7 @@
               <a:t>을 오버라이딩 해서 사용해보자</a:t>
             </a:r>
             <a:r>
-              <a:rPr lang="en-US" altLang="ko-KR" sz="4000" smtClean="0">
+              <a:rPr lang="en-US" altLang="ko-KR" sz="4000">
                 <a:solidFill>
                   <a:schemeClr val="bg1">
                     <a:lumMod val="50000"/>
@@ -19210,7 +18823,7 @@
               <a:buChar char="-"/>
             </a:pPr>
             <a:r>
-              <a:rPr lang="en-US" altLang="ko-KR" sz="4000" smtClean="0">
+              <a:rPr lang="en-US" altLang="ko-KR" sz="4000">
                 <a:solidFill>
                   <a:schemeClr val="bg1">
                     <a:lumMod val="50000"/>
@@ -19222,7 +18835,7 @@
               <a:t>Object</a:t>
             </a:r>
             <a:r>
-              <a:rPr lang="ko-KR" altLang="en-US" sz="4000" smtClean="0">
+              <a:rPr lang="ko-KR" altLang="en-US" sz="4000">
                 <a:solidFill>
                   <a:schemeClr val="bg1">
                     <a:lumMod val="50000"/>
@@ -19234,7 +18847,7 @@
               <a:t>클래스의 </a:t>
             </a:r>
             <a:r>
-              <a:rPr lang="en-US" altLang="ko-KR" sz="4000" smtClean="0">
+              <a:rPr lang="en-US" altLang="ko-KR" sz="4000">
                 <a:solidFill>
                   <a:schemeClr val="bg1">
                     <a:lumMod val="50000"/>
@@ -19246,7 +18859,7 @@
               <a:t>toString()</a:t>
             </a:r>
             <a:r>
-              <a:rPr lang="ko-KR" altLang="en-US" sz="4000" smtClean="0">
+              <a:rPr lang="ko-KR" altLang="en-US" sz="4000">
                 <a:solidFill>
                   <a:schemeClr val="bg1">
                     <a:lumMod val="50000"/>
@@ -19258,7 +18871,7 @@
               <a:t>의 원형은 </a:t>
             </a:r>
             <a:r>
-              <a:rPr lang="en-US" altLang="ko-KR" sz="4000" smtClean="0">
+              <a:rPr lang="en-US" altLang="ko-KR" sz="4000">
                 <a:solidFill>
                   <a:schemeClr val="bg1">
                     <a:lumMod val="50000"/>
@@ -19270,7 +18883,7 @@
               <a:t>public String toString()</a:t>
             </a:r>
             <a:r>
-              <a:rPr lang="ko-KR" altLang="en-US" sz="4000" smtClean="0">
+              <a:rPr lang="ko-KR" altLang="en-US" sz="4000">
                 <a:solidFill>
                   <a:schemeClr val="bg1">
                     <a:lumMod val="50000"/>
@@ -19281,7 +18894,7 @@
               </a:rPr>
               <a:t>이다</a:t>
             </a:r>
-            <a:endParaRPr lang="en-US" altLang="ko-KR" sz="4000" smtClean="0">
+            <a:endParaRPr lang="en-US" altLang="ko-KR" sz="4000">
               <a:solidFill>
                 <a:schemeClr val="bg1">
                   <a:lumMod val="50000"/>
@@ -19310,35 +18923,18 @@
                 <a:latin typeface="G마켓 산스 Medium" panose="02000000000000000000" pitchFamily="50" charset="-127"/>
                 <a:ea typeface="G마켓 산스 Medium" panose="02000000000000000000" pitchFamily="50" charset="-127"/>
               </a:rPr>
-              <a:t>어노테이션을 이용하여 제대로 오버라이드 된건지 </a:t>
-            </a:r>
-            <a:r>
-              <a:rPr lang="ko-KR" altLang="en-US" sz="4000">
+              <a:t>어노테이션을 이용하여 제대로 오버라이드 된건지 체크해볼수있다</a:t>
+            </a:r>
+            <a:r>
+              <a:rPr lang="en-US" altLang="ko-KR" sz="4000">
                 <a:solidFill>
                   <a:srgbClr val="FF0000"/>
                 </a:solidFill>
                 <a:latin typeface="G마켓 산스 Medium" panose="02000000000000000000" pitchFamily="50" charset="-127"/>
                 <a:ea typeface="G마켓 산스 Medium" panose="02000000000000000000" pitchFamily="50" charset="-127"/>
               </a:rPr>
-              <a:t>체크해볼수있다</a:t>
-            </a:r>
-            <a:r>
-              <a:rPr lang="en-US" altLang="ko-KR" sz="4000" smtClean="0">
-                <a:solidFill>
-                  <a:srgbClr val="FF0000"/>
-                </a:solidFill>
-                <a:latin typeface="G마켓 산스 Medium" panose="02000000000000000000" pitchFamily="50" charset="-127"/>
-                <a:ea typeface="G마켓 산스 Medium" panose="02000000000000000000" pitchFamily="50" charset="-127"/>
-              </a:rPr>
               <a:t>.)</a:t>
             </a:r>
-            <a:endParaRPr lang="en-US" altLang="ko-KR" sz="4000">
-              <a:solidFill>
-                <a:srgbClr val="FF0000"/>
-              </a:solidFill>
-              <a:latin typeface="G마켓 산스 Medium" panose="02000000000000000000" pitchFamily="50" charset="-127"/>
-              <a:ea typeface="G마켓 산스 Medium" panose="02000000000000000000" pitchFamily="50" charset="-127"/>
-            </a:endParaRPr>
           </a:p>
         </p:txBody>
       </p:sp>
@@ -19347,7 +18943,7 @@
           <p:cNvPr id="6" name="TextBox 5">
             <a:extLst>
               <a:ext uri="{FF2B5EF4-FFF2-40B4-BE49-F238E27FC236}">
-                <a16:creationId xmlns:a16="http://schemas.microsoft.com/office/drawing/2014/main" xmlns="" id="{69196D22-2A4C-4EF6-5A42-2031D7FEF549}"/>
+                <a16:creationId xmlns:a16="http://schemas.microsoft.com/office/drawing/2014/main" id="{69196D22-2A4C-4EF6-5A42-2031D7FEF549}"/>
               </a:ext>
             </a:extLst>
           </p:cNvPr>
@@ -19371,7 +18967,7 @@
           <a:lstStyle/>
           <a:p>
             <a:r>
-              <a:rPr lang="en-US" altLang="ko-KR" sz="5400" spc="-300" smtClean="0">
+              <a:rPr lang="en-US" altLang="ko-KR" sz="5400" spc="-300">
                 <a:solidFill>
                   <a:srgbClr val="4C50BC"/>
                 </a:solidFill>
@@ -19381,7 +18977,7 @@
               <a:t>1-3 </a:t>
             </a:r>
             <a:r>
-              <a:rPr lang="ko-KR" altLang="en-US" sz="5400" spc="-300" smtClean="0">
+              <a:rPr lang="ko-KR" altLang="en-US" sz="5400" spc="-300">
                 <a:solidFill>
                   <a:srgbClr val="4C50BC"/>
                 </a:solidFill>
@@ -19391,7 +18987,7 @@
               <a:t>실습문제</a:t>
             </a:r>
             <a:r>
-              <a:rPr lang="en-US" altLang="ko-KR" sz="5400" spc="-300" smtClean="0">
+              <a:rPr lang="en-US" altLang="ko-KR" sz="5400" spc="-300">
                 <a:solidFill>
                   <a:srgbClr val="FF0000"/>
                 </a:solidFill>
@@ -19415,7 +19011,7 @@
           <p:cNvPr id="7" name="직선 연결선 6">
             <a:extLst>
               <a:ext uri="{FF2B5EF4-FFF2-40B4-BE49-F238E27FC236}">
-                <a16:creationId xmlns:a16="http://schemas.microsoft.com/office/drawing/2014/main" xmlns="" id="{DDFA97EB-659B-5D0A-D41B-496A6FF66D9E}"/>
+                <a16:creationId xmlns:a16="http://schemas.microsoft.com/office/drawing/2014/main" id="{DDFA97EB-659B-5D0A-D41B-496A6FF66D9E}"/>
               </a:ext>
             </a:extLst>
           </p:cNvPr>
@@ -19511,13 +19107,6 @@
   <p:clrMapOvr>
     <a:masterClrMapping/>
   </p:clrMapOvr>
-  <p:timing>
-    <p:tnLst>
-      <p:par>
-        <p:cTn id="1" dur="indefinite" restart="never" nodeType="tmRoot"/>
-      </p:par>
-    </p:tnLst>
-  </p:timing>
 </p:sld>
 </file>
 
@@ -19567,7 +19156,7 @@
           <p:cNvPr id="5" name="직선 화살표 연결선 4">
             <a:extLst>
               <a:ext uri="{FF2B5EF4-FFF2-40B4-BE49-F238E27FC236}">
-                <a16:creationId xmlns:a16="http://schemas.microsoft.com/office/drawing/2014/main" xmlns="" id="{299DF5EC-9DF4-5255-06AC-0A7CE4FF58C3}"/>
+                <a16:creationId xmlns:a16="http://schemas.microsoft.com/office/drawing/2014/main" id="{299DF5EC-9DF4-5255-06AC-0A7CE4FF58C3}"/>
               </a:ext>
             </a:extLst>
           </p:cNvPr>
@@ -19608,7 +19197,7 @@
           <p:cNvPr id="7" name="직사각형 6">
             <a:extLst>
               <a:ext uri="{FF2B5EF4-FFF2-40B4-BE49-F238E27FC236}">
-                <a16:creationId xmlns:a16="http://schemas.microsoft.com/office/drawing/2014/main" xmlns="" id="{FFF506F9-840A-0508-4CAF-3AC711D8D5CE}"/>
+                <a16:creationId xmlns:a16="http://schemas.microsoft.com/office/drawing/2014/main" id="{FFF506F9-840A-0508-4CAF-3AC711D8D5CE}"/>
               </a:ext>
             </a:extLst>
           </p:cNvPr>
@@ -19660,7 +19249,7 @@
           <p:cNvPr id="8" name="TextBox 7">
             <a:extLst>
               <a:ext uri="{FF2B5EF4-FFF2-40B4-BE49-F238E27FC236}">
-                <a16:creationId xmlns:a16="http://schemas.microsoft.com/office/drawing/2014/main" xmlns="" id="{C6D113C6-EA5C-788F-0C77-E7CE6EBB865F}"/>
+                <a16:creationId xmlns:a16="http://schemas.microsoft.com/office/drawing/2014/main" id="{C6D113C6-EA5C-788F-0C77-E7CE6EBB865F}"/>
               </a:ext>
             </a:extLst>
           </p:cNvPr>
@@ -19684,7 +19273,7 @@
           <a:lstStyle/>
           <a:p>
             <a:r>
-              <a:rPr lang="ko-KR" altLang="en-US" sz="3600" smtClean="0">
+              <a:rPr lang="ko-KR" altLang="en-US" sz="3600">
                 <a:solidFill>
                   <a:srgbClr val="FF0000"/>
                 </a:solidFill>
@@ -19694,7 +19283,7 @@
               <a:t>어노테이션을 이용하면 오버라이딩 성공했는지 알수 있다</a:t>
             </a:r>
             <a:r>
-              <a:rPr lang="en-US" altLang="ko-KR" sz="3600" smtClean="0">
+              <a:rPr lang="en-US" altLang="ko-KR" sz="3600">
                 <a:solidFill>
                   <a:srgbClr val="FF0000"/>
                 </a:solidFill>
@@ -19718,7 +19307,7 @@
           <p:cNvPr id="10" name="TextBox 9">
             <a:extLst>
               <a:ext uri="{FF2B5EF4-FFF2-40B4-BE49-F238E27FC236}">
-                <a16:creationId xmlns:a16="http://schemas.microsoft.com/office/drawing/2014/main" xmlns="" id="{69196D22-2A4C-4EF6-5A42-2031D7FEF549}"/>
+                <a16:creationId xmlns:a16="http://schemas.microsoft.com/office/drawing/2014/main" id="{69196D22-2A4C-4EF6-5A42-2031D7FEF549}"/>
               </a:ext>
             </a:extLst>
           </p:cNvPr>
@@ -19742,7 +19331,7 @@
           <a:lstStyle/>
           <a:p>
             <a:r>
-              <a:rPr lang="en-US" altLang="ko-KR" sz="5400" spc="-300" smtClean="0">
+              <a:rPr lang="en-US" altLang="ko-KR" sz="5400" spc="-300">
                 <a:solidFill>
                   <a:srgbClr val="4C50BC"/>
                 </a:solidFill>
@@ -19752,7 +19341,7 @@
               <a:t>1-3 </a:t>
             </a:r>
             <a:r>
-              <a:rPr lang="ko-KR" altLang="en-US" sz="5400" spc="-300" smtClean="0">
+              <a:rPr lang="ko-KR" altLang="en-US" sz="5400" spc="-300">
                 <a:solidFill>
                   <a:srgbClr val="4C50BC"/>
                 </a:solidFill>
@@ -19762,7 +19351,7 @@
               <a:t>문제풀이</a:t>
             </a:r>
             <a:r>
-              <a:rPr lang="en-US" altLang="ko-KR" sz="5400" spc="-300" smtClean="0">
+              <a:rPr lang="en-US" altLang="ko-KR" sz="5400" spc="-300">
                 <a:solidFill>
                   <a:srgbClr val="FF0000"/>
                 </a:solidFill>
@@ -19786,7 +19375,7 @@
           <p:cNvPr id="11" name="직선 연결선 10">
             <a:extLst>
               <a:ext uri="{FF2B5EF4-FFF2-40B4-BE49-F238E27FC236}">
-                <a16:creationId xmlns:a16="http://schemas.microsoft.com/office/drawing/2014/main" xmlns="" id="{DDFA97EB-659B-5D0A-D41B-496A6FF66D9E}"/>
+                <a16:creationId xmlns:a16="http://schemas.microsoft.com/office/drawing/2014/main" id="{DDFA97EB-659B-5D0A-D41B-496A6FF66D9E}"/>
               </a:ext>
             </a:extLst>
           </p:cNvPr>
@@ -19829,7 +19418,7 @@
           <p:cNvPr id="12" name="직사각형 11">
             <a:extLst>
               <a:ext uri="{FF2B5EF4-FFF2-40B4-BE49-F238E27FC236}">
-                <a16:creationId xmlns:a16="http://schemas.microsoft.com/office/drawing/2014/main" xmlns="" id="{361FA442-8171-4EBF-65A2-19C90654959D}"/>
+                <a16:creationId xmlns:a16="http://schemas.microsoft.com/office/drawing/2014/main" id="{361FA442-8171-4EBF-65A2-19C90654959D}"/>
               </a:ext>
             </a:extLst>
           </p:cNvPr>
@@ -19997,7 +19586,7 @@
           <p:cNvPr id="4" name="Object 1">
             <a:extLst>
               <a:ext uri="{FF2B5EF4-FFF2-40B4-BE49-F238E27FC236}">
-                <a16:creationId xmlns="" xmlns:a16="http://schemas.microsoft.com/office/drawing/2014/main" id="{B0329035-BE76-33A8-0F2E-44624FCC1DED}"/>
+                <a16:creationId xmlns:a16="http://schemas.microsoft.com/office/drawing/2014/main" id="{B0329035-BE76-33A8-0F2E-44624FCC1DED}"/>
               </a:ext>
             </a:extLst>
           </p:cNvPr>
@@ -20027,7 +19616,7 @@
           <p:cNvPr id="7" name="그룹 1001">
             <a:extLst>
               <a:ext uri="{FF2B5EF4-FFF2-40B4-BE49-F238E27FC236}">
-                <a16:creationId xmlns="" xmlns:a16="http://schemas.microsoft.com/office/drawing/2014/main" id="{CD24CE9D-AC18-B6CD-F397-7E8E03D6FE26}"/>
+                <a16:creationId xmlns:a16="http://schemas.microsoft.com/office/drawing/2014/main" id="{CD24CE9D-AC18-B6CD-F397-7E8E03D6FE26}"/>
               </a:ext>
             </a:extLst>
           </p:cNvPr>
@@ -20047,7 +19636,7 @@
             <p:cNvPr id="8" name="Object 5">
               <a:extLst>
                 <a:ext uri="{FF2B5EF4-FFF2-40B4-BE49-F238E27FC236}">
-                  <a16:creationId xmlns="" xmlns:a16="http://schemas.microsoft.com/office/drawing/2014/main" id="{0EEF25E8-3BA8-EBAA-6DC2-66D70C3F9F4D}"/>
+                  <a16:creationId xmlns:a16="http://schemas.microsoft.com/office/drawing/2014/main" id="{0EEF25E8-3BA8-EBAA-6DC2-66D70C3F9F4D}"/>
                 </a:ext>
               </a:extLst>
             </p:cNvPr>
@@ -20078,7 +19667,7 @@
           <p:cNvPr id="9" name="그룹 1002">
             <a:extLst>
               <a:ext uri="{FF2B5EF4-FFF2-40B4-BE49-F238E27FC236}">
-                <a16:creationId xmlns="" xmlns:a16="http://schemas.microsoft.com/office/drawing/2014/main" id="{0F281BC9-DE1F-D1FE-E64C-C4640398F00C}"/>
+                <a16:creationId xmlns:a16="http://schemas.microsoft.com/office/drawing/2014/main" id="{0F281BC9-DE1F-D1FE-E64C-C4640398F00C}"/>
               </a:ext>
             </a:extLst>
           </p:cNvPr>
@@ -20098,7 +19687,7 @@
             <p:cNvPr id="10" name="Object 8">
               <a:extLst>
                 <a:ext uri="{FF2B5EF4-FFF2-40B4-BE49-F238E27FC236}">
-                  <a16:creationId xmlns="" xmlns:a16="http://schemas.microsoft.com/office/drawing/2014/main" id="{F669DCEF-04BB-7046-3F7F-5B513213556E}"/>
+                  <a16:creationId xmlns:a16="http://schemas.microsoft.com/office/drawing/2014/main" id="{F669DCEF-04BB-7046-3F7F-5B513213556E}"/>
                 </a:ext>
               </a:extLst>
             </p:cNvPr>
@@ -20129,7 +19718,7 @@
           <p:cNvPr id="11" name="그룹 1003">
             <a:extLst>
               <a:ext uri="{FF2B5EF4-FFF2-40B4-BE49-F238E27FC236}">
-                <a16:creationId xmlns="" xmlns:a16="http://schemas.microsoft.com/office/drawing/2014/main" id="{1F91EEF9-13EA-BB7F-B056-D35E7DB989AC}"/>
+                <a16:creationId xmlns:a16="http://schemas.microsoft.com/office/drawing/2014/main" id="{1F91EEF9-13EA-BB7F-B056-D35E7DB989AC}"/>
               </a:ext>
             </a:extLst>
           </p:cNvPr>
@@ -20149,7 +19738,7 @@
             <p:cNvPr id="12" name="Object 11">
               <a:extLst>
                 <a:ext uri="{FF2B5EF4-FFF2-40B4-BE49-F238E27FC236}">
-                  <a16:creationId xmlns="" xmlns:a16="http://schemas.microsoft.com/office/drawing/2014/main" id="{2CFFB217-AEFB-2C9E-5F86-6EE19510FFC6}"/>
+                  <a16:creationId xmlns:a16="http://schemas.microsoft.com/office/drawing/2014/main" id="{2CFFB217-AEFB-2C9E-5F86-6EE19510FFC6}"/>
                 </a:ext>
               </a:extLst>
             </p:cNvPr>
@@ -20180,7 +19769,7 @@
           <p:cNvPr id="13" name="그룹 1004">
             <a:extLst>
               <a:ext uri="{FF2B5EF4-FFF2-40B4-BE49-F238E27FC236}">
-                <a16:creationId xmlns="" xmlns:a16="http://schemas.microsoft.com/office/drawing/2014/main" id="{123B9C7E-94E8-E7E1-81BE-D59EA0299187}"/>
+                <a16:creationId xmlns:a16="http://schemas.microsoft.com/office/drawing/2014/main" id="{123B9C7E-94E8-E7E1-81BE-D59EA0299187}"/>
               </a:ext>
             </a:extLst>
           </p:cNvPr>
@@ -20200,7 +19789,7 @@
             <p:cNvPr id="14" name="Object 14">
               <a:extLst>
                 <a:ext uri="{FF2B5EF4-FFF2-40B4-BE49-F238E27FC236}">
-                  <a16:creationId xmlns="" xmlns:a16="http://schemas.microsoft.com/office/drawing/2014/main" id="{B6291552-2D89-A79F-7ACD-EA0EF9A4C389}"/>
+                  <a16:creationId xmlns:a16="http://schemas.microsoft.com/office/drawing/2014/main" id="{B6291552-2D89-A79F-7ACD-EA0EF9A4C389}"/>
                 </a:ext>
               </a:extLst>
             </p:cNvPr>
@@ -20231,7 +19820,7 @@
           <p:cNvPr id="15" name="TextBox 14">
             <a:extLst>
               <a:ext uri="{FF2B5EF4-FFF2-40B4-BE49-F238E27FC236}">
-                <a16:creationId xmlns="" xmlns:a16="http://schemas.microsoft.com/office/drawing/2014/main" id="{7D99763A-FC24-23F5-5BA9-D7B042E0F323}"/>
+                <a16:creationId xmlns:a16="http://schemas.microsoft.com/office/drawing/2014/main" id="{7D99763A-FC24-23F5-5BA9-D7B042E0F323}"/>
               </a:ext>
             </a:extLst>
           </p:cNvPr>
@@ -20284,13 +19873,6 @@
   <p:clrMapOvr>
     <a:masterClrMapping/>
   </p:clrMapOvr>
-  <p:timing>
-    <p:tnLst>
-      <p:par>
-        <p:cTn id="1" dur="indefinite" restart="never" nodeType="tmRoot"/>
-      </p:par>
-    </p:tnLst>
-  </p:timing>
 </p:sld>
 </file>
 
@@ -20340,7 +19922,7 @@
           <p:cNvPr id="6" name="직선 화살표 연결선 5">
             <a:extLst>
               <a:ext uri="{FF2B5EF4-FFF2-40B4-BE49-F238E27FC236}">
-                <a16:creationId xmlns="" xmlns:a16="http://schemas.microsoft.com/office/drawing/2014/main" id="{299DF5EC-9DF4-5255-06AC-0A7CE4FF58C3}"/>
+                <a16:creationId xmlns:a16="http://schemas.microsoft.com/office/drawing/2014/main" id="{299DF5EC-9DF4-5255-06AC-0A7CE4FF58C3}"/>
               </a:ext>
             </a:extLst>
           </p:cNvPr>
@@ -20381,7 +19963,7 @@
           <p:cNvPr id="7" name="TextBox 6">
             <a:extLst>
               <a:ext uri="{FF2B5EF4-FFF2-40B4-BE49-F238E27FC236}">
-                <a16:creationId xmlns="" xmlns:a16="http://schemas.microsoft.com/office/drawing/2014/main" id="{C6D113C6-EA5C-788F-0C77-E7CE6EBB865F}"/>
+                <a16:creationId xmlns:a16="http://schemas.microsoft.com/office/drawing/2014/main" id="{C6D113C6-EA5C-788F-0C77-E7CE6EBB865F}"/>
               </a:ext>
             </a:extLst>
           </p:cNvPr>
@@ -20429,7 +20011,7 @@
           <p:cNvPr id="9" name="직선 화살표 연결선 8">
             <a:extLst>
               <a:ext uri="{FF2B5EF4-FFF2-40B4-BE49-F238E27FC236}">
-                <a16:creationId xmlns="" xmlns:a16="http://schemas.microsoft.com/office/drawing/2014/main" id="{299DF5EC-9DF4-5255-06AC-0A7CE4FF58C3}"/>
+                <a16:creationId xmlns:a16="http://schemas.microsoft.com/office/drawing/2014/main" id="{299DF5EC-9DF4-5255-06AC-0A7CE4FF58C3}"/>
               </a:ext>
             </a:extLst>
           </p:cNvPr>
@@ -20470,7 +20052,7 @@
           <p:cNvPr id="10" name="TextBox 9">
             <a:extLst>
               <a:ext uri="{FF2B5EF4-FFF2-40B4-BE49-F238E27FC236}">
-                <a16:creationId xmlns="" xmlns:a16="http://schemas.microsoft.com/office/drawing/2014/main" id="{C6D113C6-EA5C-788F-0C77-E7CE6EBB865F}"/>
+                <a16:creationId xmlns:a16="http://schemas.microsoft.com/office/drawing/2014/main" id="{C6D113C6-EA5C-788F-0C77-E7CE6EBB865F}"/>
               </a:ext>
             </a:extLst>
           </p:cNvPr>
@@ -20541,7 +20123,7 @@
           <p:cNvPr id="12" name="직선 화살표 연결선 11">
             <a:extLst>
               <a:ext uri="{FF2B5EF4-FFF2-40B4-BE49-F238E27FC236}">
-                <a16:creationId xmlns="" xmlns:a16="http://schemas.microsoft.com/office/drawing/2014/main" id="{299DF5EC-9DF4-5255-06AC-0A7CE4FF58C3}"/>
+                <a16:creationId xmlns:a16="http://schemas.microsoft.com/office/drawing/2014/main" id="{299DF5EC-9DF4-5255-06AC-0A7CE4FF58C3}"/>
               </a:ext>
             </a:extLst>
           </p:cNvPr>
@@ -20582,7 +20164,7 @@
           <p:cNvPr id="13" name="TextBox 12">
             <a:extLst>
               <a:ext uri="{FF2B5EF4-FFF2-40B4-BE49-F238E27FC236}">
-                <a16:creationId xmlns="" xmlns:a16="http://schemas.microsoft.com/office/drawing/2014/main" id="{C6D113C6-EA5C-788F-0C77-E7CE6EBB865F}"/>
+                <a16:creationId xmlns:a16="http://schemas.microsoft.com/office/drawing/2014/main" id="{C6D113C6-EA5C-788F-0C77-E7CE6EBB865F}"/>
               </a:ext>
             </a:extLst>
           </p:cNvPr>
@@ -20630,7 +20212,7 @@
           <p:cNvPr id="15" name="직선 화살표 연결선 14">
             <a:extLst>
               <a:ext uri="{FF2B5EF4-FFF2-40B4-BE49-F238E27FC236}">
-                <a16:creationId xmlns="" xmlns:a16="http://schemas.microsoft.com/office/drawing/2014/main" id="{299DF5EC-9DF4-5255-06AC-0A7CE4FF58C3}"/>
+                <a16:creationId xmlns:a16="http://schemas.microsoft.com/office/drawing/2014/main" id="{299DF5EC-9DF4-5255-06AC-0A7CE4FF58C3}"/>
               </a:ext>
             </a:extLst>
           </p:cNvPr>
@@ -20671,7 +20253,7 @@
           <p:cNvPr id="16" name="TextBox 15">
             <a:extLst>
               <a:ext uri="{FF2B5EF4-FFF2-40B4-BE49-F238E27FC236}">
-                <a16:creationId xmlns="" xmlns:a16="http://schemas.microsoft.com/office/drawing/2014/main" id="{C6D113C6-EA5C-788F-0C77-E7CE6EBB865F}"/>
+                <a16:creationId xmlns:a16="http://schemas.microsoft.com/office/drawing/2014/main" id="{C6D113C6-EA5C-788F-0C77-E7CE6EBB865F}"/>
               </a:ext>
             </a:extLst>
           </p:cNvPr>
@@ -20719,7 +20301,7 @@
           <p:cNvPr id="18" name="직사각형 17">
             <a:extLst>
               <a:ext uri="{FF2B5EF4-FFF2-40B4-BE49-F238E27FC236}">
-                <a16:creationId xmlns="" xmlns:a16="http://schemas.microsoft.com/office/drawing/2014/main" id="{FFF506F9-840A-0508-4CAF-3AC711D8D5CE}"/>
+                <a16:creationId xmlns:a16="http://schemas.microsoft.com/office/drawing/2014/main" id="{FFF506F9-840A-0508-4CAF-3AC711D8D5CE}"/>
               </a:ext>
             </a:extLst>
           </p:cNvPr>
@@ -20771,7 +20353,7 @@
           <p:cNvPr id="14" name="TextBox 13">
             <a:extLst>
               <a:ext uri="{FF2B5EF4-FFF2-40B4-BE49-F238E27FC236}">
-                <a16:creationId xmlns:a16="http://schemas.microsoft.com/office/drawing/2014/main" xmlns="" id="{69196D22-2A4C-4EF6-5A42-2031D7FEF549}"/>
+                <a16:creationId xmlns:a16="http://schemas.microsoft.com/office/drawing/2014/main" id="{69196D22-2A4C-4EF6-5A42-2031D7FEF549}"/>
               </a:ext>
             </a:extLst>
           </p:cNvPr>
@@ -20795,7 +20377,7 @@
           <a:lstStyle/>
           <a:p>
             <a:r>
-              <a:rPr lang="ko-KR" altLang="en-US" sz="5400" spc="-300" smtClean="0">
+              <a:rPr lang="ko-KR" altLang="en-US" sz="5400" spc="-300">
                 <a:solidFill>
                   <a:srgbClr val="4C50BC"/>
                 </a:solidFill>
@@ -20819,7 +20401,7 @@
           <p:cNvPr id="17" name="직선 연결선 16">
             <a:extLst>
               <a:ext uri="{FF2B5EF4-FFF2-40B4-BE49-F238E27FC236}">
-                <a16:creationId xmlns:a16="http://schemas.microsoft.com/office/drawing/2014/main" xmlns="" id="{DDFA97EB-659B-5D0A-D41B-496A6FF66D9E}"/>
+                <a16:creationId xmlns:a16="http://schemas.microsoft.com/office/drawing/2014/main" id="{DDFA97EB-659B-5D0A-D41B-496A6FF66D9E}"/>
               </a:ext>
             </a:extLst>
           </p:cNvPr>
@@ -20867,13 +20449,6 @@
   <p:clrMapOvr>
     <a:masterClrMapping/>
   </p:clrMapOvr>
-  <p:timing>
-    <p:tnLst>
-      <p:par>
-        <p:cTn id="1" dur="indefinite" restart="never" nodeType="tmRoot"/>
-      </p:par>
-    </p:tnLst>
-  </p:timing>
 </p:sld>
 </file>
 
@@ -20995,7 +20570,7 @@
           <p:cNvPr id="8" name="TextBox 7">
             <a:extLst>
               <a:ext uri="{FF2B5EF4-FFF2-40B4-BE49-F238E27FC236}">
-                <a16:creationId xmlns:a16="http://schemas.microsoft.com/office/drawing/2014/main" xmlns="" id="{69196D22-2A4C-4EF6-5A42-2031D7FEF549}"/>
+                <a16:creationId xmlns:a16="http://schemas.microsoft.com/office/drawing/2014/main" id="{69196D22-2A4C-4EF6-5A42-2031D7FEF549}"/>
               </a:ext>
             </a:extLst>
           </p:cNvPr>
@@ -21019,7 +20594,7 @@
           <a:lstStyle/>
           <a:p>
             <a:r>
-              <a:rPr lang="ko-KR" altLang="en-US" sz="5400" spc="-300" smtClean="0">
+              <a:rPr lang="ko-KR" altLang="en-US" sz="5400" spc="-300">
                 <a:solidFill>
                   <a:srgbClr val="4C50BC"/>
                 </a:solidFill>
@@ -21043,7 +20618,7 @@
           <p:cNvPr id="9" name="직선 연결선 8">
             <a:extLst>
               <a:ext uri="{FF2B5EF4-FFF2-40B4-BE49-F238E27FC236}">
-                <a16:creationId xmlns:a16="http://schemas.microsoft.com/office/drawing/2014/main" xmlns="" id="{DDFA97EB-659B-5D0A-D41B-496A6FF66D9E}"/>
+                <a16:creationId xmlns:a16="http://schemas.microsoft.com/office/drawing/2014/main" id="{DDFA97EB-659B-5D0A-D41B-496A6FF66D9E}"/>
               </a:ext>
             </a:extLst>
           </p:cNvPr>
@@ -21086,7 +20661,7 @@
           <p:cNvPr id="10" name="TextBox 9">
             <a:extLst>
               <a:ext uri="{FF2B5EF4-FFF2-40B4-BE49-F238E27FC236}">
-                <a16:creationId xmlns:a16="http://schemas.microsoft.com/office/drawing/2014/main" xmlns="" id="{B1C05CB3-45A9-FA20-A8E0-BE6F095B8777}"/>
+                <a16:creationId xmlns:a16="http://schemas.microsoft.com/office/drawing/2014/main" id="{B1C05CB3-45A9-FA20-A8E0-BE6F095B8777}"/>
               </a:ext>
             </a:extLst>
           </p:cNvPr>
@@ -21117,7 +20692,7 @@
               <a:buChar char="•"/>
             </a:pPr>
             <a:r>
-              <a:rPr lang="en-US" altLang="ko-KR" sz="3600" smtClean="0">
+              <a:rPr lang="en-US" altLang="ko-KR" sz="3600">
                 <a:solidFill>
                   <a:schemeClr val="tx1">
                     <a:lumMod val="50000"/>
@@ -21130,7 +20705,7 @@
               <a:t>public : </a:t>
             </a:r>
             <a:r>
-              <a:rPr lang="ko-KR" altLang="en-US" sz="3600" smtClean="0">
+              <a:rPr lang="ko-KR" altLang="en-US" sz="3600">
                 <a:solidFill>
                   <a:schemeClr val="tx1">
                     <a:lumMod val="50000"/>
@@ -21142,7 +20717,7 @@
               </a:rPr>
               <a:t>제한없이 어디서든 접근가능</a:t>
             </a:r>
-            <a:endParaRPr lang="en-US" altLang="ko-KR" sz="3600" smtClean="0">
+            <a:endParaRPr lang="en-US" altLang="ko-KR" sz="3600">
               <a:solidFill>
                 <a:schemeClr val="tx1">
                   <a:lumMod val="50000"/>
@@ -21162,7 +20737,7 @@
               <a:buChar char="•"/>
             </a:pPr>
             <a:r>
-              <a:rPr lang="en-US" altLang="ko-KR" sz="3600" smtClean="0">
+              <a:rPr lang="en-US" altLang="ko-KR" sz="3600">
                 <a:solidFill>
                   <a:schemeClr val="tx1">
                     <a:lumMod val="50000"/>
@@ -21175,7 +20750,7 @@
               <a:t>protected : </a:t>
             </a:r>
             <a:r>
-              <a:rPr lang="ko-KR" altLang="en-US" sz="3600" smtClean="0">
+              <a:rPr lang="ko-KR" altLang="en-US" sz="3600">
                 <a:solidFill>
                   <a:schemeClr val="tx1">
                     <a:lumMod val="50000"/>
@@ -21188,7 +20763,7 @@
               <a:t>같은 패키지내에서</a:t>
             </a:r>
             <a:r>
-              <a:rPr lang="en-US" altLang="ko-KR" sz="3600" smtClean="0">
+              <a:rPr lang="en-US" altLang="ko-KR" sz="3600">
                 <a:solidFill>
                   <a:schemeClr val="tx1">
                     <a:lumMod val="50000"/>
@@ -21201,7 +20776,7 @@
               <a:t>, </a:t>
             </a:r>
             <a:r>
-              <a:rPr lang="ko-KR" altLang="en-US" sz="3600" smtClean="0">
+              <a:rPr lang="ko-KR" altLang="en-US" sz="3600">
                 <a:solidFill>
                   <a:schemeClr val="tx1">
                     <a:lumMod val="50000"/>
@@ -21213,7 +20788,7 @@
               </a:rPr>
               <a:t>혹은 다른 패키지더라도 자손클래스에서 접근가능</a:t>
             </a:r>
-            <a:endParaRPr lang="en-US" altLang="ko-KR" sz="3600" smtClean="0">
+            <a:endParaRPr lang="en-US" altLang="ko-KR" sz="3600">
               <a:solidFill>
                 <a:schemeClr val="tx1">
                   <a:lumMod val="50000"/>
@@ -21233,7 +20808,7 @@
               <a:buChar char="•"/>
             </a:pPr>
             <a:r>
-              <a:rPr lang="en-US" altLang="ko-KR" sz="3600" smtClean="0">
+              <a:rPr lang="en-US" altLang="ko-KR" sz="3600">
                 <a:solidFill>
                   <a:schemeClr val="tx1">
                     <a:lumMod val="50000"/>
@@ -21246,7 +20821,7 @@
               <a:t>default : </a:t>
             </a:r>
             <a:r>
-              <a:rPr lang="ko-KR" altLang="en-US" sz="3600" smtClean="0">
+              <a:rPr lang="ko-KR" altLang="en-US" sz="3600">
                 <a:solidFill>
                   <a:schemeClr val="tx1">
                     <a:lumMod val="50000"/>
@@ -21258,7 +20833,7 @@
               </a:rPr>
               <a:t>같은 패키지내에서 접근가능</a:t>
             </a:r>
-            <a:endParaRPr lang="en-US" altLang="ko-KR" sz="3600" smtClean="0">
+            <a:endParaRPr lang="en-US" altLang="ko-KR" sz="3600">
               <a:solidFill>
                 <a:schemeClr val="tx1">
                   <a:lumMod val="50000"/>
@@ -21278,7 +20853,7 @@
               <a:buChar char="•"/>
             </a:pPr>
             <a:r>
-              <a:rPr lang="en-US" altLang="ko-KR" sz="3600" smtClean="0">
+              <a:rPr lang="en-US" altLang="ko-KR" sz="3600">
                 <a:solidFill>
                   <a:schemeClr val="tx1">
                     <a:lumMod val="50000"/>
@@ -21291,7 +20866,7 @@
               <a:t>private : </a:t>
             </a:r>
             <a:r>
-              <a:rPr lang="ko-KR" altLang="en-US" sz="3600" smtClean="0">
+              <a:rPr lang="ko-KR" altLang="en-US" sz="3600">
                 <a:solidFill>
                   <a:schemeClr val="tx1">
                     <a:lumMod val="50000"/>
@@ -21326,13 +20901,6 @@
   <p:clrMapOvr>
     <a:masterClrMapping/>
   </p:clrMapOvr>
-  <p:timing>
-    <p:tnLst>
-      <p:par>
-        <p:cTn id="1" dur="indefinite" restart="never" nodeType="tmRoot"/>
-      </p:par>
-    </p:tnLst>
-  </p:timing>
 </p:sld>
 </file>
 
@@ -21382,7 +20950,7 @@
           <p:cNvPr id="8" name="TextBox 7">
             <a:extLst>
               <a:ext uri="{FF2B5EF4-FFF2-40B4-BE49-F238E27FC236}">
-                <a16:creationId xmlns="" xmlns:a16="http://schemas.microsoft.com/office/drawing/2014/main" id="{C6D113C6-EA5C-788F-0C77-E7CE6EBB865F}"/>
+                <a16:creationId xmlns:a16="http://schemas.microsoft.com/office/drawing/2014/main" id="{C6D113C6-EA5C-788F-0C77-E7CE6EBB865F}"/>
               </a:ext>
             </a:extLst>
           </p:cNvPr>
@@ -21406,7 +20974,7 @@
           <a:lstStyle/>
           <a:p>
             <a:r>
-              <a:rPr lang="ko-KR" altLang="en-US" sz="3600" dirty="0" smtClean="0">
+              <a:rPr lang="ko-KR" altLang="en-US" sz="3600" dirty="0">
                 <a:solidFill>
                   <a:srgbClr val="FF0000"/>
                 </a:solidFill>
@@ -21416,7 +20984,7 @@
               <a:t>프로그램의 시작 지점이 되는 특별한 </a:t>
             </a:r>
             <a:r>
-              <a:rPr lang="ko-KR" altLang="en-US" sz="3600" dirty="0" err="1" smtClean="0">
+              <a:rPr lang="ko-KR" altLang="en-US" sz="3600" dirty="0" err="1">
                 <a:solidFill>
                   <a:srgbClr val="FF0000"/>
                 </a:solidFill>
@@ -21440,7 +21008,7 @@
           <p:cNvPr id="11" name="TextBox 10">
             <a:extLst>
               <a:ext uri="{FF2B5EF4-FFF2-40B4-BE49-F238E27FC236}">
-                <a16:creationId xmlns:a16="http://schemas.microsoft.com/office/drawing/2014/main" xmlns="" id="{69196D22-2A4C-4EF6-5A42-2031D7FEF549}"/>
+                <a16:creationId xmlns:a16="http://schemas.microsoft.com/office/drawing/2014/main" id="{69196D22-2A4C-4EF6-5A42-2031D7FEF549}"/>
               </a:ext>
             </a:extLst>
           </p:cNvPr>
@@ -21464,7 +21032,7 @@
           <a:lstStyle/>
           <a:p>
             <a:r>
-              <a:rPr lang="en-US" altLang="ko-KR" sz="5400" spc="-300" smtClean="0">
+              <a:rPr lang="en-US" altLang="ko-KR" sz="5400" spc="-300" dirty="0">
                 <a:solidFill>
                   <a:srgbClr val="4C50BC"/>
                 </a:solidFill>
@@ -21474,14 +21042,24 @@
               <a:t>Main</a:t>
             </a:r>
             <a:r>
-              <a:rPr lang="ko-KR" altLang="en-US" sz="5400" spc="-300" smtClean="0">
+              <a:rPr lang="ko-KR" altLang="en-US" sz="5400" spc="-300" dirty="0">
                 <a:solidFill>
                   <a:srgbClr val="4C50BC"/>
                 </a:solidFill>
                 <a:latin typeface="G마켓 산스 Bold" panose="02000000000000000000" pitchFamily="50" charset="-127"/>
                 <a:ea typeface="G마켓 산스 Bold" panose="02000000000000000000" pitchFamily="50" charset="-127"/>
               </a:rPr>
-              <a:t>클래스와 엔트리포인트</a:t>
+              <a:t>클래스와 </a:t>
+            </a:r>
+            <a:r>
+              <a:rPr lang="ko-KR" altLang="en-US" sz="5400" spc="-300" dirty="0" err="1">
+                <a:solidFill>
+                  <a:srgbClr val="4C50BC"/>
+                </a:solidFill>
+                <a:latin typeface="G마켓 산스 Bold" panose="02000000000000000000" pitchFamily="50" charset="-127"/>
+                <a:ea typeface="G마켓 산스 Bold" panose="02000000000000000000" pitchFamily="50" charset="-127"/>
+              </a:rPr>
+              <a:t>엔트리포인트</a:t>
             </a:r>
             <a:endParaRPr lang="en-US" altLang="ko-KR" sz="5400" spc="-300" dirty="0">
               <a:solidFill>
@@ -21498,7 +21076,7 @@
           <p:cNvPr id="12" name="직선 연결선 11">
             <a:extLst>
               <a:ext uri="{FF2B5EF4-FFF2-40B4-BE49-F238E27FC236}">
-                <a16:creationId xmlns:a16="http://schemas.microsoft.com/office/drawing/2014/main" xmlns="" id="{DDFA97EB-659B-5D0A-D41B-496A6FF66D9E}"/>
+                <a16:creationId xmlns:a16="http://schemas.microsoft.com/office/drawing/2014/main" id="{DDFA97EB-659B-5D0A-D41B-496A6FF66D9E}"/>
               </a:ext>
             </a:extLst>
           </p:cNvPr>
@@ -21541,7 +21119,7 @@
           <p:cNvPr id="13" name="TextBox 12">
             <a:extLst>
               <a:ext uri="{FF2B5EF4-FFF2-40B4-BE49-F238E27FC236}">
-                <a16:creationId xmlns:a16="http://schemas.microsoft.com/office/drawing/2014/main" xmlns="" id="{B1C05CB3-45A9-FA20-A8E0-BE6F095B8777}"/>
+                <a16:creationId xmlns:a16="http://schemas.microsoft.com/office/drawing/2014/main" id="{B1C05CB3-45A9-FA20-A8E0-BE6F095B8777}"/>
               </a:ext>
             </a:extLst>
           </p:cNvPr>
@@ -21550,7 +21128,7 @@
         </p:nvSpPr>
         <p:spPr>
           <a:xfrm>
-            <a:off x="762000" y="1485900"/>
+            <a:off x="762000" y="1333500"/>
             <a:ext cx="14167562" cy="1200329"/>
           </a:xfrm>
           <a:prstGeom prst="rect">
@@ -21569,7 +21147,7 @@
               <a:buChar char="•"/>
             </a:pPr>
             <a:r>
-              <a:rPr lang="en-US" altLang="ko-KR" sz="3600" smtClean="0">
+              <a:rPr lang="en-US" altLang="ko-KR" sz="3600" dirty="0">
                 <a:solidFill>
                   <a:schemeClr val="tx1">
                     <a:lumMod val="50000"/>
@@ -21582,7 +21160,7 @@
               <a:t>Main</a:t>
             </a:r>
             <a:r>
-              <a:rPr lang="ko-KR" altLang="en-US" sz="3600" smtClean="0">
+              <a:rPr lang="ko-KR" altLang="en-US" sz="3600" dirty="0">
                 <a:solidFill>
                   <a:schemeClr val="tx1">
                     <a:lumMod val="50000"/>
@@ -21595,7 +21173,7 @@
               <a:t>클래스는 일반적으로 </a:t>
             </a:r>
             <a:r>
-              <a:rPr lang="en-US" altLang="ko-KR" sz="3600" smtClean="0">
+              <a:rPr lang="en-US" altLang="ko-KR" sz="3600" dirty="0">
                 <a:solidFill>
                   <a:schemeClr val="tx1">
                     <a:lumMod val="50000"/>
@@ -21608,7 +21186,7 @@
               <a:t>main</a:t>
             </a:r>
             <a:r>
-              <a:rPr lang="ko-KR" altLang="en-US" sz="3600" smtClean="0">
+              <a:rPr lang="ko-KR" altLang="en-US" sz="3600" dirty="0">
                 <a:solidFill>
                   <a:schemeClr val="tx1">
                     <a:lumMod val="50000"/>
@@ -21618,10 +21196,10 @@
                 <a:latin typeface="G마켓 산스 Medium" panose="02000000000000000000" pitchFamily="50" charset="-127"/>
                 <a:ea typeface="G마켓 산스 Medium" panose="02000000000000000000" pitchFamily="50" charset="-127"/>
               </a:rPr>
-              <a:t>메서드 하나만을 가지며 엔트리포인트를 가지는 클래스 역할을 한다</a:t>
-            </a:r>
-            <a:r>
-              <a:rPr lang="en-US" altLang="ko-KR" sz="3600" smtClean="0">
+              <a:t>메서드 하나만을 가지며 </a:t>
+            </a:r>
+            <a:r>
+              <a:rPr lang="ko-KR" altLang="en-US" sz="3600" dirty="0" err="1">
                 <a:solidFill>
                   <a:schemeClr val="tx1">
                     <a:lumMod val="50000"/>
@@ -21631,18 +21209,34 @@
                 <a:latin typeface="G마켓 산스 Medium" panose="02000000000000000000" pitchFamily="50" charset="-127"/>
                 <a:ea typeface="G마켓 산스 Medium" panose="02000000000000000000" pitchFamily="50" charset="-127"/>
               </a:rPr>
+              <a:t>엔트리포인트를</a:t>
+            </a:r>
+            <a:r>
+              <a:rPr lang="ko-KR" altLang="en-US" sz="3600" dirty="0">
+                <a:solidFill>
+                  <a:schemeClr val="tx1">
+                    <a:lumMod val="50000"/>
+                    <a:lumOff val="50000"/>
+                  </a:schemeClr>
+                </a:solidFill>
+                <a:latin typeface="G마켓 산스 Medium" panose="02000000000000000000" pitchFamily="50" charset="-127"/>
+                <a:ea typeface="G마켓 산스 Medium" panose="02000000000000000000" pitchFamily="50" charset="-127"/>
+              </a:rPr>
+              <a:t> 가지는 클래스 역할을 한다</a:t>
+            </a:r>
+            <a:r>
+              <a:rPr lang="en-US" altLang="ko-KR" sz="3600" dirty="0">
+                <a:solidFill>
+                  <a:schemeClr val="tx1">
+                    <a:lumMod val="50000"/>
+                    <a:lumOff val="50000"/>
+                  </a:schemeClr>
+                </a:solidFill>
+                <a:latin typeface="G마켓 산스 Medium" panose="02000000000000000000" pitchFamily="50" charset="-127"/>
+                <a:ea typeface="G마켓 산스 Medium" panose="02000000000000000000" pitchFamily="50" charset="-127"/>
+              </a:rPr>
               <a:t>.</a:t>
             </a:r>
-            <a:endParaRPr lang="en-US" altLang="ko-KR" sz="3600" dirty="0">
-              <a:solidFill>
-                <a:schemeClr val="tx1">
-                  <a:lumMod val="50000"/>
-                  <a:lumOff val="50000"/>
-                </a:schemeClr>
-              </a:solidFill>
-              <a:latin typeface="G마켓 산스 Medium" panose="02000000000000000000" pitchFamily="50" charset="-127"/>
-              <a:ea typeface="G마켓 산스 Medium" panose="02000000000000000000" pitchFamily="50" charset="-127"/>
-            </a:endParaRPr>
           </a:p>
         </p:txBody>
       </p:sp>
@@ -21656,13 +21250,6 @@
   <p:clrMapOvr>
     <a:masterClrMapping/>
   </p:clrMapOvr>
-  <p:timing>
-    <p:tnLst>
-      <p:par>
-        <p:cTn id="1" dur="indefinite" restart="never" nodeType="tmRoot"/>
-      </p:par>
-    </p:tnLst>
-  </p:timing>
 </p:sld>
 </file>
 
@@ -21711,14 +21298,14 @@
                 <a:gridCol w="5680353">
                   <a:extLst>
                     <a:ext uri="{9D8B030D-6E8A-4147-A177-3AD203B41FA5}">
-                      <a16:colId xmlns="" xmlns:a16="http://schemas.microsoft.com/office/drawing/2014/main" val="20000"/>
+                      <a16:colId xmlns:a16="http://schemas.microsoft.com/office/drawing/2014/main" val="20000"/>
                     </a:ext>
                   </a:extLst>
                 </a:gridCol>
                 <a:gridCol w="5749647">
                   <a:extLst>
                     <a:ext uri="{9D8B030D-6E8A-4147-A177-3AD203B41FA5}">
-                      <a16:colId xmlns="" xmlns:a16="http://schemas.microsoft.com/office/drawing/2014/main" val="20001"/>
+                      <a16:colId xmlns:a16="http://schemas.microsoft.com/office/drawing/2014/main" val="20001"/>
                     </a:ext>
                   </a:extLst>
                 </a:gridCol>
@@ -21856,7 +21443,7 @@
                 </a:tc>
                 <a:extLst>
                   <a:ext uri="{0D108BD9-81ED-4DB2-BD59-A6C34878D82A}">
-                    <a16:rowId xmlns="" xmlns:a16="http://schemas.microsoft.com/office/drawing/2014/main" val="10000"/>
+                    <a16:rowId xmlns:a16="http://schemas.microsoft.com/office/drawing/2014/main" val="10000"/>
                   </a:ext>
                 </a:extLst>
               </a:tr>
@@ -21999,7 +21586,7 @@
                 </a:tc>
                 <a:extLst>
                   <a:ext uri="{0D108BD9-81ED-4DB2-BD59-A6C34878D82A}">
-                    <a16:rowId xmlns="" xmlns:a16="http://schemas.microsoft.com/office/drawing/2014/main" val="10001"/>
+                    <a16:rowId xmlns:a16="http://schemas.microsoft.com/office/drawing/2014/main" val="10001"/>
                   </a:ext>
                 </a:extLst>
               </a:tr>
@@ -22120,7 +21707,7 @@
                 </a:tc>
                 <a:extLst>
                   <a:ext uri="{0D108BD9-81ED-4DB2-BD59-A6C34878D82A}">
-                    <a16:rowId xmlns="" xmlns:a16="http://schemas.microsoft.com/office/drawing/2014/main" val="10002"/>
+                    <a16:rowId xmlns:a16="http://schemas.microsoft.com/office/drawing/2014/main" val="10002"/>
                   </a:ext>
                 </a:extLst>
               </a:tr>
@@ -22241,7 +21828,7 @@
                 </a:tc>
                 <a:extLst>
                   <a:ext uri="{0D108BD9-81ED-4DB2-BD59-A6C34878D82A}">
-                    <a16:rowId xmlns="" xmlns:a16="http://schemas.microsoft.com/office/drawing/2014/main" val="10003"/>
+                    <a16:rowId xmlns:a16="http://schemas.microsoft.com/office/drawing/2014/main" val="10003"/>
                   </a:ext>
                 </a:extLst>
               </a:tr>
@@ -22259,13 +21846,6 @@
   <p:clrMapOvr>
     <a:masterClrMapping/>
   </p:clrMapOvr>
-  <p:timing>
-    <p:tnLst>
-      <p:par>
-        <p:cTn id="1" dur="indefinite" restart="never" nodeType="tmRoot"/>
-      </p:par>
-    </p:tnLst>
-  </p:timing>
 </p:sld>
 </file>
 
@@ -22315,7 +21895,7 @@
           <p:cNvPr id="6" name="직선 화살표 연결선 5">
             <a:extLst>
               <a:ext uri="{FF2B5EF4-FFF2-40B4-BE49-F238E27FC236}">
-                <a16:creationId xmlns="" xmlns:a16="http://schemas.microsoft.com/office/drawing/2014/main" id="{299DF5EC-9DF4-5255-06AC-0A7CE4FF58C3}"/>
+                <a16:creationId xmlns:a16="http://schemas.microsoft.com/office/drawing/2014/main" id="{299DF5EC-9DF4-5255-06AC-0A7CE4FF58C3}"/>
               </a:ext>
             </a:extLst>
           </p:cNvPr>
@@ -22356,7 +21936,7 @@
           <p:cNvPr id="7" name="직사각형 6">
             <a:extLst>
               <a:ext uri="{FF2B5EF4-FFF2-40B4-BE49-F238E27FC236}">
-                <a16:creationId xmlns="" xmlns:a16="http://schemas.microsoft.com/office/drawing/2014/main" id="{FFF506F9-840A-0508-4CAF-3AC711D8D5CE}"/>
+                <a16:creationId xmlns:a16="http://schemas.microsoft.com/office/drawing/2014/main" id="{FFF506F9-840A-0508-4CAF-3AC711D8D5CE}"/>
               </a:ext>
             </a:extLst>
           </p:cNvPr>
@@ -22408,7 +21988,7 @@
           <p:cNvPr id="8" name="TextBox 7">
             <a:extLst>
               <a:ext uri="{FF2B5EF4-FFF2-40B4-BE49-F238E27FC236}">
-                <a16:creationId xmlns="" xmlns:a16="http://schemas.microsoft.com/office/drawing/2014/main" id="{C6D113C6-EA5C-788F-0C77-E7CE6EBB865F}"/>
+                <a16:creationId xmlns:a16="http://schemas.microsoft.com/office/drawing/2014/main" id="{C6D113C6-EA5C-788F-0C77-E7CE6EBB865F}"/>
               </a:ext>
             </a:extLst>
           </p:cNvPr>
@@ -22489,7 +22069,7 @@
           <p:cNvPr id="14" name="직선 화살표 연결선 13">
             <a:extLst>
               <a:ext uri="{FF2B5EF4-FFF2-40B4-BE49-F238E27FC236}">
-                <a16:creationId xmlns="" xmlns:a16="http://schemas.microsoft.com/office/drawing/2014/main" id="{299DF5EC-9DF4-5255-06AC-0A7CE4FF58C3}"/>
+                <a16:creationId xmlns:a16="http://schemas.microsoft.com/office/drawing/2014/main" id="{299DF5EC-9DF4-5255-06AC-0A7CE4FF58C3}"/>
               </a:ext>
             </a:extLst>
           </p:cNvPr>
@@ -22530,7 +22110,7 @@
           <p:cNvPr id="15" name="직사각형 14">
             <a:extLst>
               <a:ext uri="{FF2B5EF4-FFF2-40B4-BE49-F238E27FC236}">
-                <a16:creationId xmlns="" xmlns:a16="http://schemas.microsoft.com/office/drawing/2014/main" id="{FFF506F9-840A-0508-4CAF-3AC711D8D5CE}"/>
+                <a16:creationId xmlns:a16="http://schemas.microsoft.com/office/drawing/2014/main" id="{FFF506F9-840A-0508-4CAF-3AC711D8D5CE}"/>
               </a:ext>
             </a:extLst>
           </p:cNvPr>
@@ -22582,7 +22162,7 @@
           <p:cNvPr id="16" name="TextBox 15">
             <a:extLst>
               <a:ext uri="{FF2B5EF4-FFF2-40B4-BE49-F238E27FC236}">
-                <a16:creationId xmlns="" xmlns:a16="http://schemas.microsoft.com/office/drawing/2014/main" id="{C6D113C6-EA5C-788F-0C77-E7CE6EBB865F}"/>
+                <a16:creationId xmlns:a16="http://schemas.microsoft.com/office/drawing/2014/main" id="{C6D113C6-EA5C-788F-0C77-E7CE6EBB865F}"/>
               </a:ext>
             </a:extLst>
           </p:cNvPr>
@@ -22630,7 +22210,7 @@
           <p:cNvPr id="13" name="TextBox 12">
             <a:extLst>
               <a:ext uri="{FF2B5EF4-FFF2-40B4-BE49-F238E27FC236}">
-                <a16:creationId xmlns:a16="http://schemas.microsoft.com/office/drawing/2014/main" xmlns="" id="{69196D22-2A4C-4EF6-5A42-2031D7FEF549}"/>
+                <a16:creationId xmlns:a16="http://schemas.microsoft.com/office/drawing/2014/main" id="{69196D22-2A4C-4EF6-5A42-2031D7FEF549}"/>
               </a:ext>
             </a:extLst>
           </p:cNvPr>
@@ -22654,7 +22234,7 @@
           <a:lstStyle/>
           <a:p>
             <a:r>
-              <a:rPr lang="ko-KR" altLang="en-US" sz="5400" spc="-300" smtClean="0">
+              <a:rPr lang="ko-KR" altLang="en-US" sz="5400" spc="-300">
                 <a:solidFill>
                   <a:srgbClr val="4C50BC"/>
                 </a:solidFill>
@@ -22664,7 +22244,7 @@
               <a:t>멤버변수의 접근제어</a:t>
             </a:r>
             <a:r>
-              <a:rPr lang="en-US" altLang="ko-KR" sz="5400" spc="-300" smtClean="0">
+              <a:rPr lang="en-US" altLang="ko-KR" sz="5400" spc="-300">
                 <a:solidFill>
                   <a:srgbClr val="4C50BC"/>
                 </a:solidFill>
@@ -22688,7 +22268,7 @@
           <p:cNvPr id="18" name="직선 연결선 17">
             <a:extLst>
               <a:ext uri="{FF2B5EF4-FFF2-40B4-BE49-F238E27FC236}">
-                <a16:creationId xmlns:a16="http://schemas.microsoft.com/office/drawing/2014/main" xmlns="" id="{DDFA97EB-659B-5D0A-D41B-496A6FF66D9E}"/>
+                <a16:creationId xmlns:a16="http://schemas.microsoft.com/office/drawing/2014/main" id="{DDFA97EB-659B-5D0A-D41B-496A6FF66D9E}"/>
               </a:ext>
             </a:extLst>
           </p:cNvPr>
@@ -22731,7 +22311,7 @@
           <p:cNvPr id="19" name="TextBox 18">
             <a:extLst>
               <a:ext uri="{FF2B5EF4-FFF2-40B4-BE49-F238E27FC236}">
-                <a16:creationId xmlns:a16="http://schemas.microsoft.com/office/drawing/2014/main" xmlns="" id="{B1C05CB3-45A9-FA20-A8E0-BE6F095B8777}"/>
+                <a16:creationId xmlns:a16="http://schemas.microsoft.com/office/drawing/2014/main" id="{B1C05CB3-45A9-FA20-A8E0-BE6F095B8777}"/>
               </a:ext>
             </a:extLst>
           </p:cNvPr>
@@ -22759,7 +22339,7 @@
               <a:buChar char="•"/>
             </a:pPr>
             <a:r>
-              <a:rPr lang="ko-KR" altLang="en-US" sz="3600" smtClean="0">
+              <a:rPr lang="ko-KR" altLang="en-US" sz="3600">
                 <a:solidFill>
                   <a:schemeClr val="tx1">
                     <a:lumMod val="50000"/>
@@ -22772,7 +22352,7 @@
               <a:t>클래스 외부에서는 사용할수 없다</a:t>
             </a:r>
             <a:r>
-              <a:rPr lang="en-US" altLang="ko-KR" sz="3600" smtClean="0">
+              <a:rPr lang="en-US" altLang="ko-KR" sz="3600">
                 <a:solidFill>
                   <a:schemeClr val="tx1">
                     <a:lumMod val="50000"/>
@@ -22807,13 +22387,6 @@
   <p:clrMapOvr>
     <a:masterClrMapping/>
   </p:clrMapOvr>
-  <p:timing>
-    <p:tnLst>
-      <p:par>
-        <p:cTn id="1" dur="indefinite" restart="never" nodeType="tmRoot"/>
-      </p:par>
-    </p:tnLst>
-  </p:timing>
 </p:sld>
 </file>
 
@@ -22863,7 +22436,7 @@
           <p:cNvPr id="7" name="직사각형 6">
             <a:extLst>
               <a:ext uri="{FF2B5EF4-FFF2-40B4-BE49-F238E27FC236}">
-                <a16:creationId xmlns="" xmlns:a16="http://schemas.microsoft.com/office/drawing/2014/main" id="{FFF506F9-840A-0508-4CAF-3AC711D8D5CE}"/>
+                <a16:creationId xmlns:a16="http://schemas.microsoft.com/office/drawing/2014/main" id="{FFF506F9-840A-0508-4CAF-3AC711D8D5CE}"/>
               </a:ext>
             </a:extLst>
           </p:cNvPr>
@@ -22915,7 +22488,7 @@
           <p:cNvPr id="8" name="직사각형 7">
             <a:extLst>
               <a:ext uri="{FF2B5EF4-FFF2-40B4-BE49-F238E27FC236}">
-                <a16:creationId xmlns="" xmlns:a16="http://schemas.microsoft.com/office/drawing/2014/main" id="{FFF506F9-840A-0508-4CAF-3AC711D8D5CE}"/>
+                <a16:creationId xmlns:a16="http://schemas.microsoft.com/office/drawing/2014/main" id="{FFF506F9-840A-0508-4CAF-3AC711D8D5CE}"/>
               </a:ext>
             </a:extLst>
           </p:cNvPr>
@@ -22967,7 +22540,7 @@
           <p:cNvPr id="6" name="TextBox 5">
             <a:extLst>
               <a:ext uri="{FF2B5EF4-FFF2-40B4-BE49-F238E27FC236}">
-                <a16:creationId xmlns:a16="http://schemas.microsoft.com/office/drawing/2014/main" xmlns="" id="{69196D22-2A4C-4EF6-5A42-2031D7FEF549}"/>
+                <a16:creationId xmlns:a16="http://schemas.microsoft.com/office/drawing/2014/main" id="{69196D22-2A4C-4EF6-5A42-2031D7FEF549}"/>
               </a:ext>
             </a:extLst>
           </p:cNvPr>
@@ -22991,7 +22564,7 @@
           <a:lstStyle/>
           <a:p>
             <a:r>
-              <a:rPr lang="ko-KR" altLang="en-US" sz="5400" spc="-300" smtClean="0">
+              <a:rPr lang="ko-KR" altLang="en-US" sz="5400" spc="-300">
                 <a:solidFill>
                   <a:srgbClr val="4C50BC"/>
                 </a:solidFill>
@@ -23001,7 +22574,7 @@
               <a:t>멤버변수의 접근제어</a:t>
             </a:r>
             <a:r>
-              <a:rPr lang="en-US" altLang="ko-KR" sz="5400" spc="-300" smtClean="0">
+              <a:rPr lang="en-US" altLang="ko-KR" sz="5400" spc="-300">
                 <a:solidFill>
                   <a:srgbClr val="4C50BC"/>
                 </a:solidFill>
@@ -23025,7 +22598,7 @@
           <p:cNvPr id="10" name="직선 연결선 9">
             <a:extLst>
               <a:ext uri="{FF2B5EF4-FFF2-40B4-BE49-F238E27FC236}">
-                <a16:creationId xmlns:a16="http://schemas.microsoft.com/office/drawing/2014/main" xmlns="" id="{DDFA97EB-659B-5D0A-D41B-496A6FF66D9E}"/>
+                <a16:creationId xmlns:a16="http://schemas.microsoft.com/office/drawing/2014/main" id="{DDFA97EB-659B-5D0A-D41B-496A6FF66D9E}"/>
               </a:ext>
             </a:extLst>
           </p:cNvPr>
@@ -23068,7 +22641,7 @@
           <p:cNvPr id="11" name="TextBox 10">
             <a:extLst>
               <a:ext uri="{FF2B5EF4-FFF2-40B4-BE49-F238E27FC236}">
-                <a16:creationId xmlns:a16="http://schemas.microsoft.com/office/drawing/2014/main" xmlns="" id="{B1C05CB3-45A9-FA20-A8E0-BE6F095B8777}"/>
+                <a16:creationId xmlns:a16="http://schemas.microsoft.com/office/drawing/2014/main" id="{B1C05CB3-45A9-FA20-A8E0-BE6F095B8777}"/>
               </a:ext>
             </a:extLst>
           </p:cNvPr>
@@ -23096,7 +22669,7 @@
               <a:buChar char="•"/>
             </a:pPr>
             <a:r>
-              <a:rPr lang="ko-KR" altLang="en-US" sz="3600" smtClean="0">
+              <a:rPr lang="ko-KR" altLang="en-US" sz="3600">
                 <a:solidFill>
                   <a:schemeClr val="tx1">
                     <a:lumMod val="50000"/>
@@ -23126,7 +22699,7 @@
           <p:cNvPr id="12" name="직선 화살표 연결선 11">
             <a:extLst>
               <a:ext uri="{FF2B5EF4-FFF2-40B4-BE49-F238E27FC236}">
-                <a16:creationId xmlns="" xmlns:a16="http://schemas.microsoft.com/office/drawing/2014/main" id="{299DF5EC-9DF4-5255-06AC-0A7CE4FF58C3}"/>
+                <a16:creationId xmlns:a16="http://schemas.microsoft.com/office/drawing/2014/main" id="{299DF5EC-9DF4-5255-06AC-0A7CE4FF58C3}"/>
               </a:ext>
             </a:extLst>
           </p:cNvPr>
@@ -23167,7 +22740,7 @@
           <p:cNvPr id="13" name="TextBox 12">
             <a:extLst>
               <a:ext uri="{FF2B5EF4-FFF2-40B4-BE49-F238E27FC236}">
-                <a16:creationId xmlns="" xmlns:a16="http://schemas.microsoft.com/office/drawing/2014/main" id="{C6D113C6-EA5C-788F-0C77-E7CE6EBB865F}"/>
+                <a16:creationId xmlns:a16="http://schemas.microsoft.com/office/drawing/2014/main" id="{C6D113C6-EA5C-788F-0C77-E7CE6EBB865F}"/>
               </a:ext>
             </a:extLst>
           </p:cNvPr>
@@ -23191,7 +22764,7 @@
           <a:lstStyle/>
           <a:p>
             <a:r>
-              <a:rPr lang="ko-KR" altLang="en-US" sz="4000" smtClean="0">
+              <a:rPr lang="ko-KR" altLang="en-US" sz="4000">
                 <a:solidFill>
                   <a:srgbClr val="FF0000"/>
                 </a:solidFill>
@@ -23220,13 +22793,6 @@
   <p:clrMapOvr>
     <a:masterClrMapping/>
   </p:clrMapOvr>
-  <p:timing>
-    <p:tnLst>
-      <p:par>
-        <p:cTn id="1" dur="indefinite" restart="never" nodeType="tmRoot"/>
-      </p:par>
-    </p:tnLst>
-  </p:timing>
 </p:sld>
 </file>
 
@@ -23300,7 +22866,7 @@
           <p:cNvPr id="6" name="직사각형 5">
             <a:extLst>
               <a:ext uri="{FF2B5EF4-FFF2-40B4-BE49-F238E27FC236}">
-                <a16:creationId xmlns="" xmlns:a16="http://schemas.microsoft.com/office/drawing/2014/main" id="{FFF506F9-840A-0508-4CAF-3AC711D8D5CE}"/>
+                <a16:creationId xmlns:a16="http://schemas.microsoft.com/office/drawing/2014/main" id="{FFF506F9-840A-0508-4CAF-3AC711D8D5CE}"/>
               </a:ext>
             </a:extLst>
           </p:cNvPr>
@@ -23352,7 +22918,7 @@
           <p:cNvPr id="7" name="직사각형 6">
             <a:extLst>
               <a:ext uri="{FF2B5EF4-FFF2-40B4-BE49-F238E27FC236}">
-                <a16:creationId xmlns="" xmlns:a16="http://schemas.microsoft.com/office/drawing/2014/main" id="{FFF506F9-840A-0508-4CAF-3AC711D8D5CE}"/>
+                <a16:creationId xmlns:a16="http://schemas.microsoft.com/office/drawing/2014/main" id="{FFF506F9-840A-0508-4CAF-3AC711D8D5CE}"/>
               </a:ext>
             </a:extLst>
           </p:cNvPr>
@@ -23404,7 +22970,7 @@
           <p:cNvPr id="8" name="직선 화살표 연결선 7">
             <a:extLst>
               <a:ext uri="{FF2B5EF4-FFF2-40B4-BE49-F238E27FC236}">
-                <a16:creationId xmlns="" xmlns:a16="http://schemas.microsoft.com/office/drawing/2014/main" id="{299DF5EC-9DF4-5255-06AC-0A7CE4FF58C3}"/>
+                <a16:creationId xmlns:a16="http://schemas.microsoft.com/office/drawing/2014/main" id="{299DF5EC-9DF4-5255-06AC-0A7CE4FF58C3}"/>
               </a:ext>
             </a:extLst>
           </p:cNvPr>
@@ -23445,7 +23011,7 @@
           <p:cNvPr id="9" name="TextBox 8">
             <a:extLst>
               <a:ext uri="{FF2B5EF4-FFF2-40B4-BE49-F238E27FC236}">
-                <a16:creationId xmlns="" xmlns:a16="http://schemas.microsoft.com/office/drawing/2014/main" id="{C6D113C6-EA5C-788F-0C77-E7CE6EBB865F}"/>
+                <a16:creationId xmlns:a16="http://schemas.microsoft.com/office/drawing/2014/main" id="{C6D113C6-EA5C-788F-0C77-E7CE6EBB865F}"/>
               </a:ext>
             </a:extLst>
           </p:cNvPr>
@@ -23469,7 +23035,7 @@
           <a:lstStyle/>
           <a:p>
             <a:r>
-              <a:rPr lang="ko-KR" altLang="en-US" sz="4000" smtClean="0">
+              <a:rPr lang="ko-KR" altLang="en-US" sz="4000">
                 <a:solidFill>
                   <a:srgbClr val="FF0000"/>
                 </a:solidFill>
@@ -23498,13 +23064,6 @@
   <p:clrMapOvr>
     <a:masterClrMapping/>
   </p:clrMapOvr>
-  <p:timing>
-    <p:tnLst>
-      <p:par>
-        <p:cTn id="1" dur="indefinite" restart="never" nodeType="tmRoot"/>
-      </p:par>
-    </p:tnLst>
-  </p:timing>
 </p:sld>
 </file>
 
@@ -23554,7 +23113,7 @@
           <p:cNvPr id="6" name="직사각형 5">
             <a:extLst>
               <a:ext uri="{FF2B5EF4-FFF2-40B4-BE49-F238E27FC236}">
-                <a16:creationId xmlns="" xmlns:a16="http://schemas.microsoft.com/office/drawing/2014/main" id="{FFF506F9-840A-0508-4CAF-3AC711D8D5CE}"/>
+                <a16:creationId xmlns:a16="http://schemas.microsoft.com/office/drawing/2014/main" id="{FFF506F9-840A-0508-4CAF-3AC711D8D5CE}"/>
               </a:ext>
             </a:extLst>
           </p:cNvPr>
@@ -23606,7 +23165,7 @@
           <p:cNvPr id="7" name="직선 화살표 연결선 6">
             <a:extLst>
               <a:ext uri="{FF2B5EF4-FFF2-40B4-BE49-F238E27FC236}">
-                <a16:creationId xmlns="" xmlns:a16="http://schemas.microsoft.com/office/drawing/2014/main" id="{299DF5EC-9DF4-5255-06AC-0A7CE4FF58C3}"/>
+                <a16:creationId xmlns:a16="http://schemas.microsoft.com/office/drawing/2014/main" id="{299DF5EC-9DF4-5255-06AC-0A7CE4FF58C3}"/>
               </a:ext>
             </a:extLst>
           </p:cNvPr>
@@ -23647,7 +23206,7 @@
           <p:cNvPr id="8" name="TextBox 7">
             <a:extLst>
               <a:ext uri="{FF2B5EF4-FFF2-40B4-BE49-F238E27FC236}">
-                <a16:creationId xmlns="" xmlns:a16="http://schemas.microsoft.com/office/drawing/2014/main" id="{C6D113C6-EA5C-788F-0C77-E7CE6EBB865F}"/>
+                <a16:creationId xmlns:a16="http://schemas.microsoft.com/office/drawing/2014/main" id="{C6D113C6-EA5C-788F-0C77-E7CE6EBB865F}"/>
               </a:ext>
             </a:extLst>
           </p:cNvPr>
@@ -23671,7 +23230,7 @@
           <a:lstStyle/>
           <a:p>
             <a:r>
-              <a:rPr lang="en-US" altLang="ko-KR" sz="4000" smtClean="0">
+              <a:rPr lang="en-US" altLang="ko-KR" sz="4000">
                 <a:solidFill>
                   <a:srgbClr val="FF0000"/>
                 </a:solidFill>
@@ -23681,7 +23240,7 @@
               <a:t>Main</a:t>
             </a:r>
             <a:r>
-              <a:rPr lang="ko-KR" altLang="en-US" sz="4000" smtClean="0">
+              <a:rPr lang="ko-KR" altLang="en-US" sz="4000">
                 <a:solidFill>
                   <a:srgbClr val="FF0000"/>
                 </a:solidFill>
@@ -23705,7 +23264,7 @@
           <p:cNvPr id="9" name="TextBox 8">
             <a:extLst>
               <a:ext uri="{FF2B5EF4-FFF2-40B4-BE49-F238E27FC236}">
-                <a16:creationId xmlns:a16="http://schemas.microsoft.com/office/drawing/2014/main" xmlns="" id="{69196D22-2A4C-4EF6-5A42-2031D7FEF549}"/>
+                <a16:creationId xmlns:a16="http://schemas.microsoft.com/office/drawing/2014/main" id="{69196D22-2A4C-4EF6-5A42-2031D7FEF549}"/>
               </a:ext>
             </a:extLst>
           </p:cNvPr>
@@ -23729,7 +23288,7 @@
           <a:lstStyle/>
           <a:p>
             <a:r>
-              <a:rPr lang="ko-KR" altLang="en-US" sz="5400" spc="-300" smtClean="0">
+              <a:rPr lang="ko-KR" altLang="en-US" sz="5400" spc="-300">
                 <a:solidFill>
                   <a:srgbClr val="4C50BC"/>
                 </a:solidFill>
@@ -23739,7 +23298,7 @@
               <a:t>멤버변수의 접근제어</a:t>
             </a:r>
             <a:r>
-              <a:rPr lang="en-US" altLang="ko-KR" sz="5400" spc="-300" smtClean="0">
+              <a:rPr lang="en-US" altLang="ko-KR" sz="5400" spc="-300">
                 <a:solidFill>
                   <a:srgbClr val="4C50BC"/>
                 </a:solidFill>
@@ -23763,7 +23322,7 @@
           <p:cNvPr id="11" name="직선 연결선 10">
             <a:extLst>
               <a:ext uri="{FF2B5EF4-FFF2-40B4-BE49-F238E27FC236}">
-                <a16:creationId xmlns:a16="http://schemas.microsoft.com/office/drawing/2014/main" xmlns="" id="{DDFA97EB-659B-5D0A-D41B-496A6FF66D9E}"/>
+                <a16:creationId xmlns:a16="http://schemas.microsoft.com/office/drawing/2014/main" id="{DDFA97EB-659B-5D0A-D41B-496A6FF66D9E}"/>
               </a:ext>
             </a:extLst>
           </p:cNvPr>
@@ -23830,7 +23389,7 @@
           <p:cNvPr id="13" name="TextBox 12">
             <a:extLst>
               <a:ext uri="{FF2B5EF4-FFF2-40B4-BE49-F238E27FC236}">
-                <a16:creationId xmlns:a16="http://schemas.microsoft.com/office/drawing/2014/main" xmlns="" id="{B1C05CB3-45A9-FA20-A8E0-BE6F095B8777}"/>
+                <a16:creationId xmlns:a16="http://schemas.microsoft.com/office/drawing/2014/main" id="{B1C05CB3-45A9-FA20-A8E0-BE6F095B8777}"/>
               </a:ext>
             </a:extLst>
           </p:cNvPr>
@@ -23858,7 +23417,7 @@
               <a:buChar char="•"/>
             </a:pPr>
             <a:r>
-              <a:rPr lang="ko-KR" altLang="en-US" sz="3600" smtClean="0">
+              <a:rPr lang="ko-KR" altLang="en-US" sz="3600">
                 <a:solidFill>
                   <a:schemeClr val="tx1">
                     <a:lumMod val="50000"/>
@@ -23870,7 +23429,7 @@
               </a:rPr>
               <a:t>같은 패키지 내에서 사용가능 </a:t>
             </a:r>
-            <a:endParaRPr lang="en-US" altLang="ko-KR" sz="3600" smtClean="0">
+            <a:endParaRPr lang="en-US" altLang="ko-KR" sz="3600">
               <a:solidFill>
                 <a:schemeClr val="tx1">
                   <a:lumMod val="50000"/>
@@ -23887,7 +23446,7 @@
               <a:buChar char="•"/>
             </a:pPr>
             <a:r>
-              <a:rPr lang="ko-KR" altLang="en-US" sz="3600" smtClean="0">
+              <a:rPr lang="ko-KR" altLang="en-US" sz="3600">
                 <a:solidFill>
                   <a:schemeClr val="tx1">
                     <a:lumMod val="50000"/>
@@ -23922,13 +23481,6 @@
   <p:clrMapOvr>
     <a:masterClrMapping/>
   </p:clrMapOvr>
-  <p:timing>
-    <p:tnLst>
-      <p:par>
-        <p:cTn id="1" dur="indefinite" restart="never" nodeType="tmRoot"/>
-      </p:par>
-    </p:tnLst>
-  </p:timing>
 </p:sld>
 </file>
 
@@ -23978,7 +23530,7 @@
           <p:cNvPr id="5" name="직선 화살표 연결선 4">
             <a:extLst>
               <a:ext uri="{FF2B5EF4-FFF2-40B4-BE49-F238E27FC236}">
-                <a16:creationId xmlns:a16="http://schemas.microsoft.com/office/drawing/2014/main" xmlns="" id="{299DF5EC-9DF4-5255-06AC-0A7CE4FF58C3}"/>
+                <a16:creationId xmlns:a16="http://schemas.microsoft.com/office/drawing/2014/main" id="{299DF5EC-9DF4-5255-06AC-0A7CE4FF58C3}"/>
               </a:ext>
             </a:extLst>
           </p:cNvPr>
@@ -24019,7 +23571,7 @@
           <p:cNvPr id="6" name="직사각형 5">
             <a:extLst>
               <a:ext uri="{FF2B5EF4-FFF2-40B4-BE49-F238E27FC236}">
-                <a16:creationId xmlns:a16="http://schemas.microsoft.com/office/drawing/2014/main" xmlns="" id="{FFF506F9-840A-0508-4CAF-3AC711D8D5CE}"/>
+                <a16:creationId xmlns:a16="http://schemas.microsoft.com/office/drawing/2014/main" id="{FFF506F9-840A-0508-4CAF-3AC711D8D5CE}"/>
               </a:ext>
             </a:extLst>
           </p:cNvPr>
@@ -24071,7 +23623,7 @@
           <p:cNvPr id="7" name="TextBox 6">
             <a:extLst>
               <a:ext uri="{FF2B5EF4-FFF2-40B4-BE49-F238E27FC236}">
-                <a16:creationId xmlns:a16="http://schemas.microsoft.com/office/drawing/2014/main" xmlns="" id="{C6D113C6-EA5C-788F-0C77-E7CE6EBB865F}"/>
+                <a16:creationId xmlns:a16="http://schemas.microsoft.com/office/drawing/2014/main" id="{C6D113C6-EA5C-788F-0C77-E7CE6EBB865F}"/>
               </a:ext>
             </a:extLst>
           </p:cNvPr>
@@ -24095,7 +23647,7 @@
           <a:lstStyle/>
           <a:p>
             <a:r>
-              <a:rPr lang="ko-KR" altLang="en-US" sz="3600" smtClean="0">
+              <a:rPr lang="ko-KR" altLang="en-US" sz="3600">
                 <a:solidFill>
                   <a:srgbClr val="FF0000"/>
                 </a:solidFill>
@@ -24119,7 +23671,7 @@
           <p:cNvPr id="8" name="직선 화살표 연결선 7">
             <a:extLst>
               <a:ext uri="{FF2B5EF4-FFF2-40B4-BE49-F238E27FC236}">
-                <a16:creationId xmlns:a16="http://schemas.microsoft.com/office/drawing/2014/main" xmlns="" id="{299DF5EC-9DF4-5255-06AC-0A7CE4FF58C3}"/>
+                <a16:creationId xmlns:a16="http://schemas.microsoft.com/office/drawing/2014/main" id="{299DF5EC-9DF4-5255-06AC-0A7CE4FF58C3}"/>
               </a:ext>
             </a:extLst>
           </p:cNvPr>
@@ -24160,7 +23712,7 @@
           <p:cNvPr id="9" name="TextBox 8">
             <a:extLst>
               <a:ext uri="{FF2B5EF4-FFF2-40B4-BE49-F238E27FC236}">
-                <a16:creationId xmlns:a16="http://schemas.microsoft.com/office/drawing/2014/main" xmlns="" id="{C6D113C6-EA5C-788F-0C77-E7CE6EBB865F}"/>
+                <a16:creationId xmlns:a16="http://schemas.microsoft.com/office/drawing/2014/main" id="{C6D113C6-EA5C-788F-0C77-E7CE6EBB865F}"/>
               </a:ext>
             </a:extLst>
           </p:cNvPr>
@@ -24184,7 +23736,7 @@
           <a:lstStyle/>
           <a:p>
             <a:r>
-              <a:rPr lang="ko-KR" altLang="en-US" sz="3600" smtClean="0">
+              <a:rPr lang="ko-KR" altLang="en-US" sz="3600">
                 <a:solidFill>
                   <a:srgbClr val="FF0000"/>
                 </a:solidFill>
@@ -24213,13 +23765,6 @@
   <p:clrMapOvr>
     <a:masterClrMapping/>
   </p:clrMapOvr>
-  <p:timing>
-    <p:tnLst>
-      <p:par>
-        <p:cTn id="1" dur="indefinite" restart="never" nodeType="tmRoot"/>
-      </p:par>
-    </p:tnLst>
-  </p:timing>
 </p:sld>
 </file>
 
@@ -24269,7 +23814,7 @@
           <p:cNvPr id="5" name="직사각형 4">
             <a:extLst>
               <a:ext uri="{FF2B5EF4-FFF2-40B4-BE49-F238E27FC236}">
-                <a16:creationId xmlns:a16="http://schemas.microsoft.com/office/drawing/2014/main" xmlns="" id="{FFF506F9-840A-0508-4CAF-3AC711D8D5CE}"/>
+                <a16:creationId xmlns:a16="http://schemas.microsoft.com/office/drawing/2014/main" id="{FFF506F9-840A-0508-4CAF-3AC711D8D5CE}"/>
               </a:ext>
             </a:extLst>
           </p:cNvPr>
@@ -24326,13 +23871,6 @@
   <p:clrMapOvr>
     <a:masterClrMapping/>
   </p:clrMapOvr>
-  <p:timing>
-    <p:tnLst>
-      <p:par>
-        <p:cTn id="1" dur="indefinite" restart="never" nodeType="tmRoot"/>
-      </p:par>
-    </p:tnLst>
-  </p:timing>
 </p:sld>
 </file>
 
@@ -24382,7 +23920,7 @@
           <p:cNvPr id="5" name="TextBox 4">
             <a:extLst>
               <a:ext uri="{FF2B5EF4-FFF2-40B4-BE49-F238E27FC236}">
-                <a16:creationId xmlns:a16="http://schemas.microsoft.com/office/drawing/2014/main" xmlns="" id="{69196D22-2A4C-4EF6-5A42-2031D7FEF549}"/>
+                <a16:creationId xmlns:a16="http://schemas.microsoft.com/office/drawing/2014/main" id="{69196D22-2A4C-4EF6-5A42-2031D7FEF549}"/>
               </a:ext>
             </a:extLst>
           </p:cNvPr>
@@ -24406,7 +23944,7 @@
           <a:lstStyle/>
           <a:p>
             <a:r>
-              <a:rPr lang="ko-KR" altLang="en-US" sz="5400" spc="-300" smtClean="0">
+              <a:rPr lang="ko-KR" altLang="en-US" sz="5400" spc="-300">
                 <a:solidFill>
                   <a:srgbClr val="4C50BC"/>
                 </a:solidFill>
@@ -24416,7 +23954,7 @@
               <a:t>멤버변수의 접근제어</a:t>
             </a:r>
             <a:r>
-              <a:rPr lang="en-US" altLang="ko-KR" sz="5400" spc="-300" smtClean="0">
+              <a:rPr lang="en-US" altLang="ko-KR" sz="5400" spc="-300">
                 <a:solidFill>
                   <a:srgbClr val="4C50BC"/>
                 </a:solidFill>
@@ -24440,7 +23978,7 @@
           <p:cNvPr id="6" name="직선 연결선 5">
             <a:extLst>
               <a:ext uri="{FF2B5EF4-FFF2-40B4-BE49-F238E27FC236}">
-                <a16:creationId xmlns:a16="http://schemas.microsoft.com/office/drawing/2014/main" xmlns="" id="{DDFA97EB-659B-5D0A-D41B-496A6FF66D9E}"/>
+                <a16:creationId xmlns:a16="http://schemas.microsoft.com/office/drawing/2014/main" id="{DDFA97EB-659B-5D0A-D41B-496A6FF66D9E}"/>
               </a:ext>
             </a:extLst>
           </p:cNvPr>
@@ -24483,7 +24021,7 @@
           <p:cNvPr id="7" name="TextBox 6">
             <a:extLst>
               <a:ext uri="{FF2B5EF4-FFF2-40B4-BE49-F238E27FC236}">
-                <a16:creationId xmlns:a16="http://schemas.microsoft.com/office/drawing/2014/main" xmlns="" id="{B1C05CB3-45A9-FA20-A8E0-BE6F095B8777}"/>
+                <a16:creationId xmlns:a16="http://schemas.microsoft.com/office/drawing/2014/main" id="{B1C05CB3-45A9-FA20-A8E0-BE6F095B8777}"/>
               </a:ext>
             </a:extLst>
           </p:cNvPr>
@@ -24511,7 +24049,7 @@
               <a:buChar char="•"/>
             </a:pPr>
             <a:r>
-              <a:rPr lang="ko-KR" altLang="en-US" sz="3600" smtClean="0">
+              <a:rPr lang="ko-KR" altLang="en-US" sz="3600">
                 <a:solidFill>
                   <a:schemeClr val="tx1">
                     <a:lumMod val="50000"/>
@@ -24523,7 +24061,7 @@
               </a:rPr>
               <a:t>어디서든 사용가능</a:t>
             </a:r>
-            <a:endParaRPr lang="en-US" altLang="ko-KR" sz="3600" smtClean="0">
+            <a:endParaRPr lang="en-US" altLang="ko-KR" sz="3600">
               <a:solidFill>
                 <a:schemeClr val="tx1">
                   <a:lumMod val="50000"/>
@@ -24546,13 +24084,6 @@
   <p:clrMapOvr>
     <a:masterClrMapping/>
   </p:clrMapOvr>
-  <p:timing>
-    <p:tnLst>
-      <p:par>
-        <p:cTn id="1" dur="indefinite" restart="never" nodeType="tmRoot"/>
-      </p:par>
-    </p:tnLst>
-  </p:timing>
 </p:sld>
 </file>
 
@@ -24578,7 +24109,7 @@
           <p:cNvPr id="4" name="TextBox 3">
             <a:extLst>
               <a:ext uri="{FF2B5EF4-FFF2-40B4-BE49-F238E27FC236}">
-                <a16:creationId xmlns="" xmlns:a16="http://schemas.microsoft.com/office/drawing/2014/main" id="{5ADC00B6-990A-40DC-3CEA-505258F5E8DA}"/>
+                <a16:creationId xmlns:a16="http://schemas.microsoft.com/office/drawing/2014/main" id="{5ADC00B6-990A-40DC-3CEA-505258F5E8DA}"/>
               </a:ext>
             </a:extLst>
           </p:cNvPr>
@@ -24663,7 +24194,7 @@
           <p:cNvPr id="5" name="직사각형 4">
             <a:extLst>
               <a:ext uri="{FF2B5EF4-FFF2-40B4-BE49-F238E27FC236}">
-                <a16:creationId xmlns="" xmlns:a16="http://schemas.microsoft.com/office/drawing/2014/main" id="{FFF506F9-840A-0508-4CAF-3AC711D8D5CE}"/>
+                <a16:creationId xmlns:a16="http://schemas.microsoft.com/office/drawing/2014/main" id="{FFF506F9-840A-0508-4CAF-3AC711D8D5CE}"/>
               </a:ext>
             </a:extLst>
           </p:cNvPr>
@@ -24715,7 +24246,7 @@
           <p:cNvPr id="6" name="TextBox 5">
             <a:extLst>
               <a:ext uri="{FF2B5EF4-FFF2-40B4-BE49-F238E27FC236}">
-                <a16:creationId xmlns:a16="http://schemas.microsoft.com/office/drawing/2014/main" xmlns="" id="{69196D22-2A4C-4EF6-5A42-2031D7FEF549}"/>
+                <a16:creationId xmlns:a16="http://schemas.microsoft.com/office/drawing/2014/main" id="{69196D22-2A4C-4EF6-5A42-2031D7FEF549}"/>
               </a:ext>
             </a:extLst>
           </p:cNvPr>
@@ -24739,7 +24270,7 @@
           <a:lstStyle/>
           <a:p>
             <a:r>
-              <a:rPr lang="ko-KR" altLang="en-US" sz="5400" spc="-300" smtClean="0">
+              <a:rPr lang="ko-KR" altLang="en-US" sz="5400" spc="-300">
                 <a:solidFill>
                   <a:srgbClr val="4C50BC"/>
                 </a:solidFill>
@@ -24763,7 +24294,7 @@
           <p:cNvPr id="7" name="직선 연결선 6">
             <a:extLst>
               <a:ext uri="{FF2B5EF4-FFF2-40B4-BE49-F238E27FC236}">
-                <a16:creationId xmlns:a16="http://schemas.microsoft.com/office/drawing/2014/main" xmlns="" id="{DDFA97EB-659B-5D0A-D41B-496A6FF66D9E}"/>
+                <a16:creationId xmlns:a16="http://schemas.microsoft.com/office/drawing/2014/main" id="{DDFA97EB-659B-5D0A-D41B-496A6FF66D9E}"/>
               </a:ext>
             </a:extLst>
           </p:cNvPr>
@@ -24806,7 +24337,7 @@
           <p:cNvPr id="8" name="TextBox 7">
             <a:extLst>
               <a:ext uri="{FF2B5EF4-FFF2-40B4-BE49-F238E27FC236}">
-                <a16:creationId xmlns:a16="http://schemas.microsoft.com/office/drawing/2014/main" xmlns="" id="{B1C05CB3-45A9-FA20-A8E0-BE6F095B8777}"/>
+                <a16:creationId xmlns:a16="http://schemas.microsoft.com/office/drawing/2014/main" id="{B1C05CB3-45A9-FA20-A8E0-BE6F095B8777}"/>
               </a:ext>
             </a:extLst>
           </p:cNvPr>
@@ -24834,7 +24365,7 @@
               <a:buChar char="•"/>
             </a:pPr>
             <a:r>
-              <a:rPr lang="ko-KR" altLang="en-US" sz="3600" smtClean="0">
+              <a:rPr lang="ko-KR" altLang="en-US" sz="3600">
                 <a:solidFill>
                   <a:schemeClr val="tx1">
                     <a:lumMod val="50000"/>
@@ -24847,7 +24378,7 @@
               <a:t>멤버변수에서의 접근제어와 똑같은 특징을 가진다</a:t>
             </a:r>
             <a:r>
-              <a:rPr lang="en-US" altLang="ko-KR" sz="3600" smtClean="0">
+              <a:rPr lang="en-US" altLang="ko-KR" sz="3600">
                 <a:solidFill>
                   <a:schemeClr val="tx1">
                     <a:lumMod val="50000"/>
@@ -24872,13 +24403,6 @@
   <p:clrMapOvr>
     <a:masterClrMapping/>
   </p:clrMapOvr>
-  <p:timing>
-    <p:tnLst>
-      <p:par>
-        <p:cTn id="1" dur="indefinite" restart="never" nodeType="tmRoot"/>
-      </p:par>
-    </p:tnLst>
-  </p:timing>
 </p:sld>
 </file>
 
@@ -24904,7 +24428,7 @@
           <p:cNvPr id="4" name="TextBox 3">
             <a:extLst>
               <a:ext uri="{FF2B5EF4-FFF2-40B4-BE49-F238E27FC236}">
-                <a16:creationId xmlns="" xmlns:a16="http://schemas.microsoft.com/office/drawing/2014/main" id="{5ADC00B6-990A-40DC-3CEA-505258F5E8DA}"/>
+                <a16:creationId xmlns:a16="http://schemas.microsoft.com/office/drawing/2014/main" id="{5ADC00B6-990A-40DC-3CEA-505258F5E8DA}"/>
               </a:ext>
             </a:extLst>
           </p:cNvPr>
@@ -25000,13 +24524,6 @@
   <p:clrMapOvr>
     <a:masterClrMapping/>
   </p:clrMapOvr>
-  <p:timing>
-    <p:tnLst>
-      <p:par>
-        <p:cTn id="1" dur="indefinite" restart="never" nodeType="tmRoot"/>
-      </p:par>
-    </p:tnLst>
-  </p:timing>
 </p:sld>
 </file>
 
@@ -25056,7 +24573,7 @@
           <p:cNvPr id="6" name="직사각형 5">
             <a:extLst>
               <a:ext uri="{FF2B5EF4-FFF2-40B4-BE49-F238E27FC236}">
-                <a16:creationId xmlns="" xmlns:a16="http://schemas.microsoft.com/office/drawing/2014/main" id="{FFF506F9-840A-0508-4CAF-3AC711D8D5CE}"/>
+                <a16:creationId xmlns:a16="http://schemas.microsoft.com/office/drawing/2014/main" id="{FFF506F9-840A-0508-4CAF-3AC711D8D5CE}"/>
               </a:ext>
             </a:extLst>
           </p:cNvPr>
@@ -25108,7 +24625,7 @@
           <p:cNvPr id="7" name="직사각형 6">
             <a:extLst>
               <a:ext uri="{FF2B5EF4-FFF2-40B4-BE49-F238E27FC236}">
-                <a16:creationId xmlns="" xmlns:a16="http://schemas.microsoft.com/office/drawing/2014/main" id="{FFF506F9-840A-0508-4CAF-3AC711D8D5CE}"/>
+                <a16:creationId xmlns:a16="http://schemas.microsoft.com/office/drawing/2014/main" id="{FFF506F9-840A-0508-4CAF-3AC711D8D5CE}"/>
               </a:ext>
             </a:extLst>
           </p:cNvPr>
@@ -25184,7 +24701,7 @@
           <p:cNvPr id="9" name="직사각형 8">
             <a:extLst>
               <a:ext uri="{FF2B5EF4-FFF2-40B4-BE49-F238E27FC236}">
-                <a16:creationId xmlns="" xmlns:a16="http://schemas.microsoft.com/office/drawing/2014/main" id="{FFF506F9-840A-0508-4CAF-3AC711D8D5CE}"/>
+                <a16:creationId xmlns:a16="http://schemas.microsoft.com/office/drawing/2014/main" id="{FFF506F9-840A-0508-4CAF-3AC711D8D5CE}"/>
               </a:ext>
             </a:extLst>
           </p:cNvPr>
@@ -25236,7 +24753,7 @@
           <p:cNvPr id="10" name="직선 화살표 연결선 9">
             <a:extLst>
               <a:ext uri="{FF2B5EF4-FFF2-40B4-BE49-F238E27FC236}">
-                <a16:creationId xmlns="" xmlns:a16="http://schemas.microsoft.com/office/drawing/2014/main" id="{174A1CAB-41DB-CBE5-A53E-D1E78982E7D5}"/>
+                <a16:creationId xmlns:a16="http://schemas.microsoft.com/office/drawing/2014/main" id="{174A1CAB-41DB-CBE5-A53E-D1E78982E7D5}"/>
               </a:ext>
             </a:extLst>
           </p:cNvPr>
@@ -25277,7 +24794,7 @@
           <p:cNvPr id="12" name="TextBox 11">
             <a:extLst>
               <a:ext uri="{FF2B5EF4-FFF2-40B4-BE49-F238E27FC236}">
-                <a16:creationId xmlns="" xmlns:a16="http://schemas.microsoft.com/office/drawing/2014/main" id="{C6D113C6-EA5C-788F-0C77-E7CE6EBB865F}"/>
+                <a16:creationId xmlns:a16="http://schemas.microsoft.com/office/drawing/2014/main" id="{C6D113C6-EA5C-788F-0C77-E7CE6EBB865F}"/>
               </a:ext>
             </a:extLst>
           </p:cNvPr>
@@ -25357,7 +24874,7 @@
           <p:cNvPr id="13" name="직사각형 12">
             <a:extLst>
               <a:ext uri="{FF2B5EF4-FFF2-40B4-BE49-F238E27FC236}">
-                <a16:creationId xmlns="" xmlns:a16="http://schemas.microsoft.com/office/drawing/2014/main" id="{FFF506F9-840A-0508-4CAF-3AC711D8D5CE}"/>
+                <a16:creationId xmlns:a16="http://schemas.microsoft.com/office/drawing/2014/main" id="{FFF506F9-840A-0508-4CAF-3AC711D8D5CE}"/>
               </a:ext>
             </a:extLst>
           </p:cNvPr>
@@ -25409,7 +24926,7 @@
           <p:cNvPr id="14" name="직선 화살표 연결선 13">
             <a:extLst>
               <a:ext uri="{FF2B5EF4-FFF2-40B4-BE49-F238E27FC236}">
-                <a16:creationId xmlns="" xmlns:a16="http://schemas.microsoft.com/office/drawing/2014/main" id="{174A1CAB-41DB-CBE5-A53E-D1E78982E7D5}"/>
+                <a16:creationId xmlns:a16="http://schemas.microsoft.com/office/drawing/2014/main" id="{174A1CAB-41DB-CBE5-A53E-D1E78982E7D5}"/>
               </a:ext>
             </a:extLst>
           </p:cNvPr>
@@ -25450,7 +24967,7 @@
           <p:cNvPr id="16" name="TextBox 15">
             <a:extLst>
               <a:ext uri="{FF2B5EF4-FFF2-40B4-BE49-F238E27FC236}">
-                <a16:creationId xmlns="" xmlns:a16="http://schemas.microsoft.com/office/drawing/2014/main" id="{C6D113C6-EA5C-788F-0C77-E7CE6EBB865F}"/>
+                <a16:creationId xmlns:a16="http://schemas.microsoft.com/office/drawing/2014/main" id="{C6D113C6-EA5C-788F-0C77-E7CE6EBB865F}"/>
               </a:ext>
             </a:extLst>
           </p:cNvPr>
@@ -25893,7 +25410,7 @@
           <p:cNvPr id="5" name="직선 화살표 연결선 4">
             <a:extLst>
               <a:ext uri="{FF2B5EF4-FFF2-40B4-BE49-F238E27FC236}">
-                <a16:creationId xmlns="" xmlns:a16="http://schemas.microsoft.com/office/drawing/2014/main" id="{299DF5EC-9DF4-5255-06AC-0A7CE4FF58C3}"/>
+                <a16:creationId xmlns:a16="http://schemas.microsoft.com/office/drawing/2014/main" id="{299DF5EC-9DF4-5255-06AC-0A7CE4FF58C3}"/>
               </a:ext>
             </a:extLst>
           </p:cNvPr>
@@ -25935,7 +25452,7 @@
           <p:cNvPr id="6" name="직사각형 5">
             <a:extLst>
               <a:ext uri="{FF2B5EF4-FFF2-40B4-BE49-F238E27FC236}">
-                <a16:creationId xmlns="" xmlns:a16="http://schemas.microsoft.com/office/drawing/2014/main" id="{FFF506F9-840A-0508-4CAF-3AC711D8D5CE}"/>
+                <a16:creationId xmlns:a16="http://schemas.microsoft.com/office/drawing/2014/main" id="{FFF506F9-840A-0508-4CAF-3AC711D8D5CE}"/>
               </a:ext>
             </a:extLst>
           </p:cNvPr>
@@ -25987,7 +25504,7 @@
           <p:cNvPr id="7" name="TextBox 6">
             <a:extLst>
               <a:ext uri="{FF2B5EF4-FFF2-40B4-BE49-F238E27FC236}">
-                <a16:creationId xmlns="" xmlns:a16="http://schemas.microsoft.com/office/drawing/2014/main" id="{C6D113C6-EA5C-788F-0C77-E7CE6EBB865F}"/>
+                <a16:creationId xmlns:a16="http://schemas.microsoft.com/office/drawing/2014/main" id="{C6D113C6-EA5C-788F-0C77-E7CE6EBB865F}"/>
               </a:ext>
             </a:extLst>
           </p:cNvPr>
@@ -26011,7 +25528,7 @@
           <a:lstStyle/>
           <a:p>
             <a:r>
-              <a:rPr lang="ko-KR" altLang="en-US" sz="4000" dirty="0" smtClean="0">
+              <a:rPr lang="ko-KR" altLang="en-US" sz="4000" dirty="0">
                 <a:solidFill>
                   <a:srgbClr val="FF0000"/>
                 </a:solidFill>
@@ -26021,7 +25538,7 @@
               <a:t>아무도 해당 클래스를 </a:t>
             </a:r>
             <a:r>
-              <a:rPr lang="ko-KR" altLang="en-US" sz="4000" smtClean="0">
+              <a:rPr lang="ko-KR" altLang="en-US" sz="4000">
                 <a:solidFill>
                   <a:srgbClr val="FF0000"/>
                 </a:solidFill>
@@ -26031,7 +25548,7 @@
               <a:t>사용 할 수 </a:t>
             </a:r>
             <a:r>
-              <a:rPr lang="ko-KR" altLang="en-US" sz="4000" dirty="0" smtClean="0">
+              <a:rPr lang="ko-KR" altLang="en-US" sz="4000" dirty="0">
                 <a:solidFill>
                   <a:srgbClr val="FF0000"/>
                 </a:solidFill>
@@ -26041,7 +25558,7 @@
               <a:t>없다</a:t>
             </a:r>
             <a:r>
-              <a:rPr lang="en-US" altLang="ko-KR" sz="4000" dirty="0" smtClean="0">
+              <a:rPr lang="en-US" altLang="ko-KR" sz="4000" dirty="0">
                 <a:solidFill>
                   <a:srgbClr val="FF0000"/>
                 </a:solidFill>
@@ -26050,13 +25567,6 @@
               </a:rPr>
               <a:t>.</a:t>
             </a:r>
-            <a:endParaRPr lang="en-US" altLang="ko-KR" sz="4000" dirty="0">
-              <a:solidFill>
-                <a:srgbClr val="FF0000"/>
-              </a:solidFill>
-              <a:latin typeface="G마켓 산스 Medium" panose="02000000000000000000" pitchFamily="50" charset="-127"/>
-              <a:ea typeface="G마켓 산스 Medium" panose="02000000000000000000" pitchFamily="50" charset="-127"/>
-            </a:endParaRPr>
           </a:p>
         </p:txBody>
       </p:sp>
@@ -26070,13 +25580,6 @@
   <p:clrMapOvr>
     <a:masterClrMapping/>
   </p:clrMapOvr>
-  <p:timing>
-    <p:tnLst>
-      <p:par>
-        <p:cTn id="1" dur="indefinite" restart="never" nodeType="tmRoot"/>
-      </p:par>
-    </p:tnLst>
-  </p:timing>
 </p:sld>
 </file>
 
@@ -26126,7 +25629,7 @@
           <p:cNvPr id="5" name="직선 화살표 연결선 4">
             <a:extLst>
               <a:ext uri="{FF2B5EF4-FFF2-40B4-BE49-F238E27FC236}">
-                <a16:creationId xmlns="" xmlns:a16="http://schemas.microsoft.com/office/drawing/2014/main" id="{299DF5EC-9DF4-5255-06AC-0A7CE4FF58C3}"/>
+                <a16:creationId xmlns:a16="http://schemas.microsoft.com/office/drawing/2014/main" id="{299DF5EC-9DF4-5255-06AC-0A7CE4FF58C3}"/>
               </a:ext>
             </a:extLst>
           </p:cNvPr>
@@ -26167,7 +25670,7 @@
           <p:cNvPr id="6" name="직사각형 5">
             <a:extLst>
               <a:ext uri="{FF2B5EF4-FFF2-40B4-BE49-F238E27FC236}">
-                <a16:creationId xmlns="" xmlns:a16="http://schemas.microsoft.com/office/drawing/2014/main" id="{FFF506F9-840A-0508-4CAF-3AC711D8D5CE}"/>
+                <a16:creationId xmlns:a16="http://schemas.microsoft.com/office/drawing/2014/main" id="{FFF506F9-840A-0508-4CAF-3AC711D8D5CE}"/>
               </a:ext>
             </a:extLst>
           </p:cNvPr>
@@ -26219,7 +25722,7 @@
           <p:cNvPr id="7" name="TextBox 6">
             <a:extLst>
               <a:ext uri="{FF2B5EF4-FFF2-40B4-BE49-F238E27FC236}">
-                <a16:creationId xmlns="" xmlns:a16="http://schemas.microsoft.com/office/drawing/2014/main" id="{C6D113C6-EA5C-788F-0C77-E7CE6EBB865F}"/>
+                <a16:creationId xmlns:a16="http://schemas.microsoft.com/office/drawing/2014/main" id="{C6D113C6-EA5C-788F-0C77-E7CE6EBB865F}"/>
               </a:ext>
             </a:extLst>
           </p:cNvPr>
@@ -26297,7 +25800,7 @@
           <p:cNvPr id="8" name="TextBox 7">
             <a:extLst>
               <a:ext uri="{FF2B5EF4-FFF2-40B4-BE49-F238E27FC236}">
-                <a16:creationId xmlns="" xmlns:a16="http://schemas.microsoft.com/office/drawing/2014/main" id="{5ADC00B6-990A-40DC-3CEA-505258F5E8DA}"/>
+                <a16:creationId xmlns:a16="http://schemas.microsoft.com/office/drawing/2014/main" id="{5ADC00B6-990A-40DC-3CEA-505258F5E8DA}"/>
               </a:ext>
             </a:extLst>
           </p:cNvPr>
@@ -26570,7 +26073,7 @@
           <p:cNvPr id="7" name="직선 화살표 연결선 6">
             <a:extLst>
               <a:ext uri="{FF2B5EF4-FFF2-40B4-BE49-F238E27FC236}">
-                <a16:creationId xmlns="" xmlns:a16="http://schemas.microsoft.com/office/drawing/2014/main" id="{299DF5EC-9DF4-5255-06AC-0A7CE4FF58C3}"/>
+                <a16:creationId xmlns:a16="http://schemas.microsoft.com/office/drawing/2014/main" id="{299DF5EC-9DF4-5255-06AC-0A7CE4FF58C3}"/>
               </a:ext>
             </a:extLst>
           </p:cNvPr>
@@ -26611,7 +26114,7 @@
           <p:cNvPr id="8" name="TextBox 7">
             <a:extLst>
               <a:ext uri="{FF2B5EF4-FFF2-40B4-BE49-F238E27FC236}">
-                <a16:creationId xmlns="" xmlns:a16="http://schemas.microsoft.com/office/drawing/2014/main" id="{C6D113C6-EA5C-788F-0C77-E7CE6EBB865F}"/>
+                <a16:creationId xmlns:a16="http://schemas.microsoft.com/office/drawing/2014/main" id="{C6D113C6-EA5C-788F-0C77-E7CE6EBB865F}"/>
               </a:ext>
             </a:extLst>
           </p:cNvPr>
@@ -26723,7 +26226,7 @@
           <p:cNvPr id="11" name="직선 화살표 연결선 10">
             <a:extLst>
               <a:ext uri="{FF2B5EF4-FFF2-40B4-BE49-F238E27FC236}">
-                <a16:creationId xmlns="" xmlns:a16="http://schemas.microsoft.com/office/drawing/2014/main" id="{299DF5EC-9DF4-5255-06AC-0A7CE4FF58C3}"/>
+                <a16:creationId xmlns:a16="http://schemas.microsoft.com/office/drawing/2014/main" id="{299DF5EC-9DF4-5255-06AC-0A7CE4FF58C3}"/>
               </a:ext>
             </a:extLst>
           </p:cNvPr>
@@ -26764,7 +26267,7 @@
           <p:cNvPr id="12" name="TextBox 11">
             <a:extLst>
               <a:ext uri="{FF2B5EF4-FFF2-40B4-BE49-F238E27FC236}">
-                <a16:creationId xmlns="" xmlns:a16="http://schemas.microsoft.com/office/drawing/2014/main" id="{C6D113C6-EA5C-788F-0C77-E7CE6EBB865F}"/>
+                <a16:creationId xmlns:a16="http://schemas.microsoft.com/office/drawing/2014/main" id="{C6D113C6-EA5C-788F-0C77-E7CE6EBB865F}"/>
               </a:ext>
             </a:extLst>
           </p:cNvPr>
@@ -26852,7 +26355,7 @@
           <p:cNvPr id="17" name="TextBox 16">
             <a:extLst>
               <a:ext uri="{FF2B5EF4-FFF2-40B4-BE49-F238E27FC236}">
-                <a16:creationId xmlns="" xmlns:a16="http://schemas.microsoft.com/office/drawing/2014/main" id="{C6D113C6-EA5C-788F-0C77-E7CE6EBB865F}"/>
+                <a16:creationId xmlns:a16="http://schemas.microsoft.com/office/drawing/2014/main" id="{C6D113C6-EA5C-788F-0C77-E7CE6EBB865F}"/>
               </a:ext>
             </a:extLst>
           </p:cNvPr>
@@ -26950,7 +26453,7 @@
           <p:cNvPr id="16" name="TextBox 15">
             <a:extLst>
               <a:ext uri="{FF2B5EF4-FFF2-40B4-BE49-F238E27FC236}">
-                <a16:creationId xmlns:a16="http://schemas.microsoft.com/office/drawing/2014/main" xmlns="" id="{69196D22-2A4C-4EF6-5A42-2031D7FEF549}"/>
+                <a16:creationId xmlns:a16="http://schemas.microsoft.com/office/drawing/2014/main" id="{69196D22-2A4C-4EF6-5A42-2031D7FEF549}"/>
               </a:ext>
             </a:extLst>
           </p:cNvPr>
@@ -26974,7 +26477,7 @@
           <a:lstStyle/>
           <a:p>
             <a:r>
-              <a:rPr lang="ko-KR" altLang="en-US" sz="5400" spc="-300" smtClean="0">
+              <a:rPr lang="ko-KR" altLang="en-US" sz="5400" spc="-300">
                 <a:solidFill>
                   <a:srgbClr val="4C50BC"/>
                 </a:solidFill>
@@ -26998,7 +26501,7 @@
           <p:cNvPr id="18" name="직선 연결선 17">
             <a:extLst>
               <a:ext uri="{FF2B5EF4-FFF2-40B4-BE49-F238E27FC236}">
-                <a16:creationId xmlns:a16="http://schemas.microsoft.com/office/drawing/2014/main" xmlns="" id="{DDFA97EB-659B-5D0A-D41B-496A6FF66D9E}"/>
+                <a16:creationId xmlns:a16="http://schemas.microsoft.com/office/drawing/2014/main" id="{DDFA97EB-659B-5D0A-D41B-496A6FF66D9E}"/>
               </a:ext>
             </a:extLst>
           </p:cNvPr>
@@ -27041,7 +26544,7 @@
           <p:cNvPr id="19" name="TextBox 18">
             <a:extLst>
               <a:ext uri="{FF2B5EF4-FFF2-40B4-BE49-F238E27FC236}">
-                <a16:creationId xmlns:a16="http://schemas.microsoft.com/office/drawing/2014/main" xmlns="" id="{B1C05CB3-45A9-FA20-A8E0-BE6F095B8777}"/>
+                <a16:creationId xmlns:a16="http://schemas.microsoft.com/office/drawing/2014/main" id="{B1C05CB3-45A9-FA20-A8E0-BE6F095B8777}"/>
               </a:ext>
             </a:extLst>
           </p:cNvPr>
@@ -27069,7 +26572,7 @@
               <a:buChar char="•"/>
             </a:pPr>
             <a:r>
-              <a:rPr lang="ko-KR" altLang="en-US" sz="3600" smtClean="0">
+              <a:rPr lang="ko-KR" altLang="en-US" sz="3600">
                 <a:solidFill>
                   <a:schemeClr val="tx1">
                     <a:lumMod val="50000"/>
@@ -27082,7 +26585,7 @@
               <a:t>부모의 생성자가 </a:t>
             </a:r>
             <a:r>
-              <a:rPr lang="en-US" altLang="ko-KR" sz="3600" smtClean="0">
+              <a:rPr lang="en-US" altLang="ko-KR" sz="3600">
                 <a:solidFill>
                   <a:schemeClr val="tx1">
                     <a:lumMod val="50000"/>
@@ -27095,7 +26598,7 @@
               <a:t>private </a:t>
             </a:r>
             <a:r>
-              <a:rPr lang="ko-KR" altLang="en-US" sz="3600" smtClean="0">
+              <a:rPr lang="ko-KR" altLang="en-US" sz="3600">
                 <a:solidFill>
                   <a:schemeClr val="tx1">
                     <a:lumMod val="50000"/>
@@ -27108,7 +26611,7 @@
               <a:t>이라면</a:t>
             </a:r>
             <a:r>
-              <a:rPr lang="en-US" altLang="ko-KR" sz="3600" smtClean="0">
+              <a:rPr lang="en-US" altLang="ko-KR" sz="3600">
                 <a:solidFill>
                   <a:schemeClr val="tx1">
                     <a:lumMod val="50000"/>
@@ -27433,7 +26936,7 @@
           <p:cNvPr id="6" name="직사각형 5">
             <a:extLst>
               <a:ext uri="{FF2B5EF4-FFF2-40B4-BE49-F238E27FC236}">
-                <a16:creationId xmlns:a16="http://schemas.microsoft.com/office/drawing/2014/main" xmlns="" id="{FFF506F9-840A-0508-4CAF-3AC711D8D5CE}"/>
+                <a16:creationId xmlns:a16="http://schemas.microsoft.com/office/drawing/2014/main" id="{FFF506F9-840A-0508-4CAF-3AC711D8D5CE}"/>
               </a:ext>
             </a:extLst>
           </p:cNvPr>
@@ -27485,7 +26988,7 @@
           <p:cNvPr id="7" name="직사각형 6">
             <a:extLst>
               <a:ext uri="{FF2B5EF4-FFF2-40B4-BE49-F238E27FC236}">
-                <a16:creationId xmlns:a16="http://schemas.microsoft.com/office/drawing/2014/main" xmlns="" id="{FFF506F9-840A-0508-4CAF-3AC711D8D5CE}"/>
+                <a16:creationId xmlns:a16="http://schemas.microsoft.com/office/drawing/2014/main" id="{FFF506F9-840A-0508-4CAF-3AC711D8D5CE}"/>
               </a:ext>
             </a:extLst>
           </p:cNvPr>
@@ -27537,7 +27040,7 @@
           <p:cNvPr id="8" name="직사각형 7">
             <a:extLst>
               <a:ext uri="{FF2B5EF4-FFF2-40B4-BE49-F238E27FC236}">
-                <a16:creationId xmlns:a16="http://schemas.microsoft.com/office/drawing/2014/main" xmlns="" id="{FFF506F9-840A-0508-4CAF-3AC711D8D5CE}"/>
+                <a16:creationId xmlns:a16="http://schemas.microsoft.com/office/drawing/2014/main" id="{FFF506F9-840A-0508-4CAF-3AC711D8D5CE}"/>
               </a:ext>
             </a:extLst>
           </p:cNvPr>
@@ -27613,7 +27116,7 @@
           <p:cNvPr id="10" name="직사각형 9">
             <a:extLst>
               <a:ext uri="{FF2B5EF4-FFF2-40B4-BE49-F238E27FC236}">
-                <a16:creationId xmlns:a16="http://schemas.microsoft.com/office/drawing/2014/main" xmlns="" id="{FFF506F9-840A-0508-4CAF-3AC711D8D5CE}"/>
+                <a16:creationId xmlns:a16="http://schemas.microsoft.com/office/drawing/2014/main" id="{FFF506F9-840A-0508-4CAF-3AC711D8D5CE}"/>
               </a:ext>
             </a:extLst>
           </p:cNvPr>
@@ -27665,7 +27168,7 @@
           <p:cNvPr id="11" name="TextBox 10">
             <a:extLst>
               <a:ext uri="{FF2B5EF4-FFF2-40B4-BE49-F238E27FC236}">
-                <a16:creationId xmlns="" xmlns:a16="http://schemas.microsoft.com/office/drawing/2014/main" id="{5ADC00B6-990A-40DC-3CEA-505258F5E8DA}"/>
+                <a16:creationId xmlns:a16="http://schemas.microsoft.com/office/drawing/2014/main" id="{5ADC00B6-990A-40DC-3CEA-505258F5E8DA}"/>
               </a:ext>
             </a:extLst>
           </p:cNvPr>
@@ -27689,7 +27192,7 @@
           <a:lstStyle/>
           <a:p>
             <a:r>
-              <a:rPr lang="ko-KR" altLang="en-US" sz="4800" dirty="0" smtClean="0">
+              <a:rPr lang="ko-KR" altLang="en-US" sz="4800" dirty="0">
                 <a:solidFill>
                   <a:srgbClr val="4C50BC"/>
                 </a:solidFill>
@@ -27718,21 +27221,6 @@
   <p:clrMapOvr>
     <a:masterClrMapping/>
   </p:clrMapOvr>
-  <mc:AlternateContent xmlns:mc="http://schemas.openxmlformats.org/markup-compatibility/2006">
-    <mc:Choice xmlns:p14="http://schemas.microsoft.com/office/powerpoint/2010/main" Requires="p14">
-      <p:transition spd="slow" p14:dur="2000"/>
-    </mc:Choice>
-    <mc:Fallback>
-      <p:transition spd="slow"/>
-    </mc:Fallback>
-  </mc:AlternateContent>
-  <p:timing>
-    <p:tnLst>
-      <p:par>
-        <p:cTn id="1" dur="indefinite" restart="never" nodeType="tmRoot"/>
-      </p:par>
-    </p:tnLst>
-  </p:timing>
 </p:sld>
 </file>
 
@@ -27758,7 +27246,7 @@
           <p:cNvPr id="4" name="TextBox 3">
             <a:extLst>
               <a:ext uri="{FF2B5EF4-FFF2-40B4-BE49-F238E27FC236}">
-                <a16:creationId xmlns="" xmlns:a16="http://schemas.microsoft.com/office/drawing/2014/main" id="{52176D31-35F7-8916-46FA-6095EFEC1E49}"/>
+                <a16:creationId xmlns:a16="http://schemas.microsoft.com/office/drawing/2014/main" id="{52176D31-35F7-8916-46FA-6095EFEC1E49}"/>
               </a:ext>
             </a:extLst>
           </p:cNvPr>
@@ -27782,7 +27270,7 @@
           <a:lstStyle/>
           <a:p>
             <a:r>
-              <a:rPr lang="en-US" altLang="ko-KR" sz="4000" b="1" smtClean="0">
+              <a:rPr lang="en-US" altLang="ko-KR" sz="4000" b="1">
                 <a:solidFill>
                   <a:srgbClr val="4C50BC"/>
                 </a:solidFill>
@@ -27792,7 +27280,7 @@
               <a:t>Time</a:t>
             </a:r>
             <a:r>
-              <a:rPr lang="ko-KR" altLang="en-US" sz="4000" b="1" smtClean="0">
+              <a:rPr lang="ko-KR" altLang="en-US" sz="4000" b="1">
                 <a:solidFill>
                   <a:srgbClr val="4C50BC"/>
                 </a:solidFill>
@@ -27801,7 +27289,7 @@
               </a:rPr>
               <a:t>클래스를 만들어보자</a:t>
             </a:r>
-            <a:endParaRPr lang="en-US" altLang="ko-KR" sz="4000" b="1" smtClean="0">
+            <a:endParaRPr lang="en-US" altLang="ko-KR" sz="4000" b="1">
               <a:solidFill>
                 <a:srgbClr val="4C50BC"/>
               </a:solidFill>
@@ -27811,7 +27299,7 @@
           </a:p>
           <a:p>
             <a:r>
-              <a:rPr lang="en-US" altLang="ko-KR" sz="4000" b="1" smtClean="0">
+              <a:rPr lang="en-US" altLang="ko-KR" sz="4000" b="1">
                 <a:solidFill>
                   <a:srgbClr val="4D4848"/>
                 </a:solidFill>
@@ -27821,7 +27309,7 @@
               <a:t>- </a:t>
             </a:r>
             <a:r>
-              <a:rPr lang="ko-KR" altLang="en-US" sz="4000" b="1" smtClean="0">
+              <a:rPr lang="ko-KR" altLang="en-US" sz="4000" b="1">
                 <a:solidFill>
                   <a:srgbClr val="4D4848"/>
                 </a:solidFill>
@@ -27831,7 +27319,7 @@
               <a:t>아래표를 보고 멤버변수와 멤버메서드를 만들자</a:t>
             </a:r>
             <a:r>
-              <a:rPr lang="en-US" altLang="ko-KR" sz="4000" b="1" smtClean="0">
+              <a:rPr lang="en-US" altLang="ko-KR" sz="4000" b="1">
                 <a:solidFill>
                   <a:srgbClr val="4D4848"/>
                 </a:solidFill>
@@ -27840,7 +27328,7 @@
               </a:rPr>
               <a:t>.</a:t>
             </a:r>
-            <a:endParaRPr lang="ko-KR" altLang="en-US" sz="4000" b="1" smtClean="0">
+            <a:endParaRPr lang="ko-KR" altLang="en-US" sz="4000" b="1">
               <a:solidFill>
                 <a:srgbClr val="4D4848"/>
               </a:solidFill>
@@ -27855,7 +27343,7 @@
           <p:cNvPr id="5" name="TextBox 4">
             <a:extLst>
               <a:ext uri="{FF2B5EF4-FFF2-40B4-BE49-F238E27FC236}">
-                <a16:creationId xmlns:a16="http://schemas.microsoft.com/office/drawing/2014/main" xmlns="" id="{69196D22-2A4C-4EF6-5A42-2031D7FEF549}"/>
+                <a16:creationId xmlns:a16="http://schemas.microsoft.com/office/drawing/2014/main" id="{69196D22-2A4C-4EF6-5A42-2031D7FEF549}"/>
               </a:ext>
             </a:extLst>
           </p:cNvPr>
@@ -27886,30 +27374,20 @@
                 <a:latin typeface="G마켓 산스 Bold" panose="02000000000000000000" pitchFamily="50" charset="-127"/>
                 <a:ea typeface="G마켓 산스 Bold" panose="02000000000000000000" pitchFamily="50" charset="-127"/>
               </a:rPr>
-              <a:t>2</a:t>
-            </a:r>
-            <a:r>
-              <a:rPr lang="en-US" altLang="ko-KR" sz="5400" spc="-300" smtClean="0">
+              <a:t>2-1 </a:t>
+            </a:r>
+            <a:r>
+              <a:rPr lang="ko-KR" altLang="en-US" sz="5400" spc="-300">
                 <a:solidFill>
                   <a:srgbClr val="4C50BC"/>
                 </a:solidFill>
                 <a:latin typeface="G마켓 산스 Bold" panose="02000000000000000000" pitchFamily="50" charset="-127"/>
                 <a:ea typeface="G마켓 산스 Bold" panose="02000000000000000000" pitchFamily="50" charset="-127"/>
               </a:rPr>
-              <a:t>-1 </a:t>
-            </a:r>
-            <a:r>
-              <a:rPr lang="ko-KR" altLang="en-US" sz="5400" spc="-300" smtClean="0">
-                <a:solidFill>
-                  <a:srgbClr val="4C50BC"/>
-                </a:solidFill>
-                <a:latin typeface="G마켓 산스 Bold" panose="02000000000000000000" pitchFamily="50" charset="-127"/>
-                <a:ea typeface="G마켓 산스 Bold" panose="02000000000000000000" pitchFamily="50" charset="-127"/>
-              </a:rPr>
               <a:t>실습문제</a:t>
             </a:r>
             <a:r>
-              <a:rPr lang="en-US" altLang="ko-KR" sz="5400" spc="-300" smtClean="0">
+              <a:rPr lang="en-US" altLang="ko-KR" sz="5400" spc="-300">
                 <a:solidFill>
                   <a:srgbClr val="FF0000"/>
                 </a:solidFill>
@@ -27933,7 +27411,7 @@
           <p:cNvPr id="6" name="직선 연결선 5">
             <a:extLst>
               <a:ext uri="{FF2B5EF4-FFF2-40B4-BE49-F238E27FC236}">
-                <a16:creationId xmlns:a16="http://schemas.microsoft.com/office/drawing/2014/main" xmlns="" id="{DDFA97EB-659B-5D0A-D41B-496A6FF66D9E}"/>
+                <a16:creationId xmlns:a16="http://schemas.microsoft.com/office/drawing/2014/main" id="{DDFA97EB-659B-5D0A-D41B-496A6FF66D9E}"/>
               </a:ext>
             </a:extLst>
           </p:cNvPr>
@@ -27999,21 +27477,21 @@
                 <a:gridCol w="1426029">
                   <a:extLst>
                     <a:ext uri="{9D8B030D-6E8A-4147-A177-3AD203B41FA5}">
-                      <a16:colId xmlns="" xmlns:a16="http://schemas.microsoft.com/office/drawing/2014/main" val="20000"/>
+                      <a16:colId xmlns:a16="http://schemas.microsoft.com/office/drawing/2014/main" val="20000"/>
                     </a:ext>
                   </a:extLst>
                 </a:gridCol>
                 <a:gridCol w="4170388">
                   <a:extLst>
                     <a:ext uri="{9D8B030D-6E8A-4147-A177-3AD203B41FA5}">
-                      <a16:colId xmlns="" xmlns:a16="http://schemas.microsoft.com/office/drawing/2014/main" val="20001"/>
+                      <a16:colId xmlns:a16="http://schemas.microsoft.com/office/drawing/2014/main" val="20001"/>
                     </a:ext>
                   </a:extLst>
                 </a:gridCol>
                 <a:gridCol w="4385782">
                   <a:extLst>
                     <a:ext uri="{9D8B030D-6E8A-4147-A177-3AD203B41FA5}">
-                      <a16:colId xmlns="" xmlns:a16="http://schemas.microsoft.com/office/drawing/2014/main" val="20002"/>
+                      <a16:colId xmlns:a16="http://schemas.microsoft.com/office/drawing/2014/main" val="20002"/>
                     </a:ext>
                   </a:extLst>
                 </a:gridCol>
@@ -28201,7 +27679,7 @@
                 </a:tc>
                 <a:extLst>
                   <a:ext uri="{0D108BD9-81ED-4DB2-BD59-A6C34878D82A}">
-                    <a16:rowId xmlns="" xmlns:a16="http://schemas.microsoft.com/office/drawing/2014/main" val="10000"/>
+                    <a16:rowId xmlns:a16="http://schemas.microsoft.com/office/drawing/2014/main" val="10000"/>
                   </a:ext>
                 </a:extLst>
               </a:tr>
@@ -28414,7 +27892,7 @@
                 </a:tc>
                 <a:extLst>
                   <a:ext uri="{0D108BD9-81ED-4DB2-BD59-A6C34878D82A}">
-                    <a16:rowId xmlns="" xmlns:a16="http://schemas.microsoft.com/office/drawing/2014/main" val="10001"/>
+                    <a16:rowId xmlns:a16="http://schemas.microsoft.com/office/drawing/2014/main" val="10001"/>
                   </a:ext>
                 </a:extLst>
               </a:tr>
@@ -28592,7 +28070,7 @@
                 </a:tc>
                 <a:extLst>
                   <a:ext uri="{0D108BD9-81ED-4DB2-BD59-A6C34878D82A}">
-                    <a16:rowId xmlns="" xmlns:a16="http://schemas.microsoft.com/office/drawing/2014/main" val="10002"/>
+                    <a16:rowId xmlns:a16="http://schemas.microsoft.com/office/drawing/2014/main" val="10002"/>
                   </a:ext>
                 </a:extLst>
               </a:tr>
@@ -28770,7 +28248,7 @@
                 </a:tc>
                 <a:extLst>
                   <a:ext uri="{0D108BD9-81ED-4DB2-BD59-A6C34878D82A}">
-                    <a16:rowId xmlns="" xmlns:a16="http://schemas.microsoft.com/office/drawing/2014/main" val="10003"/>
+                    <a16:rowId xmlns:a16="http://schemas.microsoft.com/office/drawing/2014/main" val="10003"/>
                   </a:ext>
                 </a:extLst>
               </a:tr>
@@ -28798,7 +28276,7 @@
                         <a:defRPr/>
                       </a:pPr>
                       <a:r>
-                        <a:rPr lang="ko-KR" altLang="en-US" sz="2200" smtClean="0">
+                        <a:rPr lang="ko-KR" altLang="en-US" sz="2200">
                           <a:ea typeface="G마켓 산스 Medium" panose="02000000000000000000"/>
                         </a:rPr>
                         <a:t>메서드</a:t>
@@ -28964,7 +28442,7 @@
                 </a:tc>
                 <a:extLst>
                   <a:ext uri="{0D108BD9-81ED-4DB2-BD59-A6C34878D82A}">
-                    <a16:rowId xmlns="" xmlns:a16="http://schemas.microsoft.com/office/drawing/2014/main" val="10005"/>
+                    <a16:rowId xmlns:a16="http://schemas.microsoft.com/office/drawing/2014/main" val="10005"/>
                   </a:ext>
                 </a:extLst>
               </a:tr>
@@ -29030,13 +28508,6 @@
   <p:clrMapOvr>
     <a:masterClrMapping/>
   </p:clrMapOvr>
-  <p:timing>
-    <p:tnLst>
-      <p:par>
-        <p:cTn id="1" dur="indefinite" restart="never" nodeType="tmRoot"/>
-      </p:par>
-    </p:tnLst>
-  </p:timing>
 </p:sld>
 </file>
 
@@ -29086,7 +28557,7 @@
           <p:cNvPr id="5" name="직선 화살표 연결선 4">
             <a:extLst>
               <a:ext uri="{FF2B5EF4-FFF2-40B4-BE49-F238E27FC236}">
-                <a16:creationId xmlns:a16="http://schemas.microsoft.com/office/drawing/2014/main" xmlns="" id="{299DF5EC-9DF4-5255-06AC-0A7CE4FF58C3}"/>
+                <a16:creationId xmlns:a16="http://schemas.microsoft.com/office/drawing/2014/main" id="{299DF5EC-9DF4-5255-06AC-0A7CE4FF58C3}"/>
               </a:ext>
             </a:extLst>
           </p:cNvPr>
@@ -29127,7 +28598,7 @@
           <p:cNvPr id="6" name="직사각형 5">
             <a:extLst>
               <a:ext uri="{FF2B5EF4-FFF2-40B4-BE49-F238E27FC236}">
-                <a16:creationId xmlns:a16="http://schemas.microsoft.com/office/drawing/2014/main" xmlns="" id="{FFF506F9-840A-0508-4CAF-3AC711D8D5CE}"/>
+                <a16:creationId xmlns:a16="http://schemas.microsoft.com/office/drawing/2014/main" id="{FFF506F9-840A-0508-4CAF-3AC711D8D5CE}"/>
               </a:ext>
             </a:extLst>
           </p:cNvPr>
@@ -29179,7 +28650,7 @@
           <p:cNvPr id="7" name="TextBox 6">
             <a:extLst>
               <a:ext uri="{FF2B5EF4-FFF2-40B4-BE49-F238E27FC236}">
-                <a16:creationId xmlns:a16="http://schemas.microsoft.com/office/drawing/2014/main" xmlns="" id="{C6D113C6-EA5C-788F-0C77-E7CE6EBB865F}"/>
+                <a16:creationId xmlns:a16="http://schemas.microsoft.com/office/drawing/2014/main" id="{C6D113C6-EA5C-788F-0C77-E7CE6EBB865F}"/>
               </a:ext>
             </a:extLst>
           </p:cNvPr>
@@ -29203,7 +28674,7 @@
           <a:lstStyle/>
           <a:p>
             <a:r>
-              <a:rPr lang="ko-KR" altLang="en-US" sz="3600" smtClean="0">
+              <a:rPr lang="ko-KR" altLang="en-US" sz="3600">
                 <a:solidFill>
                   <a:srgbClr val="FF0000"/>
                 </a:solidFill>
@@ -29213,7 +28684,7 @@
               <a:t>디폴트 이기에 같은 패키지내에서 사용가능하다</a:t>
             </a:r>
             <a:r>
-              <a:rPr lang="en-US" altLang="ko-KR" sz="3600" smtClean="0">
+              <a:rPr lang="en-US" altLang="ko-KR" sz="3600">
                 <a:solidFill>
                   <a:srgbClr val="FF0000"/>
                 </a:solidFill>
@@ -29237,7 +28708,7 @@
           <p:cNvPr id="8" name="직선 화살표 연결선 7">
             <a:extLst>
               <a:ext uri="{FF2B5EF4-FFF2-40B4-BE49-F238E27FC236}">
-                <a16:creationId xmlns:a16="http://schemas.microsoft.com/office/drawing/2014/main" xmlns="" id="{299DF5EC-9DF4-5255-06AC-0A7CE4FF58C3}"/>
+                <a16:creationId xmlns:a16="http://schemas.microsoft.com/office/drawing/2014/main" id="{299DF5EC-9DF4-5255-06AC-0A7CE4FF58C3}"/>
               </a:ext>
             </a:extLst>
           </p:cNvPr>
@@ -29278,7 +28749,7 @@
           <p:cNvPr id="9" name="직사각형 8">
             <a:extLst>
               <a:ext uri="{FF2B5EF4-FFF2-40B4-BE49-F238E27FC236}">
-                <a16:creationId xmlns:a16="http://schemas.microsoft.com/office/drawing/2014/main" xmlns="" id="{FFF506F9-840A-0508-4CAF-3AC711D8D5CE}"/>
+                <a16:creationId xmlns:a16="http://schemas.microsoft.com/office/drawing/2014/main" id="{FFF506F9-840A-0508-4CAF-3AC711D8D5CE}"/>
               </a:ext>
             </a:extLst>
           </p:cNvPr>
@@ -29330,7 +28801,7 @@
           <p:cNvPr id="10" name="TextBox 9">
             <a:extLst>
               <a:ext uri="{FF2B5EF4-FFF2-40B4-BE49-F238E27FC236}">
-                <a16:creationId xmlns:a16="http://schemas.microsoft.com/office/drawing/2014/main" xmlns="" id="{C6D113C6-EA5C-788F-0C77-E7CE6EBB865F}"/>
+                <a16:creationId xmlns:a16="http://schemas.microsoft.com/office/drawing/2014/main" id="{C6D113C6-EA5C-788F-0C77-E7CE6EBB865F}"/>
               </a:ext>
             </a:extLst>
           </p:cNvPr>
@@ -29354,7 +28825,7 @@
           <a:lstStyle/>
           <a:p>
             <a:r>
-              <a:rPr lang="en-US" altLang="ko-KR" sz="3600" smtClean="0">
+              <a:rPr lang="en-US" altLang="ko-KR" sz="3600">
                 <a:solidFill>
                   <a:srgbClr val="FF0000"/>
                 </a:solidFill>
@@ -29364,7 +28835,7 @@
               <a:t>Object</a:t>
             </a:r>
             <a:r>
-              <a:rPr lang="ko-KR" altLang="en-US" sz="3600" smtClean="0">
+              <a:rPr lang="ko-KR" altLang="en-US" sz="3600">
                 <a:solidFill>
                   <a:srgbClr val="FF0000"/>
                 </a:solidFill>
@@ -29374,7 +28845,7 @@
               <a:t>클래스의 </a:t>
             </a:r>
             <a:r>
-              <a:rPr lang="en-US" altLang="ko-KR" sz="3600" smtClean="0">
+              <a:rPr lang="en-US" altLang="ko-KR" sz="3600">
                 <a:solidFill>
                   <a:srgbClr val="FF0000"/>
                 </a:solidFill>
@@ -29384,7 +28855,7 @@
               <a:t>toString()</a:t>
             </a:r>
             <a:r>
-              <a:rPr lang="ko-KR" altLang="en-US" sz="3600" smtClean="0">
+              <a:rPr lang="ko-KR" altLang="en-US" sz="3600">
                 <a:solidFill>
                   <a:srgbClr val="FF0000"/>
                 </a:solidFill>
@@ -29394,7 +28865,7 @@
               <a:t>을 오버라이딩 하였다</a:t>
             </a:r>
             <a:r>
-              <a:rPr lang="en-US" altLang="ko-KR" sz="3600" smtClean="0">
+              <a:rPr lang="en-US" altLang="ko-KR" sz="3600">
                 <a:solidFill>
                   <a:srgbClr val="FF0000"/>
                 </a:solidFill>
@@ -29418,7 +28889,7 @@
           <p:cNvPr id="11" name="TextBox 10">
             <a:extLst>
               <a:ext uri="{FF2B5EF4-FFF2-40B4-BE49-F238E27FC236}">
-                <a16:creationId xmlns:a16="http://schemas.microsoft.com/office/drawing/2014/main" xmlns="" id="{69196D22-2A4C-4EF6-5A42-2031D7FEF549}"/>
+                <a16:creationId xmlns:a16="http://schemas.microsoft.com/office/drawing/2014/main" id="{69196D22-2A4C-4EF6-5A42-2031D7FEF549}"/>
               </a:ext>
             </a:extLst>
           </p:cNvPr>
@@ -29449,30 +28920,20 @@
                 <a:latin typeface="G마켓 산스 Bold" panose="02000000000000000000" pitchFamily="50" charset="-127"/>
                 <a:ea typeface="G마켓 산스 Bold" panose="02000000000000000000" pitchFamily="50" charset="-127"/>
               </a:rPr>
-              <a:t>2</a:t>
-            </a:r>
-            <a:r>
-              <a:rPr lang="en-US" altLang="ko-KR" sz="5400" spc="-300" smtClean="0">
+              <a:t>2-1 </a:t>
+            </a:r>
+            <a:r>
+              <a:rPr lang="ko-KR" altLang="en-US" sz="5400" spc="-300">
                 <a:solidFill>
                   <a:srgbClr val="4C50BC"/>
                 </a:solidFill>
                 <a:latin typeface="G마켓 산스 Bold" panose="02000000000000000000" pitchFamily="50" charset="-127"/>
                 <a:ea typeface="G마켓 산스 Bold" panose="02000000000000000000" pitchFamily="50" charset="-127"/>
               </a:rPr>
-              <a:t>-1 </a:t>
-            </a:r>
-            <a:r>
-              <a:rPr lang="ko-KR" altLang="en-US" sz="5400" spc="-300" smtClean="0">
-                <a:solidFill>
-                  <a:srgbClr val="4C50BC"/>
-                </a:solidFill>
-                <a:latin typeface="G마켓 산스 Bold" panose="02000000000000000000" pitchFamily="50" charset="-127"/>
-                <a:ea typeface="G마켓 산스 Bold" panose="02000000000000000000" pitchFamily="50" charset="-127"/>
-              </a:rPr>
               <a:t>문제풀이</a:t>
             </a:r>
             <a:r>
-              <a:rPr lang="en-US" altLang="ko-KR" sz="5400" spc="-300" smtClean="0">
+              <a:rPr lang="en-US" altLang="ko-KR" sz="5400" spc="-300">
                 <a:solidFill>
                   <a:srgbClr val="FF0000"/>
                 </a:solidFill>
@@ -29496,7 +28957,7 @@
           <p:cNvPr id="12" name="직선 연결선 11">
             <a:extLst>
               <a:ext uri="{FF2B5EF4-FFF2-40B4-BE49-F238E27FC236}">
-                <a16:creationId xmlns:a16="http://schemas.microsoft.com/office/drawing/2014/main" xmlns="" id="{DDFA97EB-659B-5D0A-D41B-496A6FF66D9E}"/>
+                <a16:creationId xmlns:a16="http://schemas.microsoft.com/office/drawing/2014/main" id="{DDFA97EB-659B-5D0A-D41B-496A6FF66D9E}"/>
               </a:ext>
             </a:extLst>
           </p:cNvPr>
@@ -29539,7 +29000,7 @@
           <p:cNvPr id="13" name="직사각형 12">
             <a:extLst>
               <a:ext uri="{FF2B5EF4-FFF2-40B4-BE49-F238E27FC236}">
-                <a16:creationId xmlns:a16="http://schemas.microsoft.com/office/drawing/2014/main" xmlns="" id="{361FA442-8171-4EBF-65A2-19C90654959D}"/>
+                <a16:creationId xmlns:a16="http://schemas.microsoft.com/office/drawing/2014/main" id="{361FA442-8171-4EBF-65A2-19C90654959D}"/>
               </a:ext>
             </a:extLst>
           </p:cNvPr>
@@ -29699,7 +29160,7 @@
           <p:cNvPr id="4" name="TextBox 3">
             <a:extLst>
               <a:ext uri="{FF2B5EF4-FFF2-40B4-BE49-F238E27FC236}">
-                <a16:creationId xmlns:a16="http://schemas.microsoft.com/office/drawing/2014/main" xmlns="" id="{69196D22-2A4C-4EF6-5A42-2031D7FEF549}"/>
+                <a16:creationId xmlns:a16="http://schemas.microsoft.com/office/drawing/2014/main" id="{69196D22-2A4C-4EF6-5A42-2031D7FEF549}"/>
               </a:ext>
             </a:extLst>
           </p:cNvPr>
@@ -29723,7 +29184,7 @@
           <a:lstStyle/>
           <a:p>
             <a:r>
-              <a:rPr lang="en-US" altLang="ko-KR" sz="5400" spc="-300" smtClean="0">
+              <a:rPr lang="en-US" altLang="ko-KR" sz="5400" spc="-300">
                 <a:solidFill>
                   <a:srgbClr val="4C50BC"/>
                 </a:solidFill>
@@ -29733,7 +29194,7 @@
               <a:t>2-2 </a:t>
             </a:r>
             <a:r>
-              <a:rPr lang="ko-KR" altLang="en-US" sz="5400" spc="-300" smtClean="0">
+              <a:rPr lang="ko-KR" altLang="en-US" sz="5400" spc="-300">
                 <a:solidFill>
                   <a:srgbClr val="4C50BC"/>
                 </a:solidFill>
@@ -29743,24 +29204,14 @@
               <a:t>실습문제</a:t>
             </a:r>
             <a:r>
-              <a:rPr lang="en-US" altLang="ko-KR" sz="5400" spc="-300" smtClean="0">
+              <a:rPr lang="en-US" altLang="ko-KR" sz="5400" spc="-300">
                 <a:solidFill>
                   <a:srgbClr val="FF0000"/>
                 </a:solidFill>
                 <a:latin typeface="G마켓 산스 Bold" panose="02000000000000000000" pitchFamily="50" charset="-127"/>
                 <a:ea typeface="G마켓 산스 Bold" panose="02000000000000000000" pitchFamily="50" charset="-127"/>
               </a:rPr>
-              <a:t>(</a:t>
-            </a:r>
-            <a:r>
-              <a:rPr lang="en-US" altLang="ko-KR" sz="5400" spc="-300">
-                <a:solidFill>
-                  <a:srgbClr val="FF0000"/>
-                </a:solidFill>
-                <a:latin typeface="G마켓 산스 Bold" panose="02000000000000000000" pitchFamily="50" charset="-127"/>
-                <a:ea typeface="G마켓 산스 Bold" panose="02000000000000000000" pitchFamily="50" charset="-127"/>
-              </a:rPr>
-              <a:t>normal)</a:t>
+              <a:t>(normal)</a:t>
             </a:r>
             <a:endParaRPr lang="en-US" altLang="ko-KR" sz="5400" spc="-300" dirty="0">
               <a:solidFill>
@@ -29777,7 +29228,7 @@
           <p:cNvPr id="5" name="직선 연결선 4">
             <a:extLst>
               <a:ext uri="{FF2B5EF4-FFF2-40B4-BE49-F238E27FC236}">
-                <a16:creationId xmlns:a16="http://schemas.microsoft.com/office/drawing/2014/main" xmlns="" id="{DDFA97EB-659B-5D0A-D41B-496A6FF66D9E}"/>
+                <a16:creationId xmlns:a16="http://schemas.microsoft.com/office/drawing/2014/main" id="{DDFA97EB-659B-5D0A-D41B-496A6FF66D9E}"/>
               </a:ext>
             </a:extLst>
           </p:cNvPr>
@@ -29820,7 +29271,7 @@
           <p:cNvPr id="7" name="TextBox 6">
             <a:extLst>
               <a:ext uri="{FF2B5EF4-FFF2-40B4-BE49-F238E27FC236}">
-                <a16:creationId xmlns="" xmlns:a16="http://schemas.microsoft.com/office/drawing/2014/main" id="{52176D31-35F7-8916-46FA-6095EFEC1E49}"/>
+                <a16:creationId xmlns:a16="http://schemas.microsoft.com/office/drawing/2014/main" id="{52176D31-35F7-8916-46FA-6095EFEC1E49}"/>
               </a:ext>
             </a:extLst>
           </p:cNvPr>
@@ -29844,7 +29295,7 @@
           <a:lstStyle/>
           <a:p>
             <a:r>
-              <a:rPr lang="ko-KR" altLang="en-US" sz="3200" b="1" smtClean="0">
+              <a:rPr lang="ko-KR" altLang="en-US" sz="3200" b="1">
                 <a:solidFill>
                   <a:srgbClr val="4C50BC"/>
                 </a:solidFill>
@@ -29854,7 +29305,7 @@
               <a:t>앞서 만든 </a:t>
             </a:r>
             <a:r>
-              <a:rPr lang="en-US" altLang="ko-KR" sz="3200" b="1" smtClean="0">
+              <a:rPr lang="en-US" altLang="ko-KR" sz="3200" b="1">
                 <a:solidFill>
                   <a:srgbClr val="4C50BC"/>
                 </a:solidFill>
@@ -29864,7 +29315,7 @@
               <a:t>Time </a:t>
             </a:r>
             <a:r>
-              <a:rPr lang="ko-KR" altLang="en-US" sz="3200" b="1" smtClean="0">
+              <a:rPr lang="ko-KR" altLang="en-US" sz="3200" b="1">
                 <a:solidFill>
                   <a:srgbClr val="4C50BC"/>
                 </a:solidFill>
@@ -29873,7 +29324,7 @@
               </a:rPr>
               <a:t>클래스를 개선해보자 </a:t>
             </a:r>
-            <a:endParaRPr lang="en-US" altLang="ko-KR" sz="3200" b="1" smtClean="0">
+            <a:endParaRPr lang="en-US" altLang="ko-KR" sz="3200" b="1">
               <a:solidFill>
                 <a:srgbClr val="4C50BC"/>
               </a:solidFill>
@@ -29887,7 +29338,7 @@
               <a:buChar char="-"/>
             </a:pPr>
             <a:r>
-              <a:rPr lang="ko-KR" altLang="en-US" sz="3200" smtClean="0">
+              <a:rPr lang="ko-KR" altLang="en-US" sz="3200">
                 <a:solidFill>
                   <a:schemeClr val="bg1">
                     <a:lumMod val="50000"/>
@@ -29899,7 +29350,7 @@
               <a:t>현재 멤버변수 </a:t>
             </a:r>
             <a:r>
-              <a:rPr lang="en-US" altLang="ko-KR" sz="3200" smtClean="0">
+              <a:rPr lang="en-US" altLang="ko-KR" sz="3200">
                 <a:solidFill>
                   <a:schemeClr val="bg1">
                     <a:lumMod val="50000"/>
@@ -29911,7 +29362,7 @@
               <a:t>hour minute second</a:t>
             </a:r>
             <a:r>
-              <a:rPr lang="ko-KR" altLang="en-US" sz="3200" smtClean="0">
+              <a:rPr lang="ko-KR" altLang="en-US" sz="3200">
                 <a:solidFill>
                   <a:schemeClr val="bg1">
                     <a:lumMod val="50000"/>
@@ -29923,7 +29374,7 @@
               <a:t>등등은 접근제어가 디폴트 이기에 클래스 외부에서 맘대로 값을 넣을수 있다</a:t>
             </a:r>
             <a:r>
-              <a:rPr lang="en-US" altLang="ko-KR" sz="3200" smtClean="0">
+              <a:rPr lang="en-US" altLang="ko-KR" sz="3200">
                 <a:solidFill>
                   <a:schemeClr val="bg1">
                     <a:lumMod val="50000"/>
@@ -29941,7 +29392,7 @@
               <a:buChar char="-"/>
             </a:pPr>
             <a:r>
-              <a:rPr lang="ko-KR" altLang="en-US" sz="3200" smtClean="0">
+              <a:rPr lang="ko-KR" altLang="en-US" sz="3200">
                 <a:solidFill>
                   <a:schemeClr val="bg1">
                     <a:lumMod val="50000"/>
@@ -29953,7 +29404,7 @@
               <a:t>하지만 </a:t>
             </a:r>
             <a:r>
-              <a:rPr lang="en-US" altLang="ko-KR" sz="3200" smtClean="0">
+              <a:rPr lang="en-US" altLang="ko-KR" sz="3200">
                 <a:solidFill>
                   <a:schemeClr val="bg1">
                     <a:lumMod val="50000"/>
@@ -29962,10 +29413,10 @@
                 <a:latin typeface="G마켓 산스 Medium" panose="02000000000000000000" pitchFamily="50" charset="-127"/>
                 <a:ea typeface="G마켓 산스 Medium" panose="02000000000000000000" pitchFamily="50" charset="-127"/>
               </a:rPr>
-              <a:t>hour </a:t>
-            </a:r>
-            <a:r>
-              <a:rPr lang="en-US" altLang="ko-KR" sz="3200">
+              <a:t>hour :</a:t>
+            </a:r>
+            <a:r>
+              <a:rPr lang="ko-KR" altLang="en-US" sz="3200">
                 <a:solidFill>
                   <a:schemeClr val="bg1">
                     <a:lumMod val="50000"/>
@@ -29974,10 +29425,10 @@
                 <a:latin typeface="G마켓 산스 Medium" panose="02000000000000000000" pitchFamily="50" charset="-127"/>
                 <a:ea typeface="G마켓 산스 Medium" panose="02000000000000000000" pitchFamily="50" charset="-127"/>
               </a:rPr>
-              <a:t>:</a:t>
-            </a:r>
-            <a:r>
-              <a:rPr lang="ko-KR" altLang="en-US" sz="3200" smtClean="0">
+              <a:t> </a:t>
+            </a:r>
+            <a:r>
+              <a:rPr lang="en-US" altLang="ko-KR" sz="3200">
                 <a:solidFill>
                   <a:schemeClr val="bg1">
                     <a:lumMod val="50000"/>
@@ -29986,10 +29437,10 @@
                 <a:latin typeface="G마켓 산스 Medium" panose="02000000000000000000" pitchFamily="50" charset="-127"/>
                 <a:ea typeface="G마켓 산스 Medium" panose="02000000000000000000" pitchFamily="50" charset="-127"/>
               </a:rPr>
-              <a:t> </a:t>
-            </a:r>
-            <a:r>
-              <a:rPr lang="en-US" altLang="ko-KR" sz="3200" smtClean="0">
+              <a:t>0~23 minute</a:t>
+            </a:r>
+            <a:r>
+              <a:rPr lang="ko-KR" altLang="en-US" sz="3200">
                 <a:solidFill>
                   <a:schemeClr val="bg1">
                     <a:lumMod val="50000"/>
@@ -29998,10 +29449,10 @@
                 <a:latin typeface="G마켓 산스 Medium" panose="02000000000000000000" pitchFamily="50" charset="-127"/>
                 <a:ea typeface="G마켓 산스 Medium" panose="02000000000000000000" pitchFamily="50" charset="-127"/>
               </a:rPr>
-              <a:t>0~23 minute</a:t>
-            </a:r>
-            <a:r>
-              <a:rPr lang="ko-KR" altLang="en-US" sz="3200">
+              <a:t> </a:t>
+            </a:r>
+            <a:r>
+              <a:rPr lang="en-US" altLang="ko-KR" sz="3200">
                 <a:solidFill>
                   <a:schemeClr val="bg1">
                     <a:lumMod val="50000"/>
@@ -30010,10 +29461,10 @@
                 <a:latin typeface="G마켓 산스 Medium" panose="02000000000000000000" pitchFamily="50" charset="-127"/>
                 <a:ea typeface="G마켓 산스 Medium" panose="02000000000000000000" pitchFamily="50" charset="-127"/>
               </a:rPr>
-              <a:t> </a:t>
-            </a:r>
-            <a:r>
-              <a:rPr lang="en-US" altLang="ko-KR" sz="3200" smtClean="0">
+              <a:t>:0~59 second : 0~59</a:t>
+            </a:r>
+            <a:r>
+              <a:rPr lang="ko-KR" altLang="en-US" sz="3200">
                 <a:solidFill>
                   <a:schemeClr val="bg1">
                     <a:lumMod val="50000"/>
@@ -30022,22 +29473,10 @@
                 <a:latin typeface="G마켓 산스 Medium" panose="02000000000000000000" pitchFamily="50" charset="-127"/>
                 <a:ea typeface="G마켓 산스 Medium" panose="02000000000000000000" pitchFamily="50" charset="-127"/>
               </a:rPr>
-              <a:t>:0~59 second : 0~59</a:t>
-            </a:r>
-            <a:r>
-              <a:rPr lang="ko-KR" altLang="en-US" sz="3200" smtClean="0">
-                <a:solidFill>
-                  <a:schemeClr val="bg1">
-                    <a:lumMod val="50000"/>
-                  </a:schemeClr>
-                </a:solidFill>
-                <a:latin typeface="G마켓 산스 Medium" panose="02000000000000000000" pitchFamily="50" charset="-127"/>
-                <a:ea typeface="G마켓 산스 Medium" panose="02000000000000000000" pitchFamily="50" charset="-127"/>
-              </a:rPr>
               <a:t>로 값 입력을 제한해야 한다</a:t>
             </a:r>
             <a:r>
-              <a:rPr lang="en-US" altLang="ko-KR" sz="3200" smtClean="0">
+              <a:rPr lang="en-US" altLang="ko-KR" sz="3200">
                 <a:solidFill>
                   <a:schemeClr val="bg1">
                     <a:lumMod val="50000"/>
@@ -30055,7 +29494,7 @@
               <a:buChar char="-"/>
             </a:pPr>
             <a:r>
-              <a:rPr lang="ko-KR" altLang="en-US" sz="3200" smtClean="0">
+              <a:rPr lang="ko-KR" altLang="en-US" sz="3200">
                 <a:solidFill>
                   <a:schemeClr val="bg1">
                     <a:lumMod val="50000"/>
@@ -30067,7 +29506,7 @@
               <a:t>외부에서 멤버변수에 직접 접근을 할수 있다면 값을 필터링 할수 없다</a:t>
             </a:r>
             <a:r>
-              <a:rPr lang="en-US" altLang="ko-KR" sz="3200" smtClean="0">
+              <a:rPr lang="en-US" altLang="ko-KR" sz="3200">
                 <a:solidFill>
                   <a:schemeClr val="bg1">
                     <a:lumMod val="50000"/>
@@ -30081,7 +29520,7 @@
           </a:p>
           <a:p>
             <a:r>
-              <a:rPr lang="ko-KR" altLang="en-US" sz="3200" smtClean="0">
+              <a:rPr lang="ko-KR" altLang="en-US" sz="3200">
                 <a:solidFill>
                   <a:schemeClr val="bg1">
                     <a:lumMod val="50000"/>
@@ -30093,7 +29532,7 @@
               <a:t>따라서 </a:t>
             </a:r>
             <a:r>
-              <a:rPr lang="en-US" altLang="ko-KR" sz="3200" smtClean="0">
+              <a:rPr lang="en-US" altLang="ko-KR" sz="3200">
                 <a:solidFill>
                   <a:schemeClr val="bg1">
                     <a:lumMod val="50000"/>
@@ -30105,7 +29544,7 @@
               <a:t>private</a:t>
             </a:r>
             <a:r>
-              <a:rPr lang="ko-KR" altLang="en-US" sz="3200" smtClean="0">
+              <a:rPr lang="ko-KR" altLang="en-US" sz="3200">
                 <a:solidFill>
                   <a:schemeClr val="bg1">
                     <a:lumMod val="50000"/>
@@ -30117,7 +29556,7 @@
               <a:t>으로 막고 메서드를 통해 값을 초기화 하도록 해서 필터링을 해야 한다</a:t>
             </a:r>
             <a:r>
-              <a:rPr lang="en-US" altLang="ko-KR" sz="3200" smtClean="0">
+              <a:rPr lang="en-US" altLang="ko-KR" sz="3200">
                 <a:solidFill>
                   <a:schemeClr val="bg1">
                     <a:lumMod val="50000"/>
@@ -30128,15 +29567,6 @@
               </a:rPr>
               <a:t>.</a:t>
             </a:r>
-            <a:endParaRPr lang="en-US" altLang="ko-KR" sz="3200">
-              <a:solidFill>
-                <a:schemeClr val="bg1">
-                  <a:lumMod val="50000"/>
-                </a:schemeClr>
-              </a:solidFill>
-              <a:latin typeface="G마켓 산스 Medium" panose="02000000000000000000" pitchFamily="50" charset="-127"/>
-              <a:ea typeface="G마켓 산스 Medium" panose="02000000000000000000" pitchFamily="50" charset="-127"/>
-            </a:endParaRPr>
           </a:p>
         </p:txBody>
       </p:sp>
@@ -30198,13 +29628,6 @@
   <p:clrMapOvr>
     <a:masterClrMapping/>
   </p:clrMapOvr>
-  <p:timing>
-    <p:tnLst>
-      <p:par>
-        <p:cTn id="1" dur="indefinite" restart="never" nodeType="tmRoot"/>
-      </p:par>
-    </p:tnLst>
-  </p:timing>
 </p:sld>
 </file>
 
@@ -30254,7 +29677,7 @@
           <p:cNvPr id="7" name="TextBox 6">
             <a:extLst>
               <a:ext uri="{FF2B5EF4-FFF2-40B4-BE49-F238E27FC236}">
-                <a16:creationId xmlns="" xmlns:a16="http://schemas.microsoft.com/office/drawing/2014/main" id="{5ADC00B6-990A-40DC-3CEA-505258F5E8DA}"/>
+                <a16:creationId xmlns:a16="http://schemas.microsoft.com/office/drawing/2014/main" id="{5ADC00B6-990A-40DC-3CEA-505258F5E8DA}"/>
               </a:ext>
             </a:extLst>
           </p:cNvPr>
@@ -30608,7 +30031,7 @@
           <p:cNvPr id="2" name="직사각형 1">
             <a:extLst>
               <a:ext uri="{FF2B5EF4-FFF2-40B4-BE49-F238E27FC236}">
-                <a16:creationId xmlns="" xmlns:a16="http://schemas.microsoft.com/office/drawing/2014/main" id="{AC86ECFC-6A63-060A-C3A3-DA72F47173BD}"/>
+                <a16:creationId xmlns:a16="http://schemas.microsoft.com/office/drawing/2014/main" id="{AC86ECFC-6A63-060A-C3A3-DA72F47173BD}"/>
               </a:ext>
             </a:extLst>
           </p:cNvPr>
@@ -30846,7 +30269,7 @@
           <p:cNvPr id="14" name="TextBox 13">
             <a:extLst>
               <a:ext uri="{FF2B5EF4-FFF2-40B4-BE49-F238E27FC236}">
-                <a16:creationId xmlns:a16="http://schemas.microsoft.com/office/drawing/2014/main" xmlns="" id="{69196D22-2A4C-4EF6-5A42-2031D7FEF549}"/>
+                <a16:creationId xmlns:a16="http://schemas.microsoft.com/office/drawing/2014/main" id="{69196D22-2A4C-4EF6-5A42-2031D7FEF549}"/>
               </a:ext>
             </a:extLst>
           </p:cNvPr>
@@ -30870,7 +30293,7 @@
           <a:lstStyle/>
           <a:p>
             <a:r>
-              <a:rPr lang="en-US" altLang="ko-KR" sz="5400" spc="-300" smtClean="0">
+              <a:rPr lang="en-US" altLang="ko-KR" sz="5400" spc="-300">
                 <a:solidFill>
                   <a:srgbClr val="4C50BC"/>
                 </a:solidFill>
@@ -30880,7 +30303,7 @@
               <a:t>2-2 </a:t>
             </a:r>
             <a:r>
-              <a:rPr lang="ko-KR" altLang="en-US" sz="5400" spc="-300" smtClean="0">
+              <a:rPr lang="ko-KR" altLang="en-US" sz="5400" spc="-300">
                 <a:solidFill>
                   <a:srgbClr val="4C50BC"/>
                 </a:solidFill>
@@ -30890,24 +30313,14 @@
               <a:t>문제풀이</a:t>
             </a:r>
             <a:r>
-              <a:rPr lang="en-US" altLang="ko-KR" sz="5400" spc="-300" smtClean="0">
+              <a:rPr lang="en-US" altLang="ko-KR" sz="5400" spc="-300">
                 <a:solidFill>
                   <a:srgbClr val="FF0000"/>
                 </a:solidFill>
                 <a:latin typeface="G마켓 산스 Bold" panose="02000000000000000000" pitchFamily="50" charset="-127"/>
                 <a:ea typeface="G마켓 산스 Bold" panose="02000000000000000000" pitchFamily="50" charset="-127"/>
               </a:rPr>
-              <a:t>(</a:t>
-            </a:r>
-            <a:r>
-              <a:rPr lang="en-US" altLang="ko-KR" sz="5400" spc="-300">
-                <a:solidFill>
-                  <a:srgbClr val="FF0000"/>
-                </a:solidFill>
-                <a:latin typeface="G마켓 산스 Bold" panose="02000000000000000000" pitchFamily="50" charset="-127"/>
-                <a:ea typeface="G마켓 산스 Bold" panose="02000000000000000000" pitchFamily="50" charset="-127"/>
-              </a:rPr>
-              <a:t>normal)</a:t>
+              <a:t>(normal)</a:t>
             </a:r>
             <a:endParaRPr lang="en-US" altLang="ko-KR" sz="5400" spc="-300" dirty="0">
               <a:solidFill>
@@ -30924,7 +30337,7 @@
           <p:cNvPr id="15" name="직선 연결선 14">
             <a:extLst>
               <a:ext uri="{FF2B5EF4-FFF2-40B4-BE49-F238E27FC236}">
-                <a16:creationId xmlns:a16="http://schemas.microsoft.com/office/drawing/2014/main" xmlns="" id="{DDFA97EB-659B-5D0A-D41B-496A6FF66D9E}"/>
+                <a16:creationId xmlns:a16="http://schemas.microsoft.com/office/drawing/2014/main" id="{DDFA97EB-659B-5D0A-D41B-496A6FF66D9E}"/>
               </a:ext>
             </a:extLst>
           </p:cNvPr>
@@ -30967,7 +30380,7 @@
           <p:cNvPr id="16" name="직사각형 15">
             <a:extLst>
               <a:ext uri="{FF2B5EF4-FFF2-40B4-BE49-F238E27FC236}">
-                <a16:creationId xmlns:a16="http://schemas.microsoft.com/office/drawing/2014/main" xmlns="" id="{361FA442-8171-4EBF-65A2-19C90654959D}"/>
+                <a16:creationId xmlns:a16="http://schemas.microsoft.com/office/drawing/2014/main" id="{361FA442-8171-4EBF-65A2-19C90654959D}"/>
               </a:ext>
             </a:extLst>
           </p:cNvPr>
@@ -31384,7 +30797,7 @@
           <p:cNvPr id="4" name="TextBox 3">
             <a:extLst>
               <a:ext uri="{FF2B5EF4-FFF2-40B4-BE49-F238E27FC236}">
-                <a16:creationId xmlns="" xmlns:a16="http://schemas.microsoft.com/office/drawing/2014/main" id="{52176D31-35F7-8916-46FA-6095EFEC1E49}"/>
+                <a16:creationId xmlns:a16="http://schemas.microsoft.com/office/drawing/2014/main" id="{52176D31-35F7-8916-46FA-6095EFEC1E49}"/>
               </a:ext>
             </a:extLst>
           </p:cNvPr>
@@ -31408,7 +30821,7 @@
           <a:lstStyle/>
           <a:p>
             <a:r>
-              <a:rPr lang="ko-KR" altLang="en-US" sz="3200" smtClean="0">
+              <a:rPr lang="ko-KR" altLang="en-US" sz="3200">
                 <a:solidFill>
                   <a:srgbClr val="4C50BC"/>
                 </a:solidFill>
@@ -31437,7 +30850,7 @@
           </a:p>
           <a:p>
             <a:r>
-              <a:rPr lang="en-US" altLang="ko-KR" sz="3200" err="1" smtClean="0">
+              <a:rPr lang="en-US" altLang="ko-KR" sz="3200" err="1">
                 <a:solidFill>
                   <a:schemeClr val="tx1">
                     <a:lumMod val="50000"/>
@@ -31450,7 +30863,7 @@
               <a:t>serverConnection</a:t>
             </a:r>
             <a:r>
-              <a:rPr lang="en-US" altLang="ko-KR" sz="3200" smtClean="0">
+              <a:rPr lang="en-US" altLang="ko-KR" sz="3200">
                 <a:solidFill>
                   <a:schemeClr val="tx1">
                     <a:lumMod val="50000"/>
@@ -31463,7 +30876,7 @@
               <a:t> </a:t>
             </a:r>
             <a:r>
-              <a:rPr lang="ko-KR" altLang="en-US" sz="3200" smtClean="0">
+              <a:rPr lang="ko-KR" altLang="en-US" sz="3200">
                 <a:solidFill>
                   <a:schemeClr val="tx1">
                     <a:lumMod val="50000"/>
@@ -31512,10 +30925,10 @@
                 <a:latin typeface="G마켓 산스 Medium" panose="02000000000000000000" pitchFamily="50" charset="-127"/>
                 <a:ea typeface="G마켓 산스 Medium" panose="02000000000000000000" pitchFamily="50" charset="-127"/>
               </a:rPr>
-              <a:t>해당 </a:t>
-            </a:r>
-            <a:r>
-              <a:rPr lang="ko-KR" altLang="en-US" sz="3200" smtClean="0">
+              <a:t>해당 클래스는 </a:t>
+            </a:r>
+            <a:r>
+              <a:rPr lang="ko-KR" altLang="en-US" sz="3200" dirty="0">
                 <a:solidFill>
                   <a:schemeClr val="tx1">
                     <a:lumMod val="50000"/>
@@ -31525,10 +30938,10 @@
                 <a:latin typeface="G마켓 산스 Medium" panose="02000000000000000000" pitchFamily="50" charset="-127"/>
                 <a:ea typeface="G마켓 산스 Medium" panose="02000000000000000000" pitchFamily="50" charset="-127"/>
               </a:rPr>
-              <a:t>클래스는 </a:t>
-            </a:r>
-            <a:r>
-              <a:rPr lang="ko-KR" altLang="en-US" sz="3200" dirty="0">
+              <a:t>프로그램이 서버와 통신하기 </a:t>
+            </a:r>
+            <a:r>
+              <a:rPr lang="ko-KR" altLang="en-US" sz="3200">
                 <a:solidFill>
                   <a:schemeClr val="tx1">
                     <a:lumMod val="50000"/>
@@ -31538,10 +30951,10 @@
                 <a:latin typeface="G마켓 산스 Medium" panose="02000000000000000000" pitchFamily="50" charset="-127"/>
                 <a:ea typeface="G마켓 산스 Medium" panose="02000000000000000000" pitchFamily="50" charset="-127"/>
               </a:rPr>
-              <a:t>프로그램이 서버와 통신하기 </a:t>
-            </a:r>
-            <a:r>
-              <a:rPr lang="ko-KR" altLang="en-US" sz="3200">
+              <a:t>위한 기능을 만들것이다</a:t>
+            </a:r>
+            <a:r>
+              <a:rPr lang="en-US" altLang="ko-KR" sz="3200">
                 <a:solidFill>
                   <a:schemeClr val="tx1">
                     <a:lumMod val="50000"/>
@@ -31551,35 +30964,9 @@
                 <a:latin typeface="G마켓 산스 Medium" panose="02000000000000000000" pitchFamily="50" charset="-127"/>
                 <a:ea typeface="G마켓 산스 Medium" panose="02000000000000000000" pitchFamily="50" charset="-127"/>
               </a:rPr>
-              <a:t>위한 </a:t>
-            </a:r>
-            <a:r>
-              <a:rPr lang="ko-KR" altLang="en-US" sz="3200" smtClean="0">
-                <a:solidFill>
-                  <a:schemeClr val="tx1">
-                    <a:lumMod val="50000"/>
-                    <a:lumOff val="50000"/>
-                  </a:schemeClr>
-                </a:solidFill>
-                <a:latin typeface="G마켓 산스 Medium" panose="02000000000000000000" pitchFamily="50" charset="-127"/>
-                <a:ea typeface="G마켓 산스 Medium" panose="02000000000000000000" pitchFamily="50" charset="-127"/>
-              </a:rPr>
-              <a:t>기능을 만들것이다</a:t>
-            </a:r>
-            <a:r>
-              <a:rPr lang="en-US" altLang="ko-KR" sz="3200" smtClean="0">
-                <a:solidFill>
-                  <a:schemeClr val="tx1">
-                    <a:lumMod val="50000"/>
-                    <a:lumOff val="50000"/>
-                  </a:schemeClr>
-                </a:solidFill>
-                <a:latin typeface="G마켓 산스 Medium" panose="02000000000000000000" pitchFamily="50" charset="-127"/>
-                <a:ea typeface="G마켓 산스 Medium" panose="02000000000000000000" pitchFamily="50" charset="-127"/>
-              </a:rPr>
               <a:t>. </a:t>
             </a:r>
-            <a:endParaRPr lang="en-US" altLang="ko-KR" sz="3200" dirty="0" smtClean="0">
+            <a:endParaRPr lang="en-US" altLang="ko-KR" sz="3200" dirty="0">
               <a:solidFill>
                 <a:schemeClr val="tx1">
                   <a:lumMod val="50000"/>
@@ -31592,7 +30979,7 @@
           </a:p>
           <a:p>
             <a:r>
-              <a:rPr lang="ko-KR" altLang="en-US" sz="3200" dirty="0" smtClean="0">
+              <a:rPr lang="ko-KR" altLang="en-US" sz="3200" dirty="0">
                 <a:solidFill>
                   <a:schemeClr val="tx1">
                     <a:lumMod val="50000"/>
@@ -31602,10 +30989,10 @@
                 <a:latin typeface="G마켓 산스 Medium" panose="02000000000000000000" pitchFamily="50" charset="-127"/>
                 <a:ea typeface="G마켓 산스 Medium" panose="02000000000000000000" pitchFamily="50" charset="-127"/>
               </a:rPr>
-              <a:t>일반적으로 </a:t>
-            </a:r>
-            <a:r>
-              <a:rPr lang="ko-KR" altLang="en-US" sz="3200" dirty="0">
+              <a:t>일반적으로 이런 </a:t>
+            </a:r>
+            <a:r>
+              <a:rPr lang="ko-KR" altLang="en-US" sz="3200">
                 <a:solidFill>
                   <a:schemeClr val="tx1">
                     <a:lumMod val="50000"/>
@@ -31615,10 +31002,10 @@
                 <a:latin typeface="G마켓 산스 Medium" panose="02000000000000000000" pitchFamily="50" charset="-127"/>
                 <a:ea typeface="G마켓 산스 Medium" panose="02000000000000000000" pitchFamily="50" charset="-127"/>
               </a:rPr>
-              <a:t>이런 </a:t>
-            </a:r>
-            <a:r>
-              <a:rPr lang="ko-KR" altLang="en-US" sz="3200">
+              <a:t>클래스는 여러 개의 객체가 생성되지 못하게 막아 한 개의 객체를 돌려쓰며  서버의 </a:t>
+            </a:r>
+            <a:r>
+              <a:rPr lang="ko-KR" altLang="en-US" sz="3200" dirty="0">
                 <a:solidFill>
                   <a:schemeClr val="tx1">
                     <a:lumMod val="50000"/>
@@ -31628,10 +31015,10 @@
                 <a:latin typeface="G마켓 산스 Medium" panose="02000000000000000000" pitchFamily="50" charset="-127"/>
                 <a:ea typeface="G마켓 산스 Medium" panose="02000000000000000000" pitchFamily="50" charset="-127"/>
               </a:rPr>
-              <a:t>클래스는 </a:t>
-            </a:r>
-            <a:r>
-              <a:rPr lang="ko-KR" altLang="en-US" sz="3200" smtClean="0">
+              <a:t>자원을 </a:t>
+            </a:r>
+            <a:r>
+              <a:rPr lang="ko-KR" altLang="en-US" sz="3200">
                 <a:solidFill>
                   <a:schemeClr val="tx1">
                     <a:lumMod val="50000"/>
@@ -31641,10 +31028,10 @@
                 <a:latin typeface="G마켓 산스 Medium" panose="02000000000000000000" pitchFamily="50" charset="-127"/>
                 <a:ea typeface="G마켓 산스 Medium" panose="02000000000000000000" pitchFamily="50" charset="-127"/>
               </a:rPr>
-              <a:t>여러 개의 객체가 생성되지 못하게 막아 한 개의 객체를 돌려쓰며  서버의 </a:t>
-            </a:r>
-            <a:r>
-              <a:rPr lang="ko-KR" altLang="en-US" sz="3200" dirty="0" smtClean="0">
+              <a:t>절약한다</a:t>
+            </a:r>
+            <a:r>
+              <a:rPr lang="en-US" altLang="ko-KR" sz="3200">
                 <a:solidFill>
                   <a:schemeClr val="tx1">
                     <a:lumMod val="50000"/>
@@ -31654,10 +31041,10 @@
                 <a:latin typeface="G마켓 산스 Medium" panose="02000000000000000000" pitchFamily="50" charset="-127"/>
                 <a:ea typeface="G마켓 산스 Medium" panose="02000000000000000000" pitchFamily="50" charset="-127"/>
               </a:rPr>
-              <a:t>자원을 </a:t>
-            </a:r>
-            <a:r>
-              <a:rPr lang="ko-KR" altLang="en-US" sz="3200" smtClean="0">
+              <a:t>.  </a:t>
+            </a:r>
+            <a:r>
+              <a:rPr lang="ko-KR" altLang="en-US" sz="3200">
                 <a:solidFill>
                   <a:schemeClr val="tx1">
                     <a:lumMod val="50000"/>
@@ -31667,10 +31054,10 @@
                 <a:latin typeface="G마켓 산스 Medium" panose="02000000000000000000" pitchFamily="50" charset="-127"/>
                 <a:ea typeface="G마켓 산스 Medium" panose="02000000000000000000" pitchFamily="50" charset="-127"/>
               </a:rPr>
-              <a:t>절약한다</a:t>
-            </a:r>
-            <a:r>
-              <a:rPr lang="en-US" altLang="ko-KR" sz="3200" smtClean="0">
+              <a:t>이러한 </a:t>
+            </a:r>
+            <a:r>
+              <a:rPr lang="ko-KR" altLang="en-US" sz="3200" dirty="0">
                 <a:solidFill>
                   <a:schemeClr val="tx1">
                     <a:lumMod val="50000"/>
@@ -31680,10 +31067,10 @@
                 <a:latin typeface="G마켓 산스 Medium" panose="02000000000000000000" pitchFamily="50" charset="-127"/>
                 <a:ea typeface="G마켓 산스 Medium" panose="02000000000000000000" pitchFamily="50" charset="-127"/>
               </a:rPr>
-              <a:t>.</a:t>
-            </a:r>
-            <a:r>
-              <a:rPr lang="en-US" altLang="ko-KR" sz="3200">
+              <a:t>구조를 체계화 해놓은 것이 </a:t>
+            </a:r>
+            <a:r>
+              <a:rPr lang="ko-KR" altLang="en-US" sz="3200" dirty="0" err="1">
                 <a:solidFill>
                   <a:schemeClr val="tx1">
                     <a:lumMod val="50000"/>
@@ -31693,10 +31080,10 @@
                 <a:latin typeface="G마켓 산스 Medium" panose="02000000000000000000" pitchFamily="50" charset="-127"/>
                 <a:ea typeface="G마켓 산스 Medium" panose="02000000000000000000" pitchFamily="50" charset="-127"/>
               </a:rPr>
-              <a:t> </a:t>
-            </a:r>
-            <a:r>
-              <a:rPr lang="en-US" altLang="ko-KR" sz="3200" smtClean="0">
+              <a:t>디자인패턴중</a:t>
+            </a:r>
+            <a:r>
+              <a:rPr lang="ko-KR" altLang="en-US" sz="3200" dirty="0">
                 <a:solidFill>
                   <a:schemeClr val="tx1">
                     <a:lumMod val="50000"/>
@@ -31709,7 +31096,7 @@
               <a:t> </a:t>
             </a:r>
             <a:r>
-              <a:rPr lang="ko-KR" altLang="en-US" sz="3200" smtClean="0">
+              <a:rPr lang="ko-KR" altLang="en-US" sz="3200" dirty="0" err="1">
                 <a:solidFill>
                   <a:schemeClr val="tx1">
                     <a:lumMod val="50000"/>
@@ -31719,10 +31106,10 @@
                 <a:latin typeface="G마켓 산스 Medium" panose="02000000000000000000" pitchFamily="50" charset="-127"/>
                 <a:ea typeface="G마켓 산스 Medium" panose="02000000000000000000" pitchFamily="50" charset="-127"/>
               </a:rPr>
-              <a:t>이러한 </a:t>
-            </a:r>
-            <a:r>
-              <a:rPr lang="ko-KR" altLang="en-US" sz="3200" dirty="0">
+              <a:t>싱글톤패턴이다</a:t>
+            </a:r>
+            <a:r>
+              <a:rPr lang="en-US" altLang="ko-KR" sz="3200" dirty="0">
                 <a:solidFill>
                   <a:schemeClr val="tx1">
                     <a:lumMod val="50000"/>
@@ -31732,10 +31119,12 @@
                 <a:latin typeface="G마켓 산스 Medium" panose="02000000000000000000" pitchFamily="50" charset="-127"/>
                 <a:ea typeface="G마켓 산스 Medium" panose="02000000000000000000" pitchFamily="50" charset="-127"/>
               </a:rPr>
-              <a:t>구조를 체계화 </a:t>
-            </a:r>
-            <a:r>
-              <a:rPr lang="ko-KR" altLang="en-US" sz="3200" dirty="0" smtClean="0">
+              <a:t>.</a:t>
+            </a:r>
+          </a:p>
+          <a:p>
+            <a:r>
+              <a:rPr lang="en-US" altLang="ko-KR" sz="3200" dirty="0" err="1">
                 <a:solidFill>
                   <a:schemeClr val="tx1">
                     <a:lumMod val="50000"/>
@@ -31745,10 +31134,10 @@
                 <a:latin typeface="G마켓 산스 Medium" panose="02000000000000000000" pitchFamily="50" charset="-127"/>
                 <a:ea typeface="G마켓 산스 Medium" panose="02000000000000000000" pitchFamily="50" charset="-127"/>
               </a:rPr>
-              <a:t>해놓은 것이 </a:t>
-            </a:r>
-            <a:r>
-              <a:rPr lang="ko-KR" altLang="en-US" sz="3200" dirty="0" err="1">
+              <a:t>getInstance</a:t>
+            </a:r>
+            <a:r>
+              <a:rPr lang="en-US" altLang="ko-KR" sz="3200" dirty="0">
                 <a:solidFill>
                   <a:schemeClr val="tx1">
                     <a:lumMod val="50000"/>
@@ -31758,10 +31147,10 @@
                 <a:latin typeface="G마켓 산스 Medium" panose="02000000000000000000" pitchFamily="50" charset="-127"/>
                 <a:ea typeface="G마켓 산스 Medium" panose="02000000000000000000" pitchFamily="50" charset="-127"/>
               </a:rPr>
-              <a:t>디자인패턴중</a:t>
-            </a:r>
-            <a:r>
-              <a:rPr lang="ko-KR" altLang="en-US" sz="3200" dirty="0">
+              <a:t>() </a:t>
+            </a:r>
+            <a:r>
+              <a:rPr lang="ko-KR" altLang="en-US" sz="3200" dirty="0" err="1">
                 <a:solidFill>
                   <a:schemeClr val="tx1">
                     <a:lumMod val="50000"/>
@@ -31771,10 +31160,10 @@
                 <a:latin typeface="G마켓 산스 Medium" panose="02000000000000000000" pitchFamily="50" charset="-127"/>
                 <a:ea typeface="G마켓 산스 Medium" panose="02000000000000000000" pitchFamily="50" charset="-127"/>
               </a:rPr>
-              <a:t> </a:t>
-            </a:r>
-            <a:r>
-              <a:rPr lang="ko-KR" altLang="en-US" sz="3200" dirty="0" err="1">
+              <a:t>메서드를</a:t>
+            </a:r>
+            <a:r>
+              <a:rPr lang="ko-KR" altLang="en-US" sz="3200" dirty="0">
                 <a:solidFill>
                   <a:schemeClr val="tx1">
                     <a:lumMod val="50000"/>
@@ -31784,7 +31173,7 @@
                 <a:latin typeface="G마켓 산스 Medium" panose="02000000000000000000" pitchFamily="50" charset="-127"/>
                 <a:ea typeface="G마켓 산스 Medium" panose="02000000000000000000" pitchFamily="50" charset="-127"/>
               </a:rPr>
-              <a:t>싱글톤패턴이다</a:t>
+              <a:t> 만들어 객체는 항상 </a:t>
             </a:r>
             <a:r>
               <a:rPr lang="en-US" altLang="ko-KR" sz="3200" dirty="0">
@@ -31797,12 +31186,10 @@
                 <a:latin typeface="G마켓 산스 Medium" panose="02000000000000000000" pitchFamily="50" charset="-127"/>
                 <a:ea typeface="G마켓 산스 Medium" panose="02000000000000000000" pitchFamily="50" charset="-127"/>
               </a:rPr>
-              <a:t>.</a:t>
-            </a:r>
-          </a:p>
-          <a:p>
-            <a:r>
-              <a:rPr lang="en-US" altLang="ko-KR" sz="3200" dirty="0" err="1" smtClean="0">
+              <a:t>1</a:t>
+            </a:r>
+            <a:r>
+              <a:rPr lang="ko-KR" altLang="en-US" sz="3200" dirty="0">
                 <a:solidFill>
                   <a:schemeClr val="tx1">
                     <a:lumMod val="50000"/>
@@ -31812,7 +31199,7 @@
                 <a:latin typeface="G마켓 산스 Medium" panose="02000000000000000000" pitchFamily="50" charset="-127"/>
                 <a:ea typeface="G마켓 산스 Medium" panose="02000000000000000000" pitchFamily="50" charset="-127"/>
               </a:rPr>
-              <a:t>getInstance</a:t>
+              <a:t>개만 유지되도록 하자</a:t>
             </a:r>
             <a:r>
               <a:rPr lang="en-US" altLang="ko-KR" sz="3200" dirty="0">
@@ -31825,10 +31212,12 @@
                 <a:latin typeface="G마켓 산스 Medium" panose="02000000000000000000" pitchFamily="50" charset="-127"/>
                 <a:ea typeface="G마켓 산스 Medium" panose="02000000000000000000" pitchFamily="50" charset="-127"/>
               </a:rPr>
-              <a:t>() </a:t>
-            </a:r>
-            <a:r>
-              <a:rPr lang="ko-KR" altLang="en-US" sz="3200" dirty="0" err="1">
+              <a:t>.</a:t>
+            </a:r>
+          </a:p>
+          <a:p>
+            <a:r>
+              <a:rPr lang="en-US" altLang="ko-KR" sz="3200" dirty="0">
                 <a:solidFill>
                   <a:schemeClr val="tx1">
                     <a:lumMod val="50000"/>
@@ -31838,7 +31227,7 @@
                 <a:latin typeface="G마켓 산스 Medium" panose="02000000000000000000" pitchFamily="50" charset="-127"/>
                 <a:ea typeface="G마켓 산스 Medium" panose="02000000000000000000" pitchFamily="50" charset="-127"/>
               </a:rPr>
-              <a:t>메서드를</a:t>
+              <a:t>Static</a:t>
             </a:r>
             <a:r>
               <a:rPr lang="ko-KR" altLang="en-US" sz="3200" dirty="0">
@@ -31851,7 +31240,7 @@
                 <a:latin typeface="G마켓 산스 Medium" panose="02000000000000000000" pitchFamily="50" charset="-127"/>
                 <a:ea typeface="G마켓 산스 Medium" panose="02000000000000000000" pitchFamily="50" charset="-127"/>
               </a:rPr>
-              <a:t> 만들어 객체는 항상 </a:t>
+              <a:t>과 </a:t>
             </a:r>
             <a:r>
               <a:rPr lang="en-US" altLang="ko-KR" sz="3200" dirty="0">
@@ -31864,7 +31253,7 @@
                 <a:latin typeface="G마켓 산스 Medium" panose="02000000000000000000" pitchFamily="50" charset="-127"/>
                 <a:ea typeface="G마켓 산스 Medium" panose="02000000000000000000" pitchFamily="50" charset="-127"/>
               </a:rPr>
-              <a:t>1</a:t>
+              <a:t>private</a:t>
             </a:r>
             <a:r>
               <a:rPr lang="ko-KR" altLang="en-US" sz="3200" dirty="0">
@@ -31877,7 +31266,7 @@
                 <a:latin typeface="G마켓 산스 Medium" panose="02000000000000000000" pitchFamily="50" charset="-127"/>
                 <a:ea typeface="G마켓 산스 Medium" panose="02000000000000000000" pitchFamily="50" charset="-127"/>
               </a:rPr>
-              <a:t>개만 유지되도록 하자</a:t>
+              <a:t>를 활용하자</a:t>
             </a:r>
             <a:r>
               <a:rPr lang="en-US" altLang="ko-KR" sz="3200" dirty="0">
@@ -31894,105 +31283,12 @@
             </a:r>
           </a:p>
           <a:p>
-            <a:r>
-              <a:rPr lang="en-US" altLang="ko-KR" sz="3200" dirty="0" smtClean="0">
-                <a:solidFill>
-                  <a:schemeClr val="tx1">
-                    <a:lumMod val="50000"/>
-                    <a:lumOff val="50000"/>
-                  </a:schemeClr>
-                </a:solidFill>
-                <a:latin typeface="G마켓 산스 Medium" panose="02000000000000000000" pitchFamily="50" charset="-127"/>
-                <a:ea typeface="G마켓 산스 Medium" panose="02000000000000000000" pitchFamily="50" charset="-127"/>
-              </a:rPr>
-              <a:t>Stati</a:t>
-            </a:r>
-            <a:r>
-              <a:rPr lang="en-US" altLang="ko-KR" sz="3200" dirty="0">
-                <a:solidFill>
-                  <a:schemeClr val="tx1">
-                    <a:lumMod val="50000"/>
-                    <a:lumOff val="50000"/>
-                  </a:schemeClr>
-                </a:solidFill>
-                <a:latin typeface="G마켓 산스 Medium" panose="02000000000000000000" pitchFamily="50" charset="-127"/>
-                <a:ea typeface="G마켓 산스 Medium" panose="02000000000000000000" pitchFamily="50" charset="-127"/>
-              </a:rPr>
-              <a:t>c</a:t>
-            </a:r>
-            <a:r>
-              <a:rPr lang="ko-KR" altLang="en-US" sz="3200" dirty="0" smtClean="0">
-                <a:solidFill>
-                  <a:schemeClr val="tx1">
-                    <a:lumMod val="50000"/>
-                    <a:lumOff val="50000"/>
-                  </a:schemeClr>
-                </a:solidFill>
-                <a:latin typeface="G마켓 산스 Medium" panose="02000000000000000000" pitchFamily="50" charset="-127"/>
-                <a:ea typeface="G마켓 산스 Medium" panose="02000000000000000000" pitchFamily="50" charset="-127"/>
-              </a:rPr>
-              <a:t>과 </a:t>
-            </a:r>
-            <a:r>
-              <a:rPr lang="en-US" altLang="ko-KR" sz="3200" dirty="0" smtClean="0">
-                <a:solidFill>
-                  <a:schemeClr val="tx1">
-                    <a:lumMod val="50000"/>
-                    <a:lumOff val="50000"/>
-                  </a:schemeClr>
-                </a:solidFill>
-                <a:latin typeface="G마켓 산스 Medium" panose="02000000000000000000" pitchFamily="50" charset="-127"/>
-                <a:ea typeface="G마켓 산스 Medium" panose="02000000000000000000" pitchFamily="50" charset="-127"/>
-              </a:rPr>
-              <a:t>private</a:t>
-            </a:r>
-            <a:r>
-              <a:rPr lang="ko-KR" altLang="en-US" sz="3200" dirty="0" smtClean="0">
-                <a:solidFill>
-                  <a:schemeClr val="tx1">
-                    <a:lumMod val="50000"/>
-                    <a:lumOff val="50000"/>
-                  </a:schemeClr>
-                </a:solidFill>
-                <a:latin typeface="G마켓 산스 Medium" panose="02000000000000000000" pitchFamily="50" charset="-127"/>
-                <a:ea typeface="G마켓 산스 Medium" panose="02000000000000000000" pitchFamily="50" charset="-127"/>
-              </a:rPr>
-              <a:t>를 </a:t>
-            </a:r>
-            <a:r>
-              <a:rPr lang="ko-KR" altLang="en-US" sz="3200" dirty="0">
-                <a:solidFill>
-                  <a:schemeClr val="tx1">
-                    <a:lumMod val="50000"/>
-                    <a:lumOff val="50000"/>
-                  </a:schemeClr>
-                </a:solidFill>
-                <a:latin typeface="G마켓 산스 Medium" panose="02000000000000000000" pitchFamily="50" charset="-127"/>
-                <a:ea typeface="G마켓 산스 Medium" panose="02000000000000000000" pitchFamily="50" charset="-127"/>
-              </a:rPr>
-              <a:t>활용하자</a:t>
-            </a:r>
-            <a:r>
-              <a:rPr lang="en-US" altLang="ko-KR" sz="3200" dirty="0" smtClean="0">
-                <a:solidFill>
-                  <a:schemeClr val="tx1">
-                    <a:lumMod val="50000"/>
-                    <a:lumOff val="50000"/>
-                  </a:schemeClr>
-                </a:solidFill>
-                <a:latin typeface="G마켓 산스 Medium" panose="02000000000000000000" pitchFamily="50" charset="-127"/>
-                <a:ea typeface="G마켓 산스 Medium" panose="02000000000000000000" pitchFamily="50" charset="-127"/>
-              </a:rPr>
-              <a:t>.</a:t>
-            </a:r>
-          </a:p>
-          <a:p>
             <a:pPr marL="457200" indent="-457200">
               <a:buFontTx/>
               <a:buChar char="-"/>
             </a:pPr>
             <a:r>
-              <a:rPr lang="ko-KR" altLang="en-US" sz="3200" dirty="0" err="1" smtClean="0">
+              <a:rPr lang="ko-KR" altLang="en-US" sz="3200" dirty="0" err="1">
                 <a:solidFill>
                   <a:srgbClr val="FF0000"/>
                 </a:solidFill>
@@ -32002,7 +31298,7 @@
               <a:t>생성자를</a:t>
             </a:r>
             <a:r>
-              <a:rPr lang="ko-KR" altLang="en-US" sz="3200" dirty="0" smtClean="0">
+              <a:rPr lang="ko-KR" altLang="en-US" sz="3200" dirty="0">
                 <a:solidFill>
                   <a:srgbClr val="FF0000"/>
                 </a:solidFill>
@@ -32012,7 +31308,7 @@
               <a:t> 직접 </a:t>
             </a:r>
             <a:r>
-              <a:rPr lang="ko-KR" altLang="en-US" sz="3200" dirty="0" err="1" smtClean="0">
+              <a:rPr lang="ko-KR" altLang="en-US" sz="3200" dirty="0" err="1">
                 <a:solidFill>
                   <a:srgbClr val="FF0000"/>
                 </a:solidFill>
@@ -32022,7 +31318,7 @@
               <a:t>사용못하게</a:t>
             </a:r>
             <a:r>
-              <a:rPr lang="ko-KR" altLang="en-US" sz="3200" dirty="0" smtClean="0">
+              <a:rPr lang="ko-KR" altLang="en-US" sz="3200" dirty="0">
                 <a:solidFill>
                   <a:srgbClr val="FF0000"/>
                 </a:solidFill>
@@ -32032,7 +31328,7 @@
               <a:t> 막아야 한다</a:t>
             </a:r>
             <a:r>
-              <a:rPr lang="en-US" altLang="ko-KR" sz="3200" dirty="0" smtClean="0">
+              <a:rPr lang="en-US" altLang="ko-KR" sz="3200" dirty="0">
                 <a:solidFill>
                   <a:srgbClr val="FF0000"/>
                 </a:solidFill>
@@ -32048,7 +31344,7 @@
               <a:buChar char="-"/>
             </a:pPr>
             <a:r>
-              <a:rPr lang="en-US" altLang="ko-KR" sz="3200" dirty="0" err="1" smtClean="0">
+              <a:rPr lang="en-US" altLang="ko-KR" sz="3200" dirty="0" err="1">
                 <a:solidFill>
                   <a:srgbClr val="FF0000"/>
                 </a:solidFill>
@@ -32058,7 +31354,7 @@
               <a:t>getInstance</a:t>
             </a:r>
             <a:r>
-              <a:rPr lang="en-US" altLang="ko-KR" sz="3200" dirty="0" smtClean="0">
+              <a:rPr lang="en-US" altLang="ko-KR" sz="3200" dirty="0">
                 <a:solidFill>
                   <a:srgbClr val="FF0000"/>
                 </a:solidFill>
@@ -32068,7 +31364,7 @@
               <a:t>() </a:t>
             </a:r>
             <a:r>
-              <a:rPr lang="ko-KR" altLang="en-US" sz="3200" dirty="0" err="1" smtClean="0">
+              <a:rPr lang="ko-KR" altLang="en-US" sz="3200" dirty="0" err="1">
                 <a:solidFill>
                   <a:srgbClr val="FF0000"/>
                 </a:solidFill>
@@ -32078,7 +31374,7 @@
               <a:t>메서드를</a:t>
             </a:r>
             <a:r>
-              <a:rPr lang="ko-KR" altLang="en-US" sz="3200" dirty="0" smtClean="0">
+              <a:rPr lang="ko-KR" altLang="en-US" sz="3200" dirty="0">
                 <a:solidFill>
                   <a:srgbClr val="FF0000"/>
                 </a:solidFill>
@@ -32088,7 +31384,7 @@
               <a:t> 통해서만 객체를 </a:t>
             </a:r>
             <a:r>
-              <a:rPr lang="ko-KR" altLang="en-US" sz="3200" dirty="0" err="1" smtClean="0">
+              <a:rPr lang="ko-KR" altLang="en-US" sz="3200" dirty="0" err="1">
                 <a:solidFill>
                   <a:srgbClr val="FF0000"/>
                 </a:solidFill>
@@ -32098,7 +31394,7 @@
               <a:t>가져갈수</a:t>
             </a:r>
             <a:r>
-              <a:rPr lang="ko-KR" altLang="en-US" sz="3200" dirty="0" smtClean="0">
+              <a:rPr lang="ko-KR" altLang="en-US" sz="3200" dirty="0">
                 <a:solidFill>
                   <a:srgbClr val="FF0000"/>
                 </a:solidFill>
@@ -32108,7 +31404,7 @@
               <a:t> 있도록 해야 한다</a:t>
             </a:r>
             <a:r>
-              <a:rPr lang="en-US" altLang="ko-KR" sz="3200" dirty="0" smtClean="0">
+              <a:rPr lang="en-US" altLang="ko-KR" sz="3200" dirty="0">
                 <a:solidFill>
                   <a:srgbClr val="FF0000"/>
                 </a:solidFill>
@@ -32124,7 +31420,7 @@
               <a:buChar char="-"/>
             </a:pPr>
             <a:r>
-              <a:rPr lang="en-US" altLang="ko-KR" sz="3200" dirty="0" smtClean="0">
+              <a:rPr lang="en-US" altLang="ko-KR" sz="3200" dirty="0">
                 <a:solidFill>
                   <a:srgbClr val="FF0000"/>
                 </a:solidFill>
@@ -32134,7 +31430,7 @@
               <a:t>Static</a:t>
             </a:r>
             <a:r>
-              <a:rPr lang="ko-KR" altLang="en-US" sz="3200" dirty="0" smtClean="0">
+              <a:rPr lang="ko-KR" altLang="en-US" sz="3200" dirty="0">
                 <a:solidFill>
                   <a:srgbClr val="FF0000"/>
                 </a:solidFill>
@@ -32206,7 +31502,7 @@
           <p:cNvPr id="5" name="TextBox 4">
             <a:extLst>
               <a:ext uri="{FF2B5EF4-FFF2-40B4-BE49-F238E27FC236}">
-                <a16:creationId xmlns:a16="http://schemas.microsoft.com/office/drawing/2014/main" xmlns="" id="{69196D22-2A4C-4EF6-5A42-2031D7FEF549}"/>
+                <a16:creationId xmlns:a16="http://schemas.microsoft.com/office/drawing/2014/main" id="{69196D22-2A4C-4EF6-5A42-2031D7FEF549}"/>
               </a:ext>
             </a:extLst>
           </p:cNvPr>
@@ -32230,7 +31526,7 @@
           <a:lstStyle/>
           <a:p>
             <a:r>
-              <a:rPr lang="en-US" altLang="ko-KR" sz="5400" spc="-300" smtClean="0">
+              <a:rPr lang="en-US" altLang="ko-KR" sz="5400" spc="-300">
                 <a:solidFill>
                   <a:srgbClr val="4C50BC"/>
                 </a:solidFill>
@@ -32240,7 +31536,7 @@
               <a:t>2-3 </a:t>
             </a:r>
             <a:r>
-              <a:rPr lang="ko-KR" altLang="en-US" sz="5400" spc="-300" smtClean="0">
+              <a:rPr lang="ko-KR" altLang="en-US" sz="5400" spc="-300">
                 <a:solidFill>
                   <a:srgbClr val="4C50BC"/>
                 </a:solidFill>
@@ -32250,7 +31546,7 @@
               <a:t>실습문제</a:t>
             </a:r>
             <a:r>
-              <a:rPr lang="en-US" altLang="ko-KR" sz="5400" spc="-300" smtClean="0">
+              <a:rPr lang="en-US" altLang="ko-KR" sz="5400" spc="-300">
                 <a:solidFill>
                   <a:srgbClr val="FF0000"/>
                 </a:solidFill>
@@ -32274,7 +31570,7 @@
           <p:cNvPr id="6" name="직선 연결선 5">
             <a:extLst>
               <a:ext uri="{FF2B5EF4-FFF2-40B4-BE49-F238E27FC236}">
-                <a16:creationId xmlns:a16="http://schemas.microsoft.com/office/drawing/2014/main" xmlns="" id="{DDFA97EB-659B-5D0A-D41B-496A6FF66D9E}"/>
+                <a16:creationId xmlns:a16="http://schemas.microsoft.com/office/drawing/2014/main" id="{DDFA97EB-659B-5D0A-D41B-496A6FF66D9E}"/>
               </a:ext>
             </a:extLst>
           </p:cNvPr>
@@ -32322,13 +31618,6 @@
   <p:clrMapOvr>
     <a:masterClrMapping/>
   </p:clrMapOvr>
-  <p:timing>
-    <p:tnLst>
-      <p:par>
-        <p:cTn id="1" dur="indefinite" restart="never" nodeType="tmRoot"/>
-      </p:par>
-    </p:tnLst>
-  </p:timing>
 </p:sld>
 </file>
 
@@ -32378,7 +31667,7 @@
           <p:cNvPr id="6" name="직선 화살표 연결선 5">
             <a:extLst>
               <a:ext uri="{FF2B5EF4-FFF2-40B4-BE49-F238E27FC236}">
-                <a16:creationId xmlns="" xmlns:a16="http://schemas.microsoft.com/office/drawing/2014/main" id="{299DF5EC-9DF4-5255-06AC-0A7CE4FF58C3}"/>
+                <a16:creationId xmlns:a16="http://schemas.microsoft.com/office/drawing/2014/main" id="{299DF5EC-9DF4-5255-06AC-0A7CE4FF58C3}"/>
               </a:ext>
             </a:extLst>
           </p:cNvPr>
@@ -32419,7 +31708,7 @@
           <p:cNvPr id="7" name="TextBox 6">
             <a:extLst>
               <a:ext uri="{FF2B5EF4-FFF2-40B4-BE49-F238E27FC236}">
-                <a16:creationId xmlns="" xmlns:a16="http://schemas.microsoft.com/office/drawing/2014/main" id="{C6D113C6-EA5C-788F-0C77-E7CE6EBB865F}"/>
+                <a16:creationId xmlns:a16="http://schemas.microsoft.com/office/drawing/2014/main" id="{C6D113C6-EA5C-788F-0C77-E7CE6EBB865F}"/>
               </a:ext>
             </a:extLst>
           </p:cNvPr>
@@ -32497,7 +31786,7 @@
           <p:cNvPr id="9" name="TextBox 8">
             <a:extLst>
               <a:ext uri="{FF2B5EF4-FFF2-40B4-BE49-F238E27FC236}">
-                <a16:creationId xmlns:a16="http://schemas.microsoft.com/office/drawing/2014/main" xmlns="" id="{69196D22-2A4C-4EF6-5A42-2031D7FEF549}"/>
+                <a16:creationId xmlns:a16="http://schemas.microsoft.com/office/drawing/2014/main" id="{69196D22-2A4C-4EF6-5A42-2031D7FEF549}"/>
               </a:ext>
             </a:extLst>
           </p:cNvPr>
@@ -32521,7 +31810,7 @@
           <a:lstStyle/>
           <a:p>
             <a:r>
-              <a:rPr lang="en-US" altLang="ko-KR" sz="5400" spc="-300" smtClean="0">
+              <a:rPr lang="en-US" altLang="ko-KR" sz="5400" spc="-300">
                 <a:solidFill>
                   <a:srgbClr val="4C50BC"/>
                 </a:solidFill>
@@ -32531,7 +31820,7 @@
               <a:t>2-3 </a:t>
             </a:r>
             <a:r>
-              <a:rPr lang="ko-KR" altLang="en-US" sz="5400" spc="-300" smtClean="0">
+              <a:rPr lang="ko-KR" altLang="en-US" sz="5400" spc="-300">
                 <a:solidFill>
                   <a:srgbClr val="4C50BC"/>
                 </a:solidFill>
@@ -32541,7 +31830,7 @@
               <a:t>문제풀이</a:t>
             </a:r>
             <a:r>
-              <a:rPr lang="en-US" altLang="ko-KR" sz="5400" spc="-300" smtClean="0">
+              <a:rPr lang="en-US" altLang="ko-KR" sz="5400" spc="-300">
                 <a:solidFill>
                   <a:srgbClr val="FF0000"/>
                 </a:solidFill>
@@ -32565,7 +31854,7 @@
           <p:cNvPr id="10" name="직선 연결선 9">
             <a:extLst>
               <a:ext uri="{FF2B5EF4-FFF2-40B4-BE49-F238E27FC236}">
-                <a16:creationId xmlns:a16="http://schemas.microsoft.com/office/drawing/2014/main" xmlns="" id="{DDFA97EB-659B-5D0A-D41B-496A6FF66D9E}"/>
+                <a16:creationId xmlns:a16="http://schemas.microsoft.com/office/drawing/2014/main" id="{DDFA97EB-659B-5D0A-D41B-496A6FF66D9E}"/>
               </a:ext>
             </a:extLst>
           </p:cNvPr>
@@ -32608,7 +31897,7 @@
           <p:cNvPr id="11" name="직사각형 10">
             <a:extLst>
               <a:ext uri="{FF2B5EF4-FFF2-40B4-BE49-F238E27FC236}">
-                <a16:creationId xmlns:a16="http://schemas.microsoft.com/office/drawing/2014/main" xmlns="" id="{361FA442-8171-4EBF-65A2-19C90654959D}"/>
+                <a16:creationId xmlns:a16="http://schemas.microsoft.com/office/drawing/2014/main" id="{361FA442-8171-4EBF-65A2-19C90654959D}"/>
               </a:ext>
             </a:extLst>
           </p:cNvPr>
@@ -32844,7 +32133,7 @@
           <p:cNvPr id="4" name="TextBox 3">
             <a:extLst>
               <a:ext uri="{FF2B5EF4-FFF2-40B4-BE49-F238E27FC236}">
-                <a16:creationId xmlns="" xmlns:a16="http://schemas.microsoft.com/office/drawing/2014/main" id="{DF7DDD33-9412-2802-339A-E55446AC2DA7}"/>
+                <a16:creationId xmlns:a16="http://schemas.microsoft.com/office/drawing/2014/main" id="{DF7DDD33-9412-2802-339A-E55446AC2DA7}"/>
               </a:ext>
             </a:extLst>
           </p:cNvPr>
@@ -32917,13 +32206,6 @@
   <p:clrMapOvr>
     <a:masterClrMapping/>
   </p:clrMapOvr>
-  <p:timing>
-    <p:tnLst>
-      <p:par>
-        <p:cTn id="1" dur="indefinite" restart="never" nodeType="tmRoot"/>
-      </p:par>
-    </p:tnLst>
-  </p:timing>
 </p:sld>
 </file>
 
@@ -32949,7 +32231,7 @@
           <p:cNvPr id="4" name="TextBox 3">
             <a:extLst>
               <a:ext uri="{FF2B5EF4-FFF2-40B4-BE49-F238E27FC236}">
-                <a16:creationId xmlns="" xmlns:a16="http://schemas.microsoft.com/office/drawing/2014/main" id="{36328840-DB86-84D8-068F-C2C8D7FA2285}"/>
+                <a16:creationId xmlns:a16="http://schemas.microsoft.com/office/drawing/2014/main" id="{36328840-DB86-84D8-068F-C2C8D7FA2285}"/>
               </a:ext>
             </a:extLst>
           </p:cNvPr>
@@ -33010,7 +32292,7 @@
           <p:cNvPr id="5" name="직사각형 4">
             <a:extLst>
               <a:ext uri="{FF2B5EF4-FFF2-40B4-BE49-F238E27FC236}">
-                <a16:creationId xmlns="" xmlns:a16="http://schemas.microsoft.com/office/drawing/2014/main" id="{E5F0477F-4CF6-1AF2-AFA4-5EAA5706D76E}"/>
+                <a16:creationId xmlns:a16="http://schemas.microsoft.com/office/drawing/2014/main" id="{E5F0477F-4CF6-1AF2-AFA4-5EAA5706D76E}"/>
               </a:ext>
             </a:extLst>
           </p:cNvPr>
@@ -33141,7 +32423,7 @@
           <p:cNvPr id="6" name="직사각형 5">
             <a:extLst>
               <a:ext uri="{FF2B5EF4-FFF2-40B4-BE49-F238E27FC236}">
-                <a16:creationId xmlns="" xmlns:a16="http://schemas.microsoft.com/office/drawing/2014/main" id="{5B5C1BCF-9BFF-9359-D461-3CCB09841A95}"/>
+                <a16:creationId xmlns:a16="http://schemas.microsoft.com/office/drawing/2014/main" id="{5B5C1BCF-9BFF-9359-D461-3CCB09841A95}"/>
               </a:ext>
             </a:extLst>
           </p:cNvPr>
@@ -33267,33 +32549,7 @@
                 <a:latin typeface="G마켓 산스 Medium" panose="02000000000000000000" pitchFamily="50" charset="-127"/>
                 <a:ea typeface="G마켓 산스 Medium" panose="02000000000000000000" pitchFamily="50" charset="-127"/>
               </a:rPr>
-              <a:t> </a:t>
-            </a:r>
-            <a:r>
-              <a:rPr lang="ko-KR" altLang="en-US" sz="3600" dirty="0" smtClean="0">
-                <a:solidFill>
-                  <a:schemeClr val="tx1">
-                    <a:lumMod val="50000"/>
-                    <a:lumOff val="50000"/>
-                  </a:schemeClr>
-                </a:solidFill>
-                <a:latin typeface="G마켓 산스 Medium" panose="02000000000000000000" pitchFamily="50" charset="-127"/>
-                <a:ea typeface="G마켓 산스 Medium" panose="02000000000000000000" pitchFamily="50" charset="-127"/>
-              </a:rPr>
-              <a:t>객체를 </a:t>
-            </a:r>
-            <a:r>
-              <a:rPr lang="ko-KR" altLang="en-US" sz="3600" dirty="0">
-                <a:solidFill>
-                  <a:schemeClr val="tx1">
-                    <a:lumMod val="50000"/>
-                    <a:lumOff val="50000"/>
-                  </a:schemeClr>
-                </a:solidFill>
-                <a:latin typeface="G마켓 산스 Medium" panose="02000000000000000000" pitchFamily="50" charset="-127"/>
-                <a:ea typeface="G마켓 산스 Medium" panose="02000000000000000000" pitchFamily="50" charset="-127"/>
-              </a:rPr>
-              <a:t>관리한다</a:t>
+              <a:t> 객체를 관리한다</a:t>
             </a:r>
             <a:r>
               <a:rPr lang="en-US" altLang="ko-KR" sz="3600" dirty="0">
@@ -33316,7 +32572,7 @@
           <p:cNvPr id="7" name="직사각형 6">
             <a:extLst>
               <a:ext uri="{FF2B5EF4-FFF2-40B4-BE49-F238E27FC236}">
-                <a16:creationId xmlns:a16="http://schemas.microsoft.com/office/drawing/2014/main" xmlns="" id="{361FA442-8171-4EBF-65A2-19C90654959D}"/>
+                <a16:creationId xmlns:a16="http://schemas.microsoft.com/office/drawing/2014/main" id="{361FA442-8171-4EBF-65A2-19C90654959D}"/>
               </a:ext>
             </a:extLst>
           </p:cNvPr>
@@ -33742,7 +32998,7 @@
           <p:cNvPr id="2" name="TextBox 1">
             <a:extLst>
               <a:ext uri="{FF2B5EF4-FFF2-40B4-BE49-F238E27FC236}">
-                <a16:creationId xmlns="" xmlns:a16="http://schemas.microsoft.com/office/drawing/2014/main" id="{715D88A2-BD52-978B-A00A-540446126E3D}"/>
+                <a16:creationId xmlns:a16="http://schemas.microsoft.com/office/drawing/2014/main" id="{715D88A2-BD52-978B-A00A-540446126E3D}"/>
               </a:ext>
             </a:extLst>
           </p:cNvPr>
@@ -33790,13 +33046,6 @@
   <p:clrMapOvr>
     <a:masterClrMapping/>
   </p:clrMapOvr>
-  <p:timing>
-    <p:tnLst>
-      <p:par>
-        <p:cTn id="1" dur="indefinite" restart="never" nodeType="tmRoot"/>
-      </p:par>
-    </p:tnLst>
-  </p:timing>
 </p:sld>
 </file>
 
@@ -33846,7 +33095,7 @@
           <p:cNvPr id="10" name="직사각형 9">
             <a:extLst>
               <a:ext uri="{FF2B5EF4-FFF2-40B4-BE49-F238E27FC236}">
-                <a16:creationId xmlns="" xmlns:a16="http://schemas.microsoft.com/office/drawing/2014/main" id="{FFF506F9-840A-0508-4CAF-3AC711D8D5CE}"/>
+                <a16:creationId xmlns:a16="http://schemas.microsoft.com/office/drawing/2014/main" id="{FFF506F9-840A-0508-4CAF-3AC711D8D5CE}"/>
               </a:ext>
             </a:extLst>
           </p:cNvPr>
@@ -33898,7 +33147,7 @@
           <p:cNvPr id="11" name="직사각형 10">
             <a:extLst>
               <a:ext uri="{FF2B5EF4-FFF2-40B4-BE49-F238E27FC236}">
-                <a16:creationId xmlns="" xmlns:a16="http://schemas.microsoft.com/office/drawing/2014/main" id="{FFF506F9-840A-0508-4CAF-3AC711D8D5CE}"/>
+                <a16:creationId xmlns:a16="http://schemas.microsoft.com/office/drawing/2014/main" id="{FFF506F9-840A-0508-4CAF-3AC711D8D5CE}"/>
               </a:ext>
             </a:extLst>
           </p:cNvPr>
@@ -33950,7 +33199,7 @@
           <p:cNvPr id="13" name="TextBox 12">
             <a:extLst>
               <a:ext uri="{FF2B5EF4-FFF2-40B4-BE49-F238E27FC236}">
-                <a16:creationId xmlns="" xmlns:a16="http://schemas.microsoft.com/office/drawing/2014/main" id="{C6D113C6-EA5C-788F-0C77-E7CE6EBB865F}"/>
+                <a16:creationId xmlns:a16="http://schemas.microsoft.com/office/drawing/2014/main" id="{C6D113C6-EA5C-788F-0C77-E7CE6EBB865F}"/>
               </a:ext>
             </a:extLst>
           </p:cNvPr>
@@ -33974,7 +33223,7 @@
           <a:lstStyle/>
           <a:p>
             <a:r>
-              <a:rPr lang="ko-KR" altLang="en-US" sz="6000" dirty="0" smtClean="0">
+              <a:rPr lang="ko-KR" altLang="en-US" sz="6000" dirty="0">
                 <a:solidFill>
                   <a:srgbClr val="FF0000"/>
                 </a:solidFill>
@@ -33984,7 +33233,7 @@
               <a:t>폴더가 다르면 파일명이 같아도 된다</a:t>
             </a:r>
             <a:r>
-              <a:rPr lang="en-US" altLang="ko-KR" sz="6000" dirty="0" smtClean="0">
+              <a:rPr lang="en-US" altLang="ko-KR" sz="6000" dirty="0">
                 <a:solidFill>
                   <a:srgbClr val="FF0000"/>
                 </a:solidFill>
@@ -33993,13 +33242,6 @@
               </a:rPr>
               <a:t>.</a:t>
             </a:r>
-            <a:endParaRPr lang="en-US" altLang="ko-KR" sz="6000" dirty="0">
-              <a:solidFill>
-                <a:srgbClr val="FF0000"/>
-              </a:solidFill>
-              <a:latin typeface="G마켓 산스 TTF Bold" panose="02000000000000000000" pitchFamily="2" charset="-127"/>
-              <a:ea typeface="G마켓 산스 TTF Bold" panose="02000000000000000000" pitchFamily="2" charset="-127"/>
-            </a:endParaRPr>
           </a:p>
         </p:txBody>
       </p:sp>
@@ -34013,13 +33255,6 @@
   <p:clrMapOvr>
     <a:masterClrMapping/>
   </p:clrMapOvr>
-  <p:timing>
-    <p:tnLst>
-      <p:par>
-        <p:cTn id="1" dur="indefinite" restart="never" nodeType="tmRoot"/>
-      </p:par>
-    </p:tnLst>
-  </p:timing>
 </p:sld>
 </file>
 
@@ -34069,7 +33304,7 @@
           <p:cNvPr id="5" name="직사각형 4">
             <a:extLst>
               <a:ext uri="{FF2B5EF4-FFF2-40B4-BE49-F238E27FC236}">
-                <a16:creationId xmlns="" xmlns:a16="http://schemas.microsoft.com/office/drawing/2014/main" id="{FFF506F9-840A-0508-4CAF-3AC711D8D5CE}"/>
+                <a16:creationId xmlns:a16="http://schemas.microsoft.com/office/drawing/2014/main" id="{FFF506F9-840A-0508-4CAF-3AC711D8D5CE}"/>
               </a:ext>
             </a:extLst>
           </p:cNvPr>
@@ -34121,7 +33356,7 @@
           <p:cNvPr id="6" name="직사각형 5">
             <a:extLst>
               <a:ext uri="{FF2B5EF4-FFF2-40B4-BE49-F238E27FC236}">
-                <a16:creationId xmlns="" xmlns:a16="http://schemas.microsoft.com/office/drawing/2014/main" id="{FFF506F9-840A-0508-4CAF-3AC711D8D5CE}"/>
+                <a16:creationId xmlns:a16="http://schemas.microsoft.com/office/drawing/2014/main" id="{FFF506F9-840A-0508-4CAF-3AC711D8D5CE}"/>
               </a:ext>
             </a:extLst>
           </p:cNvPr>
@@ -34173,7 +33408,7 @@
           <p:cNvPr id="7" name="TextBox 6">
             <a:extLst>
               <a:ext uri="{FF2B5EF4-FFF2-40B4-BE49-F238E27FC236}">
-                <a16:creationId xmlns="" xmlns:a16="http://schemas.microsoft.com/office/drawing/2014/main" id="{C6D113C6-EA5C-788F-0C77-E7CE6EBB865F}"/>
+                <a16:creationId xmlns:a16="http://schemas.microsoft.com/office/drawing/2014/main" id="{C6D113C6-EA5C-788F-0C77-E7CE6EBB865F}"/>
               </a:ext>
             </a:extLst>
           </p:cNvPr>
@@ -34244,7 +33479,7 @@
           <p:cNvPr id="8" name="직선 화살표 연결선 7">
             <a:extLst>
               <a:ext uri="{FF2B5EF4-FFF2-40B4-BE49-F238E27FC236}">
-                <a16:creationId xmlns:a16="http://schemas.microsoft.com/office/drawing/2014/main" xmlns="" id="{299DF5EC-9DF4-5255-06AC-0A7CE4FF58C3}"/>
+                <a16:creationId xmlns:a16="http://schemas.microsoft.com/office/drawing/2014/main" id="{299DF5EC-9DF4-5255-06AC-0A7CE4FF58C3}"/>
               </a:ext>
             </a:extLst>
           </p:cNvPr>
@@ -34286,7 +33521,7 @@
           <p:cNvPr id="9" name="직선 화살표 연결선 8">
             <a:extLst>
               <a:ext uri="{FF2B5EF4-FFF2-40B4-BE49-F238E27FC236}">
-                <a16:creationId xmlns:a16="http://schemas.microsoft.com/office/drawing/2014/main" xmlns="" id="{299DF5EC-9DF4-5255-06AC-0A7CE4FF58C3}"/>
+                <a16:creationId xmlns:a16="http://schemas.microsoft.com/office/drawing/2014/main" id="{299DF5EC-9DF4-5255-06AC-0A7CE4FF58C3}"/>
               </a:ext>
             </a:extLst>
           </p:cNvPr>
@@ -34332,13 +33567,6 @@
   <p:clrMapOvr>
     <a:masterClrMapping/>
   </p:clrMapOvr>
-  <p:timing>
-    <p:tnLst>
-      <p:par>
-        <p:cTn id="1" dur="indefinite" restart="never" nodeType="tmRoot"/>
-      </p:par>
-    </p:tnLst>
-  </p:timing>
 </p:sld>
 </file>
 

--- a/JavaLecture/LectureFile/java 10강 패키지와 접근제어자.pptx
+++ b/JavaLecture/LectureFile/java 10강 패키지와 접근제어자.pptx
@@ -278,7 +278,7 @@
           <a:p>
             <a:fld id="{D79F2C30-10E1-4C46-91DC-BBDB9629E720}" type="datetimeFigureOut">
               <a:rPr lang="ko-KR" altLang="en-US" smtClean="0"/>
-              <a:t>2023-11-03 Friday</a:t>
+              <a:t>2024-04-06 Saturday</a:t>
             </a:fld>
             <a:endParaRPr lang="ko-KR" altLang="en-US"/>
           </a:p>
@@ -738,7 +738,7 @@
           <a:p>
             <a:fld id="{F8166F1F-CE9B-4651-A6AA-CD717754106B}" type="datetimeFigureOut">
               <a:rPr lang="en-US" smtClean="0"/>
-              <a:t>11/3/2023</a:t>
+              <a:t>4/6/2024</a:t>
             </a:fld>
             <a:endParaRPr lang="en-US"/>
           </a:p>
@@ -941,7 +941,7 @@
           <a:p>
             <a:fld id="{A76116CE-C4A3-4A05-B2D7-7C2E9A889C0F}" type="datetimeFigureOut">
               <a:rPr lang="en-US" smtClean="0"/>
-              <a:t>11/3/2023</a:t>
+              <a:t>4/6/2024</a:t>
             </a:fld>
             <a:endParaRPr lang="en-US"/>
           </a:p>
@@ -1144,7 +1144,7 @@
           <a:p>
             <a:fld id="{A76116CE-C4A3-4A05-B2D7-7C2E9A889C0F}" type="datetimeFigureOut">
               <a:rPr lang="en-US" smtClean="0"/>
-              <a:t>11/3/2023</a:t>
+              <a:t>4/6/2024</a:t>
             </a:fld>
             <a:endParaRPr lang="en-US"/>
           </a:p>
@@ -1349,7 +1349,7 @@
           <a:p>
             <a:fld id="{A76116CE-C4A3-4A05-B2D7-7C2E9A889C0F}" type="datetimeFigureOut">
               <a:rPr lang="en-US" smtClean="0"/>
-              <a:t>11/3/2023</a:t>
+              <a:t>4/6/2024</a:t>
             </a:fld>
             <a:endParaRPr lang="en-US"/>
           </a:p>
@@ -1619,7 +1619,7 @@
           <a:p>
             <a:fld id="{A76116CE-C4A3-4A05-B2D7-7C2E9A889C0F}" type="datetimeFigureOut">
               <a:rPr lang="en-US" smtClean="0"/>
-              <a:t>11/3/2023</a:t>
+              <a:t>4/6/2024</a:t>
             </a:fld>
             <a:endParaRPr lang="en-US"/>
           </a:p>
@@ -1937,7 +1937,7 @@
           <a:p>
             <a:fld id="{A76116CE-C4A3-4A05-B2D7-7C2E9A889C0F}" type="datetimeFigureOut">
               <a:rPr lang="en-US" smtClean="0"/>
-              <a:t>11/3/2023</a:t>
+              <a:t>4/6/2024</a:t>
             </a:fld>
             <a:endParaRPr lang="en-US"/>
           </a:p>
@@ -2395,7 +2395,7 @@
           <a:p>
             <a:fld id="{A76116CE-C4A3-4A05-B2D7-7C2E9A889C0F}" type="datetimeFigureOut">
               <a:rPr lang="en-US" smtClean="0"/>
-              <a:t>11/3/2023</a:t>
+              <a:t>4/6/2024</a:t>
             </a:fld>
             <a:endParaRPr lang="en-US"/>
           </a:p>
@@ -2539,7 +2539,7 @@
           <a:p>
             <a:fld id="{A76116CE-C4A3-4A05-B2D7-7C2E9A889C0F}" type="datetimeFigureOut">
               <a:rPr lang="en-US" smtClean="0"/>
-              <a:t>11/3/2023</a:t>
+              <a:t>4/6/2024</a:t>
             </a:fld>
             <a:endParaRPr lang="en-US"/>
           </a:p>
@@ -2653,7 +2653,7 @@
           <a:p>
             <a:fld id="{A76116CE-C4A3-4A05-B2D7-7C2E9A889C0F}" type="datetimeFigureOut">
               <a:rPr lang="en-US" smtClean="0"/>
-              <a:t>11/3/2023</a:t>
+              <a:t>4/6/2024</a:t>
             </a:fld>
             <a:endParaRPr lang="en-US"/>
           </a:p>
@@ -2956,7 +2956,7 @@
           <a:p>
             <a:fld id="{A76116CE-C4A3-4A05-B2D7-7C2E9A889C0F}" type="datetimeFigureOut">
               <a:rPr lang="en-US" smtClean="0"/>
-              <a:t>11/3/2023</a:t>
+              <a:t>4/6/2024</a:t>
             </a:fld>
             <a:endParaRPr lang="en-US"/>
           </a:p>
@@ -3236,7 +3236,7 @@
           <a:p>
             <a:fld id="{A76116CE-C4A3-4A05-B2D7-7C2E9A889C0F}" type="datetimeFigureOut">
               <a:rPr lang="en-US" smtClean="0"/>
-              <a:t>11/3/2023</a:t>
+              <a:t>4/6/2024</a:t>
             </a:fld>
             <a:endParaRPr lang="en-US"/>
           </a:p>
@@ -20594,7 +20594,7 @@
           <a:lstStyle/>
           <a:p>
             <a:r>
-              <a:rPr lang="ko-KR" altLang="en-US" sz="5400" spc="-300">
+              <a:rPr lang="ko-KR" altLang="en-US" sz="5400" spc="-300" dirty="0">
                 <a:solidFill>
                   <a:srgbClr val="4C50BC"/>
                 </a:solidFill>
@@ -25824,7 +25824,7 @@
           <a:lstStyle/>
           <a:p>
             <a:r>
-              <a:rPr lang="ko-KR" altLang="en-US" sz="4800">
+              <a:rPr lang="ko-KR" altLang="en-US" sz="4800" dirty="0">
                 <a:solidFill>
                   <a:srgbClr val="4C50BC"/>
                 </a:solidFill>
@@ -25834,17 +25834,17 @@
               <a:t>그 역할은 이미 </a:t>
             </a:r>
             <a:r>
-              <a:rPr lang="en-US" altLang="ko-KR" sz="4800">
+              <a:rPr lang="en-US" altLang="ko-KR" sz="4800" dirty="0">
                 <a:solidFill>
                   <a:srgbClr val="4C50BC"/>
                 </a:solidFill>
                 <a:latin typeface="G마켓 산스 Medium" panose="02000000000000000000" pitchFamily="50" charset="-127"/>
                 <a:ea typeface="G마켓 산스 Medium" panose="02000000000000000000" pitchFamily="50" charset="-127"/>
               </a:rPr>
-              <a:t>defaul</a:t>
-            </a:r>
-            <a:r>
-              <a:rPr lang="ko-KR" altLang="en-US" sz="4800">
+              <a:t>default</a:t>
+            </a:r>
+            <a:r>
+              <a:rPr lang="ko-KR" altLang="en-US" sz="4800" dirty="0">
                 <a:solidFill>
                   <a:srgbClr val="4C50BC"/>
                 </a:solidFill>
@@ -25854,7 +25854,7 @@
               <a:t>가 하고 있다</a:t>
             </a:r>
             <a:r>
-              <a:rPr lang="en-US" altLang="ko-KR" sz="4800">
+              <a:rPr lang="en-US" altLang="ko-KR" sz="4800" dirty="0">
                 <a:solidFill>
                   <a:srgbClr val="4C50BC"/>
                 </a:solidFill>
@@ -25866,7 +25866,7 @@
           </a:p>
           <a:p>
             <a:r>
-              <a:rPr lang="en-US" altLang="ko-KR" sz="4800">
+              <a:rPr lang="en-US" altLang="ko-KR" sz="4800" dirty="0">
                 <a:solidFill>
                   <a:srgbClr val="4C50BC"/>
                 </a:solidFill>
@@ -25876,7 +25876,7 @@
               <a:t>protected</a:t>
             </a:r>
             <a:r>
-              <a:rPr lang="ko-KR" altLang="en-US" sz="4800">
+              <a:rPr lang="ko-KR" altLang="en-US" sz="4800" dirty="0">
                 <a:solidFill>
                   <a:srgbClr val="4C50BC"/>
                 </a:solidFill>
@@ -25886,7 +25886,7 @@
               <a:t>는 사실상 상속 관계에서 유의미한 접근제어이다</a:t>
             </a:r>
             <a:r>
-              <a:rPr lang="en-US" altLang="ko-KR" sz="4800">
+              <a:rPr lang="en-US" altLang="ko-KR" sz="4800" dirty="0">
                 <a:solidFill>
                   <a:srgbClr val="4C50BC"/>
                 </a:solidFill>
@@ -25897,35 +25897,6 @@
             </a:r>
           </a:p>
           <a:p>
-            <a:endParaRPr lang="en-US" altLang="ko-KR" sz="4800">
-              <a:solidFill>
-                <a:srgbClr val="4C50BC"/>
-              </a:solidFill>
-              <a:latin typeface="G마켓 산스 Medium" panose="02000000000000000000" pitchFamily="50" charset="-127"/>
-              <a:ea typeface="G마켓 산스 Medium" panose="02000000000000000000" pitchFamily="50" charset="-127"/>
-            </a:endParaRPr>
-          </a:p>
-          <a:p>
-            <a:r>
-              <a:rPr lang="ko-KR" altLang="en-US" sz="4800">
-                <a:solidFill>
-                  <a:srgbClr val="4C50BC"/>
-                </a:solidFill>
-                <a:latin typeface="G마켓 산스 Medium" panose="02000000000000000000" pitchFamily="50" charset="-127"/>
-                <a:ea typeface="G마켓 산스 Medium" panose="02000000000000000000" pitchFamily="50" charset="-127"/>
-              </a:rPr>
-              <a:t>따라서 클래스 내부의 변수나 메서드들에만 사용해도 그 역할을 다하는것이다</a:t>
-            </a:r>
-            <a:r>
-              <a:rPr lang="en-US" altLang="ko-KR" sz="4800">
-                <a:solidFill>
-                  <a:srgbClr val="4C50BC"/>
-                </a:solidFill>
-                <a:latin typeface="G마켓 산스 Medium" panose="02000000000000000000" pitchFamily="50" charset="-127"/>
-                <a:ea typeface="G마켓 산스 Medium" panose="02000000000000000000" pitchFamily="50" charset="-127"/>
-              </a:rPr>
-              <a:t>.</a:t>
-            </a:r>
             <a:endParaRPr lang="en-US" altLang="ko-KR" sz="4800" dirty="0">
               <a:solidFill>
                 <a:srgbClr val="4C50BC"/>
@@ -25933,6 +25904,58 @@
               <a:latin typeface="G마켓 산스 Medium" panose="02000000000000000000" pitchFamily="50" charset="-127"/>
               <a:ea typeface="G마켓 산스 Medium" panose="02000000000000000000" pitchFamily="50" charset="-127"/>
             </a:endParaRPr>
+          </a:p>
+          <a:p>
+            <a:r>
+              <a:rPr lang="ko-KR" altLang="en-US" sz="4800" dirty="0">
+                <a:solidFill>
+                  <a:srgbClr val="4C50BC"/>
+                </a:solidFill>
+                <a:latin typeface="G마켓 산스 Medium" panose="02000000000000000000" pitchFamily="50" charset="-127"/>
+                <a:ea typeface="G마켓 산스 Medium" panose="02000000000000000000" pitchFamily="50" charset="-127"/>
+              </a:rPr>
+              <a:t>따라서 클래스 내부의 변수나 </a:t>
+            </a:r>
+            <a:r>
+              <a:rPr lang="ko-KR" altLang="en-US" sz="4800" dirty="0" err="1">
+                <a:solidFill>
+                  <a:srgbClr val="4C50BC"/>
+                </a:solidFill>
+                <a:latin typeface="G마켓 산스 Medium" panose="02000000000000000000" pitchFamily="50" charset="-127"/>
+                <a:ea typeface="G마켓 산스 Medium" panose="02000000000000000000" pitchFamily="50" charset="-127"/>
+              </a:rPr>
+              <a:t>메서드들에만</a:t>
+            </a:r>
+            <a:r>
+              <a:rPr lang="ko-KR" altLang="en-US" sz="4800" dirty="0">
+                <a:solidFill>
+                  <a:srgbClr val="4C50BC"/>
+                </a:solidFill>
+                <a:latin typeface="G마켓 산스 Medium" panose="02000000000000000000" pitchFamily="50" charset="-127"/>
+                <a:ea typeface="G마켓 산스 Medium" panose="02000000000000000000" pitchFamily="50" charset="-127"/>
+              </a:rPr>
+              <a:t> 사용해도 그 역할을 </a:t>
+            </a:r>
+            <a:r>
+              <a:rPr lang="ko-KR" altLang="en-US" sz="4800" dirty="0" err="1">
+                <a:solidFill>
+                  <a:srgbClr val="4C50BC"/>
+                </a:solidFill>
+                <a:latin typeface="G마켓 산스 Medium" panose="02000000000000000000" pitchFamily="50" charset="-127"/>
+                <a:ea typeface="G마켓 산스 Medium" panose="02000000000000000000" pitchFamily="50" charset="-127"/>
+              </a:rPr>
+              <a:t>다하는것이다</a:t>
+            </a:r>
+            <a:r>
+              <a:rPr lang="en-US" altLang="ko-KR" sz="4800" dirty="0">
+                <a:solidFill>
+                  <a:srgbClr val="4C50BC"/>
+                </a:solidFill>
+                <a:latin typeface="G마켓 산스 Medium" panose="02000000000000000000" pitchFamily="50" charset="-127"/>
+                <a:ea typeface="G마켓 산스 Medium" panose="02000000000000000000" pitchFamily="50" charset="-127"/>
+              </a:rPr>
+              <a:t>.</a:t>
+            </a:r>
           </a:p>
         </p:txBody>
       </p:sp>
@@ -27256,7 +27279,7 @@
         <p:spPr>
           <a:xfrm>
             <a:off x="1281112" y="1333500"/>
-            <a:ext cx="16154400" cy="1323439"/>
+            <a:ext cx="16154400" cy="2677656"/>
           </a:xfrm>
           <a:prstGeom prst="rect">
             <a:avLst/>
@@ -27270,7 +27293,7 @@
           <a:lstStyle/>
           <a:p>
             <a:r>
-              <a:rPr lang="en-US" altLang="ko-KR" sz="4000" b="1">
+              <a:rPr lang="en-US" altLang="ko-KR" sz="4000" b="1" dirty="0">
                 <a:solidFill>
                   <a:srgbClr val="4C50BC"/>
                 </a:solidFill>
@@ -27280,7 +27303,7 @@
               <a:t>Time</a:t>
             </a:r>
             <a:r>
-              <a:rPr lang="ko-KR" altLang="en-US" sz="4000" b="1">
+              <a:rPr lang="ko-KR" altLang="en-US" sz="4000" b="1" dirty="0">
                 <a:solidFill>
                   <a:srgbClr val="4C50BC"/>
                 </a:solidFill>
@@ -27289,7 +27312,7 @@
               </a:rPr>
               <a:t>클래스를 만들어보자</a:t>
             </a:r>
-            <a:endParaRPr lang="en-US" altLang="ko-KR" sz="4000" b="1">
+            <a:endParaRPr lang="en-US" altLang="ko-KR" sz="4000" b="1" dirty="0">
               <a:solidFill>
                 <a:srgbClr val="4C50BC"/>
               </a:solidFill>
@@ -27298,43 +27321,290 @@
             </a:endParaRPr>
           </a:p>
           <a:p>
-            <a:r>
-              <a:rPr lang="en-US" altLang="ko-KR" sz="4000" b="1">
+            <a:pPr marL="457200" indent="-457200">
+              <a:buFontTx/>
+              <a:buChar char="-"/>
+            </a:pPr>
+            <a:r>
+              <a:rPr lang="ko-KR" altLang="en-US" sz="3200" dirty="0">
                 <a:solidFill>
                   <a:srgbClr val="4D4848"/>
                 </a:solidFill>
                 <a:latin typeface="G마켓 산스 Medium" panose="02000000000000000000" pitchFamily="50" charset="-127"/>
                 <a:ea typeface="G마켓 산스 Medium" panose="02000000000000000000" pitchFamily="50" charset="-127"/>
               </a:rPr>
-              <a:t>- </a:t>
-            </a:r>
-            <a:r>
-              <a:rPr lang="ko-KR" altLang="en-US" sz="4000" b="1">
+              <a:t>아래표를 보고 멤버변수와 </a:t>
+            </a:r>
+            <a:r>
+              <a:rPr lang="ko-KR" altLang="en-US" sz="3200" dirty="0" err="1">
                 <a:solidFill>
                   <a:srgbClr val="4D4848"/>
                 </a:solidFill>
                 <a:latin typeface="G마켓 산스 Medium" panose="02000000000000000000" pitchFamily="50" charset="-127"/>
                 <a:ea typeface="G마켓 산스 Medium" panose="02000000000000000000" pitchFamily="50" charset="-127"/>
               </a:rPr>
-              <a:t>아래표를 보고 멤버변수와 멤버메서드를 만들자</a:t>
-            </a:r>
-            <a:r>
-              <a:rPr lang="en-US" altLang="ko-KR" sz="4000" b="1">
+              <a:t>멤버메서드를</a:t>
+            </a:r>
+            <a:r>
+              <a:rPr lang="ko-KR" altLang="en-US" sz="3200" dirty="0">
                 <a:solidFill>
                   <a:srgbClr val="4D4848"/>
                 </a:solidFill>
                 <a:latin typeface="G마켓 산스 Medium" panose="02000000000000000000" pitchFamily="50" charset="-127"/>
                 <a:ea typeface="G마켓 산스 Medium" panose="02000000000000000000" pitchFamily="50" charset="-127"/>
               </a:rPr>
+              <a:t> 만들자</a:t>
+            </a:r>
+            <a:r>
+              <a:rPr lang="en-US" altLang="ko-KR" sz="3200" dirty="0">
+                <a:solidFill>
+                  <a:srgbClr val="4D4848"/>
+                </a:solidFill>
+                <a:latin typeface="G마켓 산스 Medium" panose="02000000000000000000" pitchFamily="50" charset="-127"/>
+                <a:ea typeface="G마켓 산스 Medium" panose="02000000000000000000" pitchFamily="50" charset="-127"/>
+              </a:rPr>
               <a:t>.</a:t>
             </a:r>
-            <a:endParaRPr lang="ko-KR" altLang="en-US" sz="4000" b="1">
-              <a:solidFill>
-                <a:srgbClr val="4D4848"/>
-              </a:solidFill>
-              <a:latin typeface="G마켓 산스 Medium" panose="02000000000000000000" pitchFamily="50" charset="-127"/>
-              <a:ea typeface="G마켓 산스 Medium" panose="02000000000000000000" pitchFamily="50" charset="-127"/>
-            </a:endParaRPr>
+          </a:p>
+          <a:p>
+            <a:pPr marL="457200" indent="-457200">
+              <a:buFontTx/>
+              <a:buChar char="-"/>
+            </a:pPr>
+            <a:r>
+              <a:rPr lang="en-US" altLang="ko-KR" sz="3200" dirty="0">
+                <a:solidFill>
+                  <a:srgbClr val="4D4848"/>
+                </a:solidFill>
+                <a:latin typeface="G마켓 산스 Medium" panose="02000000000000000000" pitchFamily="50" charset="-127"/>
+                <a:ea typeface="G마켓 산스 Medium" panose="02000000000000000000" pitchFamily="50" charset="-127"/>
+              </a:rPr>
+              <a:t>Object</a:t>
+            </a:r>
+            <a:r>
+              <a:rPr lang="ko-KR" altLang="en-US" sz="3200" dirty="0">
+                <a:solidFill>
+                  <a:srgbClr val="4D4848"/>
+                </a:solidFill>
+                <a:latin typeface="G마켓 산스 Medium" panose="02000000000000000000" pitchFamily="50" charset="-127"/>
+                <a:ea typeface="G마켓 산스 Medium" panose="02000000000000000000" pitchFamily="50" charset="-127"/>
+              </a:rPr>
+              <a:t>로 부터 상속받은 </a:t>
+            </a:r>
+            <a:r>
+              <a:rPr lang="en-US" altLang="ko-KR" sz="3200" dirty="0" err="1">
+                <a:solidFill>
+                  <a:srgbClr val="4D4848"/>
+                </a:solidFill>
+                <a:latin typeface="G마켓 산스 Medium" panose="02000000000000000000" pitchFamily="50" charset="-127"/>
+                <a:ea typeface="G마켓 산스 Medium" panose="02000000000000000000" pitchFamily="50" charset="-127"/>
+              </a:rPr>
+              <a:t>toString</a:t>
+            </a:r>
+            <a:r>
+              <a:rPr lang="en-US" altLang="ko-KR" sz="3200" dirty="0">
+                <a:solidFill>
+                  <a:srgbClr val="4D4848"/>
+                </a:solidFill>
+                <a:latin typeface="G마켓 산스 Medium" panose="02000000000000000000" pitchFamily="50" charset="-127"/>
+                <a:ea typeface="G마켓 산스 Medium" panose="02000000000000000000" pitchFamily="50" charset="-127"/>
+              </a:rPr>
+              <a:t> </a:t>
+            </a:r>
+            <a:r>
+              <a:rPr lang="ko-KR" altLang="en-US" sz="3200" dirty="0">
+                <a:solidFill>
+                  <a:srgbClr val="4D4848"/>
+                </a:solidFill>
+                <a:latin typeface="G마켓 산스 Medium" panose="02000000000000000000" pitchFamily="50" charset="-127"/>
+                <a:ea typeface="G마켓 산스 Medium" panose="02000000000000000000" pitchFamily="50" charset="-127"/>
+              </a:rPr>
+              <a:t>메서드를 </a:t>
+            </a:r>
+            <a:r>
+              <a:rPr lang="ko-KR" altLang="en-US" sz="3200" dirty="0" err="1">
+                <a:solidFill>
+                  <a:srgbClr val="4D4848"/>
+                </a:solidFill>
+                <a:latin typeface="G마켓 산스 Medium" panose="02000000000000000000" pitchFamily="50" charset="-127"/>
+                <a:ea typeface="G마켓 산스 Medium" panose="02000000000000000000" pitchFamily="50" charset="-127"/>
+              </a:rPr>
+              <a:t>오버라이딩</a:t>
+            </a:r>
+            <a:r>
+              <a:rPr lang="ko-KR" altLang="en-US" sz="3200" dirty="0">
+                <a:solidFill>
+                  <a:srgbClr val="4D4848"/>
+                </a:solidFill>
+                <a:latin typeface="G마켓 산스 Medium" panose="02000000000000000000" pitchFamily="50" charset="-127"/>
+                <a:ea typeface="G마켓 산스 Medium" panose="02000000000000000000" pitchFamily="50" charset="-127"/>
+              </a:rPr>
+              <a:t> 해보자</a:t>
+            </a:r>
+            <a:r>
+              <a:rPr lang="en-US" altLang="ko-KR" sz="3200" dirty="0">
+                <a:solidFill>
+                  <a:srgbClr val="4D4848"/>
+                </a:solidFill>
+                <a:latin typeface="G마켓 산스 Medium" panose="02000000000000000000" pitchFamily="50" charset="-127"/>
+                <a:ea typeface="G마켓 산스 Medium" panose="02000000000000000000" pitchFamily="50" charset="-127"/>
+              </a:rPr>
+              <a:t>.</a:t>
+            </a:r>
+          </a:p>
+          <a:p>
+            <a:r>
+              <a:rPr lang="en-US" altLang="ko-KR" sz="3200" dirty="0">
+                <a:solidFill>
+                  <a:srgbClr val="4D4848"/>
+                </a:solidFill>
+                <a:latin typeface="G마켓 산스 Medium" panose="02000000000000000000" pitchFamily="50" charset="-127"/>
+                <a:ea typeface="G마켓 산스 Medium" panose="02000000000000000000" pitchFamily="50" charset="-127"/>
+              </a:rPr>
+              <a:t>    </a:t>
+            </a:r>
+            <a:r>
+              <a:rPr lang="ko-KR" altLang="en-US" sz="3200" dirty="0">
+                <a:solidFill>
+                  <a:srgbClr val="4D4848"/>
+                </a:solidFill>
+                <a:latin typeface="G마켓 산스 Medium" panose="02000000000000000000" pitchFamily="50" charset="-127"/>
+                <a:ea typeface="G마켓 산스 Medium" panose="02000000000000000000" pitchFamily="50" charset="-127"/>
+              </a:rPr>
+              <a:t>원형은 </a:t>
+            </a:r>
+            <a:r>
+              <a:rPr lang="en-US" altLang="ko-KR" sz="3200" dirty="0">
+                <a:solidFill>
+                  <a:srgbClr val="4D4848"/>
+                </a:solidFill>
+                <a:latin typeface="G마켓 산스 Medium" panose="02000000000000000000" pitchFamily="50" charset="-127"/>
+                <a:ea typeface="G마켓 산스 Medium" panose="02000000000000000000" pitchFamily="50" charset="-127"/>
+              </a:rPr>
+              <a:t>public String </a:t>
+            </a:r>
+            <a:r>
+              <a:rPr lang="en-US" altLang="ko-KR" sz="3200" dirty="0" err="1">
+                <a:solidFill>
+                  <a:srgbClr val="4D4848"/>
+                </a:solidFill>
+                <a:latin typeface="G마켓 산스 Medium" panose="02000000000000000000" pitchFamily="50" charset="-127"/>
+                <a:ea typeface="G마켓 산스 Medium" panose="02000000000000000000" pitchFamily="50" charset="-127"/>
+              </a:rPr>
+              <a:t>toString</a:t>
+            </a:r>
+            <a:r>
+              <a:rPr lang="en-US" altLang="ko-KR" sz="3200" dirty="0">
+                <a:solidFill>
+                  <a:srgbClr val="4D4848"/>
+                </a:solidFill>
+                <a:latin typeface="G마켓 산스 Medium" panose="02000000000000000000" pitchFamily="50" charset="-127"/>
+                <a:ea typeface="G마켓 산스 Medium" panose="02000000000000000000" pitchFamily="50" charset="-127"/>
+              </a:rPr>
+              <a:t>()</a:t>
+            </a:r>
+            <a:r>
+              <a:rPr lang="ko-KR" altLang="en-US" sz="3200" dirty="0">
+                <a:solidFill>
+                  <a:srgbClr val="4D4848"/>
+                </a:solidFill>
+                <a:latin typeface="G마켓 산스 Medium" panose="02000000000000000000" pitchFamily="50" charset="-127"/>
+                <a:ea typeface="G마켓 산스 Medium" panose="02000000000000000000" pitchFamily="50" charset="-127"/>
+              </a:rPr>
+              <a:t>이며 </a:t>
+            </a:r>
+            <a:r>
+              <a:rPr lang="en-US" altLang="ko-KR" sz="3200" dirty="0">
+                <a:solidFill>
+                  <a:srgbClr val="4D4848"/>
+                </a:solidFill>
+                <a:latin typeface="G마켓 산스 Medium" panose="02000000000000000000" pitchFamily="50" charset="-127"/>
+                <a:ea typeface="G마켓 산스 Medium" panose="02000000000000000000" pitchFamily="50" charset="-127"/>
+              </a:rPr>
+              <a:t>IDE</a:t>
+            </a:r>
+            <a:r>
+              <a:rPr lang="ko-KR" altLang="en-US" sz="3200" dirty="0">
+                <a:solidFill>
+                  <a:srgbClr val="4D4848"/>
+                </a:solidFill>
+                <a:latin typeface="G마켓 산스 Medium" panose="02000000000000000000" pitchFamily="50" charset="-127"/>
+                <a:ea typeface="G마켓 산스 Medium" panose="02000000000000000000" pitchFamily="50" charset="-127"/>
+              </a:rPr>
+              <a:t>툴의 자동완성 기능을 이용하면 편리하다</a:t>
+            </a:r>
+            <a:r>
+              <a:rPr lang="en-US" altLang="ko-KR" sz="3200" dirty="0">
+                <a:solidFill>
+                  <a:srgbClr val="4D4848"/>
+                </a:solidFill>
+                <a:latin typeface="G마켓 산스 Medium" panose="02000000000000000000" pitchFamily="50" charset="-127"/>
+                <a:ea typeface="G마켓 산스 Medium" panose="02000000000000000000" pitchFamily="50" charset="-127"/>
+              </a:rPr>
+              <a:t>.</a:t>
+            </a:r>
+          </a:p>
+          <a:p>
+            <a:r>
+              <a:rPr lang="en-US" altLang="ko-KR" sz="3200" dirty="0">
+                <a:solidFill>
+                  <a:srgbClr val="4D4848"/>
+                </a:solidFill>
+                <a:latin typeface="G마켓 산스 Medium" panose="02000000000000000000" pitchFamily="50" charset="-127"/>
+                <a:ea typeface="G마켓 산스 Medium" panose="02000000000000000000" pitchFamily="50" charset="-127"/>
+              </a:rPr>
+              <a:t>    </a:t>
+            </a:r>
+            <a:r>
+              <a:rPr lang="en-US" altLang="ko-KR" sz="3200" dirty="0" err="1">
+                <a:solidFill>
+                  <a:srgbClr val="4D4848"/>
+                </a:solidFill>
+                <a:latin typeface="G마켓 산스 Medium" panose="02000000000000000000" pitchFamily="50" charset="-127"/>
+                <a:ea typeface="G마켓 산스 Medium" panose="02000000000000000000" pitchFamily="50" charset="-127"/>
+              </a:rPr>
+              <a:t>toString</a:t>
+            </a:r>
+            <a:r>
+              <a:rPr lang="ko-KR" altLang="en-US" sz="3200" dirty="0">
+                <a:solidFill>
+                  <a:srgbClr val="4D4848"/>
+                </a:solidFill>
+                <a:latin typeface="G마켓 산스 Medium" panose="02000000000000000000" pitchFamily="50" charset="-127"/>
+                <a:ea typeface="G마켓 산스 Medium" panose="02000000000000000000" pitchFamily="50" charset="-127"/>
+              </a:rPr>
+              <a:t>은 </a:t>
+            </a:r>
+            <a:r>
+              <a:rPr lang="ko-KR" altLang="en-US" sz="3200" dirty="0" err="1">
+                <a:solidFill>
+                  <a:srgbClr val="4D4848"/>
+                </a:solidFill>
+                <a:latin typeface="G마켓 산스 Medium" panose="02000000000000000000" pitchFamily="50" charset="-127"/>
+                <a:ea typeface="G마켓 산스 Medium" panose="02000000000000000000" pitchFamily="50" charset="-127"/>
+              </a:rPr>
+              <a:t>시분초를</a:t>
+            </a:r>
+            <a:r>
+              <a:rPr lang="ko-KR" altLang="en-US" sz="3200" dirty="0">
+                <a:solidFill>
+                  <a:srgbClr val="4D4848"/>
+                </a:solidFill>
+                <a:latin typeface="G마켓 산스 Medium" panose="02000000000000000000" pitchFamily="50" charset="-127"/>
+                <a:ea typeface="G마켓 산스 Medium" panose="02000000000000000000" pitchFamily="50" charset="-127"/>
+              </a:rPr>
+              <a:t> 적절한 문자열로 만들어 반환한다</a:t>
+            </a:r>
+            <a:r>
+              <a:rPr lang="en-US" altLang="ko-KR" sz="3200" dirty="0">
+                <a:solidFill>
+                  <a:srgbClr val="4D4848"/>
+                </a:solidFill>
+                <a:latin typeface="G마켓 산스 Medium" panose="02000000000000000000" pitchFamily="50" charset="-127"/>
+                <a:ea typeface="G마켓 산스 Medium" panose="02000000000000000000" pitchFamily="50" charset="-127"/>
+              </a:rPr>
+              <a:t>.</a:t>
+            </a:r>
           </a:p>
         </p:txBody>
       </p:sp>
@@ -27458,13 +27728,13 @@
           <p:nvPr>
             <p:extLst>
               <p:ext uri="{D42A27DB-BD31-4B8C-83A1-F6EECF244321}">
-                <p14:modId xmlns:p14="http://schemas.microsoft.com/office/powerpoint/2010/main" val="4031457389"/>
+                <p14:modId xmlns:p14="http://schemas.microsoft.com/office/powerpoint/2010/main" val="1161594377"/>
               </p:ext>
             </p:extLst>
           </p:nvPr>
         </p:nvGraphicFramePr>
         <p:xfrm>
-          <a:off x="7772400" y="2933700"/>
+          <a:off x="7772400" y="4112455"/>
           <a:ext cx="9982199" cy="2133600"/>
         </p:xfrm>
         <a:graphic>
@@ -28466,7 +28736,7 @@
         </p:blipFill>
         <p:spPr>
           <a:xfrm>
-            <a:off x="584200" y="2933700"/>
+            <a:off x="584200" y="4112455"/>
             <a:ext cx="6883400" cy="3657600"/>
           </a:xfrm>
           <a:prstGeom prst="rect">
@@ -28490,7 +28760,7 @@
         </p:blipFill>
         <p:spPr>
           <a:xfrm>
-            <a:off x="762000" y="6667500"/>
+            <a:off x="762000" y="7846255"/>
             <a:ext cx="4854324" cy="2402645"/>
           </a:xfrm>
           <a:prstGeom prst="rect">
@@ -29295,7 +29565,7 @@
           <a:lstStyle/>
           <a:p>
             <a:r>
-              <a:rPr lang="ko-KR" altLang="en-US" sz="3200" b="1">
+              <a:rPr lang="ko-KR" altLang="en-US" sz="3200" b="1" dirty="0">
                 <a:solidFill>
                   <a:srgbClr val="4C50BC"/>
                 </a:solidFill>
@@ -29305,7 +29575,7 @@
               <a:t>앞서 만든 </a:t>
             </a:r>
             <a:r>
-              <a:rPr lang="en-US" altLang="ko-KR" sz="3200" b="1">
+              <a:rPr lang="en-US" altLang="ko-KR" sz="3200" b="1" dirty="0">
                 <a:solidFill>
                   <a:srgbClr val="4C50BC"/>
                 </a:solidFill>
@@ -29315,7 +29585,7 @@
               <a:t>Time </a:t>
             </a:r>
             <a:r>
-              <a:rPr lang="ko-KR" altLang="en-US" sz="3200" b="1">
+              <a:rPr lang="ko-KR" altLang="en-US" sz="3200" b="1" dirty="0">
                 <a:solidFill>
                   <a:srgbClr val="4C50BC"/>
                 </a:solidFill>
@@ -29324,7 +29594,7 @@
               </a:rPr>
               <a:t>클래스를 개선해보자 </a:t>
             </a:r>
-            <a:endParaRPr lang="en-US" altLang="ko-KR" sz="3200" b="1">
+            <a:endParaRPr lang="en-US" altLang="ko-KR" sz="3200" b="1" dirty="0">
               <a:solidFill>
                 <a:srgbClr val="4C50BC"/>
               </a:solidFill>
@@ -29338,7 +29608,7 @@
               <a:buChar char="-"/>
             </a:pPr>
             <a:r>
-              <a:rPr lang="ko-KR" altLang="en-US" sz="3200">
+              <a:rPr lang="ko-KR" altLang="en-US" sz="3200" dirty="0">
                 <a:solidFill>
                   <a:schemeClr val="bg1">
                     <a:lumMod val="50000"/>
@@ -29350,7 +29620,7 @@
               <a:t>현재 멤버변수 </a:t>
             </a:r>
             <a:r>
-              <a:rPr lang="en-US" altLang="ko-KR" sz="3200">
+              <a:rPr lang="en-US" altLang="ko-KR" sz="3200" dirty="0">
                 <a:solidFill>
                   <a:schemeClr val="bg1">
                     <a:lumMod val="50000"/>
@@ -29362,7 +29632,7 @@
               <a:t>hour minute second</a:t>
             </a:r>
             <a:r>
-              <a:rPr lang="ko-KR" altLang="en-US" sz="3200">
+              <a:rPr lang="ko-KR" altLang="en-US" sz="3200" dirty="0">
                 <a:solidFill>
                   <a:schemeClr val="bg1">
                     <a:lumMod val="50000"/>
@@ -29371,10 +29641,10 @@
                 <a:latin typeface="G마켓 산스 Medium" panose="02000000000000000000" pitchFamily="50" charset="-127"/>
                 <a:ea typeface="G마켓 산스 Medium" panose="02000000000000000000" pitchFamily="50" charset="-127"/>
               </a:rPr>
-              <a:t>등등은 접근제어가 디폴트 이기에 클래스 외부에서 맘대로 값을 넣을수 있다</a:t>
-            </a:r>
-            <a:r>
-              <a:rPr lang="en-US" altLang="ko-KR" sz="3200">
+              <a:t>등등은 접근제어가 디폴트 이기에 클래스 외부에서 마음대로 값을 넣을 수 있다</a:t>
+            </a:r>
+            <a:r>
+              <a:rPr lang="en-US" altLang="ko-KR" sz="3200" dirty="0">
                 <a:solidFill>
                   <a:schemeClr val="bg1">
                     <a:lumMod val="50000"/>
@@ -29392,7 +29662,7 @@
               <a:buChar char="-"/>
             </a:pPr>
             <a:r>
-              <a:rPr lang="ko-KR" altLang="en-US" sz="3200">
+              <a:rPr lang="ko-KR" altLang="en-US" sz="3200" dirty="0">
                 <a:solidFill>
                   <a:schemeClr val="bg1">
                     <a:lumMod val="50000"/>
@@ -29404,7 +29674,7 @@
               <a:t>하지만 </a:t>
             </a:r>
             <a:r>
-              <a:rPr lang="en-US" altLang="ko-KR" sz="3200">
+              <a:rPr lang="en-US" altLang="ko-KR" sz="3200" dirty="0">
                 <a:solidFill>
                   <a:schemeClr val="bg1">
                     <a:lumMod val="50000"/>
@@ -29416,7 +29686,7 @@
               <a:t>hour :</a:t>
             </a:r>
             <a:r>
-              <a:rPr lang="ko-KR" altLang="en-US" sz="3200">
+              <a:rPr lang="ko-KR" altLang="en-US" sz="3200" dirty="0">
                 <a:solidFill>
                   <a:schemeClr val="bg1">
                     <a:lumMod val="50000"/>
@@ -29428,7 +29698,7 @@
               <a:t> </a:t>
             </a:r>
             <a:r>
-              <a:rPr lang="en-US" altLang="ko-KR" sz="3200">
+              <a:rPr lang="en-US" altLang="ko-KR" sz="3200" dirty="0">
                 <a:solidFill>
                   <a:schemeClr val="bg1">
                     <a:lumMod val="50000"/>
@@ -29440,7 +29710,7 @@
               <a:t>0~23 minute</a:t>
             </a:r>
             <a:r>
-              <a:rPr lang="ko-KR" altLang="en-US" sz="3200">
+              <a:rPr lang="ko-KR" altLang="en-US" sz="3200" dirty="0">
                 <a:solidFill>
                   <a:schemeClr val="bg1">
                     <a:lumMod val="50000"/>
@@ -29452,7 +29722,7 @@
               <a:t> </a:t>
             </a:r>
             <a:r>
-              <a:rPr lang="en-US" altLang="ko-KR" sz="3200">
+              <a:rPr lang="en-US" altLang="ko-KR" sz="3200" dirty="0">
                 <a:solidFill>
                   <a:schemeClr val="bg1">
                     <a:lumMod val="50000"/>
@@ -29464,7 +29734,7 @@
               <a:t>:0~59 second : 0~59</a:t>
             </a:r>
             <a:r>
-              <a:rPr lang="ko-KR" altLang="en-US" sz="3200">
+              <a:rPr lang="ko-KR" altLang="en-US" sz="3200" dirty="0">
                 <a:solidFill>
                   <a:schemeClr val="bg1">
                     <a:lumMod val="50000"/>
@@ -29476,7 +29746,7 @@
               <a:t>로 값 입력을 제한해야 한다</a:t>
             </a:r>
             <a:r>
-              <a:rPr lang="en-US" altLang="ko-KR" sz="3200">
+              <a:rPr lang="en-US" altLang="ko-KR" sz="3200" dirty="0">
                 <a:solidFill>
                   <a:schemeClr val="bg1">
                     <a:lumMod val="50000"/>
@@ -29494,7 +29764,7 @@
               <a:buChar char="-"/>
             </a:pPr>
             <a:r>
-              <a:rPr lang="ko-KR" altLang="en-US" sz="3200">
+              <a:rPr lang="ko-KR" altLang="en-US" sz="3200" dirty="0">
                 <a:solidFill>
                   <a:schemeClr val="bg1">
                     <a:lumMod val="50000"/>
@@ -29503,10 +29773,10 @@
                 <a:latin typeface="G마켓 산스 Medium" panose="02000000000000000000" pitchFamily="50" charset="-127"/>
                 <a:ea typeface="G마켓 산스 Medium" panose="02000000000000000000" pitchFamily="50" charset="-127"/>
               </a:rPr>
-              <a:t>외부에서 멤버변수에 직접 접근을 할수 있다면 값을 필터링 할수 없다</a:t>
-            </a:r>
-            <a:r>
-              <a:rPr lang="en-US" altLang="ko-KR" sz="3200">
+              <a:t>외부에서 멤버변수에 직접 접근을 할 수 있다면 값을 필터링 할 수 없다</a:t>
+            </a:r>
+            <a:r>
+              <a:rPr lang="en-US" altLang="ko-KR" sz="3200" dirty="0">
                 <a:solidFill>
                   <a:schemeClr val="bg1">
                     <a:lumMod val="50000"/>
@@ -29520,7 +29790,7 @@
           </a:p>
           <a:p>
             <a:r>
-              <a:rPr lang="ko-KR" altLang="en-US" sz="3200">
+              <a:rPr lang="ko-KR" altLang="en-US" sz="3200" dirty="0">
                 <a:solidFill>
                   <a:schemeClr val="bg1">
                     <a:lumMod val="50000"/>
@@ -29532,7 +29802,7 @@
               <a:t>따라서 </a:t>
             </a:r>
             <a:r>
-              <a:rPr lang="en-US" altLang="ko-KR" sz="3200">
+              <a:rPr lang="en-US" altLang="ko-KR" sz="3200" dirty="0">
                 <a:solidFill>
                   <a:schemeClr val="bg1">
                     <a:lumMod val="50000"/>
@@ -29544,7 +29814,7 @@
               <a:t>private</a:t>
             </a:r>
             <a:r>
-              <a:rPr lang="ko-KR" altLang="en-US" sz="3200">
+              <a:rPr lang="ko-KR" altLang="en-US" sz="3200" dirty="0">
                 <a:solidFill>
                   <a:schemeClr val="bg1">
                     <a:lumMod val="50000"/>
@@ -29556,7 +29826,7 @@
               <a:t>으로 막고 메서드를 통해 값을 초기화 하도록 해서 필터링을 해야 한다</a:t>
             </a:r>
             <a:r>
-              <a:rPr lang="en-US" altLang="ko-KR" sz="3200">
+              <a:rPr lang="en-US" altLang="ko-KR" sz="3200" dirty="0">
                 <a:solidFill>
                   <a:schemeClr val="bg1">
                     <a:lumMod val="50000"/>
@@ -30807,7 +31077,7 @@
         <p:spPr>
           <a:xfrm>
             <a:off x="457200" y="1193542"/>
-            <a:ext cx="16078200" cy="5016758"/>
+            <a:ext cx="17526000" cy="5016758"/>
           </a:xfrm>
           <a:prstGeom prst="rect">
             <a:avLst/>
@@ -30821,14 +31091,14 @@
           <a:lstStyle/>
           <a:p>
             <a:r>
-              <a:rPr lang="ko-KR" altLang="en-US" sz="3200">
+              <a:rPr lang="ko-KR" altLang="en-US" sz="3200" dirty="0" err="1">
                 <a:solidFill>
                   <a:srgbClr val="4C50BC"/>
                 </a:solidFill>
                 <a:latin typeface="G마켓 산스 Medium" panose="02000000000000000000" pitchFamily="50" charset="-127"/>
                 <a:ea typeface="G마켓 산스 Medium" panose="02000000000000000000" pitchFamily="50" charset="-127"/>
               </a:rPr>
-              <a:t>싱글톤 </a:t>
+              <a:t>싱글톤</a:t>
             </a:r>
             <a:r>
               <a:rPr lang="ko-KR" altLang="en-US" sz="3200" dirty="0">
@@ -30838,7 +31108,7 @@
                 <a:latin typeface="G마켓 산스 Medium" panose="02000000000000000000" pitchFamily="50" charset="-127"/>
                 <a:ea typeface="G마켓 산스 Medium" panose="02000000000000000000" pitchFamily="50" charset="-127"/>
               </a:rPr>
-              <a:t>패턴 만들기</a:t>
+              <a:t> 패턴 만들기</a:t>
             </a:r>
             <a:endParaRPr lang="en-US" altLang="ko-KR" sz="3200" dirty="0">
               <a:solidFill>
@@ -30850,7 +31120,7 @@
           </a:p>
           <a:p>
             <a:r>
-              <a:rPr lang="en-US" altLang="ko-KR" sz="3200" err="1">
+              <a:rPr lang="en-US" altLang="ko-KR" sz="3200" dirty="0" err="1">
                 <a:solidFill>
                   <a:schemeClr val="tx1">
                     <a:lumMod val="50000"/>
@@ -30863,7 +31133,7 @@
               <a:t>serverConnection</a:t>
             </a:r>
             <a:r>
-              <a:rPr lang="en-US" altLang="ko-KR" sz="3200">
+              <a:rPr lang="en-US" altLang="ko-KR" sz="3200" dirty="0">
                 <a:solidFill>
                   <a:schemeClr val="tx1">
                     <a:lumMod val="50000"/>
@@ -30876,7 +31146,7 @@
               <a:t> </a:t>
             </a:r>
             <a:r>
-              <a:rPr lang="ko-KR" altLang="en-US" sz="3200">
+              <a:rPr lang="ko-KR" altLang="en-US" sz="3200" dirty="0">
                 <a:solidFill>
                   <a:schemeClr val="tx1">
                     <a:lumMod val="50000"/>
@@ -30886,10 +31156,10 @@
                 <a:latin typeface="G마켓 산스 Medium" panose="02000000000000000000" pitchFamily="50" charset="-127"/>
                 <a:ea typeface="G마켓 산스 Medium" panose="02000000000000000000" pitchFamily="50" charset="-127"/>
               </a:rPr>
-              <a:t>클래스를 </a:t>
-            </a:r>
-            <a:r>
-              <a:rPr lang="ko-KR" altLang="en-US" sz="3200" dirty="0">
+              <a:t>클래스를 만들자</a:t>
+            </a:r>
+            <a:r>
+              <a:rPr lang="en-US" altLang="ko-KR" sz="3200" dirty="0">
                 <a:solidFill>
                   <a:schemeClr val="tx1">
                     <a:lumMod val="50000"/>
@@ -30899,10 +31169,10 @@
                 <a:latin typeface="G마켓 산스 Medium" panose="02000000000000000000" pitchFamily="50" charset="-127"/>
                 <a:ea typeface="G마켓 산스 Medium" panose="02000000000000000000" pitchFamily="50" charset="-127"/>
               </a:rPr>
-              <a:t>만들자</a:t>
-            </a:r>
-            <a:r>
-              <a:rPr lang="en-US" altLang="ko-KR" sz="3200" dirty="0">
+              <a:t>. </a:t>
+            </a:r>
+            <a:r>
+              <a:rPr lang="ko-KR" altLang="en-US" sz="3200" dirty="0">
                 <a:solidFill>
                   <a:schemeClr val="tx1">
                     <a:lumMod val="50000"/>
@@ -30912,10 +31182,10 @@
                 <a:latin typeface="G마켓 산스 Medium" panose="02000000000000000000" pitchFamily="50" charset="-127"/>
                 <a:ea typeface="G마켓 산스 Medium" panose="02000000000000000000" pitchFamily="50" charset="-127"/>
               </a:rPr>
-              <a:t>. </a:t>
-            </a:r>
-            <a:r>
-              <a:rPr lang="ko-KR" altLang="en-US" sz="3200">
+              <a:t>해당 클래스는 프로그램이 서버와 통신하기 위한 기능을 </a:t>
+            </a:r>
+            <a:r>
+              <a:rPr lang="ko-KR" altLang="en-US" sz="3200" dirty="0" err="1">
                 <a:solidFill>
                   <a:schemeClr val="tx1">
                     <a:lumMod val="50000"/>
@@ -30925,10 +31195,10 @@
                 <a:latin typeface="G마켓 산스 Medium" panose="02000000000000000000" pitchFamily="50" charset="-127"/>
                 <a:ea typeface="G마켓 산스 Medium" panose="02000000000000000000" pitchFamily="50" charset="-127"/>
               </a:rPr>
-              <a:t>해당 클래스는 </a:t>
-            </a:r>
-            <a:r>
-              <a:rPr lang="ko-KR" altLang="en-US" sz="3200" dirty="0">
+              <a:t>만들것이다</a:t>
+            </a:r>
+            <a:r>
+              <a:rPr lang="en-US" altLang="ko-KR" sz="3200" dirty="0">
                 <a:solidFill>
                   <a:schemeClr val="tx1">
                     <a:lumMod val="50000"/>
@@ -30938,10 +31208,12 @@
                 <a:latin typeface="G마켓 산스 Medium" panose="02000000000000000000" pitchFamily="50" charset="-127"/>
                 <a:ea typeface="G마켓 산스 Medium" panose="02000000000000000000" pitchFamily="50" charset="-127"/>
               </a:rPr>
-              <a:t>프로그램이 서버와 통신하기 </a:t>
-            </a:r>
-            <a:r>
-              <a:rPr lang="ko-KR" altLang="en-US" sz="3200">
+              <a:t>. </a:t>
+            </a:r>
+          </a:p>
+          <a:p>
+            <a:r>
+              <a:rPr lang="ko-KR" altLang="en-US" sz="3200" dirty="0">
                 <a:solidFill>
                   <a:schemeClr val="tx1">
                     <a:lumMod val="50000"/>
@@ -30951,10 +31223,10 @@
                 <a:latin typeface="G마켓 산스 Medium" panose="02000000000000000000" pitchFamily="50" charset="-127"/>
                 <a:ea typeface="G마켓 산스 Medium" panose="02000000000000000000" pitchFamily="50" charset="-127"/>
               </a:rPr>
-              <a:t>위한 기능을 만들것이다</a:t>
-            </a:r>
-            <a:r>
-              <a:rPr lang="en-US" altLang="ko-KR" sz="3200">
+              <a:t>일반적으로 이런 클래스는 여러 개의 객체가 생성되지 못하게 막아 한 개의 객체를 돌려쓰며  서버의 자원을 절약한다</a:t>
+            </a:r>
+            <a:r>
+              <a:rPr lang="en-US" altLang="ko-KR" sz="3200" dirty="0">
                 <a:solidFill>
                   <a:schemeClr val="tx1">
                     <a:lumMod val="50000"/>
@@ -30964,20 +31236,8 @@
                 <a:latin typeface="G마켓 산스 Medium" panose="02000000000000000000" pitchFamily="50" charset="-127"/>
                 <a:ea typeface="G마켓 산스 Medium" panose="02000000000000000000" pitchFamily="50" charset="-127"/>
               </a:rPr>
-              <a:t>. </a:t>
-            </a:r>
-            <a:endParaRPr lang="en-US" altLang="ko-KR" sz="3200" dirty="0">
-              <a:solidFill>
-                <a:schemeClr val="tx1">
-                  <a:lumMod val="50000"/>
-                  <a:lumOff val="50000"/>
-                </a:schemeClr>
-              </a:solidFill>
-              <a:latin typeface="G마켓 산스 Medium" panose="02000000000000000000" pitchFamily="50" charset="-127"/>
-              <a:ea typeface="G마켓 산스 Medium" panose="02000000000000000000" pitchFamily="50" charset="-127"/>
-            </a:endParaRPr>
-          </a:p>
-          <a:p>
+              <a:t>.  </a:t>
+            </a:r>
             <a:r>
               <a:rPr lang="ko-KR" altLang="en-US" sz="3200" dirty="0">
                 <a:solidFill>
@@ -30989,10 +31249,10 @@
                 <a:latin typeface="G마켓 산스 Medium" panose="02000000000000000000" pitchFamily="50" charset="-127"/>
                 <a:ea typeface="G마켓 산스 Medium" panose="02000000000000000000" pitchFamily="50" charset="-127"/>
               </a:rPr>
-              <a:t>일반적으로 이런 </a:t>
-            </a:r>
-            <a:r>
-              <a:rPr lang="ko-KR" altLang="en-US" sz="3200">
+              <a:t>이러한 구조를 체계화 해놓은 것이 </a:t>
+            </a:r>
+            <a:r>
+              <a:rPr lang="ko-KR" altLang="en-US" sz="3200" dirty="0" err="1">
                 <a:solidFill>
                   <a:schemeClr val="tx1">
                     <a:lumMod val="50000"/>
@@ -31002,7 +31262,7 @@
                 <a:latin typeface="G마켓 산스 Medium" panose="02000000000000000000" pitchFamily="50" charset="-127"/>
                 <a:ea typeface="G마켓 산스 Medium" panose="02000000000000000000" pitchFamily="50" charset="-127"/>
               </a:rPr>
-              <a:t>클래스는 여러 개의 객체가 생성되지 못하게 막아 한 개의 객체를 돌려쓰며  서버의 </a:t>
+              <a:t>디자인패턴중</a:t>
             </a:r>
             <a:r>
               <a:rPr lang="ko-KR" altLang="en-US" sz="3200" dirty="0">
@@ -31015,10 +31275,10 @@
                 <a:latin typeface="G마켓 산스 Medium" panose="02000000000000000000" pitchFamily="50" charset="-127"/>
                 <a:ea typeface="G마켓 산스 Medium" panose="02000000000000000000" pitchFamily="50" charset="-127"/>
               </a:rPr>
-              <a:t>자원을 </a:t>
-            </a:r>
-            <a:r>
-              <a:rPr lang="ko-KR" altLang="en-US" sz="3200">
+              <a:t> </a:t>
+            </a:r>
+            <a:r>
+              <a:rPr lang="ko-KR" altLang="en-US" sz="3200" dirty="0" err="1">
                 <a:solidFill>
                   <a:schemeClr val="tx1">
                     <a:lumMod val="50000"/>
@@ -31028,10 +31288,10 @@
                 <a:latin typeface="G마켓 산스 Medium" panose="02000000000000000000" pitchFamily="50" charset="-127"/>
                 <a:ea typeface="G마켓 산스 Medium" panose="02000000000000000000" pitchFamily="50" charset="-127"/>
               </a:rPr>
-              <a:t>절약한다</a:t>
-            </a:r>
-            <a:r>
-              <a:rPr lang="en-US" altLang="ko-KR" sz="3200">
+              <a:t>싱글톤패턴이다</a:t>
+            </a:r>
+            <a:r>
+              <a:rPr lang="en-US" altLang="ko-KR" sz="3200" dirty="0">
                 <a:solidFill>
                   <a:schemeClr val="tx1">
                     <a:lumMod val="50000"/>
@@ -31041,10 +31301,12 @@
                 <a:latin typeface="G마켓 산스 Medium" panose="02000000000000000000" pitchFamily="50" charset="-127"/>
                 <a:ea typeface="G마켓 산스 Medium" panose="02000000000000000000" pitchFamily="50" charset="-127"/>
               </a:rPr>
-              <a:t>.  </a:t>
-            </a:r>
-            <a:r>
-              <a:rPr lang="ko-KR" altLang="en-US" sz="3200">
+              <a:t>.</a:t>
+            </a:r>
+          </a:p>
+          <a:p>
+            <a:r>
+              <a:rPr lang="en-US" altLang="ko-KR" sz="3200" dirty="0" err="1">
                 <a:solidFill>
                   <a:schemeClr val="tx1">
                     <a:lumMod val="50000"/>
@@ -31054,10 +31316,10 @@
                 <a:latin typeface="G마켓 산스 Medium" panose="02000000000000000000" pitchFamily="50" charset="-127"/>
                 <a:ea typeface="G마켓 산스 Medium" panose="02000000000000000000" pitchFamily="50" charset="-127"/>
               </a:rPr>
-              <a:t>이러한 </a:t>
-            </a:r>
-            <a:r>
-              <a:rPr lang="ko-KR" altLang="en-US" sz="3200" dirty="0">
+              <a:t>getInstance</a:t>
+            </a:r>
+            <a:r>
+              <a:rPr lang="en-US" altLang="ko-KR" sz="3200" dirty="0">
                 <a:solidFill>
                   <a:schemeClr val="tx1">
                     <a:lumMod val="50000"/>
@@ -31067,7 +31329,7 @@
                 <a:latin typeface="G마켓 산스 Medium" panose="02000000000000000000" pitchFamily="50" charset="-127"/>
                 <a:ea typeface="G마켓 산스 Medium" panose="02000000000000000000" pitchFamily="50" charset="-127"/>
               </a:rPr>
-              <a:t>구조를 체계화 해놓은 것이 </a:t>
+              <a:t>() </a:t>
             </a:r>
             <a:r>
               <a:rPr lang="ko-KR" altLang="en-US" sz="3200" dirty="0" err="1">
@@ -31080,7 +31342,7 @@
                 <a:latin typeface="G마켓 산스 Medium" panose="02000000000000000000" pitchFamily="50" charset="-127"/>
                 <a:ea typeface="G마켓 산스 Medium" panose="02000000000000000000" pitchFamily="50" charset="-127"/>
               </a:rPr>
-              <a:t>디자인패턴중</a:t>
+              <a:t>메서드를</a:t>
             </a:r>
             <a:r>
               <a:rPr lang="ko-KR" altLang="en-US" sz="3200" dirty="0">
@@ -31093,10 +31355,10 @@
                 <a:latin typeface="G마켓 산스 Medium" panose="02000000000000000000" pitchFamily="50" charset="-127"/>
                 <a:ea typeface="G마켓 산스 Medium" panose="02000000000000000000" pitchFamily="50" charset="-127"/>
               </a:rPr>
-              <a:t> </a:t>
-            </a:r>
-            <a:r>
-              <a:rPr lang="ko-KR" altLang="en-US" sz="3200" dirty="0" err="1">
+              <a:t> 만들어 객체는 항상 </a:t>
+            </a:r>
+            <a:r>
+              <a:rPr lang="en-US" altLang="ko-KR" sz="3200" dirty="0">
                 <a:solidFill>
                   <a:schemeClr val="tx1">
                     <a:lumMod val="50000"/>
@@ -31106,10 +31368,10 @@
                 <a:latin typeface="G마켓 산스 Medium" panose="02000000000000000000" pitchFamily="50" charset="-127"/>
                 <a:ea typeface="G마켓 산스 Medium" panose="02000000000000000000" pitchFamily="50" charset="-127"/>
               </a:rPr>
-              <a:t>싱글톤패턴이다</a:t>
-            </a:r>
-            <a:r>
-              <a:rPr lang="en-US" altLang="ko-KR" sz="3200" dirty="0">
+              <a:t>1</a:t>
+            </a:r>
+            <a:r>
+              <a:rPr lang="ko-KR" altLang="en-US" sz="3200" dirty="0">
                 <a:solidFill>
                   <a:schemeClr val="tx1">
                     <a:lumMod val="50000"/>
@@ -31119,12 +31381,10 @@
                 <a:latin typeface="G마켓 산스 Medium" panose="02000000000000000000" pitchFamily="50" charset="-127"/>
                 <a:ea typeface="G마켓 산스 Medium" panose="02000000000000000000" pitchFamily="50" charset="-127"/>
               </a:rPr>
-              <a:t>.</a:t>
-            </a:r>
-          </a:p>
-          <a:p>
-            <a:r>
-              <a:rPr lang="en-US" altLang="ko-KR" sz="3200" dirty="0" err="1">
+              <a:t>개만 유지되도록 하자</a:t>
+            </a:r>
+            <a:r>
+              <a:rPr lang="en-US" altLang="ko-KR" sz="3200" dirty="0">
                 <a:solidFill>
                   <a:schemeClr val="tx1">
                     <a:lumMod val="50000"/>
@@ -31134,8 +31394,10 @@
                 <a:latin typeface="G마켓 산스 Medium" panose="02000000000000000000" pitchFamily="50" charset="-127"/>
                 <a:ea typeface="G마켓 산스 Medium" panose="02000000000000000000" pitchFamily="50" charset="-127"/>
               </a:rPr>
-              <a:t>getInstance</a:t>
-            </a:r>
+              <a:t>.</a:t>
+            </a:r>
+          </a:p>
+          <a:p>
             <a:r>
               <a:rPr lang="en-US" altLang="ko-KR" sz="3200" dirty="0">
                 <a:solidFill>
@@ -31147,10 +31409,10 @@
                 <a:latin typeface="G마켓 산스 Medium" panose="02000000000000000000" pitchFamily="50" charset="-127"/>
                 <a:ea typeface="G마켓 산스 Medium" panose="02000000000000000000" pitchFamily="50" charset="-127"/>
               </a:rPr>
-              <a:t>() </a:t>
-            </a:r>
-            <a:r>
-              <a:rPr lang="ko-KR" altLang="en-US" sz="3200" dirty="0" err="1">
+              <a:t>Static</a:t>
+            </a:r>
+            <a:r>
+              <a:rPr lang="ko-KR" altLang="en-US" sz="3200" dirty="0">
                 <a:solidFill>
                   <a:schemeClr val="tx1">
                     <a:lumMod val="50000"/>
@@ -31160,10 +31422,10 @@
                 <a:latin typeface="G마켓 산스 Medium" panose="02000000000000000000" pitchFamily="50" charset="-127"/>
                 <a:ea typeface="G마켓 산스 Medium" panose="02000000000000000000" pitchFamily="50" charset="-127"/>
               </a:rPr>
-              <a:t>메서드를</a:t>
-            </a:r>
-            <a:r>
-              <a:rPr lang="ko-KR" altLang="en-US" sz="3200" dirty="0">
+              <a:t>과 </a:t>
+            </a:r>
+            <a:r>
+              <a:rPr lang="en-US" altLang="ko-KR" sz="3200" dirty="0">
                 <a:solidFill>
                   <a:schemeClr val="tx1">
                     <a:lumMod val="50000"/>
@@ -31173,10 +31435,10 @@
                 <a:latin typeface="G마켓 산스 Medium" panose="02000000000000000000" pitchFamily="50" charset="-127"/>
                 <a:ea typeface="G마켓 산스 Medium" panose="02000000000000000000" pitchFamily="50" charset="-127"/>
               </a:rPr>
-              <a:t> 만들어 객체는 항상 </a:t>
-            </a:r>
-            <a:r>
-              <a:rPr lang="en-US" altLang="ko-KR" sz="3200" dirty="0">
+              <a:t>private</a:t>
+            </a:r>
+            <a:r>
+              <a:rPr lang="ko-KR" altLang="en-US" sz="3200" dirty="0">
                 <a:solidFill>
                   <a:schemeClr val="tx1">
                     <a:lumMod val="50000"/>
@@ -31186,10 +31448,10 @@
                 <a:latin typeface="G마켓 산스 Medium" panose="02000000000000000000" pitchFamily="50" charset="-127"/>
                 <a:ea typeface="G마켓 산스 Medium" panose="02000000000000000000" pitchFamily="50" charset="-127"/>
               </a:rPr>
-              <a:t>1</a:t>
-            </a:r>
-            <a:r>
-              <a:rPr lang="ko-KR" altLang="en-US" sz="3200" dirty="0">
+              <a:t>를 활용하자</a:t>
+            </a:r>
+            <a:r>
+              <a:rPr lang="en-US" altLang="ko-KR" sz="3200" dirty="0">
                 <a:solidFill>
                   <a:schemeClr val="tx1">
                     <a:lumMod val="50000"/>
@@ -31199,86 +31461,6 @@
                 <a:latin typeface="G마켓 산스 Medium" panose="02000000000000000000" pitchFamily="50" charset="-127"/>
                 <a:ea typeface="G마켓 산스 Medium" panose="02000000000000000000" pitchFamily="50" charset="-127"/>
               </a:rPr>
-              <a:t>개만 유지되도록 하자</a:t>
-            </a:r>
-            <a:r>
-              <a:rPr lang="en-US" altLang="ko-KR" sz="3200" dirty="0">
-                <a:solidFill>
-                  <a:schemeClr val="tx1">
-                    <a:lumMod val="50000"/>
-                    <a:lumOff val="50000"/>
-                  </a:schemeClr>
-                </a:solidFill>
-                <a:latin typeface="G마켓 산스 Medium" panose="02000000000000000000" pitchFamily="50" charset="-127"/>
-                <a:ea typeface="G마켓 산스 Medium" panose="02000000000000000000" pitchFamily="50" charset="-127"/>
-              </a:rPr>
-              <a:t>.</a:t>
-            </a:r>
-          </a:p>
-          <a:p>
-            <a:r>
-              <a:rPr lang="en-US" altLang="ko-KR" sz="3200" dirty="0">
-                <a:solidFill>
-                  <a:schemeClr val="tx1">
-                    <a:lumMod val="50000"/>
-                    <a:lumOff val="50000"/>
-                  </a:schemeClr>
-                </a:solidFill>
-                <a:latin typeface="G마켓 산스 Medium" panose="02000000000000000000" pitchFamily="50" charset="-127"/>
-                <a:ea typeface="G마켓 산스 Medium" panose="02000000000000000000" pitchFamily="50" charset="-127"/>
-              </a:rPr>
-              <a:t>Static</a:t>
-            </a:r>
-            <a:r>
-              <a:rPr lang="ko-KR" altLang="en-US" sz="3200" dirty="0">
-                <a:solidFill>
-                  <a:schemeClr val="tx1">
-                    <a:lumMod val="50000"/>
-                    <a:lumOff val="50000"/>
-                  </a:schemeClr>
-                </a:solidFill>
-                <a:latin typeface="G마켓 산스 Medium" panose="02000000000000000000" pitchFamily="50" charset="-127"/>
-                <a:ea typeface="G마켓 산스 Medium" panose="02000000000000000000" pitchFamily="50" charset="-127"/>
-              </a:rPr>
-              <a:t>과 </a:t>
-            </a:r>
-            <a:r>
-              <a:rPr lang="en-US" altLang="ko-KR" sz="3200" dirty="0">
-                <a:solidFill>
-                  <a:schemeClr val="tx1">
-                    <a:lumMod val="50000"/>
-                    <a:lumOff val="50000"/>
-                  </a:schemeClr>
-                </a:solidFill>
-                <a:latin typeface="G마켓 산스 Medium" panose="02000000000000000000" pitchFamily="50" charset="-127"/>
-                <a:ea typeface="G마켓 산스 Medium" panose="02000000000000000000" pitchFamily="50" charset="-127"/>
-              </a:rPr>
-              <a:t>private</a:t>
-            </a:r>
-            <a:r>
-              <a:rPr lang="ko-KR" altLang="en-US" sz="3200" dirty="0">
-                <a:solidFill>
-                  <a:schemeClr val="tx1">
-                    <a:lumMod val="50000"/>
-                    <a:lumOff val="50000"/>
-                  </a:schemeClr>
-                </a:solidFill>
-                <a:latin typeface="G마켓 산스 Medium" panose="02000000000000000000" pitchFamily="50" charset="-127"/>
-                <a:ea typeface="G마켓 산스 Medium" panose="02000000000000000000" pitchFamily="50" charset="-127"/>
-              </a:rPr>
-              <a:t>를 활용하자</a:t>
-            </a:r>
-            <a:r>
-              <a:rPr lang="en-US" altLang="ko-KR" sz="3200" dirty="0">
-                <a:solidFill>
-                  <a:schemeClr val="tx1">
-                    <a:lumMod val="50000"/>
-                    <a:lumOff val="50000"/>
-                  </a:schemeClr>
-                </a:solidFill>
-                <a:latin typeface="G마켓 산스 Medium" panose="02000000000000000000" pitchFamily="50" charset="-127"/>
-                <a:ea typeface="G마켓 산스 Medium" panose="02000000000000000000" pitchFamily="50" charset="-127"/>
-              </a:rPr>
               <a:t>.</a:t>
             </a:r>
           </a:p>
@@ -31288,44 +31470,14 @@
               <a:buChar char="-"/>
             </a:pPr>
             <a:r>
-              <a:rPr lang="ko-KR" altLang="en-US" sz="3200" dirty="0" err="1">
+              <a:rPr lang="ko-KR" altLang="en-US" sz="3200" dirty="0">
                 <a:solidFill>
                   <a:srgbClr val="FF0000"/>
                 </a:solidFill>
                 <a:latin typeface="G마켓 산스 Medium" panose="02000000000000000000" pitchFamily="50" charset="-127"/>
                 <a:ea typeface="G마켓 산스 Medium" panose="02000000000000000000" pitchFamily="50" charset="-127"/>
               </a:rPr>
-              <a:t>생성자를</a:t>
-            </a:r>
-            <a:r>
-              <a:rPr lang="ko-KR" altLang="en-US" sz="3200" dirty="0">
-                <a:solidFill>
-                  <a:srgbClr val="FF0000"/>
-                </a:solidFill>
-                <a:latin typeface="G마켓 산스 Medium" panose="02000000000000000000" pitchFamily="50" charset="-127"/>
-                <a:ea typeface="G마켓 산스 Medium" panose="02000000000000000000" pitchFamily="50" charset="-127"/>
-              </a:rPr>
-              <a:t> 직접 </a:t>
-            </a:r>
-            <a:r>
-              <a:rPr lang="ko-KR" altLang="en-US" sz="3200" dirty="0" err="1">
-                <a:solidFill>
-                  <a:srgbClr val="FF0000"/>
-                </a:solidFill>
-                <a:latin typeface="G마켓 산스 Medium" panose="02000000000000000000" pitchFamily="50" charset="-127"/>
-                <a:ea typeface="G마켓 산스 Medium" panose="02000000000000000000" pitchFamily="50" charset="-127"/>
-              </a:rPr>
-              <a:t>사용못하게</a:t>
-            </a:r>
-            <a:r>
-              <a:rPr lang="ko-KR" altLang="en-US" sz="3200" dirty="0">
-                <a:solidFill>
-                  <a:srgbClr val="FF0000"/>
-                </a:solidFill>
-                <a:latin typeface="G마켓 산스 Medium" panose="02000000000000000000" pitchFamily="50" charset="-127"/>
-                <a:ea typeface="G마켓 산스 Medium" panose="02000000000000000000" pitchFamily="50" charset="-127"/>
-              </a:rPr>
-              <a:t> 막아야 한다</a:t>
+              <a:t>생성자를 직접 사용 못하게 막아야 한다</a:t>
             </a:r>
             <a:r>
               <a:rPr lang="en-US" altLang="ko-KR" sz="3200" dirty="0">
@@ -31364,44 +31516,14 @@
               <a:t>() </a:t>
             </a:r>
             <a:r>
-              <a:rPr lang="ko-KR" altLang="en-US" sz="3200" dirty="0" err="1">
+              <a:rPr lang="ko-KR" altLang="en-US" sz="3200" dirty="0">
                 <a:solidFill>
                   <a:srgbClr val="FF0000"/>
                 </a:solidFill>
                 <a:latin typeface="G마켓 산스 Medium" panose="02000000000000000000" pitchFamily="50" charset="-127"/>
                 <a:ea typeface="G마켓 산스 Medium" panose="02000000000000000000" pitchFamily="50" charset="-127"/>
               </a:rPr>
-              <a:t>메서드를</a:t>
-            </a:r>
-            <a:r>
-              <a:rPr lang="ko-KR" altLang="en-US" sz="3200" dirty="0">
-                <a:solidFill>
-                  <a:srgbClr val="FF0000"/>
-                </a:solidFill>
-                <a:latin typeface="G마켓 산스 Medium" panose="02000000000000000000" pitchFamily="50" charset="-127"/>
-                <a:ea typeface="G마켓 산스 Medium" panose="02000000000000000000" pitchFamily="50" charset="-127"/>
-              </a:rPr>
-              <a:t> 통해서만 객체를 </a:t>
-            </a:r>
-            <a:r>
-              <a:rPr lang="ko-KR" altLang="en-US" sz="3200" dirty="0" err="1">
-                <a:solidFill>
-                  <a:srgbClr val="FF0000"/>
-                </a:solidFill>
-                <a:latin typeface="G마켓 산스 Medium" panose="02000000000000000000" pitchFamily="50" charset="-127"/>
-                <a:ea typeface="G마켓 산스 Medium" panose="02000000000000000000" pitchFamily="50" charset="-127"/>
-              </a:rPr>
-              <a:t>가져갈수</a:t>
-            </a:r>
-            <a:r>
-              <a:rPr lang="ko-KR" altLang="en-US" sz="3200" dirty="0">
-                <a:solidFill>
-                  <a:srgbClr val="FF0000"/>
-                </a:solidFill>
-                <a:latin typeface="G마켓 산스 Medium" panose="02000000000000000000" pitchFamily="50" charset="-127"/>
-                <a:ea typeface="G마켓 산스 Medium" panose="02000000000000000000" pitchFamily="50" charset="-127"/>
-              </a:rPr>
-              <a:t> 있도록 해야 한다</a:t>
+              <a:t>메서드를 통해서만 객체를 가져 갈수 있도록 해야 한다</a:t>
             </a:r>
             <a:r>
               <a:rPr lang="en-US" altLang="ko-KR" sz="3200" dirty="0">
@@ -31465,8 +31587,8 @@
         </p:blipFill>
         <p:spPr>
           <a:xfrm>
-            <a:off x="228600" y="6362700"/>
-            <a:ext cx="9062618" cy="3886200"/>
+            <a:off x="428171" y="6438900"/>
+            <a:ext cx="7848600" cy="3365609"/>
           </a:xfrm>
           <a:prstGeom prst="rect">
             <a:avLst/>
@@ -31489,7 +31611,7 @@
         </p:blipFill>
         <p:spPr>
           <a:xfrm>
-            <a:off x="9601200" y="6423074"/>
+            <a:off x="8886371" y="6438900"/>
             <a:ext cx="8026195" cy="2530426"/>
           </a:xfrm>
           <a:prstGeom prst="rect">
